--- a/zaba.pptx
+++ b/zaba.pptx
@@ -5,7 +5,7 @@
     <p:sldMasterId id="2147483648" r:id="rId1"/>
   </p:sldMasterIdLst>
   <p:notesMasterIdLst>
-    <p:notesMasterId r:id="rId14"/>
+    <p:notesMasterId r:id="rId18"/>
   </p:notesMasterIdLst>
   <p:sldIdLst>
     <p:sldId id="256" r:id="rId2"/>
@@ -17,9 +17,13 @@
     <p:sldId id="267" r:id="rId8"/>
     <p:sldId id="262" r:id="rId9"/>
     <p:sldId id="263" r:id="rId10"/>
-    <p:sldId id="264" r:id="rId11"/>
-    <p:sldId id="265" r:id="rId12"/>
-    <p:sldId id="266" r:id="rId13"/>
+    <p:sldId id="268" r:id="rId11"/>
+    <p:sldId id="269" r:id="rId12"/>
+    <p:sldId id="270" r:id="rId13"/>
+    <p:sldId id="271" r:id="rId14"/>
+    <p:sldId id="264" r:id="rId15"/>
+    <p:sldId id="265" r:id="rId16"/>
+    <p:sldId id="266" r:id="rId17"/>
   </p:sldIdLst>
   <p:sldSz cx="12192000" cy="6858000"/>
   <p:notesSz cx="6858000" cy="9144000"/>
@@ -208,7 +212,7 @@
           <a:p>
             <a:fld id="{D0DBE76F-E478-4CDF-9F04-A8F47C386855}" type="datetimeFigureOut">
               <a:rPr lang="cs-CZ" smtClean="0"/>
-              <a:t>14.12.2022</a:t>
+              <a:t>20.12.2022</a:t>
             </a:fld>
             <a:endParaRPr lang="cs-CZ"/>
           </a:p>
@@ -608,13 +612,8 @@
           <a:p>
             <a:r>
               <a:rPr lang="cs-CZ" dirty="0"/>
-              <a:t>Ověřit, že příklad splňuje principy, je to MD5 </a:t>
-            </a:r>
-            <a:r>
-              <a:rPr lang="cs-CZ" dirty="0" err="1"/>
-              <a:t>hash</a:t>
-            </a:r>
-            <a:endParaRPr lang="cs-CZ" dirty="0"/>
+              <a:t>Říct více ke každému bodu – uvést příklad</a:t>
+            </a:r>
           </a:p>
         </p:txBody>
       </p:sp>
@@ -636,6 +635,367 @@
             <a:fld id="{5E36BCEB-5E76-43F9-8350-7C65F3BB3CA7}" type="slidenum">
               <a:rPr lang="cs-CZ" smtClean="0"/>
               <a:t>10</a:t>
+            </a:fld>
+            <a:endParaRPr lang="cs-CZ"/>
+          </a:p>
+        </p:txBody>
+      </p:sp>
+    </p:spTree>
+    <p:extLst>
+      <p:ext uri="{BB962C8B-B14F-4D97-AF65-F5344CB8AC3E}">
+        <p14:creationId xmlns:p14="http://schemas.microsoft.com/office/powerpoint/2010/main" val="1187518571"/>
+      </p:ext>
+    </p:extLst>
+  </p:cSld>
+  <p:clrMapOvr>
+    <a:masterClrMapping/>
+  </p:clrMapOvr>
+</p:notes>
+</file>
+
+<file path=ppt/notesSlides/notesSlide11.xml><?xml version="1.0" encoding="utf-8"?>
+<p:notes xmlns:a="http://schemas.openxmlformats.org/drawingml/2006/main" xmlns:r="http://schemas.openxmlformats.org/officeDocument/2006/relationships" xmlns:p="http://schemas.openxmlformats.org/presentationml/2006/main">
+  <p:cSld>
+    <p:spTree>
+      <p:nvGrpSpPr>
+        <p:cNvPr id="1" name=""/>
+        <p:cNvGrpSpPr/>
+        <p:nvPr/>
+      </p:nvGrpSpPr>
+      <p:grpSpPr>
+        <a:xfrm>
+          <a:off x="0" y="0"/>
+          <a:ext cx="0" cy="0"/>
+          <a:chOff x="0" y="0"/>
+          <a:chExt cx="0" cy="0"/>
+        </a:xfrm>
+      </p:grpSpPr>
+      <p:sp>
+        <p:nvSpPr>
+          <p:cNvPr id="2" name="Zástupný symbol pro obrázek snímku 1"/>
+          <p:cNvSpPr>
+            <a:spLocks noGrp="1" noRot="1" noChangeAspect="1"/>
+          </p:cNvSpPr>
+          <p:nvPr>
+            <p:ph type="sldImg"/>
+          </p:nvPr>
+        </p:nvSpPr>
+        <p:spPr/>
+      </p:sp>
+      <p:sp>
+        <p:nvSpPr>
+          <p:cNvPr id="3" name="Zástupný symbol pro poznámky 2"/>
+          <p:cNvSpPr>
+            <a:spLocks noGrp="1"/>
+          </p:cNvSpPr>
+          <p:nvPr>
+            <p:ph type="body" idx="1"/>
+          </p:nvPr>
+        </p:nvSpPr>
+        <p:spPr/>
+        <p:txBody>
+          <a:bodyPr/>
+          <a:lstStyle/>
+          <a:p>
+            <a:r>
+              <a:rPr lang="cs-CZ" dirty="0"/>
+              <a:t>Využívána na telegrafních spojeních, Říct o mezerách mezi znaky</a:t>
+            </a:r>
+          </a:p>
+        </p:txBody>
+      </p:sp>
+      <p:sp>
+        <p:nvSpPr>
+          <p:cNvPr id="4" name="Zástupný symbol pro číslo snímku 3"/>
+          <p:cNvSpPr>
+            <a:spLocks noGrp="1"/>
+          </p:cNvSpPr>
+          <p:nvPr>
+            <p:ph type="sldNum" sz="quarter" idx="5"/>
+          </p:nvPr>
+        </p:nvSpPr>
+        <p:spPr/>
+        <p:txBody>
+          <a:bodyPr/>
+          <a:lstStyle/>
+          <a:p>
+            <a:fld id="{5E36BCEB-5E76-43F9-8350-7C65F3BB3CA7}" type="slidenum">
+              <a:rPr lang="cs-CZ" smtClean="0"/>
+              <a:t>11</a:t>
+            </a:fld>
+            <a:endParaRPr lang="cs-CZ"/>
+          </a:p>
+        </p:txBody>
+      </p:sp>
+    </p:spTree>
+    <p:extLst>
+      <p:ext uri="{BB962C8B-B14F-4D97-AF65-F5344CB8AC3E}">
+        <p14:creationId xmlns:p14="http://schemas.microsoft.com/office/powerpoint/2010/main" val="2294986495"/>
+      </p:ext>
+    </p:extLst>
+  </p:cSld>
+  <p:clrMapOvr>
+    <a:masterClrMapping/>
+  </p:clrMapOvr>
+</p:notes>
+</file>
+
+<file path=ppt/notesSlides/notesSlide12.xml><?xml version="1.0" encoding="utf-8"?>
+<p:notes xmlns:a="http://schemas.openxmlformats.org/drawingml/2006/main" xmlns:r="http://schemas.openxmlformats.org/officeDocument/2006/relationships" xmlns:p="http://schemas.openxmlformats.org/presentationml/2006/main">
+  <p:cSld>
+    <p:spTree>
+      <p:nvGrpSpPr>
+        <p:cNvPr id="1" name=""/>
+        <p:cNvGrpSpPr/>
+        <p:nvPr/>
+      </p:nvGrpSpPr>
+      <p:grpSpPr>
+        <a:xfrm>
+          <a:off x="0" y="0"/>
+          <a:ext cx="0" cy="0"/>
+          <a:chOff x="0" y="0"/>
+          <a:chExt cx="0" cy="0"/>
+        </a:xfrm>
+      </p:grpSpPr>
+      <p:sp>
+        <p:nvSpPr>
+          <p:cNvPr id="2" name="Zástupný symbol pro obrázek snímku 1"/>
+          <p:cNvSpPr>
+            <a:spLocks noGrp="1" noRot="1" noChangeAspect="1"/>
+          </p:cNvSpPr>
+          <p:nvPr>
+            <p:ph type="sldImg"/>
+          </p:nvPr>
+        </p:nvSpPr>
+        <p:spPr/>
+      </p:sp>
+      <p:sp>
+        <p:nvSpPr>
+          <p:cNvPr id="3" name="Zástupný symbol pro poznámky 2"/>
+          <p:cNvSpPr>
+            <a:spLocks noGrp="1"/>
+          </p:cNvSpPr>
+          <p:nvPr>
+            <p:ph type="body" idx="1"/>
+          </p:nvPr>
+        </p:nvSpPr>
+        <p:spPr/>
+        <p:txBody>
+          <a:bodyPr/>
+          <a:lstStyle/>
+          <a:p>
+            <a:r>
+              <a:rPr lang="cs-CZ" dirty="0"/>
+              <a:t>Kde najít utf-8, české a jiné znaky v utf-8/16</a:t>
+            </a:r>
+          </a:p>
+        </p:txBody>
+      </p:sp>
+      <p:sp>
+        <p:nvSpPr>
+          <p:cNvPr id="4" name="Zástupný symbol pro číslo snímku 3"/>
+          <p:cNvSpPr>
+            <a:spLocks noGrp="1"/>
+          </p:cNvSpPr>
+          <p:nvPr>
+            <p:ph type="sldNum" sz="quarter" idx="5"/>
+          </p:nvPr>
+        </p:nvSpPr>
+        <p:spPr/>
+        <p:txBody>
+          <a:bodyPr/>
+          <a:lstStyle/>
+          <a:p>
+            <a:fld id="{5E36BCEB-5E76-43F9-8350-7C65F3BB3CA7}" type="slidenum">
+              <a:rPr lang="cs-CZ" smtClean="0"/>
+              <a:t>12</a:t>
+            </a:fld>
+            <a:endParaRPr lang="cs-CZ"/>
+          </a:p>
+        </p:txBody>
+      </p:sp>
+    </p:spTree>
+    <p:extLst>
+      <p:ext uri="{BB962C8B-B14F-4D97-AF65-F5344CB8AC3E}">
+        <p14:creationId xmlns:p14="http://schemas.microsoft.com/office/powerpoint/2010/main" val="2021720126"/>
+      </p:ext>
+    </p:extLst>
+  </p:cSld>
+  <p:clrMapOvr>
+    <a:masterClrMapping/>
+  </p:clrMapOvr>
+</p:notes>
+</file>
+
+<file path=ppt/notesSlides/notesSlide13.xml><?xml version="1.0" encoding="utf-8"?>
+<p:notes xmlns:a="http://schemas.openxmlformats.org/drawingml/2006/main" xmlns:r="http://schemas.openxmlformats.org/officeDocument/2006/relationships" xmlns:p="http://schemas.openxmlformats.org/presentationml/2006/main">
+  <p:cSld>
+    <p:spTree>
+      <p:nvGrpSpPr>
+        <p:cNvPr id="1" name=""/>
+        <p:cNvGrpSpPr/>
+        <p:nvPr/>
+      </p:nvGrpSpPr>
+      <p:grpSpPr>
+        <a:xfrm>
+          <a:off x="0" y="0"/>
+          <a:ext cx="0" cy="0"/>
+          <a:chOff x="0" y="0"/>
+          <a:chExt cx="0" cy="0"/>
+        </a:xfrm>
+      </p:grpSpPr>
+      <p:sp>
+        <p:nvSpPr>
+          <p:cNvPr id="2" name="Zástupný symbol pro obrázek snímku 1"/>
+          <p:cNvSpPr>
+            <a:spLocks noGrp="1" noRot="1" noChangeAspect="1"/>
+          </p:cNvSpPr>
+          <p:nvPr>
+            <p:ph type="sldImg"/>
+          </p:nvPr>
+        </p:nvSpPr>
+        <p:spPr/>
+      </p:sp>
+      <p:sp>
+        <p:nvSpPr>
+          <p:cNvPr id="3" name="Zástupný symbol pro poznámky 2"/>
+          <p:cNvSpPr>
+            <a:spLocks noGrp="1"/>
+          </p:cNvSpPr>
+          <p:nvPr>
+            <p:ph type="body" idx="1"/>
+          </p:nvPr>
+        </p:nvSpPr>
+        <p:spPr/>
+        <p:txBody>
+          <a:bodyPr/>
+          <a:lstStyle/>
+          <a:p>
+            <a:r>
+              <a:rPr lang="cs-CZ" dirty="0"/>
+              <a:t>Říct o provázanosti délky </a:t>
+            </a:r>
+            <a:r>
+              <a:rPr lang="cs-CZ" dirty="0" err="1"/>
+              <a:t>plain</a:t>
+            </a:r>
+            <a:r>
+              <a:rPr lang="cs-CZ" dirty="0"/>
+              <a:t> a zakódovaného</a:t>
+            </a:r>
+          </a:p>
+        </p:txBody>
+      </p:sp>
+      <p:sp>
+        <p:nvSpPr>
+          <p:cNvPr id="4" name="Zástupný symbol pro číslo snímku 3"/>
+          <p:cNvSpPr>
+            <a:spLocks noGrp="1"/>
+          </p:cNvSpPr>
+          <p:nvPr>
+            <p:ph type="sldNum" sz="quarter" idx="5"/>
+          </p:nvPr>
+        </p:nvSpPr>
+        <p:spPr/>
+        <p:txBody>
+          <a:bodyPr/>
+          <a:lstStyle/>
+          <a:p>
+            <a:fld id="{5E36BCEB-5E76-43F9-8350-7C65F3BB3CA7}" type="slidenum">
+              <a:rPr lang="cs-CZ" smtClean="0"/>
+              <a:t>13</a:t>
+            </a:fld>
+            <a:endParaRPr lang="cs-CZ"/>
+          </a:p>
+        </p:txBody>
+      </p:sp>
+    </p:spTree>
+    <p:extLst>
+      <p:ext uri="{BB962C8B-B14F-4D97-AF65-F5344CB8AC3E}">
+        <p14:creationId xmlns:p14="http://schemas.microsoft.com/office/powerpoint/2010/main" val="2388764158"/>
+      </p:ext>
+    </p:extLst>
+  </p:cSld>
+  <p:clrMapOvr>
+    <a:masterClrMapping/>
+  </p:clrMapOvr>
+</p:notes>
+</file>
+
+<file path=ppt/notesSlides/notesSlide14.xml><?xml version="1.0" encoding="utf-8"?>
+<p:notes xmlns:a="http://schemas.openxmlformats.org/drawingml/2006/main" xmlns:r="http://schemas.openxmlformats.org/officeDocument/2006/relationships" xmlns:p="http://schemas.openxmlformats.org/presentationml/2006/main">
+  <p:cSld>
+    <p:spTree>
+      <p:nvGrpSpPr>
+        <p:cNvPr id="1" name=""/>
+        <p:cNvGrpSpPr/>
+        <p:nvPr/>
+      </p:nvGrpSpPr>
+      <p:grpSpPr>
+        <a:xfrm>
+          <a:off x="0" y="0"/>
+          <a:ext cx="0" cy="0"/>
+          <a:chOff x="0" y="0"/>
+          <a:chExt cx="0" cy="0"/>
+        </a:xfrm>
+      </p:grpSpPr>
+      <p:sp>
+        <p:nvSpPr>
+          <p:cNvPr id="2" name="Zástupný symbol pro obrázek snímku 1"/>
+          <p:cNvSpPr>
+            <a:spLocks noGrp="1" noRot="1" noChangeAspect="1"/>
+          </p:cNvSpPr>
+          <p:nvPr>
+            <p:ph type="sldImg"/>
+          </p:nvPr>
+        </p:nvSpPr>
+        <p:spPr/>
+      </p:sp>
+      <p:sp>
+        <p:nvSpPr>
+          <p:cNvPr id="3" name="Zástupný symbol pro poznámky 2"/>
+          <p:cNvSpPr>
+            <a:spLocks noGrp="1"/>
+          </p:cNvSpPr>
+          <p:nvPr>
+            <p:ph type="body" idx="1"/>
+          </p:nvPr>
+        </p:nvSpPr>
+        <p:spPr/>
+        <p:txBody>
+          <a:bodyPr/>
+          <a:lstStyle/>
+          <a:p>
+            <a:r>
+              <a:rPr lang="cs-CZ" dirty="0"/>
+              <a:t>Ověřit, že příklad splňuje principy, je to MD5 </a:t>
+            </a:r>
+            <a:r>
+              <a:rPr lang="cs-CZ" dirty="0" err="1"/>
+              <a:t>hash</a:t>
+            </a:r>
+            <a:endParaRPr lang="cs-CZ" dirty="0"/>
+          </a:p>
+        </p:txBody>
+      </p:sp>
+      <p:sp>
+        <p:nvSpPr>
+          <p:cNvPr id="4" name="Zástupný symbol pro číslo snímku 3"/>
+          <p:cNvSpPr>
+            <a:spLocks noGrp="1"/>
+          </p:cNvSpPr>
+          <p:nvPr>
+            <p:ph type="sldNum" sz="quarter" idx="5"/>
+          </p:nvPr>
+        </p:nvSpPr>
+        <p:spPr/>
+        <p:txBody>
+          <a:bodyPr/>
+          <a:lstStyle/>
+          <a:p>
+            <a:fld id="{5E36BCEB-5E76-43F9-8350-7C65F3BB3CA7}" type="slidenum">
+              <a:rPr lang="cs-CZ" smtClean="0"/>
+              <a:t>14</a:t>
             </a:fld>
             <a:endParaRPr lang="cs-CZ"/>
           </a:p>
@@ -1185,7 +1545,7 @@
           <a:p>
             <a:r>
               <a:rPr lang="cs-CZ" dirty="0"/>
-              <a:t>Co je IV, vysvětlit blokovou šifru</a:t>
+              <a:t>Co je IV = inicializační vektor, vysvětlit blokovou šifru</a:t>
             </a:r>
           </a:p>
         </p:txBody>
@@ -1547,7 +1907,7 @@
           <a:p>
             <a:fld id="{EB31D8B1-0D78-4C87-B840-B8411C30AC20}" type="datetimeFigureOut">
               <a:rPr lang="cs-CZ" smtClean="0"/>
-              <a:t>14.12.2022</a:t>
+              <a:t>20.12.2022</a:t>
             </a:fld>
             <a:endParaRPr lang="cs-CZ"/>
           </a:p>
@@ -1748,7 +2108,7 @@
           <a:p>
             <a:fld id="{EB31D8B1-0D78-4C87-B840-B8411C30AC20}" type="datetimeFigureOut">
               <a:rPr lang="cs-CZ" smtClean="0"/>
-              <a:t>14.12.2022</a:t>
+              <a:t>20.12.2022</a:t>
             </a:fld>
             <a:endParaRPr lang="cs-CZ"/>
           </a:p>
@@ -1959,7 +2319,7 @@
           <a:p>
             <a:fld id="{EB31D8B1-0D78-4C87-B840-B8411C30AC20}" type="datetimeFigureOut">
               <a:rPr lang="cs-CZ" smtClean="0"/>
-              <a:t>14.12.2022</a:t>
+              <a:t>20.12.2022</a:t>
             </a:fld>
             <a:endParaRPr lang="cs-CZ"/>
           </a:p>
@@ -2160,7 +2520,7 @@
           <a:p>
             <a:fld id="{EB31D8B1-0D78-4C87-B840-B8411C30AC20}" type="datetimeFigureOut">
               <a:rPr lang="cs-CZ" smtClean="0"/>
-              <a:t>14.12.2022</a:t>
+              <a:t>20.12.2022</a:t>
             </a:fld>
             <a:endParaRPr lang="cs-CZ"/>
           </a:p>
@@ -2438,7 +2798,7 @@
           <a:p>
             <a:fld id="{EB31D8B1-0D78-4C87-B840-B8411C30AC20}" type="datetimeFigureOut">
               <a:rPr lang="cs-CZ" smtClean="0"/>
-              <a:t>14.12.2022</a:t>
+              <a:t>20.12.2022</a:t>
             </a:fld>
             <a:endParaRPr lang="cs-CZ"/>
           </a:p>
@@ -2706,7 +3066,7 @@
           <a:p>
             <a:fld id="{EB31D8B1-0D78-4C87-B840-B8411C30AC20}" type="datetimeFigureOut">
               <a:rPr lang="cs-CZ" smtClean="0"/>
-              <a:t>14.12.2022</a:t>
+              <a:t>20.12.2022</a:t>
             </a:fld>
             <a:endParaRPr lang="cs-CZ"/>
           </a:p>
@@ -3121,7 +3481,7 @@
           <a:p>
             <a:fld id="{EB31D8B1-0D78-4C87-B840-B8411C30AC20}" type="datetimeFigureOut">
               <a:rPr lang="cs-CZ" smtClean="0"/>
-              <a:t>14.12.2022</a:t>
+              <a:t>20.12.2022</a:t>
             </a:fld>
             <a:endParaRPr lang="cs-CZ"/>
           </a:p>
@@ -3265,7 +3625,7 @@
           <a:p>
             <a:fld id="{EB31D8B1-0D78-4C87-B840-B8411C30AC20}" type="datetimeFigureOut">
               <a:rPr lang="cs-CZ" smtClean="0"/>
-              <a:t>14.12.2022</a:t>
+              <a:t>20.12.2022</a:t>
             </a:fld>
             <a:endParaRPr lang="cs-CZ"/>
           </a:p>
@@ -3381,7 +3741,7 @@
           <a:p>
             <a:fld id="{EB31D8B1-0D78-4C87-B840-B8411C30AC20}" type="datetimeFigureOut">
               <a:rPr lang="cs-CZ" smtClean="0"/>
-              <a:t>14.12.2022</a:t>
+              <a:t>20.12.2022</a:t>
             </a:fld>
             <a:endParaRPr lang="cs-CZ"/>
           </a:p>
@@ -3695,7 +4055,7 @@
           <a:p>
             <a:fld id="{EB31D8B1-0D78-4C87-B840-B8411C30AC20}" type="datetimeFigureOut">
               <a:rPr lang="cs-CZ" smtClean="0"/>
-              <a:t>14.12.2022</a:t>
+              <a:t>20.12.2022</a:t>
             </a:fld>
             <a:endParaRPr lang="cs-CZ"/>
           </a:p>
@@ -3986,7 +4346,7 @@
           <a:p>
             <a:fld id="{EB31D8B1-0D78-4C87-B840-B8411C30AC20}" type="datetimeFigureOut">
               <a:rPr lang="cs-CZ" smtClean="0"/>
-              <a:t>14.12.2022</a:t>
+              <a:t>20.12.2022</a:t>
             </a:fld>
             <a:endParaRPr lang="cs-CZ"/>
           </a:p>
@@ -4239,7 +4599,7 @@
           <a:p>
             <a:fld id="{EB31D8B1-0D78-4C87-B840-B8411C30AC20}" type="datetimeFigureOut">
               <a:rPr lang="cs-CZ" smtClean="0"/>
-              <a:t>14.12.2022</a:t>
+              <a:t>20.12.2022</a:t>
             </a:fld>
             <a:endParaRPr lang="cs-CZ"/>
           </a:p>
@@ -4757,7 +5117,7 @@
           <p:cNvPr id="2" name="Nadpis 1">
             <a:extLst>
               <a:ext uri="{FF2B5EF4-FFF2-40B4-BE49-F238E27FC236}">
-                <a16:creationId xmlns:a16="http://schemas.microsoft.com/office/drawing/2014/main" id="{85E75097-1820-F4F0-8023-F486555D13FF}"/>
+                <a16:creationId xmlns:a16="http://schemas.microsoft.com/office/drawing/2014/main" id="{8D658C47-CE0B-4C23-CF8C-376676B02405}"/>
               </a:ext>
             </a:extLst>
           </p:cNvPr>
@@ -4775,13 +5135,8 @@
           <a:p>
             <a:r>
               <a:rPr lang="cs-CZ" dirty="0"/>
-              <a:t>Pár slov o </a:t>
-            </a:r>
-            <a:r>
-              <a:rPr lang="cs-CZ" dirty="0" err="1"/>
-              <a:t>hashích</a:t>
-            </a:r>
-            <a:endParaRPr lang="cs-CZ" dirty="0"/>
+              <a:t>Možnosti lámání šifer</a:t>
+            </a:r>
           </a:p>
         </p:txBody>
       </p:sp>
@@ -4790,7 +5145,7 @@
           <p:cNvPr id="3" name="Zástupný obsah 2">
             <a:extLst>
               <a:ext uri="{FF2B5EF4-FFF2-40B4-BE49-F238E27FC236}">
-                <a16:creationId xmlns:a16="http://schemas.microsoft.com/office/drawing/2014/main" id="{4B0C9779-47D6-3980-F0EB-649DB0284224}"/>
+                <a16:creationId xmlns:a16="http://schemas.microsoft.com/office/drawing/2014/main" id="{B64DEBE3-8532-7A5D-5B57-2FFD4340F610}"/>
               </a:ext>
             </a:extLst>
           </p:cNvPr>
@@ -4801,126 +5156,77 @@
             <p:ph idx="1"/>
           </p:nvPr>
         </p:nvSpPr>
-        <p:spPr>
-          <a:xfrm>
-            <a:off x="838200" y="1825624"/>
-            <a:ext cx="10515600" cy="5032375"/>
-          </a:xfrm>
-        </p:spPr>
+        <p:spPr/>
         <p:txBody>
           <a:bodyPr/>
           <a:lstStyle/>
           <a:p>
-            <a:pPr>
-              <a:buFont typeface="Wingdings" panose="05000000000000000000" pitchFamily="2" charset="2"/>
-              <a:buChar char="v"/>
+            <a:pPr marL="514350" indent="-514350">
+              <a:buFont typeface="+mj-lt"/>
+              <a:buAutoNum type="arabicPeriod"/>
             </a:pPr>
             <a:r>
+              <a:rPr lang="cs-CZ" dirty="0" err="1"/>
+              <a:t>Bruteforce</a:t>
+            </a:r>
+            <a:r>
               <a:rPr lang="cs-CZ" dirty="0"/>
-              <a:t>Charakteristika:</a:t>
-            </a:r>
-          </a:p>
-          <a:p>
-            <a:pPr>
-              <a:buFont typeface="Wingdings" panose="05000000000000000000" pitchFamily="2" charset="2"/>
-              <a:buChar char="v"/>
-            </a:pPr>
-            <a:r>
+              <a:t> klíče – Vyzkoušení všech variant klíče</a:t>
+            </a:r>
+            <a:br>
               <a:rPr lang="cs-CZ" dirty="0"/>
-              <a:t>Pevná délka</a:t>
-            </a:r>
-          </a:p>
-          <a:p>
-            <a:pPr>
-              <a:buFont typeface="Wingdings" panose="05000000000000000000" pitchFamily="2" charset="2"/>
-              <a:buChar char="v"/>
-            </a:pPr>
+            </a:br>
             <a:r>
               <a:rPr lang="cs-CZ" dirty="0"/>
-              <a:t>Malá změna ve vstupu -</a:t>
-            </a:r>
-            <a:r>
-              <a:rPr lang="en-US" dirty="0"/>
-              <a:t>&gt;</a:t>
-            </a:r>
-            <a:r>
-              <a:rPr lang="cs-CZ" dirty="0"/>
-              <a:t> Velká změna ve výstupu</a:t>
-            </a:r>
-          </a:p>
-          <a:p>
-            <a:pPr>
-              <a:buFont typeface="Wingdings" panose="05000000000000000000" pitchFamily="2" charset="2"/>
-              <a:buChar char="v"/>
-            </a:pPr>
-            <a:r>
-              <a:rPr lang="cs-CZ" dirty="0"/>
-              <a:t>Každý vstup má jedinečnou </a:t>
-            </a:r>
-            <a:r>
-              <a:rPr lang="cs-CZ" dirty="0" err="1"/>
-              <a:t>hash</a:t>
-            </a:r>
-            <a:endParaRPr lang="cs-CZ" dirty="0"/>
-          </a:p>
-          <a:p>
-            <a:pPr>
-              <a:buFont typeface="Wingdings" panose="05000000000000000000" pitchFamily="2" charset="2"/>
-              <a:buChar char="v"/>
-            </a:pPr>
-            <a:r>
-              <a:rPr lang="cs-CZ" dirty="0"/>
-              <a:t>Jednosměrná funkce = z </a:t>
-            </a:r>
-            <a:r>
-              <a:rPr lang="cs-CZ" dirty="0" err="1"/>
-              <a:t>hashe</a:t>
-            </a:r>
-            <a:r>
-              <a:rPr lang="cs-CZ" dirty="0"/>
-              <a:t> nemůžu získat původní vstup</a:t>
-            </a:r>
-          </a:p>
-          <a:p>
-            <a:pPr>
-              <a:buFont typeface="Wingdings" panose="05000000000000000000" pitchFamily="2" charset="2"/>
-              <a:buChar char="v"/>
+              <a:t>		-většina šifer (např. Caesarova)</a:t>
+            </a:r>
+          </a:p>
+          <a:p>
+            <a:pPr marL="514350" indent="-514350">
+              <a:buFont typeface="+mj-lt"/>
+              <a:buAutoNum type="arabicPeriod"/>
             </a:pPr>
             <a:endParaRPr lang="cs-CZ" dirty="0"/>
           </a:p>
           <a:p>
-            <a:pPr>
-              <a:buFont typeface="Wingdings" panose="05000000000000000000" pitchFamily="2" charset="2"/>
-              <a:buChar char="v"/>
+            <a:pPr marL="514350" indent="-514350">
+              <a:buFont typeface="+mj-lt"/>
+              <a:buAutoNum type="arabicPeriod"/>
             </a:pPr>
             <a:r>
               <a:rPr lang="cs-CZ" dirty="0"/>
-              <a:t>Příklad </a:t>
-            </a:r>
-            <a:r>
-              <a:rPr lang="cs-CZ" dirty="0" err="1"/>
-              <a:t>hashe</a:t>
-            </a:r>
-            <a:r>
+              <a:t>Frekvenční analýza – Analýza četnosti znaků</a:t>
+            </a:r>
+            <a:br>
               <a:rPr lang="cs-CZ" dirty="0"/>
-              <a:t>: 2241be2e7652451c1b00634e03c68dc3</a:t>
-            </a:r>
-          </a:p>
-          <a:p>
-            <a:pPr>
-              <a:buFont typeface="Wingdings" panose="05000000000000000000" pitchFamily="2" charset="2"/>
-              <a:buChar char="v"/>
+            </a:br>
+            <a:r>
+              <a:rPr lang="cs-CZ" dirty="0"/>
+              <a:t>		-část substitučních šifer</a:t>
+            </a:r>
+          </a:p>
+          <a:p>
+            <a:pPr marL="514350" indent="-514350">
+              <a:buFont typeface="+mj-lt"/>
+              <a:buAutoNum type="arabicPeriod"/>
             </a:pPr>
             <a:endParaRPr lang="cs-CZ" dirty="0"/>
           </a:p>
           <a:p>
-            <a:pPr>
-              <a:buFont typeface="Wingdings" panose="05000000000000000000" pitchFamily="2" charset="2"/>
-              <a:buChar char="v"/>
+            <a:pPr marL="514350" indent="-514350">
+              <a:buFont typeface="+mj-lt"/>
+              <a:buAutoNum type="arabicPeriod"/>
             </a:pPr>
             <a:r>
               <a:rPr lang="cs-CZ" dirty="0"/>
-              <a:t>Příklad hashovacích algoritmů: MD5, NTLM, SHA1/256/512</a:t>
+              <a:t>Využití slabin šifry</a:t>
+            </a:r>
+            <a:br>
+              <a:rPr lang="cs-CZ" dirty="0"/>
+            </a:br>
+            <a:r>
+              <a:rPr lang="cs-CZ" dirty="0"/>
+              <a:t>		-např. transpoziční – stejné znaky</a:t>
             </a:r>
           </a:p>
         </p:txBody>
@@ -4928,7 +5234,7 @@
     </p:spTree>
     <p:extLst>
       <p:ext uri="{BB962C8B-B14F-4D97-AF65-F5344CB8AC3E}">
-        <p14:creationId xmlns:p14="http://schemas.microsoft.com/office/powerpoint/2010/main" val="1955086012"/>
+        <p14:creationId xmlns:p14="http://schemas.microsoft.com/office/powerpoint/2010/main" val="1761417296"/>
       </p:ext>
     </p:extLst>
   </p:cSld>
@@ -4950,6 +5256,9 @@
                     <p:cTn id="3" fill="hold">
                       <p:stCondLst>
                         <p:cond delay="indefinite"/>
+                        <p:cond evt="onBegin" delay="0">
+                          <p:tn val="2"/>
+                        </p:cond>
                       </p:stCondLst>
                       <p:childTnLst>
                         <p:par>
@@ -4959,7 +5268,7 @@
                             </p:stCondLst>
                             <p:childTnLst>
                               <p:par>
-                                <p:cTn id="5" presetID="6" presetClass="entr" presetSubtype="16" fill="hold" grpId="0" nodeType="clickEffect">
+                                <p:cTn id="5" presetID="6" presetClass="entr" presetSubtype="16" fill="hold" grpId="0" nodeType="withEffect">
                                   <p:stCondLst>
                                     <p:cond delay="0"/>
                                   </p:stCondLst>
@@ -5112,7 +5421,7 @@
                                         <p:tgtEl>
                                           <p:spTgt spid="3">
                                             <p:txEl>
-                                              <p:pRg st="1" end="1"/>
+                                              <p:pRg st="2" end="2"/>
                                             </p:txEl>
                                           </p:spTgt>
                                         </p:tgtEl>
@@ -5130,7 +5439,7 @@
                                         <p:tgtEl>
                                           <p:spTgt spid="3">
                                             <p:txEl>
-                                              <p:pRg st="1" end="1"/>
+                                              <p:pRg st="2" end="2"/>
                                             </p:txEl>
                                           </p:spTgt>
                                         </p:tgtEl>
@@ -5157,7 +5466,7 @@
                                         <p:tgtEl>
                                           <p:spTgt spid="3">
                                             <p:txEl>
-                                              <p:pRg st="1" end="1"/>
+                                              <p:pRg st="2" end="2"/>
                                             </p:txEl>
                                           </p:spTgt>
                                         </p:tgtEl>
@@ -5206,7 +5515,7 @@
                                         <p:tgtEl>
                                           <p:spTgt spid="3">
                                             <p:txEl>
-                                              <p:pRg st="2" end="2"/>
+                                              <p:pRg st="4" end="4"/>
                                             </p:txEl>
                                           </p:spTgt>
                                         </p:tgtEl>
@@ -5224,7 +5533,7 @@
                                         <p:tgtEl>
                                           <p:spTgt spid="3">
                                             <p:txEl>
-                                              <p:pRg st="2" end="2"/>
+                                              <p:pRg st="4" end="4"/>
                                             </p:txEl>
                                           </p:spTgt>
                                         </p:tgtEl>
@@ -5251,383 +5560,7 @@
                                         <p:tgtEl>
                                           <p:spTgt spid="3">
                                             <p:txEl>
-                                              <p:pRg st="2" end="2"/>
-                                            </p:txEl>
-                                          </p:spTgt>
-                                        </p:tgtEl>
-                                        <p:attrNameLst>
-                                          <p:attrName>ppt_y</p:attrName>
-                                        </p:attrNameLst>
-                                      </p:cBhvr>
-                                      <p:tavLst>
-                                        <p:tav tm="0">
-                                          <p:val>
-                                            <p:strVal val="1+#ppt_h/2"/>
-                                          </p:val>
-                                        </p:tav>
-                                        <p:tav tm="100000">
-                                          <p:val>
-                                            <p:strVal val="#ppt_y"/>
-                                          </p:val>
-                                        </p:tav>
-                                      </p:tavLst>
-                                    </p:anim>
-                                  </p:childTnLst>
-                                </p:cTn>
-                              </p:par>
-                            </p:childTnLst>
-                          </p:cTn>
-                        </p:par>
-                        <p:par>
-                          <p:cTn id="23" fill="hold">
-                            <p:stCondLst>
-                              <p:cond delay="3500"/>
-                            </p:stCondLst>
-                            <p:childTnLst>
-                              <p:par>
-                                <p:cTn id="24" presetID="2" presetClass="entr" presetSubtype="4" fill="hold" grpId="0" nodeType="afterEffect">
-                                  <p:stCondLst>
-                                    <p:cond delay="0"/>
-                                  </p:stCondLst>
-                                  <p:childTnLst>
-                                    <p:set>
-                                      <p:cBhvr>
-                                        <p:cTn id="25" dur="1" fill="hold">
-                                          <p:stCondLst>
-                                            <p:cond delay="0"/>
-                                          </p:stCondLst>
-                                        </p:cTn>
-                                        <p:tgtEl>
-                                          <p:spTgt spid="3">
-                                            <p:txEl>
-                                              <p:pRg st="3" end="3"/>
-                                            </p:txEl>
-                                          </p:spTgt>
-                                        </p:tgtEl>
-                                        <p:attrNameLst>
-                                          <p:attrName>style.visibility</p:attrName>
-                                        </p:attrNameLst>
-                                      </p:cBhvr>
-                                      <p:to>
-                                        <p:strVal val="visible"/>
-                                      </p:to>
-                                    </p:set>
-                                    <p:anim calcmode="lin" valueType="num">
-                                      <p:cBhvr additive="base">
-                                        <p:cTn id="26" dur="500" fill="hold"/>
-                                        <p:tgtEl>
-                                          <p:spTgt spid="3">
-                                            <p:txEl>
-                                              <p:pRg st="3" end="3"/>
-                                            </p:txEl>
-                                          </p:spTgt>
-                                        </p:tgtEl>
-                                        <p:attrNameLst>
-                                          <p:attrName>ppt_x</p:attrName>
-                                        </p:attrNameLst>
-                                      </p:cBhvr>
-                                      <p:tavLst>
-                                        <p:tav tm="0">
-                                          <p:val>
-                                            <p:strVal val="#ppt_x"/>
-                                          </p:val>
-                                        </p:tav>
-                                        <p:tav tm="100000">
-                                          <p:val>
-                                            <p:strVal val="#ppt_x"/>
-                                          </p:val>
-                                        </p:tav>
-                                      </p:tavLst>
-                                    </p:anim>
-                                    <p:anim calcmode="lin" valueType="num">
-                                      <p:cBhvr additive="base">
-                                        <p:cTn id="27" dur="500" fill="hold"/>
-                                        <p:tgtEl>
-                                          <p:spTgt spid="3">
-                                            <p:txEl>
-                                              <p:pRg st="3" end="3"/>
-                                            </p:txEl>
-                                          </p:spTgt>
-                                        </p:tgtEl>
-                                        <p:attrNameLst>
-                                          <p:attrName>ppt_y</p:attrName>
-                                        </p:attrNameLst>
-                                      </p:cBhvr>
-                                      <p:tavLst>
-                                        <p:tav tm="0">
-                                          <p:val>
-                                            <p:strVal val="1+#ppt_h/2"/>
-                                          </p:val>
-                                        </p:tav>
-                                        <p:tav tm="100000">
-                                          <p:val>
-                                            <p:strVal val="#ppt_y"/>
-                                          </p:val>
-                                        </p:tav>
-                                      </p:tavLst>
-                                    </p:anim>
-                                  </p:childTnLst>
-                                </p:cTn>
-                              </p:par>
-                            </p:childTnLst>
-                          </p:cTn>
-                        </p:par>
-                        <p:par>
-                          <p:cTn id="28" fill="hold">
-                            <p:stCondLst>
-                              <p:cond delay="4000"/>
-                            </p:stCondLst>
-                            <p:childTnLst>
-                              <p:par>
-                                <p:cTn id="29" presetID="2" presetClass="entr" presetSubtype="4" fill="hold" grpId="0" nodeType="afterEffect">
-                                  <p:stCondLst>
-                                    <p:cond delay="0"/>
-                                  </p:stCondLst>
-                                  <p:childTnLst>
-                                    <p:set>
-                                      <p:cBhvr>
-                                        <p:cTn id="30" dur="1" fill="hold">
-                                          <p:stCondLst>
-                                            <p:cond delay="0"/>
-                                          </p:stCondLst>
-                                        </p:cTn>
-                                        <p:tgtEl>
-                                          <p:spTgt spid="3">
-                                            <p:txEl>
                                               <p:pRg st="4" end="4"/>
-                                            </p:txEl>
-                                          </p:spTgt>
-                                        </p:tgtEl>
-                                        <p:attrNameLst>
-                                          <p:attrName>style.visibility</p:attrName>
-                                        </p:attrNameLst>
-                                      </p:cBhvr>
-                                      <p:to>
-                                        <p:strVal val="visible"/>
-                                      </p:to>
-                                    </p:set>
-                                    <p:anim calcmode="lin" valueType="num">
-                                      <p:cBhvr additive="base">
-                                        <p:cTn id="31" dur="500" fill="hold"/>
-                                        <p:tgtEl>
-                                          <p:spTgt spid="3">
-                                            <p:txEl>
-                                              <p:pRg st="4" end="4"/>
-                                            </p:txEl>
-                                          </p:spTgt>
-                                        </p:tgtEl>
-                                        <p:attrNameLst>
-                                          <p:attrName>ppt_x</p:attrName>
-                                        </p:attrNameLst>
-                                      </p:cBhvr>
-                                      <p:tavLst>
-                                        <p:tav tm="0">
-                                          <p:val>
-                                            <p:strVal val="#ppt_x"/>
-                                          </p:val>
-                                        </p:tav>
-                                        <p:tav tm="100000">
-                                          <p:val>
-                                            <p:strVal val="#ppt_x"/>
-                                          </p:val>
-                                        </p:tav>
-                                      </p:tavLst>
-                                    </p:anim>
-                                    <p:anim calcmode="lin" valueType="num">
-                                      <p:cBhvr additive="base">
-                                        <p:cTn id="32" dur="500" fill="hold"/>
-                                        <p:tgtEl>
-                                          <p:spTgt spid="3">
-                                            <p:txEl>
-                                              <p:pRg st="4" end="4"/>
-                                            </p:txEl>
-                                          </p:spTgt>
-                                        </p:tgtEl>
-                                        <p:attrNameLst>
-                                          <p:attrName>ppt_y</p:attrName>
-                                        </p:attrNameLst>
-                                      </p:cBhvr>
-                                      <p:tavLst>
-                                        <p:tav tm="0">
-                                          <p:val>
-                                            <p:strVal val="1+#ppt_h/2"/>
-                                          </p:val>
-                                        </p:tav>
-                                        <p:tav tm="100000">
-                                          <p:val>
-                                            <p:strVal val="#ppt_y"/>
-                                          </p:val>
-                                        </p:tav>
-                                      </p:tavLst>
-                                    </p:anim>
-                                  </p:childTnLst>
-                                </p:cTn>
-                              </p:par>
-                            </p:childTnLst>
-                          </p:cTn>
-                        </p:par>
-                        <p:par>
-                          <p:cTn id="33" fill="hold">
-                            <p:stCondLst>
-                              <p:cond delay="4500"/>
-                            </p:stCondLst>
-                            <p:childTnLst>
-                              <p:par>
-                                <p:cTn id="34" presetID="2" presetClass="entr" presetSubtype="4" fill="hold" grpId="0" nodeType="afterEffect">
-                                  <p:stCondLst>
-                                    <p:cond delay="0"/>
-                                  </p:stCondLst>
-                                  <p:childTnLst>
-                                    <p:set>
-                                      <p:cBhvr>
-                                        <p:cTn id="35" dur="1" fill="hold">
-                                          <p:stCondLst>
-                                            <p:cond delay="0"/>
-                                          </p:stCondLst>
-                                        </p:cTn>
-                                        <p:tgtEl>
-                                          <p:spTgt spid="3">
-                                            <p:txEl>
-                                              <p:pRg st="6" end="6"/>
-                                            </p:txEl>
-                                          </p:spTgt>
-                                        </p:tgtEl>
-                                        <p:attrNameLst>
-                                          <p:attrName>style.visibility</p:attrName>
-                                        </p:attrNameLst>
-                                      </p:cBhvr>
-                                      <p:to>
-                                        <p:strVal val="visible"/>
-                                      </p:to>
-                                    </p:set>
-                                    <p:anim calcmode="lin" valueType="num">
-                                      <p:cBhvr additive="base">
-                                        <p:cTn id="36" dur="500" fill="hold"/>
-                                        <p:tgtEl>
-                                          <p:spTgt spid="3">
-                                            <p:txEl>
-                                              <p:pRg st="6" end="6"/>
-                                            </p:txEl>
-                                          </p:spTgt>
-                                        </p:tgtEl>
-                                        <p:attrNameLst>
-                                          <p:attrName>ppt_x</p:attrName>
-                                        </p:attrNameLst>
-                                      </p:cBhvr>
-                                      <p:tavLst>
-                                        <p:tav tm="0">
-                                          <p:val>
-                                            <p:strVal val="#ppt_x"/>
-                                          </p:val>
-                                        </p:tav>
-                                        <p:tav tm="100000">
-                                          <p:val>
-                                            <p:strVal val="#ppt_x"/>
-                                          </p:val>
-                                        </p:tav>
-                                      </p:tavLst>
-                                    </p:anim>
-                                    <p:anim calcmode="lin" valueType="num">
-                                      <p:cBhvr additive="base">
-                                        <p:cTn id="37" dur="500" fill="hold"/>
-                                        <p:tgtEl>
-                                          <p:spTgt spid="3">
-                                            <p:txEl>
-                                              <p:pRg st="6" end="6"/>
-                                            </p:txEl>
-                                          </p:spTgt>
-                                        </p:tgtEl>
-                                        <p:attrNameLst>
-                                          <p:attrName>ppt_y</p:attrName>
-                                        </p:attrNameLst>
-                                      </p:cBhvr>
-                                      <p:tavLst>
-                                        <p:tav tm="0">
-                                          <p:val>
-                                            <p:strVal val="1+#ppt_h/2"/>
-                                          </p:val>
-                                        </p:tav>
-                                        <p:tav tm="100000">
-                                          <p:val>
-                                            <p:strVal val="#ppt_y"/>
-                                          </p:val>
-                                        </p:tav>
-                                      </p:tavLst>
-                                    </p:anim>
-                                  </p:childTnLst>
-                                </p:cTn>
-                              </p:par>
-                            </p:childTnLst>
-                          </p:cTn>
-                        </p:par>
-                        <p:par>
-                          <p:cTn id="38" fill="hold">
-                            <p:stCondLst>
-                              <p:cond delay="5000"/>
-                            </p:stCondLst>
-                            <p:childTnLst>
-                              <p:par>
-                                <p:cTn id="39" presetID="2" presetClass="entr" presetSubtype="4" fill="hold" grpId="0" nodeType="afterEffect">
-                                  <p:stCondLst>
-                                    <p:cond delay="0"/>
-                                  </p:stCondLst>
-                                  <p:childTnLst>
-                                    <p:set>
-                                      <p:cBhvr>
-                                        <p:cTn id="40" dur="1" fill="hold">
-                                          <p:stCondLst>
-                                            <p:cond delay="0"/>
-                                          </p:stCondLst>
-                                        </p:cTn>
-                                        <p:tgtEl>
-                                          <p:spTgt spid="3">
-                                            <p:txEl>
-                                              <p:pRg st="8" end="8"/>
-                                            </p:txEl>
-                                          </p:spTgt>
-                                        </p:tgtEl>
-                                        <p:attrNameLst>
-                                          <p:attrName>style.visibility</p:attrName>
-                                        </p:attrNameLst>
-                                      </p:cBhvr>
-                                      <p:to>
-                                        <p:strVal val="visible"/>
-                                      </p:to>
-                                    </p:set>
-                                    <p:anim calcmode="lin" valueType="num">
-                                      <p:cBhvr additive="base">
-                                        <p:cTn id="41" dur="500" fill="hold"/>
-                                        <p:tgtEl>
-                                          <p:spTgt spid="3">
-                                            <p:txEl>
-                                              <p:pRg st="8" end="8"/>
-                                            </p:txEl>
-                                          </p:spTgt>
-                                        </p:tgtEl>
-                                        <p:attrNameLst>
-                                          <p:attrName>ppt_x</p:attrName>
-                                        </p:attrNameLst>
-                                      </p:cBhvr>
-                                      <p:tavLst>
-                                        <p:tav tm="0">
-                                          <p:val>
-                                            <p:strVal val="#ppt_x"/>
-                                          </p:val>
-                                        </p:tav>
-                                        <p:tav tm="100000">
-                                          <p:val>
-                                            <p:strVal val="#ppt_x"/>
-                                          </p:val>
-                                        </p:tav>
-                                      </p:tavLst>
-                                    </p:anim>
-                                    <p:anim calcmode="lin" valueType="num">
-                                      <p:cBhvr additive="base">
-                                        <p:cTn id="42" dur="500" fill="hold"/>
-                                        <p:tgtEl>
-                                          <p:spTgt spid="3">
-                                            <p:txEl>
-                                              <p:pRg st="8" end="8"/>
                                             </p:txEl>
                                           </p:spTgt>
                                         </p:tgtEl>
@@ -5687,6 +5620,2572 @@
 </file>
 
 <file path=ppt/slides/slide11.xml><?xml version="1.0" encoding="utf-8"?>
+<p:sld xmlns:a="http://schemas.openxmlformats.org/drawingml/2006/main" xmlns:r="http://schemas.openxmlformats.org/officeDocument/2006/relationships" xmlns:p="http://schemas.openxmlformats.org/presentationml/2006/main">
+  <p:cSld>
+    <p:spTree>
+      <p:nvGrpSpPr>
+        <p:cNvPr id="1" name=""/>
+        <p:cNvGrpSpPr/>
+        <p:nvPr/>
+      </p:nvGrpSpPr>
+      <p:grpSpPr>
+        <a:xfrm>
+          <a:off x="0" y="0"/>
+          <a:ext cx="0" cy="0"/>
+          <a:chOff x="0" y="0"/>
+          <a:chExt cx="0" cy="0"/>
+        </a:xfrm>
+      </p:grpSpPr>
+      <p:sp>
+        <p:nvSpPr>
+          <p:cNvPr id="2" name="Nadpis 1">
+            <a:extLst>
+              <a:ext uri="{FF2B5EF4-FFF2-40B4-BE49-F238E27FC236}">
+                <a16:creationId xmlns:a16="http://schemas.microsoft.com/office/drawing/2014/main" id="{40F8FFD1-27EE-04EF-056C-0FFE47765A00}"/>
+              </a:ext>
+            </a:extLst>
+          </p:cNvPr>
+          <p:cNvSpPr>
+            <a:spLocks noGrp="1"/>
+          </p:cNvSpPr>
+          <p:nvPr>
+            <p:ph type="title"/>
+          </p:nvPr>
+        </p:nvSpPr>
+        <p:spPr/>
+        <p:txBody>
+          <a:bodyPr/>
+          <a:lstStyle/>
+          <a:p>
+            <a:r>
+              <a:rPr lang="cs-CZ" dirty="0"/>
+              <a:t>Kódování</a:t>
+            </a:r>
+          </a:p>
+        </p:txBody>
+      </p:sp>
+      <p:sp>
+        <p:nvSpPr>
+          <p:cNvPr id="3" name="Zástupný obsah 2">
+            <a:extLst>
+              <a:ext uri="{FF2B5EF4-FFF2-40B4-BE49-F238E27FC236}">
+                <a16:creationId xmlns:a16="http://schemas.microsoft.com/office/drawing/2014/main" id="{762A944F-973E-9944-3FCB-F907D46821AA}"/>
+              </a:ext>
+            </a:extLst>
+          </p:cNvPr>
+          <p:cNvSpPr>
+            <a:spLocks noGrp="1"/>
+          </p:cNvSpPr>
+          <p:nvPr>
+            <p:ph idx="1"/>
+          </p:nvPr>
+        </p:nvSpPr>
+        <p:spPr/>
+        <p:txBody>
+          <a:bodyPr/>
+          <a:lstStyle/>
+          <a:p>
+            <a:pPr>
+              <a:buFont typeface="Wingdings" panose="05000000000000000000" pitchFamily="2" charset="2"/>
+              <a:buChar char="v"/>
+            </a:pPr>
+            <a:r>
+              <a:rPr lang="cs-CZ" dirty="0"/>
+              <a:t>Morseova abeceda</a:t>
+            </a:r>
+            <a:br>
+              <a:rPr lang="cs-CZ" dirty="0"/>
+            </a:br>
+            <a:r>
+              <a:rPr lang="cs-CZ" dirty="0"/>
+              <a:t>- Jedno z nejznámějších kódování</a:t>
+            </a:r>
+            <a:br>
+              <a:rPr lang="cs-CZ" dirty="0"/>
+            </a:br>
+            <a:r>
+              <a:rPr lang="cs-CZ" dirty="0"/>
+              <a:t>- Znaky abecedy se kódují do . a –</a:t>
+            </a:r>
+            <a:br>
+              <a:rPr lang="cs-CZ" dirty="0"/>
+            </a:br>
+            <a:r>
+              <a:rPr lang="cs-CZ" dirty="0"/>
+              <a:t>- Vytvořeno roku 1840 (včetně </a:t>
+            </a:r>
+            <a:br>
+              <a:rPr lang="cs-CZ" dirty="0"/>
+            </a:br>
+            <a:r>
+              <a:rPr lang="cs-CZ" dirty="0"/>
+              <a:t>speciálních znaků)</a:t>
+            </a:r>
+            <a:br>
+              <a:rPr lang="cs-CZ" dirty="0"/>
+            </a:br>
+            <a:r>
+              <a:rPr lang="cs-CZ" dirty="0"/>
+              <a:t>- Kódy:	Abeceda -</a:t>
+            </a:r>
+            <a:r>
+              <a:rPr lang="en-US" dirty="0"/>
+              <a:t>&gt;</a:t>
+            </a:r>
+            <a:r>
+              <a:rPr lang="cs-CZ" dirty="0"/>
+              <a:t> 1 až 4 znaky</a:t>
+            </a:r>
+            <a:br>
+              <a:rPr lang="cs-CZ" dirty="0"/>
+            </a:br>
+            <a:r>
+              <a:rPr lang="cs-CZ" dirty="0"/>
+              <a:t>		Číslovky -</a:t>
+            </a:r>
+            <a:r>
+              <a:rPr lang="en-US" dirty="0"/>
+              <a:t>&gt;</a:t>
+            </a:r>
+            <a:r>
+              <a:rPr lang="cs-CZ" dirty="0"/>
+              <a:t> 5 znaků (pravidelný vzor)</a:t>
+            </a:r>
+            <a:br>
+              <a:rPr lang="cs-CZ" dirty="0"/>
+            </a:br>
+            <a:r>
+              <a:rPr lang="cs-CZ" dirty="0"/>
+              <a:t>		Speciální znaky -&gt; 5 až 7 znaků</a:t>
+            </a:r>
+          </a:p>
+        </p:txBody>
+      </p:sp>
+      <p:pic>
+        <p:nvPicPr>
+          <p:cNvPr id="1028" name="Picture 4">
+            <a:extLst>
+              <a:ext uri="{FF2B5EF4-FFF2-40B4-BE49-F238E27FC236}">
+                <a16:creationId xmlns:a16="http://schemas.microsoft.com/office/drawing/2014/main" id="{3B6D3DC1-324C-5F4C-9906-1FE72E08B7CF}"/>
+              </a:ext>
+            </a:extLst>
+          </p:cNvPr>
+          <p:cNvPicPr>
+            <a:picLocks noChangeAspect="1" noChangeArrowheads="1"/>
+          </p:cNvPicPr>
+          <p:nvPr/>
+        </p:nvPicPr>
+        <p:blipFill>
+          <a:blip r:embed="rId3">
+            <a:extLst>
+              <a:ext uri="{28A0092B-C50C-407E-A947-70E740481C1C}">
+                <a14:useLocalDpi xmlns:a14="http://schemas.microsoft.com/office/drawing/2010/main" val="0"/>
+              </a:ext>
+            </a:extLst>
+          </a:blip>
+          <a:srcRect/>
+          <a:stretch>
+            <a:fillRect/>
+          </a:stretch>
+        </p:blipFill>
+        <p:spPr bwMode="auto">
+          <a:xfrm>
+            <a:off x="6536602" y="1626786"/>
+            <a:ext cx="5106472" cy="2374508"/>
+          </a:xfrm>
+          <a:prstGeom prst="rect">
+            <a:avLst/>
+          </a:prstGeom>
+          <a:noFill/>
+          <a:extLst>
+            <a:ext uri="{909E8E84-426E-40DD-AFC4-6F175D3DCCD1}">
+              <a14:hiddenFill xmlns:a14="http://schemas.microsoft.com/office/drawing/2010/main">
+                <a:solidFill>
+                  <a:srgbClr val="FFFFFF"/>
+                </a:solidFill>
+              </a14:hiddenFill>
+            </a:ext>
+          </a:extLst>
+        </p:spPr>
+      </p:pic>
+    </p:spTree>
+    <p:extLst>
+      <p:ext uri="{BB962C8B-B14F-4D97-AF65-F5344CB8AC3E}">
+        <p14:creationId xmlns:p14="http://schemas.microsoft.com/office/powerpoint/2010/main" val="3147025163"/>
+      </p:ext>
+    </p:extLst>
+  </p:cSld>
+  <p:clrMapOvr>
+    <a:masterClrMapping/>
+  </p:clrMapOvr>
+  <p:transition spd="slow">
+    <p:push dir="u"/>
+  </p:transition>
+  <p:timing>
+    <p:tnLst>
+      <p:par>
+        <p:cTn id="1" dur="indefinite" restart="never" nodeType="tmRoot">
+          <p:childTnLst>
+            <p:seq concurrent="1" nextAc="seek">
+              <p:cTn id="2" dur="indefinite" nodeType="mainSeq">
+                <p:childTnLst>
+                  <p:par>
+                    <p:cTn id="3" fill="hold">
+                      <p:stCondLst>
+                        <p:cond delay="indefinite"/>
+                        <p:cond evt="onBegin" delay="0">
+                          <p:tn val="2"/>
+                        </p:cond>
+                      </p:stCondLst>
+                      <p:childTnLst>
+                        <p:par>
+                          <p:cTn id="4" fill="hold">
+                            <p:stCondLst>
+                              <p:cond delay="0"/>
+                            </p:stCondLst>
+                            <p:childTnLst>
+                              <p:par>
+                                <p:cTn id="5" presetID="6" presetClass="entr" presetSubtype="16" fill="hold" grpId="0" nodeType="withEffect">
+                                  <p:stCondLst>
+                                    <p:cond delay="0"/>
+                                  </p:stCondLst>
+                                  <p:childTnLst>
+                                    <p:set>
+                                      <p:cBhvr>
+                                        <p:cTn id="6" dur="1" fill="hold">
+                                          <p:stCondLst>
+                                            <p:cond delay="0"/>
+                                          </p:stCondLst>
+                                        </p:cTn>
+                                        <p:tgtEl>
+                                          <p:spTgt spid="2"/>
+                                        </p:tgtEl>
+                                        <p:attrNameLst>
+                                          <p:attrName>style.visibility</p:attrName>
+                                        </p:attrNameLst>
+                                      </p:cBhvr>
+                                      <p:to>
+                                        <p:strVal val="visible"/>
+                                      </p:to>
+                                    </p:set>
+                                    <p:animEffect transition="in" filter="circle(in)">
+                                      <p:cBhvr>
+                                        <p:cTn id="7" dur="2000"/>
+                                        <p:tgtEl>
+                                          <p:spTgt spid="2"/>
+                                        </p:tgtEl>
+                                      </p:cBhvr>
+                                    </p:animEffect>
+                                  </p:childTnLst>
+                                </p:cTn>
+                              </p:par>
+                            </p:childTnLst>
+                          </p:cTn>
+                        </p:par>
+                        <p:par>
+                          <p:cTn id="8" fill="hold">
+                            <p:stCondLst>
+                              <p:cond delay="2000"/>
+                            </p:stCondLst>
+                            <p:childTnLst>
+                              <p:par>
+                                <p:cTn id="9" presetID="2" presetClass="entr" presetSubtype="4" fill="hold" grpId="0" nodeType="afterEffect">
+                                  <p:stCondLst>
+                                    <p:cond delay="0"/>
+                                  </p:stCondLst>
+                                  <p:childTnLst>
+                                    <p:set>
+                                      <p:cBhvr>
+                                        <p:cTn id="10" dur="1" fill="hold">
+                                          <p:stCondLst>
+                                            <p:cond delay="0"/>
+                                          </p:stCondLst>
+                                        </p:cTn>
+                                        <p:tgtEl>
+                                          <p:spTgt spid="3">
+                                            <p:txEl>
+                                              <p:pRg st="0" end="0"/>
+                                            </p:txEl>
+                                          </p:spTgt>
+                                        </p:tgtEl>
+                                        <p:attrNameLst>
+                                          <p:attrName>style.visibility</p:attrName>
+                                        </p:attrNameLst>
+                                      </p:cBhvr>
+                                      <p:to>
+                                        <p:strVal val="visible"/>
+                                      </p:to>
+                                    </p:set>
+                                    <p:anim calcmode="lin" valueType="num">
+                                      <p:cBhvr additive="base">
+                                        <p:cTn id="11" dur="500" fill="hold"/>
+                                        <p:tgtEl>
+                                          <p:spTgt spid="3">
+                                            <p:txEl>
+                                              <p:pRg st="0" end="0"/>
+                                            </p:txEl>
+                                          </p:spTgt>
+                                        </p:tgtEl>
+                                        <p:attrNameLst>
+                                          <p:attrName>ppt_x</p:attrName>
+                                        </p:attrNameLst>
+                                      </p:cBhvr>
+                                      <p:tavLst>
+                                        <p:tav tm="0">
+                                          <p:val>
+                                            <p:strVal val="#ppt_x"/>
+                                          </p:val>
+                                        </p:tav>
+                                        <p:tav tm="100000">
+                                          <p:val>
+                                            <p:strVal val="#ppt_x"/>
+                                          </p:val>
+                                        </p:tav>
+                                      </p:tavLst>
+                                    </p:anim>
+                                    <p:anim calcmode="lin" valueType="num">
+                                      <p:cBhvr additive="base">
+                                        <p:cTn id="12" dur="500" fill="hold"/>
+                                        <p:tgtEl>
+                                          <p:spTgt spid="3">
+                                            <p:txEl>
+                                              <p:pRg st="0" end="0"/>
+                                            </p:txEl>
+                                          </p:spTgt>
+                                        </p:tgtEl>
+                                        <p:attrNameLst>
+                                          <p:attrName>ppt_y</p:attrName>
+                                        </p:attrNameLst>
+                                      </p:cBhvr>
+                                      <p:tavLst>
+                                        <p:tav tm="0">
+                                          <p:val>
+                                            <p:strVal val="1+#ppt_h/2"/>
+                                          </p:val>
+                                        </p:tav>
+                                        <p:tav tm="100000">
+                                          <p:val>
+                                            <p:strVal val="#ppt_y"/>
+                                          </p:val>
+                                        </p:tav>
+                                      </p:tavLst>
+                                    </p:anim>
+                                  </p:childTnLst>
+                                </p:cTn>
+                              </p:par>
+                            </p:childTnLst>
+                          </p:cTn>
+                        </p:par>
+                        <p:par>
+                          <p:cTn id="13" fill="hold">
+                            <p:stCondLst>
+                              <p:cond delay="2500"/>
+                            </p:stCondLst>
+                            <p:childTnLst>
+                              <p:par>
+                                <p:cTn id="14" presetID="6" presetClass="entr" presetSubtype="16" fill="hold" nodeType="afterEffect">
+                                  <p:stCondLst>
+                                    <p:cond delay="0"/>
+                                  </p:stCondLst>
+                                  <p:childTnLst>
+                                    <p:set>
+                                      <p:cBhvr>
+                                        <p:cTn id="15" dur="1" fill="hold">
+                                          <p:stCondLst>
+                                            <p:cond delay="0"/>
+                                          </p:stCondLst>
+                                        </p:cTn>
+                                        <p:tgtEl>
+                                          <p:spTgt spid="1028"/>
+                                        </p:tgtEl>
+                                        <p:attrNameLst>
+                                          <p:attrName>style.visibility</p:attrName>
+                                        </p:attrNameLst>
+                                      </p:cBhvr>
+                                      <p:to>
+                                        <p:strVal val="visible"/>
+                                      </p:to>
+                                    </p:set>
+                                    <p:animEffect transition="in" filter="circle(in)">
+                                      <p:cBhvr>
+                                        <p:cTn id="16" dur="2000"/>
+                                        <p:tgtEl>
+                                          <p:spTgt spid="1028"/>
+                                        </p:tgtEl>
+                                      </p:cBhvr>
+                                    </p:animEffect>
+                                  </p:childTnLst>
+                                </p:cTn>
+                              </p:par>
+                            </p:childTnLst>
+                          </p:cTn>
+                        </p:par>
+                      </p:childTnLst>
+                    </p:cTn>
+                  </p:par>
+                </p:childTnLst>
+              </p:cTn>
+              <p:prevCondLst>
+                <p:cond evt="onPrev" delay="0">
+                  <p:tgtEl>
+                    <p:sldTgt/>
+                  </p:tgtEl>
+                </p:cond>
+              </p:prevCondLst>
+              <p:nextCondLst>
+                <p:cond evt="onNext" delay="0">
+                  <p:tgtEl>
+                    <p:sldTgt/>
+                  </p:tgtEl>
+                </p:cond>
+              </p:nextCondLst>
+            </p:seq>
+          </p:childTnLst>
+        </p:cTn>
+      </p:par>
+    </p:tnLst>
+    <p:bldLst>
+      <p:bldP spid="2" grpId="0"/>
+      <p:bldP spid="3" grpId="0" build="p"/>
+    </p:bldLst>
+  </p:timing>
+</p:sld>
+</file>
+
+<file path=ppt/slides/slide12.xml><?xml version="1.0" encoding="utf-8"?>
+<p:sld xmlns:a="http://schemas.openxmlformats.org/drawingml/2006/main" xmlns:r="http://schemas.openxmlformats.org/officeDocument/2006/relationships" xmlns:p="http://schemas.openxmlformats.org/presentationml/2006/main">
+  <p:cSld>
+    <p:spTree>
+      <p:nvGrpSpPr>
+        <p:cNvPr id="1" name=""/>
+        <p:cNvGrpSpPr/>
+        <p:nvPr/>
+      </p:nvGrpSpPr>
+      <p:grpSpPr>
+        <a:xfrm>
+          <a:off x="0" y="0"/>
+          <a:ext cx="0" cy="0"/>
+          <a:chOff x="0" y="0"/>
+          <a:chExt cx="0" cy="0"/>
+        </a:xfrm>
+      </p:grpSpPr>
+      <p:sp>
+        <p:nvSpPr>
+          <p:cNvPr id="2" name="Nadpis 1">
+            <a:extLst>
+              <a:ext uri="{FF2B5EF4-FFF2-40B4-BE49-F238E27FC236}">
+                <a16:creationId xmlns:a16="http://schemas.microsoft.com/office/drawing/2014/main" id="{5FB89D5A-7F3E-E7DF-79EE-3A0D365D87CB}"/>
+              </a:ext>
+            </a:extLst>
+          </p:cNvPr>
+          <p:cNvSpPr>
+            <a:spLocks noGrp="1"/>
+          </p:cNvSpPr>
+          <p:nvPr>
+            <p:ph type="title"/>
+          </p:nvPr>
+        </p:nvSpPr>
+        <p:spPr/>
+        <p:txBody>
+          <a:bodyPr/>
+          <a:lstStyle/>
+          <a:p>
+            <a:r>
+              <a:rPr lang="cs-CZ" dirty="0"/>
+              <a:t>Kódování</a:t>
+            </a:r>
+          </a:p>
+        </p:txBody>
+      </p:sp>
+      <p:sp>
+        <p:nvSpPr>
+          <p:cNvPr id="3" name="Zástupný obsah 2">
+            <a:extLst>
+              <a:ext uri="{FF2B5EF4-FFF2-40B4-BE49-F238E27FC236}">
+                <a16:creationId xmlns:a16="http://schemas.microsoft.com/office/drawing/2014/main" id="{0322B938-EFD4-F97D-1AD3-91279D346641}"/>
+              </a:ext>
+            </a:extLst>
+          </p:cNvPr>
+          <p:cNvSpPr>
+            <a:spLocks noGrp="1"/>
+          </p:cNvSpPr>
+          <p:nvPr>
+            <p:ph idx="1"/>
+          </p:nvPr>
+        </p:nvSpPr>
+        <p:spPr/>
+        <p:txBody>
+          <a:bodyPr/>
+          <a:lstStyle/>
+          <a:p>
+            <a:pPr>
+              <a:buFont typeface="Wingdings" panose="05000000000000000000" pitchFamily="2" charset="2"/>
+              <a:buChar char="v"/>
+            </a:pPr>
+            <a:r>
+              <a:rPr lang="cs-CZ" u="sng" dirty="0"/>
+              <a:t>Počítačová kódování</a:t>
+            </a:r>
+            <a:endParaRPr lang="cs-CZ" dirty="0"/>
+          </a:p>
+          <a:p>
+            <a:pPr>
+              <a:buFont typeface="Wingdings" panose="05000000000000000000" pitchFamily="2" charset="2"/>
+              <a:buChar char="v"/>
+            </a:pPr>
+            <a:r>
+              <a:rPr lang="cs-CZ" dirty="0"/>
+              <a:t>ASCII	– Jedno z prvotních</a:t>
+            </a:r>
+            <a:br>
+              <a:rPr lang="cs-CZ" dirty="0"/>
+            </a:br>
+            <a:r>
+              <a:rPr lang="cs-CZ" dirty="0"/>
+              <a:t>		– Znaky kódovány 7b</a:t>
+            </a:r>
+          </a:p>
+          <a:p>
+            <a:pPr>
+              <a:buFont typeface="Wingdings" panose="05000000000000000000" pitchFamily="2" charset="2"/>
+              <a:buChar char="v"/>
+            </a:pPr>
+            <a:endParaRPr lang="cs-CZ" dirty="0"/>
+          </a:p>
+          <a:p>
+            <a:pPr>
+              <a:buFont typeface="Wingdings" panose="05000000000000000000" pitchFamily="2" charset="2"/>
+              <a:buChar char="v"/>
+            </a:pPr>
+            <a:r>
+              <a:rPr lang="cs-CZ" dirty="0"/>
+              <a:t>UTF-8	– Dnes dost využívané</a:t>
+            </a:r>
+            <a:br>
+              <a:rPr lang="cs-CZ" dirty="0"/>
+            </a:br>
+            <a:r>
+              <a:rPr lang="cs-CZ" dirty="0"/>
+              <a:t>		– UTF-16, UTF-32</a:t>
+            </a:r>
+          </a:p>
+        </p:txBody>
+      </p:sp>
+    </p:spTree>
+    <p:extLst>
+      <p:ext uri="{BB962C8B-B14F-4D97-AF65-F5344CB8AC3E}">
+        <p14:creationId xmlns:p14="http://schemas.microsoft.com/office/powerpoint/2010/main" val="2510211707"/>
+      </p:ext>
+    </p:extLst>
+  </p:cSld>
+  <p:clrMapOvr>
+    <a:masterClrMapping/>
+  </p:clrMapOvr>
+  <p:transition spd="slow">
+    <p:push dir="u"/>
+  </p:transition>
+  <p:timing>
+    <p:tnLst>
+      <p:par>
+        <p:cTn id="1" dur="indefinite" restart="never" nodeType="tmRoot">
+          <p:childTnLst>
+            <p:seq concurrent="1" nextAc="seek">
+              <p:cTn id="2" dur="indefinite" nodeType="mainSeq">
+                <p:childTnLst>
+                  <p:par>
+                    <p:cTn id="3" fill="hold">
+                      <p:stCondLst>
+                        <p:cond delay="indefinite"/>
+                        <p:cond evt="onBegin" delay="0">
+                          <p:tn val="2"/>
+                        </p:cond>
+                      </p:stCondLst>
+                      <p:childTnLst>
+                        <p:par>
+                          <p:cTn id="4" fill="hold">
+                            <p:stCondLst>
+                              <p:cond delay="0"/>
+                            </p:stCondLst>
+                            <p:childTnLst>
+                              <p:par>
+                                <p:cTn id="5" presetID="6" presetClass="entr" presetSubtype="16" fill="hold" grpId="0" nodeType="withEffect">
+                                  <p:stCondLst>
+                                    <p:cond delay="0"/>
+                                  </p:stCondLst>
+                                  <p:childTnLst>
+                                    <p:set>
+                                      <p:cBhvr>
+                                        <p:cTn id="6" dur="1" fill="hold">
+                                          <p:stCondLst>
+                                            <p:cond delay="0"/>
+                                          </p:stCondLst>
+                                        </p:cTn>
+                                        <p:tgtEl>
+                                          <p:spTgt spid="2"/>
+                                        </p:tgtEl>
+                                        <p:attrNameLst>
+                                          <p:attrName>style.visibility</p:attrName>
+                                        </p:attrNameLst>
+                                      </p:cBhvr>
+                                      <p:to>
+                                        <p:strVal val="visible"/>
+                                      </p:to>
+                                    </p:set>
+                                    <p:animEffect transition="in" filter="circle(in)">
+                                      <p:cBhvr>
+                                        <p:cTn id="7" dur="2000"/>
+                                        <p:tgtEl>
+                                          <p:spTgt spid="2"/>
+                                        </p:tgtEl>
+                                      </p:cBhvr>
+                                    </p:animEffect>
+                                  </p:childTnLst>
+                                </p:cTn>
+                              </p:par>
+                            </p:childTnLst>
+                          </p:cTn>
+                        </p:par>
+                        <p:par>
+                          <p:cTn id="8" fill="hold">
+                            <p:stCondLst>
+                              <p:cond delay="2000"/>
+                            </p:stCondLst>
+                            <p:childTnLst>
+                              <p:par>
+                                <p:cTn id="9" presetID="2" presetClass="entr" presetSubtype="4" fill="hold" grpId="0" nodeType="afterEffect">
+                                  <p:stCondLst>
+                                    <p:cond delay="0"/>
+                                  </p:stCondLst>
+                                  <p:childTnLst>
+                                    <p:set>
+                                      <p:cBhvr>
+                                        <p:cTn id="10" dur="1" fill="hold">
+                                          <p:stCondLst>
+                                            <p:cond delay="0"/>
+                                          </p:stCondLst>
+                                        </p:cTn>
+                                        <p:tgtEl>
+                                          <p:spTgt spid="3">
+                                            <p:txEl>
+                                              <p:pRg st="0" end="0"/>
+                                            </p:txEl>
+                                          </p:spTgt>
+                                        </p:tgtEl>
+                                        <p:attrNameLst>
+                                          <p:attrName>style.visibility</p:attrName>
+                                        </p:attrNameLst>
+                                      </p:cBhvr>
+                                      <p:to>
+                                        <p:strVal val="visible"/>
+                                      </p:to>
+                                    </p:set>
+                                    <p:anim calcmode="lin" valueType="num">
+                                      <p:cBhvr additive="base">
+                                        <p:cTn id="11" dur="500" fill="hold"/>
+                                        <p:tgtEl>
+                                          <p:spTgt spid="3">
+                                            <p:txEl>
+                                              <p:pRg st="0" end="0"/>
+                                            </p:txEl>
+                                          </p:spTgt>
+                                        </p:tgtEl>
+                                        <p:attrNameLst>
+                                          <p:attrName>ppt_x</p:attrName>
+                                        </p:attrNameLst>
+                                      </p:cBhvr>
+                                      <p:tavLst>
+                                        <p:tav tm="0">
+                                          <p:val>
+                                            <p:strVal val="#ppt_x"/>
+                                          </p:val>
+                                        </p:tav>
+                                        <p:tav tm="100000">
+                                          <p:val>
+                                            <p:strVal val="#ppt_x"/>
+                                          </p:val>
+                                        </p:tav>
+                                      </p:tavLst>
+                                    </p:anim>
+                                    <p:anim calcmode="lin" valueType="num">
+                                      <p:cBhvr additive="base">
+                                        <p:cTn id="12" dur="500" fill="hold"/>
+                                        <p:tgtEl>
+                                          <p:spTgt spid="3">
+                                            <p:txEl>
+                                              <p:pRg st="0" end="0"/>
+                                            </p:txEl>
+                                          </p:spTgt>
+                                        </p:tgtEl>
+                                        <p:attrNameLst>
+                                          <p:attrName>ppt_y</p:attrName>
+                                        </p:attrNameLst>
+                                      </p:cBhvr>
+                                      <p:tavLst>
+                                        <p:tav tm="0">
+                                          <p:val>
+                                            <p:strVal val="1+#ppt_h/2"/>
+                                          </p:val>
+                                        </p:tav>
+                                        <p:tav tm="100000">
+                                          <p:val>
+                                            <p:strVal val="#ppt_y"/>
+                                          </p:val>
+                                        </p:tav>
+                                      </p:tavLst>
+                                    </p:anim>
+                                  </p:childTnLst>
+                                </p:cTn>
+                              </p:par>
+                            </p:childTnLst>
+                          </p:cTn>
+                        </p:par>
+                        <p:par>
+                          <p:cTn id="13" fill="hold">
+                            <p:stCondLst>
+                              <p:cond delay="2500"/>
+                            </p:stCondLst>
+                            <p:childTnLst>
+                              <p:par>
+                                <p:cTn id="14" presetID="2" presetClass="entr" presetSubtype="4" fill="hold" grpId="0" nodeType="afterEffect">
+                                  <p:stCondLst>
+                                    <p:cond delay="0"/>
+                                  </p:stCondLst>
+                                  <p:childTnLst>
+                                    <p:set>
+                                      <p:cBhvr>
+                                        <p:cTn id="15" dur="1" fill="hold">
+                                          <p:stCondLst>
+                                            <p:cond delay="0"/>
+                                          </p:stCondLst>
+                                        </p:cTn>
+                                        <p:tgtEl>
+                                          <p:spTgt spid="3">
+                                            <p:txEl>
+                                              <p:pRg st="1" end="1"/>
+                                            </p:txEl>
+                                          </p:spTgt>
+                                        </p:tgtEl>
+                                        <p:attrNameLst>
+                                          <p:attrName>style.visibility</p:attrName>
+                                        </p:attrNameLst>
+                                      </p:cBhvr>
+                                      <p:to>
+                                        <p:strVal val="visible"/>
+                                      </p:to>
+                                    </p:set>
+                                    <p:anim calcmode="lin" valueType="num">
+                                      <p:cBhvr additive="base">
+                                        <p:cTn id="16" dur="500" fill="hold"/>
+                                        <p:tgtEl>
+                                          <p:spTgt spid="3">
+                                            <p:txEl>
+                                              <p:pRg st="1" end="1"/>
+                                            </p:txEl>
+                                          </p:spTgt>
+                                        </p:tgtEl>
+                                        <p:attrNameLst>
+                                          <p:attrName>ppt_x</p:attrName>
+                                        </p:attrNameLst>
+                                      </p:cBhvr>
+                                      <p:tavLst>
+                                        <p:tav tm="0">
+                                          <p:val>
+                                            <p:strVal val="#ppt_x"/>
+                                          </p:val>
+                                        </p:tav>
+                                        <p:tav tm="100000">
+                                          <p:val>
+                                            <p:strVal val="#ppt_x"/>
+                                          </p:val>
+                                        </p:tav>
+                                      </p:tavLst>
+                                    </p:anim>
+                                    <p:anim calcmode="lin" valueType="num">
+                                      <p:cBhvr additive="base">
+                                        <p:cTn id="17" dur="500" fill="hold"/>
+                                        <p:tgtEl>
+                                          <p:spTgt spid="3">
+                                            <p:txEl>
+                                              <p:pRg st="1" end="1"/>
+                                            </p:txEl>
+                                          </p:spTgt>
+                                        </p:tgtEl>
+                                        <p:attrNameLst>
+                                          <p:attrName>ppt_y</p:attrName>
+                                        </p:attrNameLst>
+                                      </p:cBhvr>
+                                      <p:tavLst>
+                                        <p:tav tm="0">
+                                          <p:val>
+                                            <p:strVal val="1+#ppt_h/2"/>
+                                          </p:val>
+                                        </p:tav>
+                                        <p:tav tm="100000">
+                                          <p:val>
+                                            <p:strVal val="#ppt_y"/>
+                                          </p:val>
+                                        </p:tav>
+                                      </p:tavLst>
+                                    </p:anim>
+                                  </p:childTnLst>
+                                </p:cTn>
+                              </p:par>
+                            </p:childTnLst>
+                          </p:cTn>
+                        </p:par>
+                        <p:par>
+                          <p:cTn id="18" fill="hold">
+                            <p:stCondLst>
+                              <p:cond delay="3000"/>
+                            </p:stCondLst>
+                            <p:childTnLst>
+                              <p:par>
+                                <p:cTn id="19" presetID="2" presetClass="entr" presetSubtype="4" fill="hold" grpId="0" nodeType="afterEffect">
+                                  <p:stCondLst>
+                                    <p:cond delay="0"/>
+                                  </p:stCondLst>
+                                  <p:childTnLst>
+                                    <p:set>
+                                      <p:cBhvr>
+                                        <p:cTn id="20" dur="1" fill="hold">
+                                          <p:stCondLst>
+                                            <p:cond delay="0"/>
+                                          </p:stCondLst>
+                                        </p:cTn>
+                                        <p:tgtEl>
+                                          <p:spTgt spid="3">
+                                            <p:txEl>
+                                              <p:pRg st="3" end="3"/>
+                                            </p:txEl>
+                                          </p:spTgt>
+                                        </p:tgtEl>
+                                        <p:attrNameLst>
+                                          <p:attrName>style.visibility</p:attrName>
+                                        </p:attrNameLst>
+                                      </p:cBhvr>
+                                      <p:to>
+                                        <p:strVal val="visible"/>
+                                      </p:to>
+                                    </p:set>
+                                    <p:anim calcmode="lin" valueType="num">
+                                      <p:cBhvr additive="base">
+                                        <p:cTn id="21" dur="500" fill="hold"/>
+                                        <p:tgtEl>
+                                          <p:spTgt spid="3">
+                                            <p:txEl>
+                                              <p:pRg st="3" end="3"/>
+                                            </p:txEl>
+                                          </p:spTgt>
+                                        </p:tgtEl>
+                                        <p:attrNameLst>
+                                          <p:attrName>ppt_x</p:attrName>
+                                        </p:attrNameLst>
+                                      </p:cBhvr>
+                                      <p:tavLst>
+                                        <p:tav tm="0">
+                                          <p:val>
+                                            <p:strVal val="#ppt_x"/>
+                                          </p:val>
+                                        </p:tav>
+                                        <p:tav tm="100000">
+                                          <p:val>
+                                            <p:strVal val="#ppt_x"/>
+                                          </p:val>
+                                        </p:tav>
+                                      </p:tavLst>
+                                    </p:anim>
+                                    <p:anim calcmode="lin" valueType="num">
+                                      <p:cBhvr additive="base">
+                                        <p:cTn id="22" dur="500" fill="hold"/>
+                                        <p:tgtEl>
+                                          <p:spTgt spid="3">
+                                            <p:txEl>
+                                              <p:pRg st="3" end="3"/>
+                                            </p:txEl>
+                                          </p:spTgt>
+                                        </p:tgtEl>
+                                        <p:attrNameLst>
+                                          <p:attrName>ppt_y</p:attrName>
+                                        </p:attrNameLst>
+                                      </p:cBhvr>
+                                      <p:tavLst>
+                                        <p:tav tm="0">
+                                          <p:val>
+                                            <p:strVal val="1+#ppt_h/2"/>
+                                          </p:val>
+                                        </p:tav>
+                                        <p:tav tm="100000">
+                                          <p:val>
+                                            <p:strVal val="#ppt_y"/>
+                                          </p:val>
+                                        </p:tav>
+                                      </p:tavLst>
+                                    </p:anim>
+                                  </p:childTnLst>
+                                </p:cTn>
+                              </p:par>
+                            </p:childTnLst>
+                          </p:cTn>
+                        </p:par>
+                      </p:childTnLst>
+                    </p:cTn>
+                  </p:par>
+                </p:childTnLst>
+              </p:cTn>
+              <p:prevCondLst>
+                <p:cond evt="onPrev" delay="0">
+                  <p:tgtEl>
+                    <p:sldTgt/>
+                  </p:tgtEl>
+                </p:cond>
+              </p:prevCondLst>
+              <p:nextCondLst>
+                <p:cond evt="onNext" delay="0">
+                  <p:tgtEl>
+                    <p:sldTgt/>
+                  </p:tgtEl>
+                </p:cond>
+              </p:nextCondLst>
+            </p:seq>
+          </p:childTnLst>
+        </p:cTn>
+      </p:par>
+    </p:tnLst>
+    <p:bldLst>
+      <p:bldP spid="2" grpId="0"/>
+      <p:bldP spid="3" grpId="0" build="p"/>
+    </p:bldLst>
+  </p:timing>
+</p:sld>
+</file>
+
+<file path=ppt/slides/slide13.xml><?xml version="1.0" encoding="utf-8"?>
+<p:sld xmlns:a="http://schemas.openxmlformats.org/drawingml/2006/main" xmlns:r="http://schemas.openxmlformats.org/officeDocument/2006/relationships" xmlns:p="http://schemas.openxmlformats.org/presentationml/2006/main">
+  <p:cSld>
+    <p:spTree>
+      <p:nvGrpSpPr>
+        <p:cNvPr id="1" name=""/>
+        <p:cNvGrpSpPr/>
+        <p:nvPr/>
+      </p:nvGrpSpPr>
+      <p:grpSpPr>
+        <a:xfrm>
+          <a:off x="0" y="0"/>
+          <a:ext cx="0" cy="0"/>
+          <a:chOff x="0" y="0"/>
+          <a:chExt cx="0" cy="0"/>
+        </a:xfrm>
+      </p:grpSpPr>
+      <p:sp>
+        <p:nvSpPr>
+          <p:cNvPr id="2" name="Nadpis 1">
+            <a:extLst>
+              <a:ext uri="{FF2B5EF4-FFF2-40B4-BE49-F238E27FC236}">
+                <a16:creationId xmlns:a16="http://schemas.microsoft.com/office/drawing/2014/main" id="{11DD08FF-7F34-F76B-5E0E-1F361616859E}"/>
+              </a:ext>
+            </a:extLst>
+          </p:cNvPr>
+          <p:cNvSpPr>
+            <a:spLocks noGrp="1"/>
+          </p:cNvSpPr>
+          <p:nvPr>
+            <p:ph type="title"/>
+          </p:nvPr>
+        </p:nvSpPr>
+        <p:spPr/>
+        <p:txBody>
+          <a:bodyPr/>
+          <a:lstStyle/>
+          <a:p>
+            <a:r>
+              <a:rPr lang="cs-CZ" dirty="0"/>
+              <a:t>Kódování – Base64</a:t>
+            </a:r>
+          </a:p>
+        </p:txBody>
+      </p:sp>
+      <p:sp>
+        <p:nvSpPr>
+          <p:cNvPr id="3" name="Zástupný obsah 2">
+            <a:extLst>
+              <a:ext uri="{FF2B5EF4-FFF2-40B4-BE49-F238E27FC236}">
+                <a16:creationId xmlns:a16="http://schemas.microsoft.com/office/drawing/2014/main" id="{54B17671-DEC5-6BF7-5723-7062EA58E752}"/>
+              </a:ext>
+            </a:extLst>
+          </p:cNvPr>
+          <p:cNvSpPr>
+            <a:spLocks noGrp="1"/>
+          </p:cNvSpPr>
+          <p:nvPr>
+            <p:ph idx="1"/>
+          </p:nvPr>
+        </p:nvSpPr>
+        <p:spPr>
+          <a:xfrm>
+            <a:off x="838200" y="1825625"/>
+            <a:ext cx="10515600" cy="2293702"/>
+          </a:xfrm>
+        </p:spPr>
+        <p:txBody>
+          <a:bodyPr/>
+          <a:lstStyle/>
+          <a:p>
+            <a:pPr>
+              <a:buFont typeface="Wingdings" panose="05000000000000000000" pitchFamily="2" charset="2"/>
+              <a:buChar char="v"/>
+            </a:pPr>
+            <a:r>
+              <a:rPr lang="cs-CZ" dirty="0"/>
+              <a:t>Písmena ve zprávě se zakódují 8b kódováním</a:t>
+            </a:r>
+          </a:p>
+          <a:p>
+            <a:pPr>
+              <a:buFont typeface="Wingdings" panose="05000000000000000000" pitchFamily="2" charset="2"/>
+              <a:buChar char="v"/>
+            </a:pPr>
+            <a:r>
+              <a:rPr lang="cs-CZ" dirty="0"/>
+              <a:t>A následně se dekódují 6b kódováním, vždy do čtveřic</a:t>
+            </a:r>
+          </a:p>
+          <a:p>
+            <a:pPr>
+              <a:buFont typeface="Wingdings" panose="05000000000000000000" pitchFamily="2" charset="2"/>
+              <a:buChar char="v"/>
+            </a:pPr>
+            <a:r>
+              <a:rPr lang="cs-CZ" dirty="0"/>
+              <a:t>Případné mezery ve čtveřicích na konci jsou vyplněny =</a:t>
+            </a:r>
+          </a:p>
+          <a:p>
+            <a:pPr>
+              <a:buFont typeface="Wingdings" panose="05000000000000000000" pitchFamily="2" charset="2"/>
+              <a:buChar char="v"/>
+            </a:pPr>
+            <a:r>
+              <a:rPr lang="cs-CZ" dirty="0" err="1"/>
+              <a:t>Ma</a:t>
+            </a:r>
+            <a:r>
+              <a:rPr lang="cs-CZ" dirty="0"/>
+              <a:t> =&gt; TWE=</a:t>
+            </a:r>
+          </a:p>
+        </p:txBody>
+      </p:sp>
+      <p:pic>
+        <p:nvPicPr>
+          <p:cNvPr id="5" name="Obrázek 4">
+            <a:extLst>
+              <a:ext uri="{FF2B5EF4-FFF2-40B4-BE49-F238E27FC236}">
+                <a16:creationId xmlns:a16="http://schemas.microsoft.com/office/drawing/2014/main" id="{7764A035-D16D-9925-EA46-8CB5804A8875}"/>
+              </a:ext>
+            </a:extLst>
+          </p:cNvPr>
+          <p:cNvPicPr>
+            <a:picLocks noChangeAspect="1"/>
+          </p:cNvPicPr>
+          <p:nvPr/>
+        </p:nvPicPr>
+        <p:blipFill>
+          <a:blip r:embed="rId3"/>
+          <a:stretch>
+            <a:fillRect/>
+          </a:stretch>
+        </p:blipFill>
+        <p:spPr>
+          <a:xfrm>
+            <a:off x="1866900" y="4254216"/>
+            <a:ext cx="4229100" cy="1190625"/>
+          </a:xfrm>
+          <a:prstGeom prst="rect">
+            <a:avLst/>
+          </a:prstGeom>
+        </p:spPr>
+      </p:pic>
+    </p:spTree>
+    <p:extLst>
+      <p:ext uri="{BB962C8B-B14F-4D97-AF65-F5344CB8AC3E}">
+        <p14:creationId xmlns:p14="http://schemas.microsoft.com/office/powerpoint/2010/main" val="599014043"/>
+      </p:ext>
+    </p:extLst>
+  </p:cSld>
+  <p:clrMapOvr>
+    <a:masterClrMapping/>
+  </p:clrMapOvr>
+  <p:transition spd="slow">
+    <p:push dir="u"/>
+  </p:transition>
+  <p:timing>
+    <p:tnLst>
+      <p:par>
+        <p:cTn id="1" dur="indefinite" restart="never" nodeType="tmRoot">
+          <p:childTnLst>
+            <p:seq concurrent="1" nextAc="seek">
+              <p:cTn id="2" dur="indefinite" nodeType="mainSeq">
+                <p:childTnLst>
+                  <p:par>
+                    <p:cTn id="3" fill="hold">
+                      <p:stCondLst>
+                        <p:cond delay="indefinite"/>
+                        <p:cond evt="onBegin" delay="0">
+                          <p:tn val="2"/>
+                        </p:cond>
+                      </p:stCondLst>
+                      <p:childTnLst>
+                        <p:par>
+                          <p:cTn id="4" fill="hold">
+                            <p:stCondLst>
+                              <p:cond delay="0"/>
+                            </p:stCondLst>
+                            <p:childTnLst>
+                              <p:par>
+                                <p:cTn id="5" presetID="6" presetClass="entr" presetSubtype="16" fill="hold" grpId="0" nodeType="withEffect">
+                                  <p:stCondLst>
+                                    <p:cond delay="0"/>
+                                  </p:stCondLst>
+                                  <p:childTnLst>
+                                    <p:set>
+                                      <p:cBhvr>
+                                        <p:cTn id="6" dur="1" fill="hold">
+                                          <p:stCondLst>
+                                            <p:cond delay="0"/>
+                                          </p:stCondLst>
+                                        </p:cTn>
+                                        <p:tgtEl>
+                                          <p:spTgt spid="2"/>
+                                        </p:tgtEl>
+                                        <p:attrNameLst>
+                                          <p:attrName>style.visibility</p:attrName>
+                                        </p:attrNameLst>
+                                      </p:cBhvr>
+                                      <p:to>
+                                        <p:strVal val="visible"/>
+                                      </p:to>
+                                    </p:set>
+                                    <p:animEffect transition="in" filter="circle(in)">
+                                      <p:cBhvr>
+                                        <p:cTn id="7" dur="2000"/>
+                                        <p:tgtEl>
+                                          <p:spTgt spid="2"/>
+                                        </p:tgtEl>
+                                      </p:cBhvr>
+                                    </p:animEffect>
+                                  </p:childTnLst>
+                                </p:cTn>
+                              </p:par>
+                            </p:childTnLst>
+                          </p:cTn>
+                        </p:par>
+                        <p:par>
+                          <p:cTn id="8" fill="hold">
+                            <p:stCondLst>
+                              <p:cond delay="2000"/>
+                            </p:stCondLst>
+                            <p:childTnLst>
+                              <p:par>
+                                <p:cTn id="9" presetID="2" presetClass="entr" presetSubtype="4" fill="hold" grpId="0" nodeType="afterEffect">
+                                  <p:stCondLst>
+                                    <p:cond delay="0"/>
+                                  </p:stCondLst>
+                                  <p:childTnLst>
+                                    <p:set>
+                                      <p:cBhvr>
+                                        <p:cTn id="10" dur="1" fill="hold">
+                                          <p:stCondLst>
+                                            <p:cond delay="0"/>
+                                          </p:stCondLst>
+                                        </p:cTn>
+                                        <p:tgtEl>
+                                          <p:spTgt spid="3">
+                                            <p:txEl>
+                                              <p:pRg st="0" end="0"/>
+                                            </p:txEl>
+                                          </p:spTgt>
+                                        </p:tgtEl>
+                                        <p:attrNameLst>
+                                          <p:attrName>style.visibility</p:attrName>
+                                        </p:attrNameLst>
+                                      </p:cBhvr>
+                                      <p:to>
+                                        <p:strVal val="visible"/>
+                                      </p:to>
+                                    </p:set>
+                                    <p:anim calcmode="lin" valueType="num">
+                                      <p:cBhvr additive="base">
+                                        <p:cTn id="11" dur="500" fill="hold"/>
+                                        <p:tgtEl>
+                                          <p:spTgt spid="3">
+                                            <p:txEl>
+                                              <p:pRg st="0" end="0"/>
+                                            </p:txEl>
+                                          </p:spTgt>
+                                        </p:tgtEl>
+                                        <p:attrNameLst>
+                                          <p:attrName>ppt_x</p:attrName>
+                                        </p:attrNameLst>
+                                      </p:cBhvr>
+                                      <p:tavLst>
+                                        <p:tav tm="0">
+                                          <p:val>
+                                            <p:strVal val="#ppt_x"/>
+                                          </p:val>
+                                        </p:tav>
+                                        <p:tav tm="100000">
+                                          <p:val>
+                                            <p:strVal val="#ppt_x"/>
+                                          </p:val>
+                                        </p:tav>
+                                      </p:tavLst>
+                                    </p:anim>
+                                    <p:anim calcmode="lin" valueType="num">
+                                      <p:cBhvr additive="base">
+                                        <p:cTn id="12" dur="500" fill="hold"/>
+                                        <p:tgtEl>
+                                          <p:spTgt spid="3">
+                                            <p:txEl>
+                                              <p:pRg st="0" end="0"/>
+                                            </p:txEl>
+                                          </p:spTgt>
+                                        </p:tgtEl>
+                                        <p:attrNameLst>
+                                          <p:attrName>ppt_y</p:attrName>
+                                        </p:attrNameLst>
+                                      </p:cBhvr>
+                                      <p:tavLst>
+                                        <p:tav tm="0">
+                                          <p:val>
+                                            <p:strVal val="1+#ppt_h/2"/>
+                                          </p:val>
+                                        </p:tav>
+                                        <p:tav tm="100000">
+                                          <p:val>
+                                            <p:strVal val="#ppt_y"/>
+                                          </p:val>
+                                        </p:tav>
+                                      </p:tavLst>
+                                    </p:anim>
+                                  </p:childTnLst>
+                                </p:cTn>
+                              </p:par>
+                            </p:childTnLst>
+                          </p:cTn>
+                        </p:par>
+                        <p:par>
+                          <p:cTn id="13" fill="hold">
+                            <p:stCondLst>
+                              <p:cond delay="2500"/>
+                            </p:stCondLst>
+                            <p:childTnLst>
+                              <p:par>
+                                <p:cTn id="14" presetID="2" presetClass="entr" presetSubtype="4" fill="hold" grpId="0" nodeType="afterEffect">
+                                  <p:stCondLst>
+                                    <p:cond delay="0"/>
+                                  </p:stCondLst>
+                                  <p:childTnLst>
+                                    <p:set>
+                                      <p:cBhvr>
+                                        <p:cTn id="15" dur="1" fill="hold">
+                                          <p:stCondLst>
+                                            <p:cond delay="0"/>
+                                          </p:stCondLst>
+                                        </p:cTn>
+                                        <p:tgtEl>
+                                          <p:spTgt spid="3">
+                                            <p:txEl>
+                                              <p:pRg st="1" end="1"/>
+                                            </p:txEl>
+                                          </p:spTgt>
+                                        </p:tgtEl>
+                                        <p:attrNameLst>
+                                          <p:attrName>style.visibility</p:attrName>
+                                        </p:attrNameLst>
+                                      </p:cBhvr>
+                                      <p:to>
+                                        <p:strVal val="visible"/>
+                                      </p:to>
+                                    </p:set>
+                                    <p:anim calcmode="lin" valueType="num">
+                                      <p:cBhvr additive="base">
+                                        <p:cTn id="16" dur="500" fill="hold"/>
+                                        <p:tgtEl>
+                                          <p:spTgt spid="3">
+                                            <p:txEl>
+                                              <p:pRg st="1" end="1"/>
+                                            </p:txEl>
+                                          </p:spTgt>
+                                        </p:tgtEl>
+                                        <p:attrNameLst>
+                                          <p:attrName>ppt_x</p:attrName>
+                                        </p:attrNameLst>
+                                      </p:cBhvr>
+                                      <p:tavLst>
+                                        <p:tav tm="0">
+                                          <p:val>
+                                            <p:strVal val="#ppt_x"/>
+                                          </p:val>
+                                        </p:tav>
+                                        <p:tav tm="100000">
+                                          <p:val>
+                                            <p:strVal val="#ppt_x"/>
+                                          </p:val>
+                                        </p:tav>
+                                      </p:tavLst>
+                                    </p:anim>
+                                    <p:anim calcmode="lin" valueType="num">
+                                      <p:cBhvr additive="base">
+                                        <p:cTn id="17" dur="500" fill="hold"/>
+                                        <p:tgtEl>
+                                          <p:spTgt spid="3">
+                                            <p:txEl>
+                                              <p:pRg st="1" end="1"/>
+                                            </p:txEl>
+                                          </p:spTgt>
+                                        </p:tgtEl>
+                                        <p:attrNameLst>
+                                          <p:attrName>ppt_y</p:attrName>
+                                        </p:attrNameLst>
+                                      </p:cBhvr>
+                                      <p:tavLst>
+                                        <p:tav tm="0">
+                                          <p:val>
+                                            <p:strVal val="1+#ppt_h/2"/>
+                                          </p:val>
+                                        </p:tav>
+                                        <p:tav tm="100000">
+                                          <p:val>
+                                            <p:strVal val="#ppt_y"/>
+                                          </p:val>
+                                        </p:tav>
+                                      </p:tavLst>
+                                    </p:anim>
+                                  </p:childTnLst>
+                                </p:cTn>
+                              </p:par>
+                            </p:childTnLst>
+                          </p:cTn>
+                        </p:par>
+                        <p:par>
+                          <p:cTn id="18" fill="hold">
+                            <p:stCondLst>
+                              <p:cond delay="3000"/>
+                            </p:stCondLst>
+                            <p:childTnLst>
+                              <p:par>
+                                <p:cTn id="19" presetID="2" presetClass="entr" presetSubtype="4" fill="hold" grpId="0" nodeType="afterEffect">
+                                  <p:stCondLst>
+                                    <p:cond delay="0"/>
+                                  </p:stCondLst>
+                                  <p:childTnLst>
+                                    <p:set>
+                                      <p:cBhvr>
+                                        <p:cTn id="20" dur="1" fill="hold">
+                                          <p:stCondLst>
+                                            <p:cond delay="0"/>
+                                          </p:stCondLst>
+                                        </p:cTn>
+                                        <p:tgtEl>
+                                          <p:spTgt spid="3">
+                                            <p:txEl>
+                                              <p:pRg st="2" end="2"/>
+                                            </p:txEl>
+                                          </p:spTgt>
+                                        </p:tgtEl>
+                                        <p:attrNameLst>
+                                          <p:attrName>style.visibility</p:attrName>
+                                        </p:attrNameLst>
+                                      </p:cBhvr>
+                                      <p:to>
+                                        <p:strVal val="visible"/>
+                                      </p:to>
+                                    </p:set>
+                                    <p:anim calcmode="lin" valueType="num">
+                                      <p:cBhvr additive="base">
+                                        <p:cTn id="21" dur="500" fill="hold"/>
+                                        <p:tgtEl>
+                                          <p:spTgt spid="3">
+                                            <p:txEl>
+                                              <p:pRg st="2" end="2"/>
+                                            </p:txEl>
+                                          </p:spTgt>
+                                        </p:tgtEl>
+                                        <p:attrNameLst>
+                                          <p:attrName>ppt_x</p:attrName>
+                                        </p:attrNameLst>
+                                      </p:cBhvr>
+                                      <p:tavLst>
+                                        <p:tav tm="0">
+                                          <p:val>
+                                            <p:strVal val="#ppt_x"/>
+                                          </p:val>
+                                        </p:tav>
+                                        <p:tav tm="100000">
+                                          <p:val>
+                                            <p:strVal val="#ppt_x"/>
+                                          </p:val>
+                                        </p:tav>
+                                      </p:tavLst>
+                                    </p:anim>
+                                    <p:anim calcmode="lin" valueType="num">
+                                      <p:cBhvr additive="base">
+                                        <p:cTn id="22" dur="500" fill="hold"/>
+                                        <p:tgtEl>
+                                          <p:spTgt spid="3">
+                                            <p:txEl>
+                                              <p:pRg st="2" end="2"/>
+                                            </p:txEl>
+                                          </p:spTgt>
+                                        </p:tgtEl>
+                                        <p:attrNameLst>
+                                          <p:attrName>ppt_y</p:attrName>
+                                        </p:attrNameLst>
+                                      </p:cBhvr>
+                                      <p:tavLst>
+                                        <p:tav tm="0">
+                                          <p:val>
+                                            <p:strVal val="1+#ppt_h/2"/>
+                                          </p:val>
+                                        </p:tav>
+                                        <p:tav tm="100000">
+                                          <p:val>
+                                            <p:strVal val="#ppt_y"/>
+                                          </p:val>
+                                        </p:tav>
+                                      </p:tavLst>
+                                    </p:anim>
+                                  </p:childTnLst>
+                                </p:cTn>
+                              </p:par>
+                            </p:childTnLst>
+                          </p:cTn>
+                        </p:par>
+                        <p:par>
+                          <p:cTn id="23" fill="hold">
+                            <p:stCondLst>
+                              <p:cond delay="3500"/>
+                            </p:stCondLst>
+                            <p:childTnLst>
+                              <p:par>
+                                <p:cTn id="24" presetID="2" presetClass="entr" presetSubtype="4" fill="hold" grpId="0" nodeType="afterEffect">
+                                  <p:stCondLst>
+                                    <p:cond delay="0"/>
+                                  </p:stCondLst>
+                                  <p:childTnLst>
+                                    <p:set>
+                                      <p:cBhvr>
+                                        <p:cTn id="25" dur="1" fill="hold">
+                                          <p:stCondLst>
+                                            <p:cond delay="0"/>
+                                          </p:stCondLst>
+                                        </p:cTn>
+                                        <p:tgtEl>
+                                          <p:spTgt spid="3">
+                                            <p:txEl>
+                                              <p:pRg st="3" end="3"/>
+                                            </p:txEl>
+                                          </p:spTgt>
+                                        </p:tgtEl>
+                                        <p:attrNameLst>
+                                          <p:attrName>style.visibility</p:attrName>
+                                        </p:attrNameLst>
+                                      </p:cBhvr>
+                                      <p:to>
+                                        <p:strVal val="visible"/>
+                                      </p:to>
+                                    </p:set>
+                                    <p:anim calcmode="lin" valueType="num">
+                                      <p:cBhvr additive="base">
+                                        <p:cTn id="26" dur="500" fill="hold"/>
+                                        <p:tgtEl>
+                                          <p:spTgt spid="3">
+                                            <p:txEl>
+                                              <p:pRg st="3" end="3"/>
+                                            </p:txEl>
+                                          </p:spTgt>
+                                        </p:tgtEl>
+                                        <p:attrNameLst>
+                                          <p:attrName>ppt_x</p:attrName>
+                                        </p:attrNameLst>
+                                      </p:cBhvr>
+                                      <p:tavLst>
+                                        <p:tav tm="0">
+                                          <p:val>
+                                            <p:strVal val="#ppt_x"/>
+                                          </p:val>
+                                        </p:tav>
+                                        <p:tav tm="100000">
+                                          <p:val>
+                                            <p:strVal val="#ppt_x"/>
+                                          </p:val>
+                                        </p:tav>
+                                      </p:tavLst>
+                                    </p:anim>
+                                    <p:anim calcmode="lin" valueType="num">
+                                      <p:cBhvr additive="base">
+                                        <p:cTn id="27" dur="500" fill="hold"/>
+                                        <p:tgtEl>
+                                          <p:spTgt spid="3">
+                                            <p:txEl>
+                                              <p:pRg st="3" end="3"/>
+                                            </p:txEl>
+                                          </p:spTgt>
+                                        </p:tgtEl>
+                                        <p:attrNameLst>
+                                          <p:attrName>ppt_y</p:attrName>
+                                        </p:attrNameLst>
+                                      </p:cBhvr>
+                                      <p:tavLst>
+                                        <p:tav tm="0">
+                                          <p:val>
+                                            <p:strVal val="1+#ppt_h/2"/>
+                                          </p:val>
+                                        </p:tav>
+                                        <p:tav tm="100000">
+                                          <p:val>
+                                            <p:strVal val="#ppt_y"/>
+                                          </p:val>
+                                        </p:tav>
+                                      </p:tavLst>
+                                    </p:anim>
+                                  </p:childTnLst>
+                                </p:cTn>
+                              </p:par>
+                            </p:childTnLst>
+                          </p:cTn>
+                        </p:par>
+                        <p:par>
+                          <p:cTn id="28" fill="hold">
+                            <p:stCondLst>
+                              <p:cond delay="4000"/>
+                            </p:stCondLst>
+                            <p:childTnLst>
+                              <p:par>
+                                <p:cTn id="29" presetID="6" presetClass="entr" presetSubtype="16" fill="hold" nodeType="afterEffect">
+                                  <p:stCondLst>
+                                    <p:cond delay="0"/>
+                                  </p:stCondLst>
+                                  <p:childTnLst>
+                                    <p:set>
+                                      <p:cBhvr>
+                                        <p:cTn id="30" dur="1" fill="hold">
+                                          <p:stCondLst>
+                                            <p:cond delay="0"/>
+                                          </p:stCondLst>
+                                        </p:cTn>
+                                        <p:tgtEl>
+                                          <p:spTgt spid="5"/>
+                                        </p:tgtEl>
+                                        <p:attrNameLst>
+                                          <p:attrName>style.visibility</p:attrName>
+                                        </p:attrNameLst>
+                                      </p:cBhvr>
+                                      <p:to>
+                                        <p:strVal val="visible"/>
+                                      </p:to>
+                                    </p:set>
+                                    <p:animEffect transition="in" filter="circle(in)">
+                                      <p:cBhvr>
+                                        <p:cTn id="31" dur="2000"/>
+                                        <p:tgtEl>
+                                          <p:spTgt spid="5"/>
+                                        </p:tgtEl>
+                                      </p:cBhvr>
+                                    </p:animEffect>
+                                  </p:childTnLst>
+                                </p:cTn>
+                              </p:par>
+                            </p:childTnLst>
+                          </p:cTn>
+                        </p:par>
+                      </p:childTnLst>
+                    </p:cTn>
+                  </p:par>
+                </p:childTnLst>
+              </p:cTn>
+              <p:prevCondLst>
+                <p:cond evt="onPrev" delay="0">
+                  <p:tgtEl>
+                    <p:sldTgt/>
+                  </p:tgtEl>
+                </p:cond>
+              </p:prevCondLst>
+              <p:nextCondLst>
+                <p:cond evt="onNext" delay="0">
+                  <p:tgtEl>
+                    <p:sldTgt/>
+                  </p:tgtEl>
+                </p:cond>
+              </p:nextCondLst>
+            </p:seq>
+          </p:childTnLst>
+        </p:cTn>
+      </p:par>
+    </p:tnLst>
+    <p:bldLst>
+      <p:bldP spid="2" grpId="0"/>
+      <p:bldP spid="3" grpId="0" build="p"/>
+    </p:bldLst>
+  </p:timing>
+</p:sld>
+</file>
+
+<file path=ppt/slides/slide14.xml><?xml version="1.0" encoding="utf-8"?>
+<p:sld xmlns:a="http://schemas.openxmlformats.org/drawingml/2006/main" xmlns:r="http://schemas.openxmlformats.org/officeDocument/2006/relationships" xmlns:p="http://schemas.openxmlformats.org/presentationml/2006/main">
+  <p:cSld>
+    <p:spTree>
+      <p:nvGrpSpPr>
+        <p:cNvPr id="1" name=""/>
+        <p:cNvGrpSpPr/>
+        <p:nvPr/>
+      </p:nvGrpSpPr>
+      <p:grpSpPr>
+        <a:xfrm>
+          <a:off x="0" y="0"/>
+          <a:ext cx="0" cy="0"/>
+          <a:chOff x="0" y="0"/>
+          <a:chExt cx="0" cy="0"/>
+        </a:xfrm>
+      </p:grpSpPr>
+      <p:sp>
+        <p:nvSpPr>
+          <p:cNvPr id="2" name="Nadpis 1">
+            <a:extLst>
+              <a:ext uri="{FF2B5EF4-FFF2-40B4-BE49-F238E27FC236}">
+                <a16:creationId xmlns:a16="http://schemas.microsoft.com/office/drawing/2014/main" id="{85E75097-1820-F4F0-8023-F486555D13FF}"/>
+              </a:ext>
+            </a:extLst>
+          </p:cNvPr>
+          <p:cNvSpPr>
+            <a:spLocks noGrp="1"/>
+          </p:cNvSpPr>
+          <p:nvPr>
+            <p:ph type="title"/>
+          </p:nvPr>
+        </p:nvSpPr>
+        <p:spPr/>
+        <p:txBody>
+          <a:bodyPr/>
+          <a:lstStyle/>
+          <a:p>
+            <a:r>
+              <a:rPr lang="cs-CZ" dirty="0"/>
+              <a:t>Pár slov o </a:t>
+            </a:r>
+            <a:r>
+              <a:rPr lang="cs-CZ" dirty="0" err="1"/>
+              <a:t>hashích</a:t>
+            </a:r>
+            <a:endParaRPr lang="cs-CZ" dirty="0"/>
+          </a:p>
+        </p:txBody>
+      </p:sp>
+      <p:sp>
+        <p:nvSpPr>
+          <p:cNvPr id="3" name="Zástupný obsah 2">
+            <a:extLst>
+              <a:ext uri="{FF2B5EF4-FFF2-40B4-BE49-F238E27FC236}">
+                <a16:creationId xmlns:a16="http://schemas.microsoft.com/office/drawing/2014/main" id="{4B0C9779-47D6-3980-F0EB-649DB0284224}"/>
+              </a:ext>
+            </a:extLst>
+          </p:cNvPr>
+          <p:cNvSpPr>
+            <a:spLocks noGrp="1"/>
+          </p:cNvSpPr>
+          <p:nvPr>
+            <p:ph idx="1"/>
+          </p:nvPr>
+        </p:nvSpPr>
+        <p:spPr>
+          <a:xfrm>
+            <a:off x="838200" y="1825624"/>
+            <a:ext cx="10515600" cy="5032375"/>
+          </a:xfrm>
+        </p:spPr>
+        <p:txBody>
+          <a:bodyPr/>
+          <a:lstStyle/>
+          <a:p>
+            <a:pPr>
+              <a:buFont typeface="Wingdings" panose="05000000000000000000" pitchFamily="2" charset="2"/>
+              <a:buChar char="v"/>
+            </a:pPr>
+            <a:r>
+              <a:rPr lang="cs-CZ" dirty="0"/>
+              <a:t>Charakteristika:</a:t>
+            </a:r>
+          </a:p>
+          <a:p>
+            <a:pPr>
+              <a:buFont typeface="Wingdings" panose="05000000000000000000" pitchFamily="2" charset="2"/>
+              <a:buChar char="v"/>
+            </a:pPr>
+            <a:r>
+              <a:rPr lang="cs-CZ" dirty="0"/>
+              <a:t>Pevná délka</a:t>
+            </a:r>
+          </a:p>
+          <a:p>
+            <a:pPr>
+              <a:buFont typeface="Wingdings" panose="05000000000000000000" pitchFamily="2" charset="2"/>
+              <a:buChar char="v"/>
+            </a:pPr>
+            <a:r>
+              <a:rPr lang="cs-CZ" dirty="0"/>
+              <a:t>Malá změna ve vstupu -</a:t>
+            </a:r>
+            <a:r>
+              <a:rPr lang="en-US" dirty="0"/>
+              <a:t>&gt;</a:t>
+            </a:r>
+            <a:r>
+              <a:rPr lang="cs-CZ" dirty="0"/>
+              <a:t> Velká změna ve výstupu</a:t>
+            </a:r>
+          </a:p>
+          <a:p>
+            <a:pPr>
+              <a:buFont typeface="Wingdings" panose="05000000000000000000" pitchFamily="2" charset="2"/>
+              <a:buChar char="v"/>
+            </a:pPr>
+            <a:r>
+              <a:rPr lang="cs-CZ" dirty="0"/>
+              <a:t>Každý vstup má jedinečnou </a:t>
+            </a:r>
+            <a:r>
+              <a:rPr lang="cs-CZ" dirty="0" err="1"/>
+              <a:t>hash</a:t>
+            </a:r>
+            <a:endParaRPr lang="cs-CZ" dirty="0"/>
+          </a:p>
+          <a:p>
+            <a:pPr>
+              <a:buFont typeface="Wingdings" panose="05000000000000000000" pitchFamily="2" charset="2"/>
+              <a:buChar char="v"/>
+            </a:pPr>
+            <a:r>
+              <a:rPr lang="cs-CZ" dirty="0"/>
+              <a:t>Jednosměrná funkce = z </a:t>
+            </a:r>
+            <a:r>
+              <a:rPr lang="cs-CZ" dirty="0" err="1"/>
+              <a:t>hashe</a:t>
+            </a:r>
+            <a:r>
+              <a:rPr lang="cs-CZ" dirty="0"/>
+              <a:t> nemůžu získat původní vstup</a:t>
+            </a:r>
+          </a:p>
+          <a:p>
+            <a:pPr>
+              <a:buFont typeface="Wingdings" panose="05000000000000000000" pitchFamily="2" charset="2"/>
+              <a:buChar char="v"/>
+            </a:pPr>
+            <a:endParaRPr lang="cs-CZ" dirty="0"/>
+          </a:p>
+          <a:p>
+            <a:pPr>
+              <a:buFont typeface="Wingdings" panose="05000000000000000000" pitchFamily="2" charset="2"/>
+              <a:buChar char="v"/>
+            </a:pPr>
+            <a:r>
+              <a:rPr lang="cs-CZ" dirty="0"/>
+              <a:t>Příklad </a:t>
+            </a:r>
+            <a:r>
+              <a:rPr lang="cs-CZ" dirty="0" err="1"/>
+              <a:t>hashe</a:t>
+            </a:r>
+            <a:r>
+              <a:rPr lang="cs-CZ" dirty="0"/>
+              <a:t>: 2241be2e7652451c1b00634e03c68dc3</a:t>
+            </a:r>
+          </a:p>
+          <a:p>
+            <a:pPr>
+              <a:buFont typeface="Wingdings" panose="05000000000000000000" pitchFamily="2" charset="2"/>
+              <a:buChar char="v"/>
+            </a:pPr>
+            <a:endParaRPr lang="cs-CZ" dirty="0"/>
+          </a:p>
+          <a:p>
+            <a:pPr>
+              <a:buFont typeface="Wingdings" panose="05000000000000000000" pitchFamily="2" charset="2"/>
+              <a:buChar char="v"/>
+            </a:pPr>
+            <a:r>
+              <a:rPr lang="cs-CZ" dirty="0"/>
+              <a:t>Příklad hashovacích algoritmů: MD5, NTLM, SHA1/256/512</a:t>
+            </a:r>
+          </a:p>
+        </p:txBody>
+      </p:sp>
+    </p:spTree>
+    <p:extLst>
+      <p:ext uri="{BB962C8B-B14F-4D97-AF65-F5344CB8AC3E}">
+        <p14:creationId xmlns:p14="http://schemas.microsoft.com/office/powerpoint/2010/main" val="1955086012"/>
+      </p:ext>
+    </p:extLst>
+  </p:cSld>
+  <p:clrMapOvr>
+    <a:masterClrMapping/>
+  </p:clrMapOvr>
+  <p:transition spd="slow">
+    <p:push dir="u"/>
+  </p:transition>
+  <p:timing>
+    <p:tnLst>
+      <p:par>
+        <p:cTn id="1" dur="indefinite" restart="never" nodeType="tmRoot">
+          <p:childTnLst>
+            <p:seq concurrent="1" nextAc="seek">
+              <p:cTn id="2" dur="indefinite" nodeType="mainSeq">
+                <p:childTnLst>
+                  <p:par>
+                    <p:cTn id="3" fill="hold">
+                      <p:stCondLst>
+                        <p:cond delay="indefinite"/>
+                        <p:cond evt="onBegin" delay="0">
+                          <p:tn val="2"/>
+                        </p:cond>
+                      </p:stCondLst>
+                      <p:childTnLst>
+                        <p:par>
+                          <p:cTn id="4" fill="hold">
+                            <p:stCondLst>
+                              <p:cond delay="0"/>
+                            </p:stCondLst>
+                            <p:childTnLst>
+                              <p:par>
+                                <p:cTn id="5" presetID="6" presetClass="entr" presetSubtype="16" fill="hold" grpId="0" nodeType="withEffect">
+                                  <p:stCondLst>
+                                    <p:cond delay="0"/>
+                                  </p:stCondLst>
+                                  <p:childTnLst>
+                                    <p:set>
+                                      <p:cBhvr>
+                                        <p:cTn id="6" dur="1" fill="hold">
+                                          <p:stCondLst>
+                                            <p:cond delay="0"/>
+                                          </p:stCondLst>
+                                        </p:cTn>
+                                        <p:tgtEl>
+                                          <p:spTgt spid="2"/>
+                                        </p:tgtEl>
+                                        <p:attrNameLst>
+                                          <p:attrName>style.visibility</p:attrName>
+                                        </p:attrNameLst>
+                                      </p:cBhvr>
+                                      <p:to>
+                                        <p:strVal val="visible"/>
+                                      </p:to>
+                                    </p:set>
+                                    <p:animEffect transition="in" filter="circle(in)">
+                                      <p:cBhvr>
+                                        <p:cTn id="7" dur="2000"/>
+                                        <p:tgtEl>
+                                          <p:spTgt spid="2"/>
+                                        </p:tgtEl>
+                                      </p:cBhvr>
+                                    </p:animEffect>
+                                  </p:childTnLst>
+                                </p:cTn>
+                              </p:par>
+                            </p:childTnLst>
+                          </p:cTn>
+                        </p:par>
+                        <p:par>
+                          <p:cTn id="8" fill="hold">
+                            <p:stCondLst>
+                              <p:cond delay="2000"/>
+                            </p:stCondLst>
+                            <p:childTnLst>
+                              <p:par>
+                                <p:cTn id="9" presetID="2" presetClass="entr" presetSubtype="4" fill="hold" grpId="0" nodeType="afterEffect">
+                                  <p:stCondLst>
+                                    <p:cond delay="0"/>
+                                  </p:stCondLst>
+                                  <p:childTnLst>
+                                    <p:set>
+                                      <p:cBhvr>
+                                        <p:cTn id="10" dur="1" fill="hold">
+                                          <p:stCondLst>
+                                            <p:cond delay="0"/>
+                                          </p:stCondLst>
+                                        </p:cTn>
+                                        <p:tgtEl>
+                                          <p:spTgt spid="3">
+                                            <p:txEl>
+                                              <p:pRg st="0" end="0"/>
+                                            </p:txEl>
+                                          </p:spTgt>
+                                        </p:tgtEl>
+                                        <p:attrNameLst>
+                                          <p:attrName>style.visibility</p:attrName>
+                                        </p:attrNameLst>
+                                      </p:cBhvr>
+                                      <p:to>
+                                        <p:strVal val="visible"/>
+                                      </p:to>
+                                    </p:set>
+                                    <p:anim calcmode="lin" valueType="num">
+                                      <p:cBhvr additive="base">
+                                        <p:cTn id="11" dur="500" fill="hold"/>
+                                        <p:tgtEl>
+                                          <p:spTgt spid="3">
+                                            <p:txEl>
+                                              <p:pRg st="0" end="0"/>
+                                            </p:txEl>
+                                          </p:spTgt>
+                                        </p:tgtEl>
+                                        <p:attrNameLst>
+                                          <p:attrName>ppt_x</p:attrName>
+                                        </p:attrNameLst>
+                                      </p:cBhvr>
+                                      <p:tavLst>
+                                        <p:tav tm="0">
+                                          <p:val>
+                                            <p:strVal val="#ppt_x"/>
+                                          </p:val>
+                                        </p:tav>
+                                        <p:tav tm="100000">
+                                          <p:val>
+                                            <p:strVal val="#ppt_x"/>
+                                          </p:val>
+                                        </p:tav>
+                                      </p:tavLst>
+                                    </p:anim>
+                                    <p:anim calcmode="lin" valueType="num">
+                                      <p:cBhvr additive="base">
+                                        <p:cTn id="12" dur="500" fill="hold"/>
+                                        <p:tgtEl>
+                                          <p:spTgt spid="3">
+                                            <p:txEl>
+                                              <p:pRg st="0" end="0"/>
+                                            </p:txEl>
+                                          </p:spTgt>
+                                        </p:tgtEl>
+                                        <p:attrNameLst>
+                                          <p:attrName>ppt_y</p:attrName>
+                                        </p:attrNameLst>
+                                      </p:cBhvr>
+                                      <p:tavLst>
+                                        <p:tav tm="0">
+                                          <p:val>
+                                            <p:strVal val="1+#ppt_h/2"/>
+                                          </p:val>
+                                        </p:tav>
+                                        <p:tav tm="100000">
+                                          <p:val>
+                                            <p:strVal val="#ppt_y"/>
+                                          </p:val>
+                                        </p:tav>
+                                      </p:tavLst>
+                                    </p:anim>
+                                  </p:childTnLst>
+                                </p:cTn>
+                              </p:par>
+                            </p:childTnLst>
+                          </p:cTn>
+                        </p:par>
+                        <p:par>
+                          <p:cTn id="13" fill="hold">
+                            <p:stCondLst>
+                              <p:cond delay="2500"/>
+                            </p:stCondLst>
+                            <p:childTnLst>
+                              <p:par>
+                                <p:cTn id="14" presetID="2" presetClass="entr" presetSubtype="4" fill="hold" grpId="0" nodeType="afterEffect">
+                                  <p:stCondLst>
+                                    <p:cond delay="0"/>
+                                  </p:stCondLst>
+                                  <p:childTnLst>
+                                    <p:set>
+                                      <p:cBhvr>
+                                        <p:cTn id="15" dur="1" fill="hold">
+                                          <p:stCondLst>
+                                            <p:cond delay="0"/>
+                                          </p:stCondLst>
+                                        </p:cTn>
+                                        <p:tgtEl>
+                                          <p:spTgt spid="3">
+                                            <p:txEl>
+                                              <p:pRg st="1" end="1"/>
+                                            </p:txEl>
+                                          </p:spTgt>
+                                        </p:tgtEl>
+                                        <p:attrNameLst>
+                                          <p:attrName>style.visibility</p:attrName>
+                                        </p:attrNameLst>
+                                      </p:cBhvr>
+                                      <p:to>
+                                        <p:strVal val="visible"/>
+                                      </p:to>
+                                    </p:set>
+                                    <p:anim calcmode="lin" valueType="num">
+                                      <p:cBhvr additive="base">
+                                        <p:cTn id="16" dur="500" fill="hold"/>
+                                        <p:tgtEl>
+                                          <p:spTgt spid="3">
+                                            <p:txEl>
+                                              <p:pRg st="1" end="1"/>
+                                            </p:txEl>
+                                          </p:spTgt>
+                                        </p:tgtEl>
+                                        <p:attrNameLst>
+                                          <p:attrName>ppt_x</p:attrName>
+                                        </p:attrNameLst>
+                                      </p:cBhvr>
+                                      <p:tavLst>
+                                        <p:tav tm="0">
+                                          <p:val>
+                                            <p:strVal val="#ppt_x"/>
+                                          </p:val>
+                                        </p:tav>
+                                        <p:tav tm="100000">
+                                          <p:val>
+                                            <p:strVal val="#ppt_x"/>
+                                          </p:val>
+                                        </p:tav>
+                                      </p:tavLst>
+                                    </p:anim>
+                                    <p:anim calcmode="lin" valueType="num">
+                                      <p:cBhvr additive="base">
+                                        <p:cTn id="17" dur="500" fill="hold"/>
+                                        <p:tgtEl>
+                                          <p:spTgt spid="3">
+                                            <p:txEl>
+                                              <p:pRg st="1" end="1"/>
+                                            </p:txEl>
+                                          </p:spTgt>
+                                        </p:tgtEl>
+                                        <p:attrNameLst>
+                                          <p:attrName>ppt_y</p:attrName>
+                                        </p:attrNameLst>
+                                      </p:cBhvr>
+                                      <p:tavLst>
+                                        <p:tav tm="0">
+                                          <p:val>
+                                            <p:strVal val="1+#ppt_h/2"/>
+                                          </p:val>
+                                        </p:tav>
+                                        <p:tav tm="100000">
+                                          <p:val>
+                                            <p:strVal val="#ppt_y"/>
+                                          </p:val>
+                                        </p:tav>
+                                      </p:tavLst>
+                                    </p:anim>
+                                  </p:childTnLst>
+                                </p:cTn>
+                              </p:par>
+                            </p:childTnLst>
+                          </p:cTn>
+                        </p:par>
+                        <p:par>
+                          <p:cTn id="18" fill="hold">
+                            <p:stCondLst>
+                              <p:cond delay="3000"/>
+                            </p:stCondLst>
+                            <p:childTnLst>
+                              <p:par>
+                                <p:cTn id="19" presetID="2" presetClass="entr" presetSubtype="4" fill="hold" grpId="0" nodeType="afterEffect">
+                                  <p:stCondLst>
+                                    <p:cond delay="0"/>
+                                  </p:stCondLst>
+                                  <p:childTnLst>
+                                    <p:set>
+                                      <p:cBhvr>
+                                        <p:cTn id="20" dur="1" fill="hold">
+                                          <p:stCondLst>
+                                            <p:cond delay="0"/>
+                                          </p:stCondLst>
+                                        </p:cTn>
+                                        <p:tgtEl>
+                                          <p:spTgt spid="3">
+                                            <p:txEl>
+                                              <p:pRg st="2" end="2"/>
+                                            </p:txEl>
+                                          </p:spTgt>
+                                        </p:tgtEl>
+                                        <p:attrNameLst>
+                                          <p:attrName>style.visibility</p:attrName>
+                                        </p:attrNameLst>
+                                      </p:cBhvr>
+                                      <p:to>
+                                        <p:strVal val="visible"/>
+                                      </p:to>
+                                    </p:set>
+                                    <p:anim calcmode="lin" valueType="num">
+                                      <p:cBhvr additive="base">
+                                        <p:cTn id="21" dur="500" fill="hold"/>
+                                        <p:tgtEl>
+                                          <p:spTgt spid="3">
+                                            <p:txEl>
+                                              <p:pRg st="2" end="2"/>
+                                            </p:txEl>
+                                          </p:spTgt>
+                                        </p:tgtEl>
+                                        <p:attrNameLst>
+                                          <p:attrName>ppt_x</p:attrName>
+                                        </p:attrNameLst>
+                                      </p:cBhvr>
+                                      <p:tavLst>
+                                        <p:tav tm="0">
+                                          <p:val>
+                                            <p:strVal val="#ppt_x"/>
+                                          </p:val>
+                                        </p:tav>
+                                        <p:tav tm="100000">
+                                          <p:val>
+                                            <p:strVal val="#ppt_x"/>
+                                          </p:val>
+                                        </p:tav>
+                                      </p:tavLst>
+                                    </p:anim>
+                                    <p:anim calcmode="lin" valueType="num">
+                                      <p:cBhvr additive="base">
+                                        <p:cTn id="22" dur="500" fill="hold"/>
+                                        <p:tgtEl>
+                                          <p:spTgt spid="3">
+                                            <p:txEl>
+                                              <p:pRg st="2" end="2"/>
+                                            </p:txEl>
+                                          </p:spTgt>
+                                        </p:tgtEl>
+                                        <p:attrNameLst>
+                                          <p:attrName>ppt_y</p:attrName>
+                                        </p:attrNameLst>
+                                      </p:cBhvr>
+                                      <p:tavLst>
+                                        <p:tav tm="0">
+                                          <p:val>
+                                            <p:strVal val="1+#ppt_h/2"/>
+                                          </p:val>
+                                        </p:tav>
+                                        <p:tav tm="100000">
+                                          <p:val>
+                                            <p:strVal val="#ppt_y"/>
+                                          </p:val>
+                                        </p:tav>
+                                      </p:tavLst>
+                                    </p:anim>
+                                  </p:childTnLst>
+                                </p:cTn>
+                              </p:par>
+                            </p:childTnLst>
+                          </p:cTn>
+                        </p:par>
+                        <p:par>
+                          <p:cTn id="23" fill="hold">
+                            <p:stCondLst>
+                              <p:cond delay="3500"/>
+                            </p:stCondLst>
+                            <p:childTnLst>
+                              <p:par>
+                                <p:cTn id="24" presetID="2" presetClass="entr" presetSubtype="4" fill="hold" grpId="0" nodeType="afterEffect">
+                                  <p:stCondLst>
+                                    <p:cond delay="0"/>
+                                  </p:stCondLst>
+                                  <p:childTnLst>
+                                    <p:set>
+                                      <p:cBhvr>
+                                        <p:cTn id="25" dur="1" fill="hold">
+                                          <p:stCondLst>
+                                            <p:cond delay="0"/>
+                                          </p:stCondLst>
+                                        </p:cTn>
+                                        <p:tgtEl>
+                                          <p:spTgt spid="3">
+                                            <p:txEl>
+                                              <p:pRg st="3" end="3"/>
+                                            </p:txEl>
+                                          </p:spTgt>
+                                        </p:tgtEl>
+                                        <p:attrNameLst>
+                                          <p:attrName>style.visibility</p:attrName>
+                                        </p:attrNameLst>
+                                      </p:cBhvr>
+                                      <p:to>
+                                        <p:strVal val="visible"/>
+                                      </p:to>
+                                    </p:set>
+                                    <p:anim calcmode="lin" valueType="num">
+                                      <p:cBhvr additive="base">
+                                        <p:cTn id="26" dur="500" fill="hold"/>
+                                        <p:tgtEl>
+                                          <p:spTgt spid="3">
+                                            <p:txEl>
+                                              <p:pRg st="3" end="3"/>
+                                            </p:txEl>
+                                          </p:spTgt>
+                                        </p:tgtEl>
+                                        <p:attrNameLst>
+                                          <p:attrName>ppt_x</p:attrName>
+                                        </p:attrNameLst>
+                                      </p:cBhvr>
+                                      <p:tavLst>
+                                        <p:tav tm="0">
+                                          <p:val>
+                                            <p:strVal val="#ppt_x"/>
+                                          </p:val>
+                                        </p:tav>
+                                        <p:tav tm="100000">
+                                          <p:val>
+                                            <p:strVal val="#ppt_x"/>
+                                          </p:val>
+                                        </p:tav>
+                                      </p:tavLst>
+                                    </p:anim>
+                                    <p:anim calcmode="lin" valueType="num">
+                                      <p:cBhvr additive="base">
+                                        <p:cTn id="27" dur="500" fill="hold"/>
+                                        <p:tgtEl>
+                                          <p:spTgt spid="3">
+                                            <p:txEl>
+                                              <p:pRg st="3" end="3"/>
+                                            </p:txEl>
+                                          </p:spTgt>
+                                        </p:tgtEl>
+                                        <p:attrNameLst>
+                                          <p:attrName>ppt_y</p:attrName>
+                                        </p:attrNameLst>
+                                      </p:cBhvr>
+                                      <p:tavLst>
+                                        <p:tav tm="0">
+                                          <p:val>
+                                            <p:strVal val="1+#ppt_h/2"/>
+                                          </p:val>
+                                        </p:tav>
+                                        <p:tav tm="100000">
+                                          <p:val>
+                                            <p:strVal val="#ppt_y"/>
+                                          </p:val>
+                                        </p:tav>
+                                      </p:tavLst>
+                                    </p:anim>
+                                  </p:childTnLst>
+                                </p:cTn>
+                              </p:par>
+                            </p:childTnLst>
+                          </p:cTn>
+                        </p:par>
+                        <p:par>
+                          <p:cTn id="28" fill="hold">
+                            <p:stCondLst>
+                              <p:cond delay="4000"/>
+                            </p:stCondLst>
+                            <p:childTnLst>
+                              <p:par>
+                                <p:cTn id="29" presetID="2" presetClass="entr" presetSubtype="4" fill="hold" grpId="0" nodeType="afterEffect">
+                                  <p:stCondLst>
+                                    <p:cond delay="0"/>
+                                  </p:stCondLst>
+                                  <p:childTnLst>
+                                    <p:set>
+                                      <p:cBhvr>
+                                        <p:cTn id="30" dur="1" fill="hold">
+                                          <p:stCondLst>
+                                            <p:cond delay="0"/>
+                                          </p:stCondLst>
+                                        </p:cTn>
+                                        <p:tgtEl>
+                                          <p:spTgt spid="3">
+                                            <p:txEl>
+                                              <p:pRg st="4" end="4"/>
+                                            </p:txEl>
+                                          </p:spTgt>
+                                        </p:tgtEl>
+                                        <p:attrNameLst>
+                                          <p:attrName>style.visibility</p:attrName>
+                                        </p:attrNameLst>
+                                      </p:cBhvr>
+                                      <p:to>
+                                        <p:strVal val="visible"/>
+                                      </p:to>
+                                    </p:set>
+                                    <p:anim calcmode="lin" valueType="num">
+                                      <p:cBhvr additive="base">
+                                        <p:cTn id="31" dur="500" fill="hold"/>
+                                        <p:tgtEl>
+                                          <p:spTgt spid="3">
+                                            <p:txEl>
+                                              <p:pRg st="4" end="4"/>
+                                            </p:txEl>
+                                          </p:spTgt>
+                                        </p:tgtEl>
+                                        <p:attrNameLst>
+                                          <p:attrName>ppt_x</p:attrName>
+                                        </p:attrNameLst>
+                                      </p:cBhvr>
+                                      <p:tavLst>
+                                        <p:tav tm="0">
+                                          <p:val>
+                                            <p:strVal val="#ppt_x"/>
+                                          </p:val>
+                                        </p:tav>
+                                        <p:tav tm="100000">
+                                          <p:val>
+                                            <p:strVal val="#ppt_x"/>
+                                          </p:val>
+                                        </p:tav>
+                                      </p:tavLst>
+                                    </p:anim>
+                                    <p:anim calcmode="lin" valueType="num">
+                                      <p:cBhvr additive="base">
+                                        <p:cTn id="32" dur="500" fill="hold"/>
+                                        <p:tgtEl>
+                                          <p:spTgt spid="3">
+                                            <p:txEl>
+                                              <p:pRg st="4" end="4"/>
+                                            </p:txEl>
+                                          </p:spTgt>
+                                        </p:tgtEl>
+                                        <p:attrNameLst>
+                                          <p:attrName>ppt_y</p:attrName>
+                                        </p:attrNameLst>
+                                      </p:cBhvr>
+                                      <p:tavLst>
+                                        <p:tav tm="0">
+                                          <p:val>
+                                            <p:strVal val="1+#ppt_h/2"/>
+                                          </p:val>
+                                        </p:tav>
+                                        <p:tav tm="100000">
+                                          <p:val>
+                                            <p:strVal val="#ppt_y"/>
+                                          </p:val>
+                                        </p:tav>
+                                      </p:tavLst>
+                                    </p:anim>
+                                  </p:childTnLst>
+                                </p:cTn>
+                              </p:par>
+                            </p:childTnLst>
+                          </p:cTn>
+                        </p:par>
+                        <p:par>
+                          <p:cTn id="33" fill="hold">
+                            <p:stCondLst>
+                              <p:cond delay="4500"/>
+                            </p:stCondLst>
+                            <p:childTnLst>
+                              <p:par>
+                                <p:cTn id="34" presetID="2" presetClass="entr" presetSubtype="4" fill="hold" grpId="0" nodeType="afterEffect">
+                                  <p:stCondLst>
+                                    <p:cond delay="0"/>
+                                  </p:stCondLst>
+                                  <p:childTnLst>
+                                    <p:set>
+                                      <p:cBhvr>
+                                        <p:cTn id="35" dur="1" fill="hold">
+                                          <p:stCondLst>
+                                            <p:cond delay="0"/>
+                                          </p:stCondLst>
+                                        </p:cTn>
+                                        <p:tgtEl>
+                                          <p:spTgt spid="3">
+                                            <p:txEl>
+                                              <p:pRg st="6" end="6"/>
+                                            </p:txEl>
+                                          </p:spTgt>
+                                        </p:tgtEl>
+                                        <p:attrNameLst>
+                                          <p:attrName>style.visibility</p:attrName>
+                                        </p:attrNameLst>
+                                      </p:cBhvr>
+                                      <p:to>
+                                        <p:strVal val="visible"/>
+                                      </p:to>
+                                    </p:set>
+                                    <p:anim calcmode="lin" valueType="num">
+                                      <p:cBhvr additive="base">
+                                        <p:cTn id="36" dur="500" fill="hold"/>
+                                        <p:tgtEl>
+                                          <p:spTgt spid="3">
+                                            <p:txEl>
+                                              <p:pRg st="6" end="6"/>
+                                            </p:txEl>
+                                          </p:spTgt>
+                                        </p:tgtEl>
+                                        <p:attrNameLst>
+                                          <p:attrName>ppt_x</p:attrName>
+                                        </p:attrNameLst>
+                                      </p:cBhvr>
+                                      <p:tavLst>
+                                        <p:tav tm="0">
+                                          <p:val>
+                                            <p:strVal val="#ppt_x"/>
+                                          </p:val>
+                                        </p:tav>
+                                        <p:tav tm="100000">
+                                          <p:val>
+                                            <p:strVal val="#ppt_x"/>
+                                          </p:val>
+                                        </p:tav>
+                                      </p:tavLst>
+                                    </p:anim>
+                                    <p:anim calcmode="lin" valueType="num">
+                                      <p:cBhvr additive="base">
+                                        <p:cTn id="37" dur="500" fill="hold"/>
+                                        <p:tgtEl>
+                                          <p:spTgt spid="3">
+                                            <p:txEl>
+                                              <p:pRg st="6" end="6"/>
+                                            </p:txEl>
+                                          </p:spTgt>
+                                        </p:tgtEl>
+                                        <p:attrNameLst>
+                                          <p:attrName>ppt_y</p:attrName>
+                                        </p:attrNameLst>
+                                      </p:cBhvr>
+                                      <p:tavLst>
+                                        <p:tav tm="0">
+                                          <p:val>
+                                            <p:strVal val="1+#ppt_h/2"/>
+                                          </p:val>
+                                        </p:tav>
+                                        <p:tav tm="100000">
+                                          <p:val>
+                                            <p:strVal val="#ppt_y"/>
+                                          </p:val>
+                                        </p:tav>
+                                      </p:tavLst>
+                                    </p:anim>
+                                  </p:childTnLst>
+                                </p:cTn>
+                              </p:par>
+                            </p:childTnLst>
+                          </p:cTn>
+                        </p:par>
+                        <p:par>
+                          <p:cTn id="38" fill="hold">
+                            <p:stCondLst>
+                              <p:cond delay="5000"/>
+                            </p:stCondLst>
+                            <p:childTnLst>
+                              <p:par>
+                                <p:cTn id="39" presetID="2" presetClass="entr" presetSubtype="4" fill="hold" grpId="0" nodeType="afterEffect">
+                                  <p:stCondLst>
+                                    <p:cond delay="0"/>
+                                  </p:stCondLst>
+                                  <p:childTnLst>
+                                    <p:set>
+                                      <p:cBhvr>
+                                        <p:cTn id="40" dur="1" fill="hold">
+                                          <p:stCondLst>
+                                            <p:cond delay="0"/>
+                                          </p:stCondLst>
+                                        </p:cTn>
+                                        <p:tgtEl>
+                                          <p:spTgt spid="3">
+                                            <p:txEl>
+                                              <p:pRg st="8" end="8"/>
+                                            </p:txEl>
+                                          </p:spTgt>
+                                        </p:tgtEl>
+                                        <p:attrNameLst>
+                                          <p:attrName>style.visibility</p:attrName>
+                                        </p:attrNameLst>
+                                      </p:cBhvr>
+                                      <p:to>
+                                        <p:strVal val="visible"/>
+                                      </p:to>
+                                    </p:set>
+                                    <p:anim calcmode="lin" valueType="num">
+                                      <p:cBhvr additive="base">
+                                        <p:cTn id="41" dur="500" fill="hold"/>
+                                        <p:tgtEl>
+                                          <p:spTgt spid="3">
+                                            <p:txEl>
+                                              <p:pRg st="8" end="8"/>
+                                            </p:txEl>
+                                          </p:spTgt>
+                                        </p:tgtEl>
+                                        <p:attrNameLst>
+                                          <p:attrName>ppt_x</p:attrName>
+                                        </p:attrNameLst>
+                                      </p:cBhvr>
+                                      <p:tavLst>
+                                        <p:tav tm="0">
+                                          <p:val>
+                                            <p:strVal val="#ppt_x"/>
+                                          </p:val>
+                                        </p:tav>
+                                        <p:tav tm="100000">
+                                          <p:val>
+                                            <p:strVal val="#ppt_x"/>
+                                          </p:val>
+                                        </p:tav>
+                                      </p:tavLst>
+                                    </p:anim>
+                                    <p:anim calcmode="lin" valueType="num">
+                                      <p:cBhvr additive="base">
+                                        <p:cTn id="42" dur="500" fill="hold"/>
+                                        <p:tgtEl>
+                                          <p:spTgt spid="3">
+                                            <p:txEl>
+                                              <p:pRg st="8" end="8"/>
+                                            </p:txEl>
+                                          </p:spTgt>
+                                        </p:tgtEl>
+                                        <p:attrNameLst>
+                                          <p:attrName>ppt_y</p:attrName>
+                                        </p:attrNameLst>
+                                      </p:cBhvr>
+                                      <p:tavLst>
+                                        <p:tav tm="0">
+                                          <p:val>
+                                            <p:strVal val="1+#ppt_h/2"/>
+                                          </p:val>
+                                        </p:tav>
+                                        <p:tav tm="100000">
+                                          <p:val>
+                                            <p:strVal val="#ppt_y"/>
+                                          </p:val>
+                                        </p:tav>
+                                      </p:tavLst>
+                                    </p:anim>
+                                  </p:childTnLst>
+                                </p:cTn>
+                              </p:par>
+                            </p:childTnLst>
+                          </p:cTn>
+                        </p:par>
+                      </p:childTnLst>
+                    </p:cTn>
+                  </p:par>
+                </p:childTnLst>
+              </p:cTn>
+              <p:prevCondLst>
+                <p:cond evt="onPrev" delay="0">
+                  <p:tgtEl>
+                    <p:sldTgt/>
+                  </p:tgtEl>
+                </p:cond>
+              </p:prevCondLst>
+              <p:nextCondLst>
+                <p:cond evt="onNext" delay="0">
+                  <p:tgtEl>
+                    <p:sldTgt/>
+                  </p:tgtEl>
+                </p:cond>
+              </p:nextCondLst>
+            </p:seq>
+          </p:childTnLst>
+        </p:cTn>
+      </p:par>
+    </p:tnLst>
+    <p:bldLst>
+      <p:bldP spid="2" grpId="0"/>
+      <p:bldP spid="3" grpId="0" build="p"/>
+    </p:bldLst>
+  </p:timing>
+</p:sld>
+</file>
+
+<file path=ppt/slides/slide15.xml><?xml version="1.0" encoding="utf-8"?>
 <p:sld xmlns:a="http://schemas.openxmlformats.org/drawingml/2006/main" xmlns:r="http://schemas.openxmlformats.org/officeDocument/2006/relationships" xmlns:p="http://schemas.openxmlformats.org/presentationml/2006/main">
   <p:cSld>
     <p:spTree>
@@ -6180,7 +8679,7 @@
               <a:buChar char="v"/>
             </a:pPr>
             <a:r>
-              <a:rPr lang="it-IT" sz="2000" b="0" i="0" dirty="0">
+              <a:rPr lang="it-IT" sz="1800" b="0" i="0" dirty="0">
                 <a:solidFill>
                   <a:srgbClr val="000000"/>
                 </a:solidFill>
@@ -6190,7 +8689,7 @@
               <a:t>RSA – Wikipedie. [online]. Dostupné</a:t>
             </a:r>
             <a:r>
-              <a:rPr lang="cs-CZ" sz="2000" b="0" i="0" dirty="0">
+              <a:rPr lang="cs-CZ" sz="1800" b="0" i="0" dirty="0">
                 <a:solidFill>
                   <a:srgbClr val="000000"/>
                 </a:solidFill>
@@ -6200,7 +8699,7 @@
               <a:t> </a:t>
             </a:r>
             <a:r>
-              <a:rPr lang="it-IT" sz="2000" b="0" i="0" dirty="0">
+              <a:rPr lang="it-IT" sz="1800" b="0" i="0" dirty="0">
                 <a:solidFill>
                   <a:srgbClr val="000000"/>
                 </a:solidFill>
@@ -6210,7 +8709,7 @@
               <a:t>z: </a:t>
             </a:r>
             <a:r>
-              <a:rPr lang="it-IT" sz="2000" b="0" i="0" u="none" strike="noStrike" dirty="0">
+              <a:rPr lang="it-IT" sz="1800" b="0" i="0" u="none" strike="noStrike" dirty="0">
                 <a:solidFill>
                   <a:srgbClr val="000000"/>
                 </a:solidFill>
@@ -6220,7 +8719,75 @@
               </a:rPr>
               <a:t>https://cs.wikipedia.org/wiki/RSA</a:t>
             </a:r>
-            <a:endParaRPr lang="cs-CZ" sz="2000" dirty="0"/>
+            <a:endParaRPr lang="cs-CZ" sz="1800" b="0" i="0" u="none" strike="noStrike" dirty="0">
+              <a:solidFill>
+                <a:srgbClr val="000000"/>
+              </a:solidFill>
+              <a:effectLst/>
+              <a:latin typeface="Roboto Slab"/>
+            </a:endParaRPr>
+          </a:p>
+          <a:p>
+            <a:pPr>
+              <a:buFont typeface="Wingdings" panose="05000000000000000000" pitchFamily="2" charset="2"/>
+              <a:buChar char="v"/>
+            </a:pPr>
+            <a:r>
+              <a:rPr lang="it-IT" sz="1800" b="0" i="0" dirty="0">
+                <a:solidFill>
+                  <a:srgbClr val="000000"/>
+                </a:solidFill>
+                <a:effectLst/>
+                <a:latin typeface="Roboto Slab" pitchFamily="2" charset="0"/>
+              </a:rPr>
+              <a:t>Morse code - Wikipedia. [online]. Dostupné z: </a:t>
+            </a:r>
+            <a:r>
+              <a:rPr lang="it-IT" sz="1800" b="0" i="0" u="none" strike="noStrike" dirty="0">
+                <a:solidFill>
+                  <a:srgbClr val="000000"/>
+                </a:solidFill>
+                <a:effectLst/>
+                <a:latin typeface="Roboto Slab" pitchFamily="2" charset="0"/>
+                <a:hlinkClick r:id="rId3"/>
+              </a:rPr>
+              <a:t>https://en.wikipedia.org/wiki/Morse_code</a:t>
+            </a:r>
+            <a:endParaRPr lang="cs-CZ" sz="1800" b="0" i="0" u="none" strike="noStrike" dirty="0">
+              <a:solidFill>
+                <a:srgbClr val="000000"/>
+              </a:solidFill>
+              <a:effectLst/>
+              <a:latin typeface="Roboto Slab" pitchFamily="2" charset="0"/>
+            </a:endParaRPr>
+          </a:p>
+          <a:p>
+            <a:pPr>
+              <a:buFont typeface="Wingdings" panose="05000000000000000000" pitchFamily="2" charset="2"/>
+              <a:buChar char="v"/>
+            </a:pPr>
+            <a:r>
+              <a:rPr lang="it-IT" sz="1800" b="0" i="0" dirty="0">
+                <a:solidFill>
+                  <a:srgbClr val="000000"/>
+                </a:solidFill>
+                <a:effectLst/>
+                <a:latin typeface="Roboto Slab" pitchFamily="2" charset="0"/>
+              </a:rPr>
+              <a:t>Base64 - Wikipedia. [online]. Dostupné z: </a:t>
+            </a:r>
+            <a:r>
+              <a:rPr lang="it-IT" sz="1800" b="0" i="0" u="none" strike="noStrike" dirty="0">
+                <a:solidFill>
+                  <a:srgbClr val="000000"/>
+                </a:solidFill>
+                <a:effectLst/>
+                <a:latin typeface="Roboto Slab" pitchFamily="2" charset="0"/>
+                <a:hlinkClick r:id="rId4"/>
+              </a:rPr>
+              <a:t>https://en.wikipedia.org/wiki/Base64</a:t>
+            </a:r>
+            <a:endParaRPr lang="cs-CZ" sz="1800" dirty="0"/>
           </a:p>
         </p:txBody>
       </p:sp>
@@ -6629,9 +9196,26 @@
               <a:buChar char="v"/>
             </a:pPr>
             <a:r>
-              <a:rPr lang="cs-CZ" dirty="0"/>
+              <a:rPr lang="cs-CZ" sz="2000" dirty="0"/>
               <a:t>Enigma.jpg – Slide 6, CC BY-SA 4.0</a:t>
             </a:r>
+          </a:p>
+          <a:p>
+            <a:pPr>
+              <a:buFont typeface="Wingdings" panose="05000000000000000000" pitchFamily="2" charset="2"/>
+              <a:buChar char="v"/>
+            </a:pPr>
+            <a:r>
+              <a:rPr lang="cs-CZ" sz="2000" dirty="0"/>
+              <a:t>Morseovka.png – Slide 11, CC BY-SA 4.0</a:t>
+            </a:r>
+          </a:p>
+          <a:p>
+            <a:pPr>
+              <a:buFont typeface="Wingdings" panose="05000000000000000000" pitchFamily="2" charset="2"/>
+              <a:buChar char="v"/>
+            </a:pPr>
+            <a:endParaRPr lang="cs-CZ" sz="2000" dirty="0"/>
           </a:p>
         </p:txBody>
       </p:sp>
@@ -6651,7 +9235,7 @@
 </p:sld>
 </file>
 
-<file path=ppt/slides/slide12.xml><?xml version="1.0" encoding="utf-8"?>
+<file path=ppt/slides/slide16.xml><?xml version="1.0" encoding="utf-8"?>
 <p:sld xmlns:a="http://schemas.openxmlformats.org/drawingml/2006/main" xmlns:r="http://schemas.openxmlformats.org/officeDocument/2006/relationships" xmlns:p="http://schemas.openxmlformats.org/presentationml/2006/main">
   <p:cSld>
     <p:spTree>
@@ -7045,30 +9629,21 @@
                             </p:childTnLst>
                           </p:cTn>
                         </p:par>
-                      </p:childTnLst>
-                    </p:cTn>
-                  </p:par>
-                  <p:par>
-                    <p:cTn id="8" fill="hold">
-                      <p:stCondLst>
-                        <p:cond delay="indefinite"/>
-                      </p:stCondLst>
-                      <p:childTnLst>
                         <p:par>
-                          <p:cTn id="9" fill="hold">
+                          <p:cTn id="8" fill="hold">
                             <p:stCondLst>
-                              <p:cond delay="0"/>
+                              <p:cond delay="2000"/>
                             </p:stCondLst>
                             <p:childTnLst>
                               <p:par>
-                                <p:cTn id="10" presetID="2" presetClass="entr" presetSubtype="4" fill="hold" grpId="0" nodeType="clickEffect">
+                                <p:cTn id="9" presetID="2" presetClass="entr" presetSubtype="4" fill="hold" grpId="0" nodeType="afterEffect">
                                   <p:stCondLst>
                                     <p:cond delay="0"/>
                                   </p:stCondLst>
                                   <p:childTnLst>
                                     <p:set>
                                       <p:cBhvr>
-                                        <p:cTn id="11" dur="1" fill="hold">
+                                        <p:cTn id="10" dur="1" fill="hold">
                                           <p:stCondLst>
                                             <p:cond delay="0"/>
                                           </p:stCondLst>
@@ -7090,7 +9665,7 @@
                                     </p:set>
                                     <p:anim calcmode="lin" valueType="num">
                                       <p:cBhvr additive="base">
-                                        <p:cTn id="12" dur="500" fill="hold"/>
+                                        <p:cTn id="11" dur="500" fill="hold"/>
                                         <p:tgtEl>
                                           <p:spTgt spid="4">
                                             <p:txEl>
@@ -7117,7 +9692,7 @@
                                     </p:anim>
                                     <p:anim calcmode="lin" valueType="num">
                                       <p:cBhvr additive="base">
-                                        <p:cTn id="13" dur="500" fill="hold"/>
+                                        <p:cTn id="12" dur="500" fill="hold"/>
                                         <p:tgtEl>
                                           <p:spTgt spid="4">
                                             <p:txEl>
@@ -7146,14 +9721,14 @@
                                 </p:cTn>
                               </p:par>
                               <p:par>
-                                <p:cTn id="14" presetID="2" presetClass="entr" presetSubtype="4" fill="hold" grpId="0" nodeType="withEffect">
+                                <p:cTn id="13" presetID="2" presetClass="entr" presetSubtype="4" fill="hold" grpId="0" nodeType="withEffect">
                                   <p:stCondLst>
                                     <p:cond delay="0"/>
                                   </p:stCondLst>
                                   <p:childTnLst>
                                     <p:set>
                                       <p:cBhvr>
-                                        <p:cTn id="15" dur="1" fill="hold">
+                                        <p:cTn id="14" dur="1" fill="hold">
                                           <p:stCondLst>
                                             <p:cond delay="0"/>
                                           </p:stCondLst>
@@ -7175,7 +9750,7 @@
                                     </p:set>
                                     <p:anim calcmode="lin" valueType="num">
                                       <p:cBhvr additive="base">
-                                        <p:cTn id="16" dur="500" fill="hold"/>
+                                        <p:cTn id="15" dur="500" fill="hold"/>
                                         <p:tgtEl>
                                           <p:spTgt spid="6">
                                             <p:txEl>
@@ -7202,7 +9777,7 @@
                                     </p:anim>
                                     <p:anim calcmode="lin" valueType="num">
                                       <p:cBhvr additive="base">
-                                        <p:cTn id="17" dur="500" fill="hold"/>
+                                        <p:cTn id="16" dur="500" fill="hold"/>
                                         <p:tgtEl>
                                           <p:spTgt spid="6">
                                             <p:txEl>
@@ -7234,20 +9809,20 @@
                           </p:cTn>
                         </p:par>
                         <p:par>
-                          <p:cTn id="18" fill="hold">
+                          <p:cTn id="17" fill="hold">
                             <p:stCondLst>
-                              <p:cond delay="500"/>
+                              <p:cond delay="2500"/>
                             </p:stCondLst>
                             <p:childTnLst>
                               <p:par>
-                                <p:cTn id="19" presetID="2" presetClass="entr" presetSubtype="4" fill="hold" grpId="0" nodeType="afterEffect">
+                                <p:cTn id="18" presetID="2" presetClass="entr" presetSubtype="4" fill="hold" grpId="0" nodeType="afterEffect">
                                   <p:stCondLst>
                                     <p:cond delay="0"/>
                                   </p:stCondLst>
                                   <p:childTnLst>
                                     <p:set>
                                       <p:cBhvr>
-                                        <p:cTn id="20" dur="1" fill="hold">
+                                        <p:cTn id="19" dur="1" fill="hold">
                                           <p:stCondLst>
                                             <p:cond delay="0"/>
                                           </p:stCondLst>
@@ -7269,7 +9844,7 @@
                                     </p:set>
                                     <p:anim calcmode="lin" valueType="num">
                                       <p:cBhvr additive="base">
-                                        <p:cTn id="21" dur="500" fill="hold"/>
+                                        <p:cTn id="20" dur="500" fill="hold"/>
                                         <p:tgtEl>
                                           <p:spTgt spid="5">
                                             <p:txEl>
@@ -7296,7 +9871,7 @@
                                     </p:anim>
                                     <p:anim calcmode="lin" valueType="num">
                                       <p:cBhvr additive="base">
-                                        <p:cTn id="22" dur="500" fill="hold"/>
+                                        <p:cTn id="21" dur="500" fill="hold"/>
                                         <p:tgtEl>
                                           <p:spTgt spid="5">
                                             <p:txEl>
@@ -7328,20 +9903,20 @@
                           </p:cTn>
                         </p:par>
                         <p:par>
-                          <p:cTn id="23" fill="hold">
+                          <p:cTn id="22" fill="hold">
                             <p:stCondLst>
-                              <p:cond delay="1000"/>
+                              <p:cond delay="3000"/>
                             </p:stCondLst>
                             <p:childTnLst>
                               <p:par>
-                                <p:cTn id="24" presetID="2" presetClass="entr" presetSubtype="4" fill="hold" grpId="0" nodeType="afterEffect">
+                                <p:cTn id="23" presetID="2" presetClass="entr" presetSubtype="4" fill="hold" grpId="0" nodeType="afterEffect">
                                   <p:stCondLst>
                                     <p:cond delay="0"/>
                                   </p:stCondLst>
                                   <p:childTnLst>
                                     <p:set>
                                       <p:cBhvr>
-                                        <p:cTn id="25" dur="1" fill="hold">
+                                        <p:cTn id="24" dur="1" fill="hold">
                                           <p:stCondLst>
                                             <p:cond delay="0"/>
                                           </p:stCondLst>
@@ -7363,7 +9938,7 @@
                                     </p:set>
                                     <p:anim calcmode="lin" valueType="num">
                                       <p:cBhvr additive="base">
-                                        <p:cTn id="26" dur="500" fill="hold"/>
+                                        <p:cTn id="25" dur="500" fill="hold"/>
                                         <p:tgtEl>
                                           <p:spTgt spid="5">
                                             <p:txEl>
@@ -7390,7 +9965,7 @@
                                     </p:anim>
                                     <p:anim calcmode="lin" valueType="num">
                                       <p:cBhvr additive="base">
-                                        <p:cTn id="27" dur="500" fill="hold"/>
+                                        <p:cTn id="26" dur="500" fill="hold"/>
                                         <p:tgtEl>
                                           <p:spTgt spid="5">
                                             <p:txEl>
@@ -7422,20 +9997,20 @@
                           </p:cTn>
                         </p:par>
                         <p:par>
-                          <p:cTn id="28" fill="hold">
+                          <p:cTn id="27" fill="hold">
                             <p:stCondLst>
-                              <p:cond delay="1500"/>
+                              <p:cond delay="3500"/>
                             </p:stCondLst>
                             <p:childTnLst>
                               <p:par>
-                                <p:cTn id="29" presetID="2" presetClass="entr" presetSubtype="4" fill="hold" grpId="0" nodeType="afterEffect">
+                                <p:cTn id="28" presetID="2" presetClass="entr" presetSubtype="4" fill="hold" grpId="0" nodeType="afterEffect">
                                   <p:stCondLst>
                                     <p:cond delay="0"/>
                                   </p:stCondLst>
                                   <p:childTnLst>
                                     <p:set>
                                       <p:cBhvr>
-                                        <p:cTn id="30" dur="1" fill="hold">
+                                        <p:cTn id="29" dur="1" fill="hold">
                                           <p:stCondLst>
                                             <p:cond delay="0"/>
                                           </p:stCondLst>
@@ -7457,7 +10032,7 @@
                                     </p:set>
                                     <p:anim calcmode="lin" valueType="num">
                                       <p:cBhvr additive="base">
-                                        <p:cTn id="31" dur="500" fill="hold"/>
+                                        <p:cTn id="30" dur="500" fill="hold"/>
                                         <p:tgtEl>
                                           <p:spTgt spid="5">
                                             <p:txEl>
@@ -7484,7 +10059,7 @@
                                     </p:anim>
                                     <p:anim calcmode="lin" valueType="num">
                                       <p:cBhvr additive="base">
-                                        <p:cTn id="32" dur="500" fill="hold"/>
+                                        <p:cTn id="31" dur="500" fill="hold"/>
                                         <p:tgtEl>
                                           <p:spTgt spid="5">
                                             <p:txEl>
@@ -7516,20 +10091,20 @@
                           </p:cTn>
                         </p:par>
                         <p:par>
-                          <p:cTn id="33" fill="hold">
+                          <p:cTn id="32" fill="hold">
                             <p:stCondLst>
-                              <p:cond delay="2000"/>
+                              <p:cond delay="4000"/>
                             </p:stCondLst>
                             <p:childTnLst>
                               <p:par>
-                                <p:cTn id="34" presetID="2" presetClass="entr" presetSubtype="4" fill="hold" grpId="0" nodeType="afterEffect">
+                                <p:cTn id="33" presetID="2" presetClass="entr" presetSubtype="4" fill="hold" grpId="0" nodeType="afterEffect">
                                   <p:stCondLst>
                                     <p:cond delay="0"/>
                                   </p:stCondLst>
                                   <p:childTnLst>
                                     <p:set>
                                       <p:cBhvr>
-                                        <p:cTn id="35" dur="1" fill="hold">
+                                        <p:cTn id="34" dur="1" fill="hold">
                                           <p:stCondLst>
                                             <p:cond delay="0"/>
                                           </p:stCondLst>
@@ -7551,7 +10126,7 @@
                                     </p:set>
                                     <p:anim calcmode="lin" valueType="num">
                                       <p:cBhvr additive="base">
-                                        <p:cTn id="36" dur="500" fill="hold"/>
+                                        <p:cTn id="35" dur="500" fill="hold"/>
                                         <p:tgtEl>
                                           <p:spTgt spid="7">
                                             <p:txEl>
@@ -7578,7 +10153,7 @@
                                     </p:anim>
                                     <p:anim calcmode="lin" valueType="num">
                                       <p:cBhvr additive="base">
-                                        <p:cTn id="37" dur="500" fill="hold"/>
+                                        <p:cTn id="36" dur="500" fill="hold"/>
                                         <p:tgtEl>
                                           <p:spTgt spid="7">
                                             <p:txEl>
@@ -7610,20 +10185,20 @@
                           </p:cTn>
                         </p:par>
                         <p:par>
-                          <p:cTn id="38" fill="hold">
+                          <p:cTn id="37" fill="hold">
                             <p:stCondLst>
-                              <p:cond delay="2500"/>
+                              <p:cond delay="4500"/>
                             </p:stCondLst>
                             <p:childTnLst>
                               <p:par>
-                                <p:cTn id="39" presetID="2" presetClass="entr" presetSubtype="4" fill="hold" grpId="0" nodeType="afterEffect">
+                                <p:cTn id="38" presetID="2" presetClass="entr" presetSubtype="4" fill="hold" grpId="0" nodeType="afterEffect">
                                   <p:stCondLst>
                                     <p:cond delay="0"/>
                                   </p:stCondLst>
                                   <p:childTnLst>
                                     <p:set>
                                       <p:cBhvr>
-                                        <p:cTn id="40" dur="1" fill="hold">
+                                        <p:cTn id="39" dur="1" fill="hold">
                                           <p:stCondLst>
                                             <p:cond delay="0"/>
                                           </p:stCondLst>
@@ -7645,7 +10220,7 @@
                                     </p:set>
                                     <p:anim calcmode="lin" valueType="num">
                                       <p:cBhvr additive="base">
-                                        <p:cTn id="41" dur="500" fill="hold"/>
+                                        <p:cTn id="40" dur="500" fill="hold"/>
                                         <p:tgtEl>
                                           <p:spTgt spid="7">
                                             <p:txEl>
@@ -7672,7 +10247,7 @@
                                     </p:anim>
                                     <p:anim calcmode="lin" valueType="num">
                                       <p:cBhvr additive="base">
-                                        <p:cTn id="42" dur="500" fill="hold"/>
+                                        <p:cTn id="41" dur="500" fill="hold"/>
                                         <p:tgtEl>
                                           <p:spTgt spid="7">
                                             <p:txEl>
@@ -12241,6 +14816,9 @@
                     <p:cTn id="3" fill="hold">
                       <p:stCondLst>
                         <p:cond delay="indefinite"/>
+                        <p:cond evt="onBegin" delay="0">
+                          <p:tn val="2"/>
+                        </p:cond>
                       </p:stCondLst>
                       <p:childTnLst>
                         <p:par>
@@ -12250,7 +14828,7 @@
                             </p:stCondLst>
                             <p:childTnLst>
                               <p:par>
-                                <p:cTn id="5" presetID="6" presetClass="entr" presetSubtype="16" fill="hold" grpId="0" nodeType="clickEffect">
+                                <p:cTn id="5" presetID="6" presetClass="entr" presetSubtype="16" fill="hold" grpId="0" nodeType="withEffect">
                                   <p:stCondLst>
                                     <p:cond delay="0"/>
                                   </p:stCondLst>

--- a/zaba.pptx
+++ b/zaba.pptx
@@ -212,7 +212,7 @@
           <a:p>
             <a:fld id="{D0DBE76F-E478-4CDF-9F04-A8F47C386855}" type="datetimeFigureOut">
               <a:rPr lang="cs-CZ" smtClean="0"/>
-              <a:t>20.12.2022</a:t>
+              <a:t>02.01.2023</a:t>
             </a:fld>
             <a:endParaRPr lang="cs-CZ"/>
           </a:p>
@@ -1907,7 +1907,7 @@
           <a:p>
             <a:fld id="{EB31D8B1-0D78-4C87-B840-B8411C30AC20}" type="datetimeFigureOut">
               <a:rPr lang="cs-CZ" smtClean="0"/>
-              <a:t>20.12.2022</a:t>
+              <a:t>02.01.2023</a:t>
             </a:fld>
             <a:endParaRPr lang="cs-CZ"/>
           </a:p>
@@ -2108,7 +2108,7 @@
           <a:p>
             <a:fld id="{EB31D8B1-0D78-4C87-B840-B8411C30AC20}" type="datetimeFigureOut">
               <a:rPr lang="cs-CZ" smtClean="0"/>
-              <a:t>20.12.2022</a:t>
+              <a:t>02.01.2023</a:t>
             </a:fld>
             <a:endParaRPr lang="cs-CZ"/>
           </a:p>
@@ -2319,7 +2319,7 @@
           <a:p>
             <a:fld id="{EB31D8B1-0D78-4C87-B840-B8411C30AC20}" type="datetimeFigureOut">
               <a:rPr lang="cs-CZ" smtClean="0"/>
-              <a:t>20.12.2022</a:t>
+              <a:t>02.01.2023</a:t>
             </a:fld>
             <a:endParaRPr lang="cs-CZ"/>
           </a:p>
@@ -2520,7 +2520,7 @@
           <a:p>
             <a:fld id="{EB31D8B1-0D78-4C87-B840-B8411C30AC20}" type="datetimeFigureOut">
               <a:rPr lang="cs-CZ" smtClean="0"/>
-              <a:t>20.12.2022</a:t>
+              <a:t>02.01.2023</a:t>
             </a:fld>
             <a:endParaRPr lang="cs-CZ"/>
           </a:p>
@@ -2798,7 +2798,7 @@
           <a:p>
             <a:fld id="{EB31D8B1-0D78-4C87-B840-B8411C30AC20}" type="datetimeFigureOut">
               <a:rPr lang="cs-CZ" smtClean="0"/>
-              <a:t>20.12.2022</a:t>
+              <a:t>02.01.2023</a:t>
             </a:fld>
             <a:endParaRPr lang="cs-CZ"/>
           </a:p>
@@ -3066,7 +3066,7 @@
           <a:p>
             <a:fld id="{EB31D8B1-0D78-4C87-B840-B8411C30AC20}" type="datetimeFigureOut">
               <a:rPr lang="cs-CZ" smtClean="0"/>
-              <a:t>20.12.2022</a:t>
+              <a:t>02.01.2023</a:t>
             </a:fld>
             <a:endParaRPr lang="cs-CZ"/>
           </a:p>
@@ -3481,7 +3481,7 @@
           <a:p>
             <a:fld id="{EB31D8B1-0D78-4C87-B840-B8411C30AC20}" type="datetimeFigureOut">
               <a:rPr lang="cs-CZ" smtClean="0"/>
-              <a:t>20.12.2022</a:t>
+              <a:t>02.01.2023</a:t>
             </a:fld>
             <a:endParaRPr lang="cs-CZ"/>
           </a:p>
@@ -3625,7 +3625,7 @@
           <a:p>
             <a:fld id="{EB31D8B1-0D78-4C87-B840-B8411C30AC20}" type="datetimeFigureOut">
               <a:rPr lang="cs-CZ" smtClean="0"/>
-              <a:t>20.12.2022</a:t>
+              <a:t>02.01.2023</a:t>
             </a:fld>
             <a:endParaRPr lang="cs-CZ"/>
           </a:p>
@@ -3741,7 +3741,7 @@
           <a:p>
             <a:fld id="{EB31D8B1-0D78-4C87-B840-B8411C30AC20}" type="datetimeFigureOut">
               <a:rPr lang="cs-CZ" smtClean="0"/>
-              <a:t>20.12.2022</a:t>
+              <a:t>02.01.2023</a:t>
             </a:fld>
             <a:endParaRPr lang="cs-CZ"/>
           </a:p>
@@ -4055,7 +4055,7 @@
           <a:p>
             <a:fld id="{EB31D8B1-0D78-4C87-B840-B8411C30AC20}" type="datetimeFigureOut">
               <a:rPr lang="cs-CZ" smtClean="0"/>
-              <a:t>20.12.2022</a:t>
+              <a:t>02.01.2023</a:t>
             </a:fld>
             <a:endParaRPr lang="cs-CZ"/>
           </a:p>
@@ -4346,7 +4346,7 @@
           <a:p>
             <a:fld id="{EB31D8B1-0D78-4C87-B840-B8411C30AC20}" type="datetimeFigureOut">
               <a:rPr lang="cs-CZ" smtClean="0"/>
-              <a:t>20.12.2022</a:t>
+              <a:t>02.01.2023</a:t>
             </a:fld>
             <a:endParaRPr lang="cs-CZ"/>
           </a:p>
@@ -4599,7 +4599,7 @@
           <a:p>
             <a:fld id="{EB31D8B1-0D78-4C87-B840-B8411C30AC20}" type="datetimeFigureOut">
               <a:rPr lang="cs-CZ" smtClean="0"/>
-              <a:t>20.12.2022</a:t>
+              <a:t>02.01.2023</a:t>
             </a:fld>
             <a:endParaRPr lang="cs-CZ"/>
           </a:p>
@@ -5790,8 +5790,8 @@
         </p:blipFill>
         <p:spPr bwMode="auto">
           <a:xfrm>
-            <a:off x="6536602" y="1626786"/>
-            <a:ext cx="5106472" cy="2374508"/>
+            <a:off x="6247328" y="2081802"/>
+            <a:ext cx="4127943" cy="1919492"/>
           </a:xfrm>
           <a:prstGeom prst="rect">
             <a:avLst/>
@@ -7382,7 +7382,18 @@
               <a:buFont typeface="Wingdings" panose="05000000000000000000" pitchFamily="2" charset="2"/>
               <a:buChar char="v"/>
             </a:pPr>
-            <a:endParaRPr lang="cs-CZ" dirty="0"/>
+            <a:r>
+              <a:rPr lang="cs-CZ" dirty="0"/>
+              <a:t>Příklad </a:t>
+            </a:r>
+            <a:r>
+              <a:rPr lang="cs-CZ" dirty="0" err="1"/>
+              <a:t>hashe</a:t>
+            </a:r>
+            <a:r>
+              <a:rPr lang="cs-CZ" dirty="0"/>
+              <a:t>: 2241be2e7652451c1b00634e03c68dc3</a:t>
+            </a:r>
           </a:p>
           <a:p>
             <a:pPr>
@@ -7391,32 +7402,14 @@
             </a:pPr>
             <a:r>
               <a:rPr lang="cs-CZ" dirty="0"/>
-              <a:t>Příklad </a:t>
-            </a:r>
-            <a:r>
-              <a:rPr lang="cs-CZ" dirty="0" err="1"/>
-              <a:t>hashe</a:t>
-            </a:r>
-            <a:r>
+              <a:t>Příklady hashovacích algoritmů: </a:t>
+            </a:r>
+            <a:br>
               <a:rPr lang="cs-CZ" dirty="0"/>
-              <a:t>: 2241be2e7652451c1b00634e03c68dc3</a:t>
-            </a:r>
-          </a:p>
-          <a:p>
-            <a:pPr>
-              <a:buFont typeface="Wingdings" panose="05000000000000000000" pitchFamily="2" charset="2"/>
-              <a:buChar char="v"/>
-            </a:pPr>
-            <a:endParaRPr lang="cs-CZ" dirty="0"/>
-          </a:p>
-          <a:p>
-            <a:pPr>
-              <a:buFont typeface="Wingdings" panose="05000000000000000000" pitchFamily="2" charset="2"/>
-              <a:buChar char="v"/>
-            </a:pPr>
+            </a:br>
             <a:r>
               <a:rPr lang="cs-CZ" dirty="0"/>
-              <a:t>Příklad hashovacích algoritmů: MD5, NTLM, SHA1/256/512</a:t>
+              <a:t>MD5, NTLM, SHA1/256/512</a:t>
             </a:r>
           </a:p>
         </p:txBody>
@@ -7987,7 +7980,7 @@
                                         <p:tgtEl>
                                           <p:spTgt spid="3">
                                             <p:txEl>
-                                              <p:pRg st="6" end="6"/>
+                                              <p:pRg st="5" end="5"/>
                                             </p:txEl>
                                           </p:spTgt>
                                         </p:tgtEl>
@@ -8005,7 +7998,7 @@
                                         <p:tgtEl>
                                           <p:spTgt spid="3">
                                             <p:txEl>
-                                              <p:pRg st="6" end="6"/>
+                                              <p:pRg st="5" end="5"/>
                                             </p:txEl>
                                           </p:spTgt>
                                         </p:tgtEl>
@@ -8032,7 +8025,7 @@
                                         <p:tgtEl>
                                           <p:spTgt spid="3">
                                             <p:txEl>
-                                              <p:pRg st="6" end="6"/>
+                                              <p:pRg st="5" end="5"/>
                                             </p:txEl>
                                           </p:spTgt>
                                         </p:tgtEl>
@@ -8081,7 +8074,7 @@
                                         <p:tgtEl>
                                           <p:spTgt spid="3">
                                             <p:txEl>
-                                              <p:pRg st="8" end="8"/>
+                                              <p:pRg st="6" end="6"/>
                                             </p:txEl>
                                           </p:spTgt>
                                         </p:tgtEl>
@@ -8099,7 +8092,7 @@
                                         <p:tgtEl>
                                           <p:spTgt spid="3">
                                             <p:txEl>
-                                              <p:pRg st="8" end="8"/>
+                                              <p:pRg st="6" end="6"/>
                                             </p:txEl>
                                           </p:spTgt>
                                         </p:tgtEl>
@@ -8126,7 +8119,7 @@
                                         <p:tgtEl>
                                           <p:spTgt spid="3">
                                             <p:txEl>
-                                              <p:pRg st="8" end="8"/>
+                                              <p:pRg st="6" end="6"/>
                                             </p:txEl>
                                           </p:spTgt>
                                         </p:tgtEl>
@@ -9308,7 +9301,14 @@
             </a:pPr>
             <a:r>
               <a:rPr lang="cs-CZ" dirty="0"/>
-              <a:t>Tato prezentace, i se všemi soubory, je dostupná na níže uvedeném odkazu</a:t>
+              <a:t>Tato prezentace, i se všemi soubory, je dostupná na níže </a:t>
+            </a:r>
+            <a:br>
+              <a:rPr lang="cs-CZ" dirty="0"/>
+            </a:br>
+            <a:r>
+              <a:rPr lang="cs-CZ" dirty="0"/>
+              <a:t>uvedeném odkazu</a:t>
             </a:r>
           </a:p>
           <a:p>
@@ -9393,7 +9393,12 @@
             <p:ph type="title"/>
           </p:nvPr>
         </p:nvSpPr>
-        <p:spPr/>
+        <p:spPr>
+          <a:xfrm>
+            <a:off x="838200" y="355600"/>
+            <a:ext cx="10515600" cy="1325563"/>
+          </a:xfrm>
+        </p:spPr>
         <p:txBody>
           <a:bodyPr/>
           <a:lstStyle/>
@@ -9421,7 +9426,12 @@
             <p:ph type="body" idx="1"/>
           </p:nvPr>
         </p:nvSpPr>
-        <p:spPr/>
+        <p:spPr>
+          <a:xfrm>
+            <a:off x="665161" y="1463770"/>
+            <a:ext cx="5157787" cy="823912"/>
+          </a:xfrm>
+        </p:spPr>
         <p:txBody>
           <a:bodyPr/>
           <a:lstStyle/>
@@ -9449,7 +9459,12 @@
             <p:ph sz="half" idx="2"/>
           </p:nvPr>
         </p:nvSpPr>
-        <p:spPr/>
+        <p:spPr>
+          <a:xfrm>
+            <a:off x="665161" y="2312107"/>
+            <a:ext cx="5157787" cy="3684588"/>
+          </a:xfrm>
+        </p:spPr>
         <p:txBody>
           <a:bodyPr/>
           <a:lstStyle/>
@@ -9501,7 +9516,12 @@
             <p:ph type="body" sz="quarter" idx="3"/>
           </p:nvPr>
         </p:nvSpPr>
-        <p:spPr/>
+        <p:spPr>
+          <a:xfrm>
+            <a:off x="5822948" y="1488195"/>
+            <a:ext cx="5183188" cy="823912"/>
+          </a:xfrm>
+        </p:spPr>
         <p:txBody>
           <a:bodyPr/>
           <a:lstStyle/>
@@ -9529,7 +9549,12 @@
             <p:ph sz="quarter" idx="4"/>
           </p:nvPr>
         </p:nvSpPr>
-        <p:spPr/>
+        <p:spPr>
+          <a:xfrm>
+            <a:off x="5822948" y="2336532"/>
+            <a:ext cx="5183188" cy="3684588"/>
+          </a:xfrm>
+        </p:spPr>
         <p:txBody>
           <a:bodyPr/>
           <a:lstStyle/>
@@ -10346,7 +10371,12 @@
             <p:ph type="title"/>
           </p:nvPr>
         </p:nvSpPr>
-        <p:spPr/>
+        <p:spPr>
+          <a:xfrm>
+            <a:off x="838200" y="500062"/>
+            <a:ext cx="10515600" cy="1325563"/>
+          </a:xfrm>
+        </p:spPr>
         <p:txBody>
           <a:bodyPr/>
           <a:lstStyle/>
@@ -11051,7 +11081,12 @@
             <p:ph type="title"/>
           </p:nvPr>
         </p:nvSpPr>
-        <p:spPr/>
+        <p:spPr>
+          <a:xfrm>
+            <a:off x="403634" y="500062"/>
+            <a:ext cx="10515600" cy="1325563"/>
+          </a:xfrm>
+        </p:spPr>
         <p:txBody>
           <a:bodyPr/>
           <a:lstStyle/>
@@ -11079,7 +11114,12 @@
             <p:ph idx="1"/>
           </p:nvPr>
         </p:nvSpPr>
-        <p:spPr/>
+        <p:spPr>
+          <a:xfrm>
+            <a:off x="304046" y="1825625"/>
+            <a:ext cx="10515600" cy="4351338"/>
+          </a:xfrm>
+        </p:spPr>
         <p:txBody>
           <a:bodyPr/>
           <a:lstStyle/>
@@ -11176,7 +11216,7 @@
         </p:blipFill>
         <p:spPr>
           <a:xfrm>
-            <a:off x="7605476" y="2290055"/>
+            <a:off x="7098482" y="2281001"/>
             <a:ext cx="3047579" cy="1249850"/>
           </a:xfrm>
           <a:prstGeom prst="rect">
@@ -11625,7 +11665,7 @@
             </a:pPr>
             <a:r>
               <a:rPr lang="cs-CZ" sz="2400" dirty="0"/>
-              <a:t>Zašifrujeme první písmeno z </a:t>
+              <a:t>Zašifrujeme písmeno z </a:t>
             </a:r>
             <a:r>
               <a:rPr lang="cs-CZ" sz="2400" dirty="0" err="1"/>
@@ -11634,16 +11674,6 @@
             <a:r>
               <a:rPr lang="cs-CZ" sz="2400" dirty="0"/>
               <a:t> Caesarovou š. s klíčem rovným indexu</a:t>
-            </a:r>
-          </a:p>
-          <a:p>
-            <a:pPr>
-              <a:buFont typeface="Wingdings" panose="05000000000000000000" pitchFamily="2" charset="2"/>
-              <a:buChar char="v"/>
-            </a:pPr>
-            <a:r>
-              <a:rPr lang="cs-CZ" sz="2400" dirty="0"/>
-              <a:t>Opakujeme pro další písmena</a:t>
             </a:r>
           </a:p>
         </p:txBody>
@@ -12287,7 +12317,7 @@
                             </p:stCondLst>
                             <p:childTnLst>
                               <p:par>
-                                <p:cTn id="28" presetID="2" presetClass="entr" presetSubtype="4" fill="hold" grpId="0" nodeType="clickEffect">
+                                <p:cTn id="28" presetID="6" presetClass="entr" presetSubtype="16" fill="hold" nodeType="clickEffect">
                                   <p:stCondLst>
                                     <p:cond delay="0"/>
                                   </p:stCondLst>
@@ -12300,109 +12330,6 @@
                                           </p:stCondLst>
                                         </p:cTn>
                                         <p:tgtEl>
-                                          <p:spTgt spid="6">
-                                            <p:txEl>
-                                              <p:pRg st="3" end="3"/>
-                                            </p:txEl>
-                                          </p:spTgt>
-                                        </p:tgtEl>
-                                        <p:attrNameLst>
-                                          <p:attrName>style.visibility</p:attrName>
-                                        </p:attrNameLst>
-                                      </p:cBhvr>
-                                      <p:to>
-                                        <p:strVal val="visible"/>
-                                      </p:to>
-                                    </p:set>
-                                    <p:anim calcmode="lin" valueType="num">
-                                      <p:cBhvr additive="base">
-                                        <p:cTn id="30" dur="500" fill="hold"/>
-                                        <p:tgtEl>
-                                          <p:spTgt spid="6">
-                                            <p:txEl>
-                                              <p:pRg st="3" end="3"/>
-                                            </p:txEl>
-                                          </p:spTgt>
-                                        </p:tgtEl>
-                                        <p:attrNameLst>
-                                          <p:attrName>ppt_x</p:attrName>
-                                        </p:attrNameLst>
-                                      </p:cBhvr>
-                                      <p:tavLst>
-                                        <p:tav tm="0">
-                                          <p:val>
-                                            <p:strVal val="#ppt_x"/>
-                                          </p:val>
-                                        </p:tav>
-                                        <p:tav tm="100000">
-                                          <p:val>
-                                            <p:strVal val="#ppt_x"/>
-                                          </p:val>
-                                        </p:tav>
-                                      </p:tavLst>
-                                    </p:anim>
-                                    <p:anim calcmode="lin" valueType="num">
-                                      <p:cBhvr additive="base">
-                                        <p:cTn id="31" dur="500" fill="hold"/>
-                                        <p:tgtEl>
-                                          <p:spTgt spid="6">
-                                            <p:txEl>
-                                              <p:pRg st="3" end="3"/>
-                                            </p:txEl>
-                                          </p:spTgt>
-                                        </p:tgtEl>
-                                        <p:attrNameLst>
-                                          <p:attrName>ppt_y</p:attrName>
-                                        </p:attrNameLst>
-                                      </p:cBhvr>
-                                      <p:tavLst>
-                                        <p:tav tm="0">
-                                          <p:val>
-                                            <p:strVal val="1+#ppt_h/2"/>
-                                          </p:val>
-                                        </p:tav>
-                                        <p:tav tm="100000">
-                                          <p:val>
-                                            <p:strVal val="#ppt_y"/>
-                                          </p:val>
-                                        </p:tav>
-                                      </p:tavLst>
-                                    </p:anim>
-                                  </p:childTnLst>
-                                </p:cTn>
-                              </p:par>
-                            </p:childTnLst>
-                          </p:cTn>
-                        </p:par>
-                      </p:childTnLst>
-                    </p:cTn>
-                  </p:par>
-                  <p:par>
-                    <p:cTn id="32" fill="hold">
-                      <p:stCondLst>
-                        <p:cond delay="indefinite"/>
-                      </p:stCondLst>
-                      <p:childTnLst>
-                        <p:par>
-                          <p:cTn id="33" fill="hold">
-                            <p:stCondLst>
-                              <p:cond delay="0"/>
-                            </p:stCondLst>
-                            <p:childTnLst>
-                              <p:par>
-                                <p:cTn id="34" presetID="6" presetClass="entr" presetSubtype="16" fill="hold" nodeType="clickEffect">
-                                  <p:stCondLst>
-                                    <p:cond delay="0"/>
-                                  </p:stCondLst>
-                                  <p:childTnLst>
-                                    <p:set>
-                                      <p:cBhvr>
-                                        <p:cTn id="35" dur="1" fill="hold">
-                                          <p:stCondLst>
-                                            <p:cond delay="0"/>
-                                          </p:stCondLst>
-                                        </p:cTn>
-                                        <p:tgtEl>
                                           <p:spTgt spid="5"/>
                                         </p:tgtEl>
                                         <p:attrNameLst>
@@ -12415,7 +12342,7 @@
                                     </p:set>
                                     <p:animEffect transition="in" filter="circle(in)">
                                       <p:cBhvr>
-                                        <p:cTn id="36" dur="2000"/>
+                                        <p:cTn id="30" dur="2000"/>
                                         <p:tgtEl>
                                           <p:spTgt spid="5"/>
                                         </p:tgtEl>
@@ -12431,26 +12358,26 @@
                     </p:cTn>
                   </p:par>
                   <p:par>
-                    <p:cTn id="37" fill="hold">
+                    <p:cTn id="31" fill="hold">
                       <p:stCondLst>
                         <p:cond delay="indefinite"/>
                       </p:stCondLst>
                       <p:childTnLst>
                         <p:par>
-                          <p:cTn id="38" fill="hold">
+                          <p:cTn id="32" fill="hold">
                             <p:stCondLst>
                               <p:cond delay="0"/>
                             </p:stCondLst>
                             <p:childTnLst>
                               <p:par>
-                                <p:cTn id="39" presetID="6" presetClass="entr" presetSubtype="16" fill="hold" nodeType="clickEffect">
+                                <p:cTn id="33" presetID="6" presetClass="entr" presetSubtype="16" fill="hold" nodeType="clickEffect">
                                   <p:stCondLst>
                                     <p:cond delay="0"/>
                                   </p:stCondLst>
                                   <p:childTnLst>
                                     <p:set>
                                       <p:cBhvr>
-                                        <p:cTn id="40" dur="1" fill="hold">
+                                        <p:cTn id="34" dur="1" fill="hold">
                                           <p:stCondLst>
                                             <p:cond delay="0"/>
                                           </p:stCondLst>
@@ -12468,7 +12395,7 @@
                                     </p:set>
                                     <p:animEffect transition="in" filter="circle(in)">
                                       <p:cBhvr>
-                                        <p:cTn id="41" dur="2000"/>
+                                        <p:cTn id="35" dur="2000"/>
                                         <p:tgtEl>
                                           <p:spTgt spid="8"/>
                                         </p:tgtEl>
@@ -12484,19 +12411,89 @@
                     </p:cTn>
                   </p:par>
                   <p:par>
-                    <p:cTn id="42" fill="hold">
+                    <p:cTn id="36" fill="hold">
                       <p:stCondLst>
                         <p:cond delay="indefinite"/>
                       </p:stCondLst>
                       <p:childTnLst>
                         <p:par>
-                          <p:cTn id="43" fill="hold">
+                          <p:cTn id="37" fill="hold">
                             <p:stCondLst>
                               <p:cond delay="0"/>
                             </p:stCondLst>
                             <p:childTnLst>
                               <p:par>
-                                <p:cTn id="44" presetID="6" presetClass="entr" presetSubtype="16" fill="hold" nodeType="clickEffect">
+                                <p:cTn id="38" presetID="6" presetClass="entr" presetSubtype="16" fill="hold" nodeType="clickEffect">
+                                  <p:stCondLst>
+                                    <p:cond delay="0"/>
+                                  </p:stCondLst>
+                                  <p:childTnLst>
+                                    <p:set>
+                                      <p:cBhvr>
+                                        <p:cTn id="39" dur="1" fill="hold">
+                                          <p:stCondLst>
+                                            <p:cond delay="0"/>
+                                          </p:stCondLst>
+                                        </p:cTn>
+                                        <p:tgtEl>
+                                          <p:spTgt spid="4"/>
+                                        </p:tgtEl>
+                                        <p:attrNameLst>
+                                          <p:attrName>style.visibility</p:attrName>
+                                        </p:attrNameLst>
+                                      </p:cBhvr>
+                                      <p:to>
+                                        <p:strVal val="visible"/>
+                                      </p:to>
+                                    </p:set>
+                                    <p:animEffect transition="in" filter="circle(in)">
+                                      <p:cBhvr>
+                                        <p:cTn id="40" dur="2000"/>
+                                        <p:tgtEl>
+                                          <p:spTgt spid="4"/>
+                                        </p:tgtEl>
+                                      </p:cBhvr>
+                                    </p:animEffect>
+                                  </p:childTnLst>
+                                </p:cTn>
+                              </p:par>
+                              <p:par>
+                                <p:cTn id="41" presetID="6" presetClass="entr" presetSubtype="16" fill="hold" nodeType="withEffect">
+                                  <p:stCondLst>
+                                    <p:cond delay="0"/>
+                                  </p:stCondLst>
+                                  <p:childTnLst>
+                                    <p:set>
+                                      <p:cBhvr>
+                                        <p:cTn id="42" dur="1" fill="hold">
+                                          <p:stCondLst>
+                                            <p:cond delay="0"/>
+                                          </p:stCondLst>
+                                        </p:cTn>
+                                        <p:tgtEl>
+                                          <p:spTgt spid="11"/>
+                                        </p:tgtEl>
+                                        <p:attrNameLst>
+                                          <p:attrName>style.visibility</p:attrName>
+                                        </p:attrNameLst>
+                                      </p:cBhvr>
+                                      <p:to>
+                                        <p:strVal val="visible"/>
+                                      </p:to>
+                                    </p:set>
+                                    <p:animEffect transition="in" filter="circle(in)">
+                                      <p:cBhvr>
+                                        <p:cTn id="43" dur="2000"/>
+                                        <p:tgtEl>
+                                          <p:spTgt spid="11"/>
+                                        </p:tgtEl>
+                                      </p:cBhvr>
+                                    </p:animEffect>
+                                  </p:childTnLst>
+                                </p:cTn>
+                              </p:par>
+                              <p:par>
+                                <p:cTn id="44" presetID="6" presetClass="entr" presetSubtype="16" fill="hold" nodeType="withEffect">
                                   <p:stCondLst>
                                     <p:cond delay="0"/>
                                   </p:stCondLst>
@@ -12509,7 +12506,7 @@
                                           </p:stCondLst>
                                         </p:cTn>
                                         <p:tgtEl>
-                                          <p:spTgt spid="4"/>
+                                          <p:spTgt spid="13"/>
                                         </p:tgtEl>
                                         <p:attrNameLst>
                                           <p:attrName>style.visibility</p:attrName>
@@ -12522,76 +12519,6 @@
                                     <p:animEffect transition="in" filter="circle(in)">
                                       <p:cBhvr>
                                         <p:cTn id="46" dur="2000"/>
-                                        <p:tgtEl>
-                                          <p:spTgt spid="4"/>
-                                        </p:tgtEl>
-                                      </p:cBhvr>
-                                    </p:animEffect>
-                                  </p:childTnLst>
-                                </p:cTn>
-                              </p:par>
-                              <p:par>
-                                <p:cTn id="47" presetID="6" presetClass="entr" presetSubtype="16" fill="hold" nodeType="withEffect">
-                                  <p:stCondLst>
-                                    <p:cond delay="0"/>
-                                  </p:stCondLst>
-                                  <p:childTnLst>
-                                    <p:set>
-                                      <p:cBhvr>
-                                        <p:cTn id="48" dur="1" fill="hold">
-                                          <p:stCondLst>
-                                            <p:cond delay="0"/>
-                                          </p:stCondLst>
-                                        </p:cTn>
-                                        <p:tgtEl>
-                                          <p:spTgt spid="11"/>
-                                        </p:tgtEl>
-                                        <p:attrNameLst>
-                                          <p:attrName>style.visibility</p:attrName>
-                                        </p:attrNameLst>
-                                      </p:cBhvr>
-                                      <p:to>
-                                        <p:strVal val="visible"/>
-                                      </p:to>
-                                    </p:set>
-                                    <p:animEffect transition="in" filter="circle(in)">
-                                      <p:cBhvr>
-                                        <p:cTn id="49" dur="2000"/>
-                                        <p:tgtEl>
-                                          <p:spTgt spid="11"/>
-                                        </p:tgtEl>
-                                      </p:cBhvr>
-                                    </p:animEffect>
-                                  </p:childTnLst>
-                                </p:cTn>
-                              </p:par>
-                              <p:par>
-                                <p:cTn id="50" presetID="6" presetClass="entr" presetSubtype="16" fill="hold" nodeType="withEffect">
-                                  <p:stCondLst>
-                                    <p:cond delay="0"/>
-                                  </p:stCondLst>
-                                  <p:childTnLst>
-                                    <p:set>
-                                      <p:cBhvr>
-                                        <p:cTn id="51" dur="1" fill="hold">
-                                          <p:stCondLst>
-                                            <p:cond delay="0"/>
-                                          </p:stCondLst>
-                                        </p:cTn>
-                                        <p:tgtEl>
-                                          <p:spTgt spid="13"/>
-                                        </p:tgtEl>
-                                        <p:attrNameLst>
-                                          <p:attrName>style.visibility</p:attrName>
-                                        </p:attrNameLst>
-                                      </p:cBhvr>
-                                      <p:to>
-                                        <p:strVal val="visible"/>
-                                      </p:to>
-                                    </p:set>
-                                    <p:animEffect transition="in" filter="circle(in)">
-                                      <p:cBhvr>
-                                        <p:cTn id="52" dur="2000"/>
                                         <p:tgtEl>
                                           <p:spTgt spid="13"/>
                                         </p:tgtEl>
@@ -12607,19 +12534,89 @@
                     </p:cTn>
                   </p:par>
                   <p:par>
-                    <p:cTn id="53" fill="hold">
+                    <p:cTn id="47" fill="hold">
                       <p:stCondLst>
                         <p:cond delay="indefinite"/>
                       </p:stCondLst>
                       <p:childTnLst>
                         <p:par>
-                          <p:cTn id="54" fill="hold">
+                          <p:cTn id="48" fill="hold">
                             <p:stCondLst>
                               <p:cond delay="0"/>
                             </p:stCondLst>
                             <p:childTnLst>
                               <p:par>
-                                <p:cTn id="55" presetID="6" presetClass="entr" presetSubtype="16" fill="hold" nodeType="clickEffect">
+                                <p:cTn id="49" presetID="6" presetClass="entr" presetSubtype="16" fill="hold" nodeType="clickEffect">
+                                  <p:stCondLst>
+                                    <p:cond delay="0"/>
+                                  </p:stCondLst>
+                                  <p:childTnLst>
+                                    <p:set>
+                                      <p:cBhvr>
+                                        <p:cTn id="50" dur="1" fill="hold">
+                                          <p:stCondLst>
+                                            <p:cond delay="0"/>
+                                          </p:stCondLst>
+                                        </p:cTn>
+                                        <p:tgtEl>
+                                          <p:spTgt spid="15"/>
+                                        </p:tgtEl>
+                                        <p:attrNameLst>
+                                          <p:attrName>style.visibility</p:attrName>
+                                        </p:attrNameLst>
+                                      </p:cBhvr>
+                                      <p:to>
+                                        <p:strVal val="visible"/>
+                                      </p:to>
+                                    </p:set>
+                                    <p:animEffect transition="in" filter="circle(in)">
+                                      <p:cBhvr>
+                                        <p:cTn id="51" dur="2000"/>
+                                        <p:tgtEl>
+                                          <p:spTgt spid="15"/>
+                                        </p:tgtEl>
+                                      </p:cBhvr>
+                                    </p:animEffect>
+                                  </p:childTnLst>
+                                </p:cTn>
+                              </p:par>
+                              <p:par>
+                                <p:cTn id="52" presetID="6" presetClass="entr" presetSubtype="16" fill="hold" nodeType="withEffect">
+                                  <p:stCondLst>
+                                    <p:cond delay="0"/>
+                                  </p:stCondLst>
+                                  <p:childTnLst>
+                                    <p:set>
+                                      <p:cBhvr>
+                                        <p:cTn id="53" dur="1" fill="hold">
+                                          <p:stCondLst>
+                                            <p:cond delay="0"/>
+                                          </p:stCondLst>
+                                        </p:cTn>
+                                        <p:tgtEl>
+                                          <p:spTgt spid="17"/>
+                                        </p:tgtEl>
+                                        <p:attrNameLst>
+                                          <p:attrName>style.visibility</p:attrName>
+                                        </p:attrNameLst>
+                                      </p:cBhvr>
+                                      <p:to>
+                                        <p:strVal val="visible"/>
+                                      </p:to>
+                                    </p:set>
+                                    <p:animEffect transition="in" filter="circle(in)">
+                                      <p:cBhvr>
+                                        <p:cTn id="54" dur="2000"/>
+                                        <p:tgtEl>
+                                          <p:spTgt spid="17"/>
+                                        </p:tgtEl>
+                                      </p:cBhvr>
+                                    </p:animEffect>
+                                  </p:childTnLst>
+                                </p:cTn>
+                              </p:par>
+                              <p:par>
+                                <p:cTn id="55" presetID="6" presetClass="entr" presetSubtype="16" fill="hold" nodeType="withEffect">
                                   <p:stCondLst>
                                     <p:cond delay="0"/>
                                   </p:stCondLst>
@@ -12632,7 +12629,7 @@
                                           </p:stCondLst>
                                         </p:cTn>
                                         <p:tgtEl>
-                                          <p:spTgt spid="15"/>
+                                          <p:spTgt spid="19"/>
                                         </p:tgtEl>
                                         <p:attrNameLst>
                                           <p:attrName>style.visibility</p:attrName>
@@ -12645,76 +12642,6 @@
                                     <p:animEffect transition="in" filter="circle(in)">
                                       <p:cBhvr>
                                         <p:cTn id="57" dur="2000"/>
-                                        <p:tgtEl>
-                                          <p:spTgt spid="15"/>
-                                        </p:tgtEl>
-                                      </p:cBhvr>
-                                    </p:animEffect>
-                                  </p:childTnLst>
-                                </p:cTn>
-                              </p:par>
-                              <p:par>
-                                <p:cTn id="58" presetID="6" presetClass="entr" presetSubtype="16" fill="hold" nodeType="withEffect">
-                                  <p:stCondLst>
-                                    <p:cond delay="0"/>
-                                  </p:stCondLst>
-                                  <p:childTnLst>
-                                    <p:set>
-                                      <p:cBhvr>
-                                        <p:cTn id="59" dur="1" fill="hold">
-                                          <p:stCondLst>
-                                            <p:cond delay="0"/>
-                                          </p:stCondLst>
-                                        </p:cTn>
-                                        <p:tgtEl>
-                                          <p:spTgt spid="17"/>
-                                        </p:tgtEl>
-                                        <p:attrNameLst>
-                                          <p:attrName>style.visibility</p:attrName>
-                                        </p:attrNameLst>
-                                      </p:cBhvr>
-                                      <p:to>
-                                        <p:strVal val="visible"/>
-                                      </p:to>
-                                    </p:set>
-                                    <p:animEffect transition="in" filter="circle(in)">
-                                      <p:cBhvr>
-                                        <p:cTn id="60" dur="2000"/>
-                                        <p:tgtEl>
-                                          <p:spTgt spid="17"/>
-                                        </p:tgtEl>
-                                      </p:cBhvr>
-                                    </p:animEffect>
-                                  </p:childTnLst>
-                                </p:cTn>
-                              </p:par>
-                              <p:par>
-                                <p:cTn id="61" presetID="6" presetClass="entr" presetSubtype="16" fill="hold" nodeType="withEffect">
-                                  <p:stCondLst>
-                                    <p:cond delay="0"/>
-                                  </p:stCondLst>
-                                  <p:childTnLst>
-                                    <p:set>
-                                      <p:cBhvr>
-                                        <p:cTn id="62" dur="1" fill="hold">
-                                          <p:stCondLst>
-                                            <p:cond delay="0"/>
-                                          </p:stCondLst>
-                                        </p:cTn>
-                                        <p:tgtEl>
-                                          <p:spTgt spid="19"/>
-                                        </p:tgtEl>
-                                        <p:attrNameLst>
-                                          <p:attrName>style.visibility</p:attrName>
-                                        </p:attrNameLst>
-                                      </p:cBhvr>
-                                      <p:to>
-                                        <p:strVal val="visible"/>
-                                      </p:to>
-                                    </p:set>
-                                    <p:animEffect transition="in" filter="circle(in)">
-                                      <p:cBhvr>
-                                        <p:cTn id="63" dur="2000"/>
                                         <p:tgtEl>
                                           <p:spTgt spid="19"/>
                                         </p:tgtEl>
@@ -12907,7 +12834,7 @@
         </p:blipFill>
         <p:spPr>
           <a:xfrm>
-            <a:off x="9393456" y="1863595"/>
+            <a:off x="4721868" y="3876302"/>
             <a:ext cx="1960344" cy="2137699"/>
           </a:xfrm>
           <a:prstGeom prst="rect">
@@ -13313,7 +13240,7 @@
             </a:br>
             <a:r>
               <a:rPr lang="cs-CZ" dirty="0"/>
-              <a:t>				– Založeno na principech kvantové fyziky</a:t>
+              <a:t>				– Kvantová fyzika :)</a:t>
             </a:r>
           </a:p>
         </p:txBody>
@@ -13739,7 +13666,12 @@
             <p:ph type="title"/>
           </p:nvPr>
         </p:nvSpPr>
-        <p:spPr/>
+        <p:spPr>
+          <a:xfrm>
+            <a:off x="468595" y="194469"/>
+            <a:ext cx="10515600" cy="1325563"/>
+          </a:xfrm>
+        </p:spPr>
         <p:txBody>
           <a:bodyPr/>
           <a:lstStyle/>
@@ -13767,7 +13699,12 @@
             <p:ph type="body" idx="1"/>
           </p:nvPr>
         </p:nvSpPr>
-        <p:spPr/>
+        <p:spPr>
+          <a:xfrm>
+            <a:off x="468595" y="1269207"/>
+            <a:ext cx="5157787" cy="823912"/>
+          </a:xfrm>
+        </p:spPr>
         <p:txBody>
           <a:bodyPr/>
           <a:lstStyle/>
@@ -13795,7 +13732,12 @@
             <p:ph sz="half" idx="2"/>
           </p:nvPr>
         </p:nvSpPr>
-        <p:spPr/>
+        <p:spPr>
+          <a:xfrm>
+            <a:off x="468595" y="2093119"/>
+            <a:ext cx="5157787" cy="3684588"/>
+          </a:xfrm>
+        </p:spPr>
         <p:txBody>
           <a:bodyPr/>
           <a:lstStyle/>
@@ -13864,7 +13806,12 @@
             <p:ph type="body" sz="quarter" idx="3"/>
           </p:nvPr>
         </p:nvSpPr>
-        <p:spPr/>
+        <p:spPr>
+          <a:xfrm>
+            <a:off x="5626382" y="1269207"/>
+            <a:ext cx="5183188" cy="823912"/>
+          </a:xfrm>
+        </p:spPr>
         <p:txBody>
           <a:bodyPr/>
           <a:lstStyle/>
@@ -13892,7 +13839,12 @@
             <p:ph sz="quarter" idx="4"/>
           </p:nvPr>
         </p:nvSpPr>
-        <p:spPr/>
+        <p:spPr>
+          <a:xfrm>
+            <a:off x="5713695" y="2093119"/>
+            <a:ext cx="5183188" cy="3684588"/>
+          </a:xfrm>
+        </p:spPr>
         <p:txBody>
           <a:bodyPr/>
           <a:lstStyle/>
@@ -13927,7 +13879,22 @@
             </a:br>
             <a:r>
               <a:rPr lang="cs-CZ" dirty="0"/>
-              <a:t>-nejde dešifrovat stejným klíčem, jakým jsem zašifroval</a:t>
+              <a:t>-nejde šifrovat a </a:t>
+            </a:r>
+            <a:r>
+              <a:rPr lang="cs-CZ" dirty="0" err="1"/>
+              <a:t>dešif</a:t>
+            </a:r>
+            <a:r>
+              <a:rPr lang="cs-CZ" dirty="0"/>
+              <a:t>.</a:t>
+            </a:r>
+            <a:br>
+              <a:rPr lang="cs-CZ" dirty="0"/>
+            </a:br>
+            <a:r>
+              <a:rPr lang="cs-CZ" dirty="0"/>
+              <a:t>stejným klíčem!</a:t>
             </a:r>
           </a:p>
         </p:txBody>
@@ -14775,16 +14742,15 @@
           </p:cNvPicPr>
           <p:nvPr/>
         </p:nvPicPr>
-        <p:blipFill>
+        <p:blipFill rotWithShape="1">
           <a:blip r:embed="rId7"/>
-          <a:stretch>
-            <a:fillRect/>
-          </a:stretch>
+          <a:srcRect l="1904"/>
+          <a:stretch/>
         </p:blipFill>
         <p:spPr>
           <a:xfrm>
-            <a:off x="5369931" y="2716321"/>
-            <a:ext cx="3467100" cy="2914650"/>
+            <a:off x="5658417" y="1781223"/>
+            <a:ext cx="3401085" cy="2914650"/>
           </a:xfrm>
           <a:prstGeom prst="rect">
             <a:avLst/>

--- a/zaba.pptx
+++ b/zaba.pptx
@@ -5,25 +5,27 @@
     <p:sldMasterId id="2147483648" r:id="rId1"/>
   </p:sldMasterIdLst>
   <p:notesMasterIdLst>
-    <p:notesMasterId r:id="rId18"/>
+    <p:notesMasterId r:id="rId20"/>
   </p:notesMasterIdLst>
   <p:sldIdLst>
     <p:sldId id="256" r:id="rId2"/>
     <p:sldId id="257" r:id="rId3"/>
     <p:sldId id="258" r:id="rId4"/>
-    <p:sldId id="259" r:id="rId5"/>
-    <p:sldId id="260" r:id="rId6"/>
-    <p:sldId id="261" r:id="rId7"/>
-    <p:sldId id="267" r:id="rId8"/>
-    <p:sldId id="262" r:id="rId9"/>
-    <p:sldId id="263" r:id="rId10"/>
-    <p:sldId id="268" r:id="rId11"/>
-    <p:sldId id="269" r:id="rId12"/>
-    <p:sldId id="270" r:id="rId13"/>
-    <p:sldId id="271" r:id="rId14"/>
-    <p:sldId id="264" r:id="rId15"/>
-    <p:sldId id="265" r:id="rId16"/>
-    <p:sldId id="266" r:id="rId17"/>
+    <p:sldId id="262" r:id="rId5"/>
+    <p:sldId id="259" r:id="rId6"/>
+    <p:sldId id="260" r:id="rId7"/>
+    <p:sldId id="261" r:id="rId8"/>
+    <p:sldId id="267" r:id="rId9"/>
+    <p:sldId id="272" r:id="rId10"/>
+    <p:sldId id="263" r:id="rId11"/>
+    <p:sldId id="273" r:id="rId12"/>
+    <p:sldId id="268" r:id="rId13"/>
+    <p:sldId id="269" r:id="rId14"/>
+    <p:sldId id="270" r:id="rId15"/>
+    <p:sldId id="271" r:id="rId16"/>
+    <p:sldId id="264" r:id="rId17"/>
+    <p:sldId id="265" r:id="rId18"/>
+    <p:sldId id="266" r:id="rId19"/>
   </p:sldIdLst>
   <p:sldSz cx="12192000" cy="6858000"/>
   <p:notesSz cx="6858000" cy="9144000"/>
@@ -212,7 +214,7 @@
           <a:p>
             <a:fld id="{D0DBE76F-E478-4CDF-9F04-A8F47C386855}" type="datetimeFigureOut">
               <a:rPr lang="cs-CZ" smtClean="0"/>
-              <a:t>02.01.2023</a:t>
+              <a:t>16.01.2023</a:t>
             </a:fld>
             <a:endParaRPr lang="cs-CZ"/>
           </a:p>
@@ -612,7 +614,7 @@
           <a:p>
             <a:r>
               <a:rPr lang="cs-CZ" dirty="0"/>
-              <a:t>Říct více ke každému bodu – uvést příklad</a:t>
+              <a:t>PUBLIC + PRIVATE KEY (který zveřejním), Vysvětlit odpověď Alice a příslušné klíče</a:t>
             </a:r>
           </a:p>
         </p:txBody>
@@ -643,7 +645,7 @@
     </p:spTree>
     <p:extLst>
       <p:ext uri="{BB962C8B-B14F-4D97-AF65-F5344CB8AC3E}">
-        <p14:creationId xmlns:p14="http://schemas.microsoft.com/office/powerpoint/2010/main" val="1187518571"/>
+        <p14:creationId xmlns:p14="http://schemas.microsoft.com/office/powerpoint/2010/main" val="2887895565"/>
       </p:ext>
     </p:extLst>
   </p:cSld>
@@ -699,7 +701,15 @@
           <a:p>
             <a:r>
               <a:rPr lang="cs-CZ" dirty="0"/>
-              <a:t>Využívána na telegrafních spojeních, Říct o mezerách mezi znaky</a:t>
+              <a:t>WPA3 má lepší </a:t>
+            </a:r>
+            <a:r>
+              <a:rPr lang="cs-CZ" dirty="0" err="1"/>
+              <a:t>security</a:t>
+            </a:r>
+            <a:r>
+              <a:rPr lang="cs-CZ" dirty="0"/>
+              <a:t>, odolnost vůči slabým heslům</a:t>
             </a:r>
           </a:p>
         </p:txBody>
@@ -730,7 +740,7 @@
     </p:spTree>
     <p:extLst>
       <p:ext uri="{BB962C8B-B14F-4D97-AF65-F5344CB8AC3E}">
-        <p14:creationId xmlns:p14="http://schemas.microsoft.com/office/powerpoint/2010/main" val="2294986495"/>
+        <p14:creationId xmlns:p14="http://schemas.microsoft.com/office/powerpoint/2010/main" val="2870901949"/>
       </p:ext>
     </p:extLst>
   </p:cSld>
@@ -786,7 +796,7 @@
           <a:p>
             <a:r>
               <a:rPr lang="cs-CZ" dirty="0"/>
-              <a:t>Kde najít utf-8, české a jiné znaky v utf-8/16</a:t>
+              <a:t>Říct více ke každému bodu – uvést příklad</a:t>
             </a:r>
           </a:p>
         </p:txBody>
@@ -817,7 +827,7 @@
     </p:spTree>
     <p:extLst>
       <p:ext uri="{BB962C8B-B14F-4D97-AF65-F5344CB8AC3E}">
-        <p14:creationId xmlns:p14="http://schemas.microsoft.com/office/powerpoint/2010/main" val="2021720126"/>
+        <p14:creationId xmlns:p14="http://schemas.microsoft.com/office/powerpoint/2010/main" val="1187518571"/>
       </p:ext>
     </p:extLst>
   </p:cSld>
@@ -873,15 +883,7 @@
           <a:p>
             <a:r>
               <a:rPr lang="cs-CZ" dirty="0"/>
-              <a:t>Říct o provázanosti délky </a:t>
-            </a:r>
-            <a:r>
-              <a:rPr lang="cs-CZ" dirty="0" err="1"/>
-              <a:t>plain</a:t>
-            </a:r>
-            <a:r>
-              <a:rPr lang="cs-CZ" dirty="0"/>
-              <a:t> a zakódovaného</a:t>
+              <a:t>Využívána na telegrafních spojeních, Říct o mezerách mezi znaky</a:t>
             </a:r>
           </a:p>
         </p:txBody>
@@ -912,7 +914,7 @@
     </p:spTree>
     <p:extLst>
       <p:ext uri="{BB962C8B-B14F-4D97-AF65-F5344CB8AC3E}">
-        <p14:creationId xmlns:p14="http://schemas.microsoft.com/office/powerpoint/2010/main" val="2388764158"/>
+        <p14:creationId xmlns:p14="http://schemas.microsoft.com/office/powerpoint/2010/main" val="2294986495"/>
       </p:ext>
     </p:extLst>
   </p:cSld>
@@ -968,13 +970,8 @@
           <a:p>
             <a:r>
               <a:rPr lang="cs-CZ" dirty="0"/>
-              <a:t>Ověřit, že příklad splňuje principy, je to MD5 </a:t>
-            </a:r>
-            <a:r>
-              <a:rPr lang="cs-CZ" dirty="0" err="1"/>
-              <a:t>hash</a:t>
-            </a:r>
-            <a:endParaRPr lang="cs-CZ" dirty="0"/>
+              <a:t>Kde najít utf-8, české a jiné znaky v utf-8/16</a:t>
+            </a:r>
           </a:p>
         </p:txBody>
       </p:sp>
@@ -996,6 +993,193 @@
             <a:fld id="{5E36BCEB-5E76-43F9-8350-7C65F3BB3CA7}" type="slidenum">
               <a:rPr lang="cs-CZ" smtClean="0"/>
               <a:t>14</a:t>
+            </a:fld>
+            <a:endParaRPr lang="cs-CZ"/>
+          </a:p>
+        </p:txBody>
+      </p:sp>
+    </p:spTree>
+    <p:extLst>
+      <p:ext uri="{BB962C8B-B14F-4D97-AF65-F5344CB8AC3E}">
+        <p14:creationId xmlns:p14="http://schemas.microsoft.com/office/powerpoint/2010/main" val="2021720126"/>
+      </p:ext>
+    </p:extLst>
+  </p:cSld>
+  <p:clrMapOvr>
+    <a:masterClrMapping/>
+  </p:clrMapOvr>
+</p:notes>
+</file>
+
+<file path=ppt/notesSlides/notesSlide15.xml><?xml version="1.0" encoding="utf-8"?>
+<p:notes xmlns:a="http://schemas.openxmlformats.org/drawingml/2006/main" xmlns:r="http://schemas.openxmlformats.org/officeDocument/2006/relationships" xmlns:p="http://schemas.openxmlformats.org/presentationml/2006/main">
+  <p:cSld>
+    <p:spTree>
+      <p:nvGrpSpPr>
+        <p:cNvPr id="1" name=""/>
+        <p:cNvGrpSpPr/>
+        <p:nvPr/>
+      </p:nvGrpSpPr>
+      <p:grpSpPr>
+        <a:xfrm>
+          <a:off x="0" y="0"/>
+          <a:ext cx="0" cy="0"/>
+          <a:chOff x="0" y="0"/>
+          <a:chExt cx="0" cy="0"/>
+        </a:xfrm>
+      </p:grpSpPr>
+      <p:sp>
+        <p:nvSpPr>
+          <p:cNvPr id="2" name="Zástupný symbol pro obrázek snímku 1"/>
+          <p:cNvSpPr>
+            <a:spLocks noGrp="1" noRot="1" noChangeAspect="1"/>
+          </p:cNvSpPr>
+          <p:nvPr>
+            <p:ph type="sldImg"/>
+          </p:nvPr>
+        </p:nvSpPr>
+        <p:spPr/>
+      </p:sp>
+      <p:sp>
+        <p:nvSpPr>
+          <p:cNvPr id="3" name="Zástupný symbol pro poznámky 2"/>
+          <p:cNvSpPr>
+            <a:spLocks noGrp="1"/>
+          </p:cNvSpPr>
+          <p:nvPr>
+            <p:ph type="body" idx="1"/>
+          </p:nvPr>
+        </p:nvSpPr>
+        <p:spPr/>
+        <p:txBody>
+          <a:bodyPr/>
+          <a:lstStyle/>
+          <a:p>
+            <a:r>
+              <a:rPr lang="cs-CZ" dirty="0"/>
+              <a:t>Říct o provázanosti délky </a:t>
+            </a:r>
+            <a:r>
+              <a:rPr lang="cs-CZ" dirty="0" err="1"/>
+              <a:t>plain</a:t>
+            </a:r>
+            <a:r>
+              <a:rPr lang="cs-CZ" dirty="0"/>
+              <a:t> a zakódovaného</a:t>
+            </a:r>
+          </a:p>
+        </p:txBody>
+      </p:sp>
+      <p:sp>
+        <p:nvSpPr>
+          <p:cNvPr id="4" name="Zástupný symbol pro číslo snímku 3"/>
+          <p:cNvSpPr>
+            <a:spLocks noGrp="1"/>
+          </p:cNvSpPr>
+          <p:nvPr>
+            <p:ph type="sldNum" sz="quarter" idx="5"/>
+          </p:nvPr>
+        </p:nvSpPr>
+        <p:spPr/>
+        <p:txBody>
+          <a:bodyPr/>
+          <a:lstStyle/>
+          <a:p>
+            <a:fld id="{5E36BCEB-5E76-43F9-8350-7C65F3BB3CA7}" type="slidenum">
+              <a:rPr lang="cs-CZ" smtClean="0"/>
+              <a:t>15</a:t>
+            </a:fld>
+            <a:endParaRPr lang="cs-CZ"/>
+          </a:p>
+        </p:txBody>
+      </p:sp>
+    </p:spTree>
+    <p:extLst>
+      <p:ext uri="{BB962C8B-B14F-4D97-AF65-F5344CB8AC3E}">
+        <p14:creationId xmlns:p14="http://schemas.microsoft.com/office/powerpoint/2010/main" val="2388764158"/>
+      </p:ext>
+    </p:extLst>
+  </p:cSld>
+  <p:clrMapOvr>
+    <a:masterClrMapping/>
+  </p:clrMapOvr>
+</p:notes>
+</file>
+
+<file path=ppt/notesSlides/notesSlide16.xml><?xml version="1.0" encoding="utf-8"?>
+<p:notes xmlns:a="http://schemas.openxmlformats.org/drawingml/2006/main" xmlns:r="http://schemas.openxmlformats.org/officeDocument/2006/relationships" xmlns:p="http://schemas.openxmlformats.org/presentationml/2006/main">
+  <p:cSld>
+    <p:spTree>
+      <p:nvGrpSpPr>
+        <p:cNvPr id="1" name=""/>
+        <p:cNvGrpSpPr/>
+        <p:nvPr/>
+      </p:nvGrpSpPr>
+      <p:grpSpPr>
+        <a:xfrm>
+          <a:off x="0" y="0"/>
+          <a:ext cx="0" cy="0"/>
+          <a:chOff x="0" y="0"/>
+          <a:chExt cx="0" cy="0"/>
+        </a:xfrm>
+      </p:grpSpPr>
+      <p:sp>
+        <p:nvSpPr>
+          <p:cNvPr id="2" name="Zástupný symbol pro obrázek snímku 1"/>
+          <p:cNvSpPr>
+            <a:spLocks noGrp="1" noRot="1" noChangeAspect="1"/>
+          </p:cNvSpPr>
+          <p:nvPr>
+            <p:ph type="sldImg"/>
+          </p:nvPr>
+        </p:nvSpPr>
+        <p:spPr/>
+      </p:sp>
+      <p:sp>
+        <p:nvSpPr>
+          <p:cNvPr id="3" name="Zástupný symbol pro poznámky 2"/>
+          <p:cNvSpPr>
+            <a:spLocks noGrp="1"/>
+          </p:cNvSpPr>
+          <p:nvPr>
+            <p:ph type="body" idx="1"/>
+          </p:nvPr>
+        </p:nvSpPr>
+        <p:spPr/>
+        <p:txBody>
+          <a:bodyPr/>
+          <a:lstStyle/>
+          <a:p>
+            <a:r>
+              <a:rPr lang="cs-CZ" dirty="0"/>
+              <a:t>Ověřit, že příklad splňuje principy, je to MD5 </a:t>
+            </a:r>
+            <a:r>
+              <a:rPr lang="cs-CZ" dirty="0" err="1"/>
+              <a:t>hash</a:t>
+            </a:r>
+            <a:endParaRPr lang="cs-CZ" dirty="0"/>
+          </a:p>
+        </p:txBody>
+      </p:sp>
+      <p:sp>
+        <p:nvSpPr>
+          <p:cNvPr id="4" name="Zástupný symbol pro číslo snímku 3"/>
+          <p:cNvSpPr>
+            <a:spLocks noGrp="1"/>
+          </p:cNvSpPr>
+          <p:nvPr>
+            <p:ph type="sldNum" sz="quarter" idx="5"/>
+          </p:nvPr>
+        </p:nvSpPr>
+        <p:spPr/>
+        <p:txBody>
+          <a:bodyPr/>
+          <a:lstStyle/>
+          <a:p>
+            <a:fld id="{5E36BCEB-5E76-43F9-8350-7C65F3BB3CA7}" type="slidenum">
+              <a:rPr lang="cs-CZ" smtClean="0"/>
+              <a:t>16</a:t>
             </a:fld>
             <a:endParaRPr lang="cs-CZ"/>
           </a:p>
@@ -1250,15 +1434,7 @@
           <a:p>
             <a:r>
               <a:rPr lang="cs-CZ" dirty="0"/>
-              <a:t>Vysvětlit 26 kombinací, </a:t>
-            </a:r>
-            <a:r>
-              <a:rPr lang="cs-CZ" dirty="0" err="1"/>
-              <a:t>vig</a:t>
-            </a:r>
-            <a:r>
-              <a:rPr lang="cs-CZ" dirty="0"/>
-              <a:t>. Šifra na dalším slidu</a:t>
+              <a:t>Říct více k transpoziční šifře</a:t>
             </a:r>
           </a:p>
         </p:txBody>
@@ -1289,7 +1465,7 @@
     </p:spTree>
     <p:extLst>
       <p:ext uri="{BB962C8B-B14F-4D97-AF65-F5344CB8AC3E}">
-        <p14:creationId xmlns:p14="http://schemas.microsoft.com/office/powerpoint/2010/main" val="3890520592"/>
+        <p14:creationId xmlns:p14="http://schemas.microsoft.com/office/powerpoint/2010/main" val="4115201884"/>
       </p:ext>
     </p:extLst>
   </p:cSld>
@@ -1345,21 +1521,16 @@
           <a:p>
             <a:r>
               <a:rPr lang="cs-CZ" dirty="0"/>
-              <a:t>stejně dlouhý </a:t>
+              <a:t>Vysvětlit 26 kombinací, </a:t>
             </a:r>
             <a:r>
               <a:rPr lang="cs-CZ" dirty="0" err="1"/>
-              <a:t>plain</a:t>
-            </a:r>
-            <a:r>
-              <a:rPr lang="cs-CZ" dirty="0"/>
-              <a:t> i </a:t>
-            </a:r>
-            <a:r>
-              <a:rPr lang="cs-CZ" dirty="0" err="1"/>
-              <a:t>key</a:t>
-            </a:r>
-            <a:endParaRPr lang="cs-CZ" dirty="0"/>
+              <a:t>vig</a:t>
+            </a:r>
+            <a:r>
+              <a:rPr lang="cs-CZ" dirty="0"/>
+              <a:t>. Šifra na dalším slidu</a:t>
+            </a:r>
           </a:p>
         </p:txBody>
       </p:sp>
@@ -1389,7 +1560,7 @@
     </p:spTree>
     <p:extLst>
       <p:ext uri="{BB962C8B-B14F-4D97-AF65-F5344CB8AC3E}">
-        <p14:creationId xmlns:p14="http://schemas.microsoft.com/office/powerpoint/2010/main" val="846193464"/>
+        <p14:creationId xmlns:p14="http://schemas.microsoft.com/office/powerpoint/2010/main" val="3890520592"/>
       </p:ext>
     </p:extLst>
   </p:cSld>
@@ -1445,19 +1616,19 @@
           <a:p>
             <a:r>
               <a:rPr lang="cs-CZ" dirty="0"/>
-              <a:t>Šifer je mnohem více – </a:t>
+              <a:t>stejně dlouhý </a:t>
             </a:r>
             <a:r>
               <a:rPr lang="cs-CZ" dirty="0" err="1"/>
-              <a:t>playfire</a:t>
-            </a:r>
-            <a:r>
-              <a:rPr lang="cs-CZ" dirty="0"/>
-              <a:t>, </a:t>
+              <a:t>plain</a:t>
+            </a:r>
+            <a:r>
+              <a:rPr lang="cs-CZ" dirty="0"/>
+              <a:t> i </a:t>
             </a:r>
             <a:r>
               <a:rPr lang="cs-CZ" dirty="0" err="1"/>
-              <a:t>vernamova</a:t>
+              <a:t>key</a:t>
             </a:r>
             <a:endParaRPr lang="cs-CZ" dirty="0"/>
           </a:p>
@@ -1489,7 +1660,7 @@
     </p:spTree>
     <p:extLst>
       <p:ext uri="{BB962C8B-B14F-4D97-AF65-F5344CB8AC3E}">
-        <p14:creationId xmlns:p14="http://schemas.microsoft.com/office/powerpoint/2010/main" val="2346036814"/>
+        <p14:creationId xmlns:p14="http://schemas.microsoft.com/office/powerpoint/2010/main" val="846193464"/>
       </p:ext>
     </p:extLst>
   </p:cSld>
@@ -1545,8 +1716,21 @@
           <a:p>
             <a:r>
               <a:rPr lang="cs-CZ" dirty="0"/>
-              <a:t>Co je IV = inicializační vektor, vysvětlit blokovou šifru</a:t>
-            </a:r>
+              <a:t>Šifer je mnohem více – </a:t>
+            </a:r>
+            <a:r>
+              <a:rPr lang="cs-CZ" dirty="0" err="1"/>
+              <a:t>playfire</a:t>
+            </a:r>
+            <a:r>
+              <a:rPr lang="cs-CZ" dirty="0"/>
+              <a:t>, </a:t>
+            </a:r>
+            <a:r>
+              <a:rPr lang="cs-CZ" dirty="0" err="1"/>
+              <a:t>vernamova</a:t>
+            </a:r>
+            <a:endParaRPr lang="cs-CZ" dirty="0"/>
           </a:p>
         </p:txBody>
       </p:sp>
@@ -1576,7 +1760,7 @@
     </p:spTree>
     <p:extLst>
       <p:ext uri="{BB962C8B-B14F-4D97-AF65-F5344CB8AC3E}">
-        <p14:creationId xmlns:p14="http://schemas.microsoft.com/office/powerpoint/2010/main" val="1841795012"/>
+        <p14:creationId xmlns:p14="http://schemas.microsoft.com/office/powerpoint/2010/main" val="2346036814"/>
       </p:ext>
     </p:extLst>
   </p:cSld>
@@ -1632,7 +1816,7 @@
           <a:p>
             <a:r>
               <a:rPr lang="cs-CZ" dirty="0"/>
-              <a:t>Říct více k transpoziční šifře</a:t>
+              <a:t>Co je IV = inicializační vektor, vysvětlit blokovou šifru</a:t>
             </a:r>
           </a:p>
         </p:txBody>
@@ -1663,7 +1847,7 @@
     </p:spTree>
     <p:extLst>
       <p:ext uri="{BB962C8B-B14F-4D97-AF65-F5344CB8AC3E}">
-        <p14:creationId xmlns:p14="http://schemas.microsoft.com/office/powerpoint/2010/main" val="4115201884"/>
+        <p14:creationId xmlns:p14="http://schemas.microsoft.com/office/powerpoint/2010/main" val="1841795012"/>
       </p:ext>
     </p:extLst>
   </p:cSld>
@@ -1719,7 +1903,7 @@
           <a:p>
             <a:r>
               <a:rPr lang="cs-CZ" dirty="0"/>
-              <a:t>PUBLIC + PRIVATE KEY (který zveřejním), Vysvětlit odpověď Alice a příslušné klíče</a:t>
+              <a:t>RSA – princip na dalším slidu</a:t>
             </a:r>
           </a:p>
         </p:txBody>
@@ -1750,7 +1934,7 @@
     </p:spTree>
     <p:extLst>
       <p:ext uri="{BB962C8B-B14F-4D97-AF65-F5344CB8AC3E}">
-        <p14:creationId xmlns:p14="http://schemas.microsoft.com/office/powerpoint/2010/main" val="2887895565"/>
+        <p14:creationId xmlns:p14="http://schemas.microsoft.com/office/powerpoint/2010/main" val="2752293766"/>
       </p:ext>
     </p:extLst>
   </p:cSld>
@@ -1907,7 +2091,7 @@
           <a:p>
             <a:fld id="{EB31D8B1-0D78-4C87-B840-B8411C30AC20}" type="datetimeFigureOut">
               <a:rPr lang="cs-CZ" smtClean="0"/>
-              <a:t>02.01.2023</a:t>
+              <a:t>16.01.2023</a:t>
             </a:fld>
             <a:endParaRPr lang="cs-CZ"/>
           </a:p>
@@ -2108,7 +2292,7 @@
           <a:p>
             <a:fld id="{EB31D8B1-0D78-4C87-B840-B8411C30AC20}" type="datetimeFigureOut">
               <a:rPr lang="cs-CZ" smtClean="0"/>
-              <a:t>02.01.2023</a:t>
+              <a:t>16.01.2023</a:t>
             </a:fld>
             <a:endParaRPr lang="cs-CZ"/>
           </a:p>
@@ -2319,7 +2503,7 @@
           <a:p>
             <a:fld id="{EB31D8B1-0D78-4C87-B840-B8411C30AC20}" type="datetimeFigureOut">
               <a:rPr lang="cs-CZ" smtClean="0"/>
-              <a:t>02.01.2023</a:t>
+              <a:t>16.01.2023</a:t>
             </a:fld>
             <a:endParaRPr lang="cs-CZ"/>
           </a:p>
@@ -2520,7 +2704,7 @@
           <a:p>
             <a:fld id="{EB31D8B1-0D78-4C87-B840-B8411C30AC20}" type="datetimeFigureOut">
               <a:rPr lang="cs-CZ" smtClean="0"/>
-              <a:t>02.01.2023</a:t>
+              <a:t>16.01.2023</a:t>
             </a:fld>
             <a:endParaRPr lang="cs-CZ"/>
           </a:p>
@@ -2798,7 +2982,7 @@
           <a:p>
             <a:fld id="{EB31D8B1-0D78-4C87-B840-B8411C30AC20}" type="datetimeFigureOut">
               <a:rPr lang="cs-CZ" smtClean="0"/>
-              <a:t>02.01.2023</a:t>
+              <a:t>16.01.2023</a:t>
             </a:fld>
             <a:endParaRPr lang="cs-CZ"/>
           </a:p>
@@ -3066,7 +3250,7 @@
           <a:p>
             <a:fld id="{EB31D8B1-0D78-4C87-B840-B8411C30AC20}" type="datetimeFigureOut">
               <a:rPr lang="cs-CZ" smtClean="0"/>
-              <a:t>02.01.2023</a:t>
+              <a:t>16.01.2023</a:t>
             </a:fld>
             <a:endParaRPr lang="cs-CZ"/>
           </a:p>
@@ -3481,7 +3665,7 @@
           <a:p>
             <a:fld id="{EB31D8B1-0D78-4C87-B840-B8411C30AC20}" type="datetimeFigureOut">
               <a:rPr lang="cs-CZ" smtClean="0"/>
-              <a:t>02.01.2023</a:t>
+              <a:t>16.01.2023</a:t>
             </a:fld>
             <a:endParaRPr lang="cs-CZ"/>
           </a:p>
@@ -3625,7 +3809,7 @@
           <a:p>
             <a:fld id="{EB31D8B1-0D78-4C87-B840-B8411C30AC20}" type="datetimeFigureOut">
               <a:rPr lang="cs-CZ" smtClean="0"/>
-              <a:t>02.01.2023</a:t>
+              <a:t>16.01.2023</a:t>
             </a:fld>
             <a:endParaRPr lang="cs-CZ"/>
           </a:p>
@@ -3741,7 +3925,7 @@
           <a:p>
             <a:fld id="{EB31D8B1-0D78-4C87-B840-B8411C30AC20}" type="datetimeFigureOut">
               <a:rPr lang="cs-CZ" smtClean="0"/>
-              <a:t>02.01.2023</a:t>
+              <a:t>16.01.2023</a:t>
             </a:fld>
             <a:endParaRPr lang="cs-CZ"/>
           </a:p>
@@ -4055,7 +4239,7 @@
           <a:p>
             <a:fld id="{EB31D8B1-0D78-4C87-B840-B8411C30AC20}" type="datetimeFigureOut">
               <a:rPr lang="cs-CZ" smtClean="0"/>
-              <a:t>02.01.2023</a:t>
+              <a:t>16.01.2023</a:t>
             </a:fld>
             <a:endParaRPr lang="cs-CZ"/>
           </a:p>
@@ -4346,7 +4530,7 @@
           <a:p>
             <a:fld id="{EB31D8B1-0D78-4C87-B840-B8411C30AC20}" type="datetimeFigureOut">
               <a:rPr lang="cs-CZ" smtClean="0"/>
-              <a:t>02.01.2023</a:t>
+              <a:t>16.01.2023</a:t>
             </a:fld>
             <a:endParaRPr lang="cs-CZ"/>
           </a:p>
@@ -4599,7 +4783,7 @@
           <a:p>
             <a:fld id="{EB31D8B1-0D78-4C87-B840-B8411C30AC20}" type="datetimeFigureOut">
               <a:rPr lang="cs-CZ" smtClean="0"/>
-              <a:t>02.01.2023</a:t>
+              <a:t>16.01.2023</a:t>
             </a:fld>
             <a:endParaRPr lang="cs-CZ"/>
           </a:p>
@@ -5089,7 +5273,7 @@
   <p:clrMapOvr>
     <a:masterClrMapping/>
   </p:clrMapOvr>
-  <p:transition spd="slow">
+  <p:transition spd="slow" advTm="22044">
     <p:push dir="u"/>
   </p:transition>
 </p:sld>
@@ -5114,10 +5298,10 @@
       </p:grpSpPr>
       <p:sp>
         <p:nvSpPr>
-          <p:cNvPr id="2" name="Nadpis 1">
+          <p:cNvPr id="7" name="Nadpis 6">
             <a:extLst>
               <a:ext uri="{FF2B5EF4-FFF2-40B4-BE49-F238E27FC236}">
-                <a16:creationId xmlns:a16="http://schemas.microsoft.com/office/drawing/2014/main" id="{8D658C47-CE0B-4C23-CF8C-376676B02405}"/>
+                <a16:creationId xmlns:a16="http://schemas.microsoft.com/office/drawing/2014/main" id="{2A38BE0A-51F9-EA52-E2A8-99722D5502C4}"/>
               </a:ext>
             </a:extLst>
           </p:cNvPr>
@@ -5135,113 +5319,174 @@
           <a:p>
             <a:r>
               <a:rPr lang="cs-CZ" dirty="0"/>
-              <a:t>Možnosti lámání šifer</a:t>
+              <a:t>RSA - princip</a:t>
             </a:r>
           </a:p>
         </p:txBody>
       </p:sp>
-      <p:sp>
-        <p:nvSpPr>
-          <p:cNvPr id="3" name="Zástupný obsah 2">
+      <p:pic>
+        <p:nvPicPr>
+          <p:cNvPr id="3" name="Obrázek 2">
             <a:extLst>
               <a:ext uri="{FF2B5EF4-FFF2-40B4-BE49-F238E27FC236}">
-                <a16:creationId xmlns:a16="http://schemas.microsoft.com/office/drawing/2014/main" id="{B64DEBE3-8532-7A5D-5B57-2FFD4340F610}"/>
+                <a16:creationId xmlns:a16="http://schemas.microsoft.com/office/drawing/2014/main" id="{C0CE5307-E369-74CB-2171-5ECEA97D3C74}"/>
               </a:ext>
             </a:extLst>
           </p:cNvPr>
-          <p:cNvSpPr>
-            <a:spLocks noGrp="1"/>
-          </p:cNvSpPr>
-          <p:nvPr>
-            <p:ph idx="1"/>
-          </p:nvPr>
-        </p:nvSpPr>
-        <p:spPr/>
-        <p:txBody>
-          <a:bodyPr/>
-          <a:lstStyle/>
-          <a:p>
-            <a:pPr marL="514350" indent="-514350">
-              <a:buFont typeface="+mj-lt"/>
-              <a:buAutoNum type="arabicPeriod"/>
-            </a:pPr>
-            <a:r>
-              <a:rPr lang="cs-CZ" dirty="0" err="1"/>
-              <a:t>Bruteforce</a:t>
-            </a:r>
-            <a:r>
-              <a:rPr lang="cs-CZ" dirty="0"/>
-              <a:t> klíče – Vyzkoušení všech variant klíče</a:t>
-            </a:r>
-            <a:br>
-              <a:rPr lang="cs-CZ" dirty="0"/>
-            </a:br>
-            <a:r>
-              <a:rPr lang="cs-CZ" dirty="0"/>
-              <a:t>		-většina šifer (např. Caesarova)</a:t>
-            </a:r>
-          </a:p>
-          <a:p>
-            <a:pPr marL="514350" indent="-514350">
-              <a:buFont typeface="+mj-lt"/>
-              <a:buAutoNum type="arabicPeriod"/>
-            </a:pPr>
-            <a:endParaRPr lang="cs-CZ" dirty="0"/>
-          </a:p>
-          <a:p>
-            <a:pPr marL="514350" indent="-514350">
-              <a:buFont typeface="+mj-lt"/>
-              <a:buAutoNum type="arabicPeriod"/>
-            </a:pPr>
-            <a:r>
-              <a:rPr lang="cs-CZ" dirty="0"/>
-              <a:t>Frekvenční analýza – Analýza četnosti znaků</a:t>
-            </a:r>
-            <a:br>
-              <a:rPr lang="cs-CZ" dirty="0"/>
-            </a:br>
-            <a:r>
-              <a:rPr lang="cs-CZ" dirty="0"/>
-              <a:t>		-část substitučních šifer</a:t>
-            </a:r>
-          </a:p>
-          <a:p>
-            <a:pPr marL="514350" indent="-514350">
-              <a:buFont typeface="+mj-lt"/>
-              <a:buAutoNum type="arabicPeriod"/>
-            </a:pPr>
-            <a:endParaRPr lang="cs-CZ" dirty="0"/>
-          </a:p>
-          <a:p>
-            <a:pPr marL="514350" indent="-514350">
-              <a:buFont typeface="+mj-lt"/>
-              <a:buAutoNum type="arabicPeriod"/>
-            </a:pPr>
-            <a:r>
-              <a:rPr lang="cs-CZ" dirty="0"/>
-              <a:t>Využití slabin šifry</a:t>
-            </a:r>
-            <a:br>
-              <a:rPr lang="cs-CZ" dirty="0"/>
-            </a:br>
-            <a:r>
-              <a:rPr lang="cs-CZ" dirty="0"/>
-              <a:t>		-např. transpoziční – stejné znaky</a:t>
-            </a:r>
-          </a:p>
-        </p:txBody>
-      </p:sp>
+          <p:cNvPicPr>
+            <a:picLocks noChangeAspect="1"/>
+          </p:cNvPicPr>
+          <p:nvPr/>
+        </p:nvPicPr>
+        <p:blipFill>
+          <a:blip r:embed="rId4"/>
+          <a:stretch>
+            <a:fillRect/>
+          </a:stretch>
+        </p:blipFill>
+        <p:spPr>
+          <a:xfrm>
+            <a:off x="114370" y="1851434"/>
+            <a:ext cx="942975" cy="2286000"/>
+          </a:xfrm>
+          <a:prstGeom prst="rect">
+            <a:avLst/>
+          </a:prstGeom>
+        </p:spPr>
+      </p:pic>
+      <p:pic>
+        <p:nvPicPr>
+          <p:cNvPr id="5" name="Obrázek 4">
+            <a:extLst>
+              <a:ext uri="{FF2B5EF4-FFF2-40B4-BE49-F238E27FC236}">
+                <a16:creationId xmlns:a16="http://schemas.microsoft.com/office/drawing/2014/main" id="{C01BC24B-9BCD-BE15-BF80-E467FE3D264E}"/>
+              </a:ext>
+            </a:extLst>
+          </p:cNvPr>
+          <p:cNvPicPr>
+            <a:picLocks noChangeAspect="1"/>
+          </p:cNvPicPr>
+          <p:nvPr/>
+        </p:nvPicPr>
+        <p:blipFill>
+          <a:blip r:embed="rId5"/>
+          <a:stretch>
+            <a:fillRect/>
+          </a:stretch>
+        </p:blipFill>
+        <p:spPr>
+          <a:xfrm>
+            <a:off x="1362264" y="1632359"/>
+            <a:ext cx="2876550" cy="438150"/>
+          </a:xfrm>
+          <a:prstGeom prst="rect">
+            <a:avLst/>
+          </a:prstGeom>
+        </p:spPr>
+      </p:pic>
+      <p:pic>
+        <p:nvPicPr>
+          <p:cNvPr id="11" name="Obrázek 10">
+            <a:extLst>
+              <a:ext uri="{FF2B5EF4-FFF2-40B4-BE49-F238E27FC236}">
+                <a16:creationId xmlns:a16="http://schemas.microsoft.com/office/drawing/2014/main" id="{E1AA99B0-1BC1-2473-35E3-BE7583AFC487}"/>
+              </a:ext>
+            </a:extLst>
+          </p:cNvPr>
+          <p:cNvPicPr>
+            <a:picLocks noChangeAspect="1"/>
+          </p:cNvPicPr>
+          <p:nvPr/>
+        </p:nvPicPr>
+        <p:blipFill>
+          <a:blip r:embed="rId6"/>
+          <a:stretch>
+            <a:fillRect/>
+          </a:stretch>
+        </p:blipFill>
+        <p:spPr>
+          <a:xfrm>
+            <a:off x="1186051" y="2000659"/>
+            <a:ext cx="3228975" cy="1914525"/>
+          </a:xfrm>
+          <a:prstGeom prst="rect">
+            <a:avLst/>
+          </a:prstGeom>
+        </p:spPr>
+      </p:pic>
+      <p:pic>
+        <p:nvPicPr>
+          <p:cNvPr id="13" name="Obrázek 12">
+            <a:extLst>
+              <a:ext uri="{FF2B5EF4-FFF2-40B4-BE49-F238E27FC236}">
+                <a16:creationId xmlns:a16="http://schemas.microsoft.com/office/drawing/2014/main" id="{D91391A9-335B-1F13-053C-8859486513F4}"/>
+              </a:ext>
+            </a:extLst>
+          </p:cNvPr>
+          <p:cNvPicPr>
+            <a:picLocks noChangeAspect="1"/>
+          </p:cNvPicPr>
+          <p:nvPr/>
+        </p:nvPicPr>
+        <p:blipFill>
+          <a:blip r:embed="rId7"/>
+          <a:stretch>
+            <a:fillRect/>
+          </a:stretch>
+        </p:blipFill>
+        <p:spPr>
+          <a:xfrm>
+            <a:off x="3874506" y="3054256"/>
+            <a:ext cx="1600200" cy="885825"/>
+          </a:xfrm>
+          <a:prstGeom prst="rect">
+            <a:avLst/>
+          </a:prstGeom>
+        </p:spPr>
+      </p:pic>
+      <p:pic>
+        <p:nvPicPr>
+          <p:cNvPr id="15" name="Obrázek 14">
+            <a:extLst>
+              <a:ext uri="{FF2B5EF4-FFF2-40B4-BE49-F238E27FC236}">
+                <a16:creationId xmlns:a16="http://schemas.microsoft.com/office/drawing/2014/main" id="{78D10F18-993A-6F8A-E228-4734C871AC33}"/>
+              </a:ext>
+            </a:extLst>
+          </p:cNvPr>
+          <p:cNvPicPr>
+            <a:picLocks noChangeAspect="1"/>
+          </p:cNvPicPr>
+          <p:nvPr/>
+        </p:nvPicPr>
+        <p:blipFill rotWithShape="1">
+          <a:blip r:embed="rId8"/>
+          <a:srcRect l="1904"/>
+          <a:stretch/>
+        </p:blipFill>
+        <p:spPr>
+          <a:xfrm>
+            <a:off x="5658417" y="1781223"/>
+            <a:ext cx="3401085" cy="2914650"/>
+          </a:xfrm>
+          <a:prstGeom prst="rect">
+            <a:avLst/>
+          </a:prstGeom>
+        </p:spPr>
+      </p:pic>
     </p:spTree>
+    <p:custDataLst>
+      <p:tags r:id="rId1"/>
+    </p:custDataLst>
     <p:extLst>
       <p:ext uri="{BB962C8B-B14F-4D97-AF65-F5344CB8AC3E}">
-        <p14:creationId xmlns:p14="http://schemas.microsoft.com/office/powerpoint/2010/main" val="1761417296"/>
+        <p14:creationId xmlns:p14="http://schemas.microsoft.com/office/powerpoint/2010/main" val="380319652"/>
       </p:ext>
     </p:extLst>
   </p:cSld>
   <p:clrMapOvr>
     <a:masterClrMapping/>
   </p:clrMapOvr>
-  <p:transition spd="slow">
+  <p:transition spd="slow" advTm="150994">
     <p:push dir="u"/>
   </p:transition>
   <p:timing>
@@ -5281,7 +5526,7 @@
                                           </p:stCondLst>
                                         </p:cTn>
                                         <p:tgtEl>
-                                          <p:spTgt spid="2"/>
+                                          <p:spTgt spid="7"/>
                                         </p:tgtEl>
                                         <p:attrNameLst>
                                           <p:attrName>style.visibility</p:attrName>
@@ -5295,7 +5540,7 @@
                                       <p:cBhvr>
                                         <p:cTn id="7" dur="2000"/>
                                         <p:tgtEl>
-                                          <p:spTgt spid="2"/>
+                                          <p:spTgt spid="7"/>
                                         </p:tgtEl>
                                       </p:cBhvr>
                                     </p:animEffect>
@@ -5305,31 +5550,36 @@
                             </p:childTnLst>
                           </p:cTn>
                         </p:par>
+                      </p:childTnLst>
+                    </p:cTn>
+                  </p:par>
+                  <p:par>
+                    <p:cTn id="8" fill="hold">
+                      <p:stCondLst>
+                        <p:cond delay="indefinite"/>
+                      </p:stCondLst>
+                      <p:childTnLst>
                         <p:par>
-                          <p:cTn id="8" fill="hold">
+                          <p:cTn id="9" fill="hold">
                             <p:stCondLst>
-                              <p:cond delay="2000"/>
+                              <p:cond delay="0"/>
                             </p:stCondLst>
                             <p:childTnLst>
                               <p:par>
-                                <p:cTn id="9" presetID="2" presetClass="entr" presetSubtype="4" fill="hold" grpId="0" nodeType="afterEffect">
+                                <p:cTn id="10" presetID="22" presetClass="entr" presetSubtype="4" fill="hold" nodeType="clickEffect">
                                   <p:stCondLst>
                                     <p:cond delay="0"/>
                                   </p:stCondLst>
                                   <p:childTnLst>
                                     <p:set>
                                       <p:cBhvr>
-                                        <p:cTn id="10" dur="1" fill="hold">
+                                        <p:cTn id="11" dur="1" fill="hold">
                                           <p:stCondLst>
                                             <p:cond delay="0"/>
                                           </p:stCondLst>
                                         </p:cTn>
                                         <p:tgtEl>
-                                          <p:spTgt spid="3">
-                                            <p:txEl>
-                                              <p:pRg st="0" end="0"/>
-                                            </p:txEl>
-                                          </p:spTgt>
+                                          <p:spTgt spid="3"/>
                                         </p:tgtEl>
                                         <p:attrNameLst>
                                           <p:attrName>style.visibility</p:attrName>
@@ -5339,91 +5589,50 @@
                                         <p:strVal val="visible"/>
                                       </p:to>
                                     </p:set>
-                                    <p:anim calcmode="lin" valueType="num">
-                                      <p:cBhvr additive="base">
-                                        <p:cTn id="11" dur="500" fill="hold"/>
-                                        <p:tgtEl>
-                                          <p:spTgt spid="3">
-                                            <p:txEl>
-                                              <p:pRg st="0" end="0"/>
-                                            </p:txEl>
-                                          </p:spTgt>
-                                        </p:tgtEl>
-                                        <p:attrNameLst>
-                                          <p:attrName>ppt_x</p:attrName>
-                                        </p:attrNameLst>
-                                      </p:cBhvr>
-                                      <p:tavLst>
-                                        <p:tav tm="0">
-                                          <p:val>
-                                            <p:strVal val="#ppt_x"/>
-                                          </p:val>
-                                        </p:tav>
-                                        <p:tav tm="100000">
-                                          <p:val>
-                                            <p:strVal val="#ppt_x"/>
-                                          </p:val>
-                                        </p:tav>
-                                      </p:tavLst>
-                                    </p:anim>
-                                    <p:anim calcmode="lin" valueType="num">
-                                      <p:cBhvr additive="base">
-                                        <p:cTn id="12" dur="500" fill="hold"/>
-                                        <p:tgtEl>
-                                          <p:spTgt spid="3">
-                                            <p:txEl>
-                                              <p:pRg st="0" end="0"/>
-                                            </p:txEl>
-                                          </p:spTgt>
-                                        </p:tgtEl>
-                                        <p:attrNameLst>
-                                          <p:attrName>ppt_y</p:attrName>
-                                        </p:attrNameLst>
-                                      </p:cBhvr>
-                                      <p:tavLst>
-                                        <p:tav tm="0">
-                                          <p:val>
-                                            <p:strVal val="1+#ppt_h/2"/>
-                                          </p:val>
-                                        </p:tav>
-                                        <p:tav tm="100000">
-                                          <p:val>
-                                            <p:strVal val="#ppt_y"/>
-                                          </p:val>
-                                        </p:tav>
-                                      </p:tavLst>
-                                    </p:anim>
+                                    <p:animEffect transition="in" filter="wipe(down)">
+                                      <p:cBhvr>
+                                        <p:cTn id="12" dur="500"/>
+                                        <p:tgtEl>
+                                          <p:spTgt spid="3"/>
+                                        </p:tgtEl>
+                                      </p:cBhvr>
+                                    </p:animEffect>
                                   </p:childTnLst>
                                 </p:cTn>
                               </p:par>
                             </p:childTnLst>
                           </p:cTn>
                         </p:par>
+                      </p:childTnLst>
+                    </p:cTn>
+                  </p:par>
+                  <p:par>
+                    <p:cTn id="13" fill="hold">
+                      <p:stCondLst>
+                        <p:cond delay="indefinite"/>
+                      </p:stCondLst>
+                      <p:childTnLst>
                         <p:par>
-                          <p:cTn id="13" fill="hold">
+                          <p:cTn id="14" fill="hold">
                             <p:stCondLst>
-                              <p:cond delay="2500"/>
+                              <p:cond delay="0"/>
                             </p:stCondLst>
                             <p:childTnLst>
                               <p:par>
-                                <p:cTn id="14" presetID="2" presetClass="entr" presetSubtype="4" fill="hold" grpId="0" nodeType="afterEffect">
+                                <p:cTn id="15" presetID="22" presetClass="entr" presetSubtype="4" fill="hold" nodeType="clickEffect">
                                   <p:stCondLst>
                                     <p:cond delay="0"/>
                                   </p:stCondLst>
                                   <p:childTnLst>
                                     <p:set>
                                       <p:cBhvr>
-                                        <p:cTn id="15" dur="1" fill="hold">
+                                        <p:cTn id="16" dur="1" fill="hold">
                                           <p:stCondLst>
                                             <p:cond delay="0"/>
                                           </p:stCondLst>
                                         </p:cTn>
                                         <p:tgtEl>
-                                          <p:spTgt spid="3">
-                                            <p:txEl>
-                                              <p:pRg st="2" end="2"/>
-                                            </p:txEl>
-                                          </p:spTgt>
+                                          <p:spTgt spid="5"/>
                                         </p:tgtEl>
                                         <p:attrNameLst>
                                           <p:attrName>style.visibility</p:attrName>
@@ -5433,91 +5642,50 @@
                                         <p:strVal val="visible"/>
                                       </p:to>
                                     </p:set>
-                                    <p:anim calcmode="lin" valueType="num">
-                                      <p:cBhvr additive="base">
-                                        <p:cTn id="16" dur="500" fill="hold"/>
-                                        <p:tgtEl>
-                                          <p:spTgt spid="3">
-                                            <p:txEl>
-                                              <p:pRg st="2" end="2"/>
-                                            </p:txEl>
-                                          </p:spTgt>
-                                        </p:tgtEl>
-                                        <p:attrNameLst>
-                                          <p:attrName>ppt_x</p:attrName>
-                                        </p:attrNameLst>
-                                      </p:cBhvr>
-                                      <p:tavLst>
-                                        <p:tav tm="0">
-                                          <p:val>
-                                            <p:strVal val="#ppt_x"/>
-                                          </p:val>
-                                        </p:tav>
-                                        <p:tav tm="100000">
-                                          <p:val>
-                                            <p:strVal val="#ppt_x"/>
-                                          </p:val>
-                                        </p:tav>
-                                      </p:tavLst>
-                                    </p:anim>
-                                    <p:anim calcmode="lin" valueType="num">
-                                      <p:cBhvr additive="base">
-                                        <p:cTn id="17" dur="500" fill="hold"/>
-                                        <p:tgtEl>
-                                          <p:spTgt spid="3">
-                                            <p:txEl>
-                                              <p:pRg st="2" end="2"/>
-                                            </p:txEl>
-                                          </p:spTgt>
-                                        </p:tgtEl>
-                                        <p:attrNameLst>
-                                          <p:attrName>ppt_y</p:attrName>
-                                        </p:attrNameLst>
-                                      </p:cBhvr>
-                                      <p:tavLst>
-                                        <p:tav tm="0">
-                                          <p:val>
-                                            <p:strVal val="1+#ppt_h/2"/>
-                                          </p:val>
-                                        </p:tav>
-                                        <p:tav tm="100000">
-                                          <p:val>
-                                            <p:strVal val="#ppt_y"/>
-                                          </p:val>
-                                        </p:tav>
-                                      </p:tavLst>
-                                    </p:anim>
+                                    <p:animEffect transition="in" filter="wipe(down)">
+                                      <p:cBhvr>
+                                        <p:cTn id="17" dur="500"/>
+                                        <p:tgtEl>
+                                          <p:spTgt spid="5"/>
+                                        </p:tgtEl>
+                                      </p:cBhvr>
+                                    </p:animEffect>
                                   </p:childTnLst>
                                 </p:cTn>
                               </p:par>
                             </p:childTnLst>
                           </p:cTn>
                         </p:par>
+                      </p:childTnLst>
+                    </p:cTn>
+                  </p:par>
+                  <p:par>
+                    <p:cTn id="18" fill="hold">
+                      <p:stCondLst>
+                        <p:cond delay="indefinite"/>
+                      </p:stCondLst>
+                      <p:childTnLst>
                         <p:par>
-                          <p:cTn id="18" fill="hold">
+                          <p:cTn id="19" fill="hold">
                             <p:stCondLst>
-                              <p:cond delay="3000"/>
+                              <p:cond delay="0"/>
                             </p:stCondLst>
                             <p:childTnLst>
                               <p:par>
-                                <p:cTn id="19" presetID="2" presetClass="entr" presetSubtype="4" fill="hold" grpId="0" nodeType="afterEffect">
+                                <p:cTn id="20" presetID="22" presetClass="entr" presetSubtype="4" fill="hold" nodeType="clickEffect">
                                   <p:stCondLst>
                                     <p:cond delay="0"/>
                                   </p:stCondLst>
                                   <p:childTnLst>
                                     <p:set>
                                       <p:cBhvr>
-                                        <p:cTn id="20" dur="1" fill="hold">
+                                        <p:cTn id="21" dur="1" fill="hold">
                                           <p:stCondLst>
                                             <p:cond delay="0"/>
                                           </p:stCondLst>
                                         </p:cTn>
                                         <p:tgtEl>
-                                          <p:spTgt spid="3">
-                                            <p:txEl>
-                                              <p:pRg st="4" end="4"/>
-                                            </p:txEl>
-                                          </p:spTgt>
+                                          <p:spTgt spid="11"/>
                                         </p:tgtEl>
                                         <p:attrNameLst>
                                           <p:attrName>style.visibility</p:attrName>
@@ -5527,60 +5695,120 @@
                                         <p:strVal val="visible"/>
                                       </p:to>
                                     </p:set>
-                                    <p:anim calcmode="lin" valueType="num">
-                                      <p:cBhvr additive="base">
-                                        <p:cTn id="21" dur="500" fill="hold"/>
-                                        <p:tgtEl>
-                                          <p:spTgt spid="3">
-                                            <p:txEl>
-                                              <p:pRg st="4" end="4"/>
-                                            </p:txEl>
-                                          </p:spTgt>
-                                        </p:tgtEl>
-                                        <p:attrNameLst>
-                                          <p:attrName>ppt_x</p:attrName>
-                                        </p:attrNameLst>
-                                      </p:cBhvr>
-                                      <p:tavLst>
-                                        <p:tav tm="0">
-                                          <p:val>
-                                            <p:strVal val="#ppt_x"/>
-                                          </p:val>
-                                        </p:tav>
-                                        <p:tav tm="100000">
-                                          <p:val>
-                                            <p:strVal val="#ppt_x"/>
-                                          </p:val>
-                                        </p:tav>
-                                      </p:tavLst>
-                                    </p:anim>
-                                    <p:anim calcmode="lin" valueType="num">
-                                      <p:cBhvr additive="base">
-                                        <p:cTn id="22" dur="500" fill="hold"/>
-                                        <p:tgtEl>
-                                          <p:spTgt spid="3">
-                                            <p:txEl>
-                                              <p:pRg st="4" end="4"/>
-                                            </p:txEl>
-                                          </p:spTgt>
-                                        </p:tgtEl>
-                                        <p:attrNameLst>
-                                          <p:attrName>ppt_y</p:attrName>
-                                        </p:attrNameLst>
-                                      </p:cBhvr>
-                                      <p:tavLst>
-                                        <p:tav tm="0">
-                                          <p:val>
-                                            <p:strVal val="1+#ppt_h/2"/>
-                                          </p:val>
-                                        </p:tav>
-                                        <p:tav tm="100000">
-                                          <p:val>
-                                            <p:strVal val="#ppt_y"/>
-                                          </p:val>
-                                        </p:tav>
-                                      </p:tavLst>
-                                    </p:anim>
+                                    <p:animEffect transition="in" filter="wipe(down)">
+                                      <p:cBhvr>
+                                        <p:cTn id="22" dur="500"/>
+                                        <p:tgtEl>
+                                          <p:spTgt spid="11"/>
+                                        </p:tgtEl>
+                                      </p:cBhvr>
+                                    </p:animEffect>
+                                  </p:childTnLst>
+                                </p:cTn>
+                              </p:par>
+                            </p:childTnLst>
+                          </p:cTn>
+                        </p:par>
+                      </p:childTnLst>
+                    </p:cTn>
+                  </p:par>
+                  <p:par>
+                    <p:cTn id="23" fill="hold">
+                      <p:stCondLst>
+                        <p:cond delay="indefinite"/>
+                      </p:stCondLst>
+                      <p:childTnLst>
+                        <p:par>
+                          <p:cTn id="24" fill="hold">
+                            <p:stCondLst>
+                              <p:cond delay="0"/>
+                            </p:stCondLst>
+                            <p:childTnLst>
+                              <p:par>
+                                <p:cTn id="25" presetID="22" presetClass="entr" presetSubtype="4" fill="hold" nodeType="clickEffect">
+                                  <p:stCondLst>
+                                    <p:cond delay="0"/>
+                                  </p:stCondLst>
+                                  <p:childTnLst>
+                                    <p:set>
+                                      <p:cBhvr>
+                                        <p:cTn id="26" dur="1" fill="hold">
+                                          <p:stCondLst>
+                                            <p:cond delay="0"/>
+                                          </p:stCondLst>
+                                        </p:cTn>
+                                        <p:tgtEl>
+                                          <p:spTgt spid="13"/>
+                                        </p:tgtEl>
+                                        <p:attrNameLst>
+                                          <p:attrName>style.visibility</p:attrName>
+                                        </p:attrNameLst>
+                                      </p:cBhvr>
+                                      <p:to>
+                                        <p:strVal val="visible"/>
+                                      </p:to>
+                                    </p:set>
+                                    <p:animEffect transition="in" filter="wipe(down)">
+                                      <p:cBhvr>
+                                        <p:cTn id="27" dur="500"/>
+                                        <p:tgtEl>
+                                          <p:spTgt spid="13"/>
+                                        </p:tgtEl>
+                                      </p:cBhvr>
+                                    </p:animEffect>
+                                  </p:childTnLst>
+                                </p:cTn>
+                              </p:par>
+                            </p:childTnLst>
+                          </p:cTn>
+                        </p:par>
+                      </p:childTnLst>
+                    </p:cTn>
+                  </p:par>
+                  <p:par>
+                    <p:cTn id="28" fill="hold">
+                      <p:stCondLst>
+                        <p:cond delay="indefinite"/>
+                      </p:stCondLst>
+                      <p:childTnLst>
+                        <p:par>
+                          <p:cTn id="29" fill="hold">
+                            <p:stCondLst>
+                              <p:cond delay="0"/>
+                            </p:stCondLst>
+                            <p:childTnLst>
+                              <p:par>
+                                <p:cTn id="30" presetID="22" presetClass="entr" presetSubtype="4" fill="hold" nodeType="clickEffect">
+                                  <p:stCondLst>
+                                    <p:cond delay="0"/>
+                                  </p:stCondLst>
+                                  <p:childTnLst>
+                                    <p:set>
+                                      <p:cBhvr>
+                                        <p:cTn id="31" dur="1" fill="hold">
+                                          <p:stCondLst>
+                                            <p:cond delay="0"/>
+                                          </p:stCondLst>
+                                        </p:cTn>
+                                        <p:tgtEl>
+                                          <p:spTgt spid="15"/>
+                                        </p:tgtEl>
+                                        <p:attrNameLst>
+                                          <p:attrName>style.visibility</p:attrName>
+                                        </p:attrNameLst>
+                                      </p:cBhvr>
+                                      <p:to>
+                                        <p:strVal val="visible"/>
+                                      </p:to>
+                                    </p:set>
+                                    <p:animEffect transition="in" filter="wipe(down)">
+                                      <p:cBhvr>
+                                        <p:cTn id="32" dur="500"/>
+                                        <p:tgtEl>
+                                          <p:spTgt spid="15"/>
+                                        </p:tgtEl>
+                                      </p:cBhvr>
+                                    </p:animEffect>
                                   </p:childTnLst>
                                 </p:cTn>
                               </p:par>
@@ -5612,8 +5840,7 @@
       </p:par>
     </p:tnLst>
     <p:bldLst>
-      <p:bldP spid="2" grpId="0"/>
-      <p:bldP spid="3" grpId="0" build="p"/>
+      <p:bldP spid="7" grpId="0"/>
     </p:bldLst>
   </p:timing>
 </p:sld>
@@ -5641,7 +5868,7 @@
           <p:cNvPr id="2" name="Nadpis 1">
             <a:extLst>
               <a:ext uri="{FF2B5EF4-FFF2-40B4-BE49-F238E27FC236}">
-                <a16:creationId xmlns:a16="http://schemas.microsoft.com/office/drawing/2014/main" id="{40F8FFD1-27EE-04EF-056C-0FFE47765A00}"/>
+                <a16:creationId xmlns:a16="http://schemas.microsoft.com/office/drawing/2014/main" id="{BAB167C8-A117-0FF6-4296-6DAD8C734B4F}"/>
               </a:ext>
             </a:extLst>
           </p:cNvPr>
@@ -5659,7 +5886,7 @@
           <a:p>
             <a:r>
               <a:rPr lang="cs-CZ" dirty="0"/>
-              <a:t>Kódování</a:t>
+              <a:t>Šifrování v online světě</a:t>
             </a:r>
           </a:p>
         </p:txBody>
@@ -5669,7 +5896,7 @@
           <p:cNvPr id="3" name="Zástupný obsah 2">
             <a:extLst>
               <a:ext uri="{FF2B5EF4-FFF2-40B4-BE49-F238E27FC236}">
-                <a16:creationId xmlns:a16="http://schemas.microsoft.com/office/drawing/2014/main" id="{762A944F-973E-9944-3FCB-F907D46821AA}"/>
+                <a16:creationId xmlns:a16="http://schemas.microsoft.com/office/drawing/2014/main" id="{7F30A309-0480-E97C-0EDA-7B724B82AD07}"/>
               </a:ext>
             </a:extLst>
           </p:cNvPr>
@@ -5691,134 +5918,59 @@
             </a:pPr>
             <a:r>
               <a:rPr lang="cs-CZ" dirty="0"/>
-              <a:t>Morseova abeceda</a:t>
-            </a:r>
-            <a:br>
-              <a:rPr lang="cs-CZ" dirty="0"/>
-            </a:br>
-            <a:r>
-              <a:rPr lang="cs-CZ" dirty="0"/>
-              <a:t>- Jedno z nejznámějších kódování</a:t>
-            </a:r>
-            <a:br>
-              <a:rPr lang="cs-CZ" dirty="0"/>
-            </a:br>
-            <a:r>
-              <a:rPr lang="cs-CZ" dirty="0"/>
-              <a:t>- Znaky abecedy se kódují do . a –</a:t>
-            </a:r>
-            <a:br>
-              <a:rPr lang="cs-CZ" dirty="0"/>
-            </a:br>
-            <a:r>
-              <a:rPr lang="cs-CZ" dirty="0"/>
-              <a:t>- Vytvořeno roku 1840 (včetně </a:t>
-            </a:r>
-            <a:br>
-              <a:rPr lang="cs-CZ" dirty="0"/>
-            </a:br>
-            <a:r>
-              <a:rPr lang="cs-CZ" dirty="0"/>
-              <a:t>speciálních znaků)</a:t>
-            </a:r>
-            <a:br>
-              <a:rPr lang="cs-CZ" dirty="0"/>
-            </a:br>
-            <a:r>
-              <a:rPr lang="cs-CZ" dirty="0"/>
-              <a:t>- Kódy:	Abeceda -</a:t>
-            </a:r>
-            <a:r>
-              <a:rPr lang="en-US" dirty="0"/>
-              <a:t>&gt;</a:t>
-            </a:r>
-            <a:r>
-              <a:rPr lang="cs-CZ" dirty="0"/>
-              <a:t> 1 až 4 znaky</a:t>
-            </a:r>
-            <a:br>
-              <a:rPr lang="cs-CZ" dirty="0"/>
-            </a:br>
-            <a:r>
-              <a:rPr lang="cs-CZ" dirty="0"/>
-              <a:t>		Číslovky -</a:t>
-            </a:r>
-            <a:r>
-              <a:rPr lang="en-US" dirty="0"/>
-              <a:t>&gt;</a:t>
-            </a:r>
-            <a:r>
-              <a:rPr lang="cs-CZ" dirty="0"/>
-              <a:t> 5 znaků (pravidelný vzor)</a:t>
-            </a:r>
-            <a:br>
-              <a:rPr lang="cs-CZ" dirty="0"/>
-            </a:br>
-            <a:r>
-              <a:rPr lang="cs-CZ" dirty="0"/>
-              <a:t>		Speciální znaky -&gt; 5 až 7 znaků</a:t>
+              <a:t>U protokolu HTTPS -&gt; šifrování pomocí TLS (RSA, RC4, AES)</a:t>
+            </a:r>
+          </a:p>
+          <a:p>
+            <a:pPr>
+              <a:buFont typeface="Wingdings" panose="05000000000000000000" pitchFamily="2" charset="2"/>
+              <a:buChar char="v"/>
+            </a:pPr>
+            <a:endParaRPr lang="cs-CZ" dirty="0"/>
+          </a:p>
+          <a:p>
+            <a:pPr>
+              <a:buFont typeface="Wingdings" panose="05000000000000000000" pitchFamily="2" charset="2"/>
+              <a:buChar char="v"/>
+            </a:pPr>
+            <a:r>
+              <a:rPr lang="cs-CZ" dirty="0"/>
+              <a:t>U Wi-Fi sítí -&gt; WPA2 / WPA3 (AES)</a:t>
+            </a:r>
+          </a:p>
+          <a:p>
+            <a:pPr>
+              <a:buFont typeface="Wingdings" panose="05000000000000000000" pitchFamily="2" charset="2"/>
+              <a:buChar char="v"/>
+            </a:pPr>
+            <a:endParaRPr lang="cs-CZ" dirty="0"/>
+          </a:p>
+          <a:p>
+            <a:pPr>
+              <a:buFont typeface="Wingdings" panose="05000000000000000000" pitchFamily="2" charset="2"/>
+              <a:buChar char="v"/>
+            </a:pPr>
+            <a:r>
+              <a:rPr lang="cs-CZ" dirty="0"/>
+              <a:t>U Microsoft serverů -&gt; SMB (znovu AES)</a:t>
             </a:r>
           </a:p>
         </p:txBody>
       </p:sp>
-      <p:pic>
-        <p:nvPicPr>
-          <p:cNvPr id="1028" name="Picture 4">
-            <a:extLst>
-              <a:ext uri="{FF2B5EF4-FFF2-40B4-BE49-F238E27FC236}">
-                <a16:creationId xmlns:a16="http://schemas.microsoft.com/office/drawing/2014/main" id="{3B6D3DC1-324C-5F4C-9906-1FE72E08B7CF}"/>
-              </a:ext>
-            </a:extLst>
-          </p:cNvPr>
-          <p:cNvPicPr>
-            <a:picLocks noChangeAspect="1" noChangeArrowheads="1"/>
-          </p:cNvPicPr>
-          <p:nvPr/>
-        </p:nvPicPr>
-        <p:blipFill>
-          <a:blip r:embed="rId3">
-            <a:extLst>
-              <a:ext uri="{28A0092B-C50C-407E-A947-70E740481C1C}">
-                <a14:useLocalDpi xmlns:a14="http://schemas.microsoft.com/office/drawing/2010/main" val="0"/>
-              </a:ext>
-            </a:extLst>
-          </a:blip>
-          <a:srcRect/>
-          <a:stretch>
-            <a:fillRect/>
-          </a:stretch>
-        </p:blipFill>
-        <p:spPr bwMode="auto">
-          <a:xfrm>
-            <a:off x="6247328" y="2081802"/>
-            <a:ext cx="4127943" cy="1919492"/>
-          </a:xfrm>
-          <a:prstGeom prst="rect">
-            <a:avLst/>
-          </a:prstGeom>
-          <a:noFill/>
-          <a:extLst>
-            <a:ext uri="{909E8E84-426E-40DD-AFC4-6F175D3DCCD1}">
-              <a14:hiddenFill xmlns:a14="http://schemas.microsoft.com/office/drawing/2010/main">
-                <a:solidFill>
-                  <a:srgbClr val="FFFFFF"/>
-                </a:solidFill>
-              </a14:hiddenFill>
-            </a:ext>
-          </a:extLst>
-        </p:spPr>
-      </p:pic>
     </p:spTree>
+    <p:custDataLst>
+      <p:tags r:id="rId1"/>
+    </p:custDataLst>
     <p:extLst>
       <p:ext uri="{BB962C8B-B14F-4D97-AF65-F5344CB8AC3E}">
-        <p14:creationId xmlns:p14="http://schemas.microsoft.com/office/powerpoint/2010/main" val="3147025163"/>
+        <p14:creationId xmlns:p14="http://schemas.microsoft.com/office/powerpoint/2010/main" val="1594429252"/>
       </p:ext>
     </p:extLst>
   </p:cSld>
   <p:clrMapOvr>
     <a:masterClrMapping/>
   </p:clrMapOvr>
-  <p:transition spd="slow">
+  <p:transition spd="slow" advTm="82087">
     <p:push dir="u"/>
   </p:transition>
   <p:timing>
@@ -5983,7 +6135,7 @@
                             </p:stCondLst>
                             <p:childTnLst>
                               <p:par>
-                                <p:cTn id="14" presetID="6" presetClass="entr" presetSubtype="16" fill="hold" nodeType="afterEffect">
+                                <p:cTn id="14" presetID="2" presetClass="entr" presetSubtype="4" fill="hold" grpId="0" nodeType="afterEffect">
                                   <p:stCondLst>
                                     <p:cond delay="0"/>
                                   </p:stCondLst>
@@ -5996,7 +6148,11 @@
                                           </p:stCondLst>
                                         </p:cTn>
                                         <p:tgtEl>
-                                          <p:spTgt spid="1028"/>
+                                          <p:spTgt spid="3">
+                                            <p:txEl>
+                                              <p:pRg st="2" end="2"/>
+                                            </p:txEl>
+                                          </p:spTgt>
                                         </p:tgtEl>
                                         <p:attrNameLst>
                                           <p:attrName>style.visibility</p:attrName>
@@ -6006,14 +6162,154 @@
                                         <p:strVal val="visible"/>
                                       </p:to>
                                     </p:set>
-                                    <p:animEffect transition="in" filter="circle(in)">
+                                    <p:anim calcmode="lin" valueType="num">
+                                      <p:cBhvr additive="base">
+                                        <p:cTn id="16" dur="500" fill="hold"/>
+                                        <p:tgtEl>
+                                          <p:spTgt spid="3">
+                                            <p:txEl>
+                                              <p:pRg st="2" end="2"/>
+                                            </p:txEl>
+                                          </p:spTgt>
+                                        </p:tgtEl>
+                                        <p:attrNameLst>
+                                          <p:attrName>ppt_x</p:attrName>
+                                        </p:attrNameLst>
+                                      </p:cBhvr>
+                                      <p:tavLst>
+                                        <p:tav tm="0">
+                                          <p:val>
+                                            <p:strVal val="#ppt_x"/>
+                                          </p:val>
+                                        </p:tav>
+                                        <p:tav tm="100000">
+                                          <p:val>
+                                            <p:strVal val="#ppt_x"/>
+                                          </p:val>
+                                        </p:tav>
+                                      </p:tavLst>
+                                    </p:anim>
+                                    <p:anim calcmode="lin" valueType="num">
+                                      <p:cBhvr additive="base">
+                                        <p:cTn id="17" dur="500" fill="hold"/>
+                                        <p:tgtEl>
+                                          <p:spTgt spid="3">
+                                            <p:txEl>
+                                              <p:pRg st="2" end="2"/>
+                                            </p:txEl>
+                                          </p:spTgt>
+                                        </p:tgtEl>
+                                        <p:attrNameLst>
+                                          <p:attrName>ppt_y</p:attrName>
+                                        </p:attrNameLst>
+                                      </p:cBhvr>
+                                      <p:tavLst>
+                                        <p:tav tm="0">
+                                          <p:val>
+                                            <p:strVal val="1+#ppt_h/2"/>
+                                          </p:val>
+                                        </p:tav>
+                                        <p:tav tm="100000">
+                                          <p:val>
+                                            <p:strVal val="#ppt_y"/>
+                                          </p:val>
+                                        </p:tav>
+                                      </p:tavLst>
+                                    </p:anim>
+                                  </p:childTnLst>
+                                </p:cTn>
+                              </p:par>
+                            </p:childTnLst>
+                          </p:cTn>
+                        </p:par>
+                        <p:par>
+                          <p:cTn id="18" fill="hold">
+                            <p:stCondLst>
+                              <p:cond delay="3000"/>
+                            </p:stCondLst>
+                            <p:childTnLst>
+                              <p:par>
+                                <p:cTn id="19" presetID="2" presetClass="entr" presetSubtype="4" fill="hold" grpId="0" nodeType="afterEffect">
+                                  <p:stCondLst>
+                                    <p:cond delay="0"/>
+                                  </p:stCondLst>
+                                  <p:childTnLst>
+                                    <p:set>
                                       <p:cBhvr>
-                                        <p:cTn id="16" dur="2000"/>
-                                        <p:tgtEl>
-                                          <p:spTgt spid="1028"/>
-                                        </p:tgtEl>
-                                      </p:cBhvr>
-                                    </p:animEffect>
+                                        <p:cTn id="20" dur="1" fill="hold">
+                                          <p:stCondLst>
+                                            <p:cond delay="0"/>
+                                          </p:stCondLst>
+                                        </p:cTn>
+                                        <p:tgtEl>
+                                          <p:spTgt spid="3">
+                                            <p:txEl>
+                                              <p:pRg st="4" end="4"/>
+                                            </p:txEl>
+                                          </p:spTgt>
+                                        </p:tgtEl>
+                                        <p:attrNameLst>
+                                          <p:attrName>style.visibility</p:attrName>
+                                        </p:attrNameLst>
+                                      </p:cBhvr>
+                                      <p:to>
+                                        <p:strVal val="visible"/>
+                                      </p:to>
+                                    </p:set>
+                                    <p:anim calcmode="lin" valueType="num">
+                                      <p:cBhvr additive="base">
+                                        <p:cTn id="21" dur="500" fill="hold"/>
+                                        <p:tgtEl>
+                                          <p:spTgt spid="3">
+                                            <p:txEl>
+                                              <p:pRg st="4" end="4"/>
+                                            </p:txEl>
+                                          </p:spTgt>
+                                        </p:tgtEl>
+                                        <p:attrNameLst>
+                                          <p:attrName>ppt_x</p:attrName>
+                                        </p:attrNameLst>
+                                      </p:cBhvr>
+                                      <p:tavLst>
+                                        <p:tav tm="0">
+                                          <p:val>
+                                            <p:strVal val="#ppt_x"/>
+                                          </p:val>
+                                        </p:tav>
+                                        <p:tav tm="100000">
+                                          <p:val>
+                                            <p:strVal val="#ppt_x"/>
+                                          </p:val>
+                                        </p:tav>
+                                      </p:tavLst>
+                                    </p:anim>
+                                    <p:anim calcmode="lin" valueType="num">
+                                      <p:cBhvr additive="base">
+                                        <p:cTn id="22" dur="500" fill="hold"/>
+                                        <p:tgtEl>
+                                          <p:spTgt spid="3">
+                                            <p:txEl>
+                                              <p:pRg st="4" end="4"/>
+                                            </p:txEl>
+                                          </p:spTgt>
+                                        </p:tgtEl>
+                                        <p:attrNameLst>
+                                          <p:attrName>ppt_y</p:attrName>
+                                        </p:attrNameLst>
+                                      </p:cBhvr>
+                                      <p:tavLst>
+                                        <p:tav tm="0">
+                                          <p:val>
+                                            <p:strVal val="1+#ppt_h/2"/>
+                                          </p:val>
+                                        </p:tav>
+                                        <p:tav tm="100000">
+                                          <p:val>
+                                            <p:strVal val="#ppt_y"/>
+                                          </p:val>
+                                        </p:tav>
+                                      </p:tavLst>
+                                    </p:anim>
                                   </p:childTnLst>
                                 </p:cTn>
                               </p:par>
@@ -6074,7 +6370,7 @@
           <p:cNvPr id="2" name="Nadpis 1">
             <a:extLst>
               <a:ext uri="{FF2B5EF4-FFF2-40B4-BE49-F238E27FC236}">
-                <a16:creationId xmlns:a16="http://schemas.microsoft.com/office/drawing/2014/main" id="{5FB89D5A-7F3E-E7DF-79EE-3A0D365D87CB}"/>
+                <a16:creationId xmlns:a16="http://schemas.microsoft.com/office/drawing/2014/main" id="{8D658C47-CE0B-4C23-CF8C-376676B02405}"/>
               </a:ext>
             </a:extLst>
           </p:cNvPr>
@@ -6092,7 +6388,7 @@
           <a:p>
             <a:r>
               <a:rPr lang="cs-CZ" dirty="0"/>
-              <a:t>Kódování</a:t>
+              <a:t>Možnosti lámání šifer</a:t>
             </a:r>
           </a:p>
         </p:txBody>
@@ -6102,7 +6398,7 @@
           <p:cNvPr id="3" name="Zástupný obsah 2">
             <a:extLst>
               <a:ext uri="{FF2B5EF4-FFF2-40B4-BE49-F238E27FC236}">
-                <a16:creationId xmlns:a16="http://schemas.microsoft.com/office/drawing/2014/main" id="{0322B938-EFD4-F97D-1AD3-91279D346641}"/>
+                <a16:creationId xmlns:a16="http://schemas.microsoft.com/office/drawing/2014/main" id="{B64DEBE3-8532-7A5D-5B57-2FFD4340F610}"/>
               </a:ext>
             </a:extLst>
           </p:cNvPr>
@@ -6118,55 +6414,72 @@
           <a:bodyPr/>
           <a:lstStyle/>
           <a:p>
-            <a:pPr>
-              <a:buFont typeface="Wingdings" panose="05000000000000000000" pitchFamily="2" charset="2"/>
-              <a:buChar char="v"/>
+            <a:pPr marL="514350" indent="-514350">
+              <a:buFont typeface="+mj-lt"/>
+              <a:buAutoNum type="arabicPeriod"/>
             </a:pPr>
             <a:r>
-              <a:rPr lang="cs-CZ" u="sng" dirty="0"/>
-              <a:t>Počítačová kódování</a:t>
-            </a:r>
-            <a:endParaRPr lang="cs-CZ" dirty="0"/>
-          </a:p>
-          <a:p>
-            <a:pPr>
-              <a:buFont typeface="Wingdings" panose="05000000000000000000" pitchFamily="2" charset="2"/>
-              <a:buChar char="v"/>
-            </a:pPr>
-            <a:r>
-              <a:rPr lang="cs-CZ" dirty="0"/>
-              <a:t>ASCII	– Jedno z prvotních</a:t>
+              <a:rPr lang="cs-CZ" dirty="0" err="1"/>
+              <a:t>Bruteforce</a:t>
+            </a:r>
+            <a:r>
+              <a:rPr lang="cs-CZ" dirty="0"/>
+              <a:t> klíče – Vyzkoušení všech variant klíče</a:t>
             </a:r>
             <a:br>
               <a:rPr lang="cs-CZ" dirty="0"/>
             </a:br>
             <a:r>
               <a:rPr lang="cs-CZ" dirty="0"/>
-              <a:t>		– Znaky kódovány 7b</a:t>
-            </a:r>
-          </a:p>
-          <a:p>
-            <a:pPr>
-              <a:buFont typeface="Wingdings" panose="05000000000000000000" pitchFamily="2" charset="2"/>
-              <a:buChar char="v"/>
+              <a:t>		-většina šifer (např. Caesarova)</a:t>
+            </a:r>
+          </a:p>
+          <a:p>
+            <a:pPr marL="514350" indent="-514350">
+              <a:buFont typeface="+mj-lt"/>
+              <a:buAutoNum type="arabicPeriod"/>
             </a:pPr>
             <a:endParaRPr lang="cs-CZ" dirty="0"/>
           </a:p>
           <a:p>
-            <a:pPr>
-              <a:buFont typeface="Wingdings" panose="05000000000000000000" pitchFamily="2" charset="2"/>
-              <a:buChar char="v"/>
+            <a:pPr marL="514350" indent="-514350">
+              <a:buFont typeface="+mj-lt"/>
+              <a:buAutoNum type="arabicPeriod"/>
             </a:pPr>
             <a:r>
               <a:rPr lang="cs-CZ" dirty="0"/>
-              <a:t>UTF-8	– Dnes dost využívané</a:t>
+              <a:t>Frekvenční analýza – Analýza četnosti znaků</a:t>
             </a:r>
             <a:br>
               <a:rPr lang="cs-CZ" dirty="0"/>
             </a:br>
             <a:r>
               <a:rPr lang="cs-CZ" dirty="0"/>
-              <a:t>		– UTF-16, UTF-32</a:t>
+              <a:t>		-část substitučních šifer</a:t>
+            </a:r>
+          </a:p>
+          <a:p>
+            <a:pPr marL="514350" indent="-514350">
+              <a:buFont typeface="+mj-lt"/>
+              <a:buAutoNum type="arabicPeriod"/>
+            </a:pPr>
+            <a:endParaRPr lang="cs-CZ" dirty="0"/>
+          </a:p>
+          <a:p>
+            <a:pPr marL="514350" indent="-514350">
+              <a:buFont typeface="+mj-lt"/>
+              <a:buAutoNum type="arabicPeriod"/>
+            </a:pPr>
+            <a:r>
+              <a:rPr lang="cs-CZ" dirty="0"/>
+              <a:t>Využití slabin šifry</a:t>
+            </a:r>
+            <a:br>
+              <a:rPr lang="cs-CZ" dirty="0"/>
+            </a:br>
+            <a:r>
+              <a:rPr lang="cs-CZ" dirty="0"/>
+              <a:t>		-např. transpoziční – stejné znaky</a:t>
             </a:r>
           </a:p>
         </p:txBody>
@@ -6174,14 +6487,14 @@
     </p:spTree>
     <p:extLst>
       <p:ext uri="{BB962C8B-B14F-4D97-AF65-F5344CB8AC3E}">
-        <p14:creationId xmlns:p14="http://schemas.microsoft.com/office/powerpoint/2010/main" val="2510211707"/>
+        <p14:creationId xmlns:p14="http://schemas.microsoft.com/office/powerpoint/2010/main" val="1761417296"/>
       </p:ext>
     </p:extLst>
   </p:cSld>
   <p:clrMapOvr>
     <a:masterClrMapping/>
   </p:clrMapOvr>
-  <p:transition spd="slow">
+  <p:transition spd="slow" advTm="142843">
     <p:push dir="u"/>
   </p:transition>
   <p:timing>
@@ -6361,7 +6674,7 @@
                                         <p:tgtEl>
                                           <p:spTgt spid="3">
                                             <p:txEl>
-                                              <p:pRg st="1" end="1"/>
+                                              <p:pRg st="2" end="2"/>
                                             </p:txEl>
                                           </p:spTgt>
                                         </p:tgtEl>
@@ -6379,7 +6692,7 @@
                                         <p:tgtEl>
                                           <p:spTgt spid="3">
                                             <p:txEl>
-                                              <p:pRg st="1" end="1"/>
+                                              <p:pRg st="2" end="2"/>
                                             </p:txEl>
                                           </p:spTgt>
                                         </p:tgtEl>
@@ -6406,7 +6719,7 @@
                                         <p:tgtEl>
                                           <p:spTgt spid="3">
                                             <p:txEl>
-                                              <p:pRg st="1" end="1"/>
+                                              <p:pRg st="2" end="2"/>
                                             </p:txEl>
                                           </p:spTgt>
                                         </p:tgtEl>
@@ -6455,7 +6768,7 @@
                                         <p:tgtEl>
                                           <p:spTgt spid="3">
                                             <p:txEl>
-                                              <p:pRg st="3" end="3"/>
+                                              <p:pRg st="4" end="4"/>
                                             </p:txEl>
                                           </p:spTgt>
                                         </p:tgtEl>
@@ -6473,7 +6786,7 @@
                                         <p:tgtEl>
                                           <p:spTgt spid="3">
                                             <p:txEl>
-                                              <p:pRg st="3" end="3"/>
+                                              <p:pRg st="4" end="4"/>
                                             </p:txEl>
                                           </p:spTgt>
                                         </p:tgtEl>
@@ -6500,7 +6813,7 @@
                                         <p:tgtEl>
                                           <p:spTgt spid="3">
                                             <p:txEl>
-                                              <p:pRg st="3" end="3"/>
+                                              <p:pRg st="4" end="4"/>
                                             </p:txEl>
                                           </p:spTgt>
                                         </p:tgtEl>
@@ -6581,7 +6894,7 @@
           <p:cNvPr id="2" name="Nadpis 1">
             <a:extLst>
               <a:ext uri="{FF2B5EF4-FFF2-40B4-BE49-F238E27FC236}">
-                <a16:creationId xmlns:a16="http://schemas.microsoft.com/office/drawing/2014/main" id="{11DD08FF-7F34-F76B-5E0E-1F361616859E}"/>
+                <a16:creationId xmlns:a16="http://schemas.microsoft.com/office/drawing/2014/main" id="{40F8FFD1-27EE-04EF-056C-0FFE47765A00}"/>
               </a:ext>
             </a:extLst>
           </p:cNvPr>
@@ -6599,7 +6912,7 @@
           <a:p>
             <a:r>
               <a:rPr lang="cs-CZ" dirty="0"/>
-              <a:t>Kódování – Base64</a:t>
+              <a:t>Kódování</a:t>
             </a:r>
           </a:p>
         </p:txBody>
@@ -6609,7 +6922,7 @@
           <p:cNvPr id="3" name="Zástupný obsah 2">
             <a:extLst>
               <a:ext uri="{FF2B5EF4-FFF2-40B4-BE49-F238E27FC236}">
-                <a16:creationId xmlns:a16="http://schemas.microsoft.com/office/drawing/2014/main" id="{54B17671-DEC5-6BF7-5723-7062EA58E752}"/>
+                <a16:creationId xmlns:a16="http://schemas.microsoft.com/office/drawing/2014/main" id="{762A944F-973E-9944-3FCB-F907D46821AA}"/>
               </a:ext>
             </a:extLst>
           </p:cNvPr>
@@ -6620,12 +6933,7 @@
             <p:ph idx="1"/>
           </p:nvPr>
         </p:nvSpPr>
-        <p:spPr>
-          <a:xfrm>
-            <a:off x="838200" y="1825625"/>
-            <a:ext cx="10515600" cy="2293702"/>
-          </a:xfrm>
-        </p:spPr>
+        <p:spPr/>
         <p:txBody>
           <a:bodyPr/>
           <a:lstStyle/>
@@ -6636,86 +6944,134 @@
             </a:pPr>
             <a:r>
               <a:rPr lang="cs-CZ" dirty="0"/>
-              <a:t>Písmena ve zprávě se zakódují 8b kódováním</a:t>
-            </a:r>
-          </a:p>
-          <a:p>
-            <a:pPr>
-              <a:buFont typeface="Wingdings" panose="05000000000000000000" pitchFamily="2" charset="2"/>
-              <a:buChar char="v"/>
-            </a:pPr>
-            <a:r>
-              <a:rPr lang="cs-CZ" dirty="0"/>
-              <a:t>A následně se dekódují 6b kódováním, vždy do čtveřic</a:t>
-            </a:r>
-          </a:p>
-          <a:p>
-            <a:pPr>
-              <a:buFont typeface="Wingdings" panose="05000000000000000000" pitchFamily="2" charset="2"/>
-              <a:buChar char="v"/>
-            </a:pPr>
-            <a:r>
-              <a:rPr lang="cs-CZ" dirty="0"/>
-              <a:t>Případné mezery ve čtveřicích na konci jsou vyplněny =</a:t>
-            </a:r>
-          </a:p>
-          <a:p>
-            <a:pPr>
-              <a:buFont typeface="Wingdings" panose="05000000000000000000" pitchFamily="2" charset="2"/>
-              <a:buChar char="v"/>
-            </a:pPr>
-            <a:r>
-              <a:rPr lang="cs-CZ" dirty="0" err="1"/>
-              <a:t>Ma</a:t>
-            </a:r>
-            <a:r>
-              <a:rPr lang="cs-CZ" dirty="0"/>
-              <a:t> =&gt; TWE=</a:t>
+              <a:t>Morseova abeceda</a:t>
+            </a:r>
+            <a:br>
+              <a:rPr lang="cs-CZ" dirty="0"/>
+            </a:br>
+            <a:r>
+              <a:rPr lang="cs-CZ" dirty="0"/>
+              <a:t>- Jedno z nejznámějších kódování</a:t>
+            </a:r>
+            <a:br>
+              <a:rPr lang="cs-CZ" dirty="0"/>
+            </a:br>
+            <a:r>
+              <a:rPr lang="cs-CZ" dirty="0"/>
+              <a:t>- Znaky abecedy se kódují do . a –</a:t>
+            </a:r>
+            <a:br>
+              <a:rPr lang="cs-CZ" dirty="0"/>
+            </a:br>
+            <a:r>
+              <a:rPr lang="cs-CZ" dirty="0"/>
+              <a:t>- Vytvořeno roku 1840 (včetně </a:t>
+            </a:r>
+            <a:br>
+              <a:rPr lang="cs-CZ" dirty="0"/>
+            </a:br>
+            <a:r>
+              <a:rPr lang="cs-CZ" dirty="0"/>
+              <a:t>speciálních znaků)</a:t>
+            </a:r>
+            <a:br>
+              <a:rPr lang="cs-CZ" dirty="0"/>
+            </a:br>
+            <a:r>
+              <a:rPr lang="cs-CZ" dirty="0"/>
+              <a:t>- Kódy:	Abeceda -</a:t>
+            </a:r>
+            <a:r>
+              <a:rPr lang="en-US" dirty="0"/>
+              <a:t>&gt;</a:t>
+            </a:r>
+            <a:r>
+              <a:rPr lang="cs-CZ" dirty="0"/>
+              <a:t> 1 až 4 znaky</a:t>
+            </a:r>
+            <a:br>
+              <a:rPr lang="cs-CZ" dirty="0"/>
+            </a:br>
+            <a:r>
+              <a:rPr lang="cs-CZ" dirty="0"/>
+              <a:t>		Číslovky -</a:t>
+            </a:r>
+            <a:r>
+              <a:rPr lang="en-US" dirty="0"/>
+              <a:t>&gt;</a:t>
+            </a:r>
+            <a:r>
+              <a:rPr lang="cs-CZ" dirty="0"/>
+              <a:t> 5 znaků (pravidelný vzor)</a:t>
+            </a:r>
+            <a:br>
+              <a:rPr lang="cs-CZ" dirty="0"/>
+            </a:br>
+            <a:r>
+              <a:rPr lang="cs-CZ" dirty="0"/>
+              <a:t>		Speciální znaky -&gt; 5 až 7 znaků</a:t>
             </a:r>
           </a:p>
         </p:txBody>
       </p:sp>
       <p:pic>
         <p:nvPicPr>
-          <p:cNvPr id="5" name="Obrázek 4">
+          <p:cNvPr id="1028" name="Picture 4">
             <a:extLst>
               <a:ext uri="{FF2B5EF4-FFF2-40B4-BE49-F238E27FC236}">
-                <a16:creationId xmlns:a16="http://schemas.microsoft.com/office/drawing/2014/main" id="{7764A035-D16D-9925-EA46-8CB5804A8875}"/>
+                <a16:creationId xmlns:a16="http://schemas.microsoft.com/office/drawing/2014/main" id="{3B6D3DC1-324C-5F4C-9906-1FE72E08B7CF}"/>
               </a:ext>
             </a:extLst>
           </p:cNvPr>
           <p:cNvPicPr>
-            <a:picLocks noChangeAspect="1"/>
+            <a:picLocks noChangeAspect="1" noChangeArrowheads="1"/>
           </p:cNvPicPr>
           <p:nvPr/>
         </p:nvPicPr>
         <p:blipFill>
-          <a:blip r:embed="rId3"/>
+          <a:blip r:embed="rId3">
+            <a:extLst>
+              <a:ext uri="{28A0092B-C50C-407E-A947-70E740481C1C}">
+                <a14:useLocalDpi xmlns:a14="http://schemas.microsoft.com/office/drawing/2010/main" val="0"/>
+              </a:ext>
+            </a:extLst>
+          </a:blip>
+          <a:srcRect/>
           <a:stretch>
             <a:fillRect/>
           </a:stretch>
         </p:blipFill>
-        <p:spPr>
+        <p:spPr bwMode="auto">
           <a:xfrm>
-            <a:off x="1866900" y="4254216"/>
-            <a:ext cx="4229100" cy="1190625"/>
+            <a:off x="6247328" y="2081802"/>
+            <a:ext cx="4127943" cy="1919492"/>
           </a:xfrm>
           <a:prstGeom prst="rect">
             <a:avLst/>
           </a:prstGeom>
+          <a:noFill/>
+          <a:extLst>
+            <a:ext uri="{909E8E84-426E-40DD-AFC4-6F175D3DCCD1}">
+              <a14:hiddenFill xmlns:a14="http://schemas.microsoft.com/office/drawing/2010/main">
+                <a:solidFill>
+                  <a:srgbClr val="FFFFFF"/>
+                </a:solidFill>
+              </a14:hiddenFill>
+            </a:ext>
+          </a:extLst>
         </p:spPr>
       </p:pic>
     </p:spTree>
     <p:extLst>
       <p:ext uri="{BB962C8B-B14F-4D97-AF65-F5344CB8AC3E}">
-        <p14:creationId xmlns:p14="http://schemas.microsoft.com/office/powerpoint/2010/main" val="599014043"/>
+        <p14:creationId xmlns:p14="http://schemas.microsoft.com/office/powerpoint/2010/main" val="3147025163"/>
       </p:ext>
     </p:extLst>
   </p:cSld>
   <p:clrMapOvr>
     <a:masterClrMapping/>
   </p:clrMapOvr>
-  <p:transition spd="slow">
+  <p:transition spd="slow" advTm="99991">
     <p:push dir="u"/>
   </p:transition>
   <p:timing>
@@ -6880,7 +7236,7 @@
                             </p:stCondLst>
                             <p:childTnLst>
                               <p:par>
-                                <p:cTn id="14" presetID="2" presetClass="entr" presetSubtype="4" fill="hold" grpId="0" nodeType="afterEffect">
+                                <p:cTn id="14" presetID="6" presetClass="entr" presetSubtype="16" fill="hold" nodeType="afterEffect">
                                   <p:stCondLst>
                                     <p:cond delay="0"/>
                                   </p:stCondLst>
@@ -6893,289 +7249,7 @@
                                           </p:stCondLst>
                                         </p:cTn>
                                         <p:tgtEl>
-                                          <p:spTgt spid="3">
-                                            <p:txEl>
-                                              <p:pRg st="1" end="1"/>
-                                            </p:txEl>
-                                          </p:spTgt>
-                                        </p:tgtEl>
-                                        <p:attrNameLst>
-                                          <p:attrName>style.visibility</p:attrName>
-                                        </p:attrNameLst>
-                                      </p:cBhvr>
-                                      <p:to>
-                                        <p:strVal val="visible"/>
-                                      </p:to>
-                                    </p:set>
-                                    <p:anim calcmode="lin" valueType="num">
-                                      <p:cBhvr additive="base">
-                                        <p:cTn id="16" dur="500" fill="hold"/>
-                                        <p:tgtEl>
-                                          <p:spTgt spid="3">
-                                            <p:txEl>
-                                              <p:pRg st="1" end="1"/>
-                                            </p:txEl>
-                                          </p:spTgt>
-                                        </p:tgtEl>
-                                        <p:attrNameLst>
-                                          <p:attrName>ppt_x</p:attrName>
-                                        </p:attrNameLst>
-                                      </p:cBhvr>
-                                      <p:tavLst>
-                                        <p:tav tm="0">
-                                          <p:val>
-                                            <p:strVal val="#ppt_x"/>
-                                          </p:val>
-                                        </p:tav>
-                                        <p:tav tm="100000">
-                                          <p:val>
-                                            <p:strVal val="#ppt_x"/>
-                                          </p:val>
-                                        </p:tav>
-                                      </p:tavLst>
-                                    </p:anim>
-                                    <p:anim calcmode="lin" valueType="num">
-                                      <p:cBhvr additive="base">
-                                        <p:cTn id="17" dur="500" fill="hold"/>
-                                        <p:tgtEl>
-                                          <p:spTgt spid="3">
-                                            <p:txEl>
-                                              <p:pRg st="1" end="1"/>
-                                            </p:txEl>
-                                          </p:spTgt>
-                                        </p:tgtEl>
-                                        <p:attrNameLst>
-                                          <p:attrName>ppt_y</p:attrName>
-                                        </p:attrNameLst>
-                                      </p:cBhvr>
-                                      <p:tavLst>
-                                        <p:tav tm="0">
-                                          <p:val>
-                                            <p:strVal val="1+#ppt_h/2"/>
-                                          </p:val>
-                                        </p:tav>
-                                        <p:tav tm="100000">
-                                          <p:val>
-                                            <p:strVal val="#ppt_y"/>
-                                          </p:val>
-                                        </p:tav>
-                                      </p:tavLst>
-                                    </p:anim>
-                                  </p:childTnLst>
-                                </p:cTn>
-                              </p:par>
-                            </p:childTnLst>
-                          </p:cTn>
-                        </p:par>
-                        <p:par>
-                          <p:cTn id="18" fill="hold">
-                            <p:stCondLst>
-                              <p:cond delay="3000"/>
-                            </p:stCondLst>
-                            <p:childTnLst>
-                              <p:par>
-                                <p:cTn id="19" presetID="2" presetClass="entr" presetSubtype="4" fill="hold" grpId="0" nodeType="afterEffect">
-                                  <p:stCondLst>
-                                    <p:cond delay="0"/>
-                                  </p:stCondLst>
-                                  <p:childTnLst>
-                                    <p:set>
-                                      <p:cBhvr>
-                                        <p:cTn id="20" dur="1" fill="hold">
-                                          <p:stCondLst>
-                                            <p:cond delay="0"/>
-                                          </p:stCondLst>
-                                        </p:cTn>
-                                        <p:tgtEl>
-                                          <p:spTgt spid="3">
-                                            <p:txEl>
-                                              <p:pRg st="2" end="2"/>
-                                            </p:txEl>
-                                          </p:spTgt>
-                                        </p:tgtEl>
-                                        <p:attrNameLst>
-                                          <p:attrName>style.visibility</p:attrName>
-                                        </p:attrNameLst>
-                                      </p:cBhvr>
-                                      <p:to>
-                                        <p:strVal val="visible"/>
-                                      </p:to>
-                                    </p:set>
-                                    <p:anim calcmode="lin" valueType="num">
-                                      <p:cBhvr additive="base">
-                                        <p:cTn id="21" dur="500" fill="hold"/>
-                                        <p:tgtEl>
-                                          <p:spTgt spid="3">
-                                            <p:txEl>
-                                              <p:pRg st="2" end="2"/>
-                                            </p:txEl>
-                                          </p:spTgt>
-                                        </p:tgtEl>
-                                        <p:attrNameLst>
-                                          <p:attrName>ppt_x</p:attrName>
-                                        </p:attrNameLst>
-                                      </p:cBhvr>
-                                      <p:tavLst>
-                                        <p:tav tm="0">
-                                          <p:val>
-                                            <p:strVal val="#ppt_x"/>
-                                          </p:val>
-                                        </p:tav>
-                                        <p:tav tm="100000">
-                                          <p:val>
-                                            <p:strVal val="#ppt_x"/>
-                                          </p:val>
-                                        </p:tav>
-                                      </p:tavLst>
-                                    </p:anim>
-                                    <p:anim calcmode="lin" valueType="num">
-                                      <p:cBhvr additive="base">
-                                        <p:cTn id="22" dur="500" fill="hold"/>
-                                        <p:tgtEl>
-                                          <p:spTgt spid="3">
-                                            <p:txEl>
-                                              <p:pRg st="2" end="2"/>
-                                            </p:txEl>
-                                          </p:spTgt>
-                                        </p:tgtEl>
-                                        <p:attrNameLst>
-                                          <p:attrName>ppt_y</p:attrName>
-                                        </p:attrNameLst>
-                                      </p:cBhvr>
-                                      <p:tavLst>
-                                        <p:tav tm="0">
-                                          <p:val>
-                                            <p:strVal val="1+#ppt_h/2"/>
-                                          </p:val>
-                                        </p:tav>
-                                        <p:tav tm="100000">
-                                          <p:val>
-                                            <p:strVal val="#ppt_y"/>
-                                          </p:val>
-                                        </p:tav>
-                                      </p:tavLst>
-                                    </p:anim>
-                                  </p:childTnLst>
-                                </p:cTn>
-                              </p:par>
-                            </p:childTnLst>
-                          </p:cTn>
-                        </p:par>
-                        <p:par>
-                          <p:cTn id="23" fill="hold">
-                            <p:stCondLst>
-                              <p:cond delay="3500"/>
-                            </p:stCondLst>
-                            <p:childTnLst>
-                              <p:par>
-                                <p:cTn id="24" presetID="2" presetClass="entr" presetSubtype="4" fill="hold" grpId="0" nodeType="afterEffect">
-                                  <p:stCondLst>
-                                    <p:cond delay="0"/>
-                                  </p:stCondLst>
-                                  <p:childTnLst>
-                                    <p:set>
-                                      <p:cBhvr>
-                                        <p:cTn id="25" dur="1" fill="hold">
-                                          <p:stCondLst>
-                                            <p:cond delay="0"/>
-                                          </p:stCondLst>
-                                        </p:cTn>
-                                        <p:tgtEl>
-                                          <p:spTgt spid="3">
-                                            <p:txEl>
-                                              <p:pRg st="3" end="3"/>
-                                            </p:txEl>
-                                          </p:spTgt>
-                                        </p:tgtEl>
-                                        <p:attrNameLst>
-                                          <p:attrName>style.visibility</p:attrName>
-                                        </p:attrNameLst>
-                                      </p:cBhvr>
-                                      <p:to>
-                                        <p:strVal val="visible"/>
-                                      </p:to>
-                                    </p:set>
-                                    <p:anim calcmode="lin" valueType="num">
-                                      <p:cBhvr additive="base">
-                                        <p:cTn id="26" dur="500" fill="hold"/>
-                                        <p:tgtEl>
-                                          <p:spTgt spid="3">
-                                            <p:txEl>
-                                              <p:pRg st="3" end="3"/>
-                                            </p:txEl>
-                                          </p:spTgt>
-                                        </p:tgtEl>
-                                        <p:attrNameLst>
-                                          <p:attrName>ppt_x</p:attrName>
-                                        </p:attrNameLst>
-                                      </p:cBhvr>
-                                      <p:tavLst>
-                                        <p:tav tm="0">
-                                          <p:val>
-                                            <p:strVal val="#ppt_x"/>
-                                          </p:val>
-                                        </p:tav>
-                                        <p:tav tm="100000">
-                                          <p:val>
-                                            <p:strVal val="#ppt_x"/>
-                                          </p:val>
-                                        </p:tav>
-                                      </p:tavLst>
-                                    </p:anim>
-                                    <p:anim calcmode="lin" valueType="num">
-                                      <p:cBhvr additive="base">
-                                        <p:cTn id="27" dur="500" fill="hold"/>
-                                        <p:tgtEl>
-                                          <p:spTgt spid="3">
-                                            <p:txEl>
-                                              <p:pRg st="3" end="3"/>
-                                            </p:txEl>
-                                          </p:spTgt>
-                                        </p:tgtEl>
-                                        <p:attrNameLst>
-                                          <p:attrName>ppt_y</p:attrName>
-                                        </p:attrNameLst>
-                                      </p:cBhvr>
-                                      <p:tavLst>
-                                        <p:tav tm="0">
-                                          <p:val>
-                                            <p:strVal val="1+#ppt_h/2"/>
-                                          </p:val>
-                                        </p:tav>
-                                        <p:tav tm="100000">
-                                          <p:val>
-                                            <p:strVal val="#ppt_y"/>
-                                          </p:val>
-                                        </p:tav>
-                                      </p:tavLst>
-                                    </p:anim>
-                                  </p:childTnLst>
-                                </p:cTn>
-                              </p:par>
-                            </p:childTnLst>
-                          </p:cTn>
-                        </p:par>
-                        <p:par>
-                          <p:cTn id="28" fill="hold">
-                            <p:stCondLst>
-                              <p:cond delay="4000"/>
-                            </p:stCondLst>
-                            <p:childTnLst>
-                              <p:par>
-                                <p:cTn id="29" presetID="6" presetClass="entr" presetSubtype="16" fill="hold" nodeType="afterEffect">
-                                  <p:stCondLst>
-                                    <p:cond delay="0"/>
-                                  </p:stCondLst>
-                                  <p:childTnLst>
-                                    <p:set>
-                                      <p:cBhvr>
-                                        <p:cTn id="30" dur="1" fill="hold">
-                                          <p:stCondLst>
-                                            <p:cond delay="0"/>
-                                          </p:stCondLst>
-                                        </p:cTn>
-                                        <p:tgtEl>
-                                          <p:spTgt spid="5"/>
+                                          <p:spTgt spid="1028"/>
                                         </p:tgtEl>
                                         <p:attrNameLst>
                                           <p:attrName>style.visibility</p:attrName>
@@ -7187,9 +7261,9 @@
                                     </p:set>
                                     <p:animEffect transition="in" filter="circle(in)">
                                       <p:cBhvr>
-                                        <p:cTn id="31" dur="2000"/>
-                                        <p:tgtEl>
-                                          <p:spTgt spid="5"/>
+                                        <p:cTn id="16" dur="2000"/>
+                                        <p:tgtEl>
+                                          <p:spTgt spid="1028"/>
                                         </p:tgtEl>
                                       </p:cBhvr>
                                     </p:animEffect>
@@ -7253,7 +7327,7 @@
           <p:cNvPr id="2" name="Nadpis 1">
             <a:extLst>
               <a:ext uri="{FF2B5EF4-FFF2-40B4-BE49-F238E27FC236}">
-                <a16:creationId xmlns:a16="http://schemas.microsoft.com/office/drawing/2014/main" id="{85E75097-1820-F4F0-8023-F486555D13FF}"/>
+                <a16:creationId xmlns:a16="http://schemas.microsoft.com/office/drawing/2014/main" id="{5FB89D5A-7F3E-E7DF-79EE-3A0D365D87CB}"/>
               </a:ext>
             </a:extLst>
           </p:cNvPr>
@@ -7271,13 +7345,8 @@
           <a:p>
             <a:r>
               <a:rPr lang="cs-CZ" dirty="0"/>
-              <a:t>Pár slov o </a:t>
-            </a:r>
-            <a:r>
-              <a:rPr lang="cs-CZ" dirty="0" err="1"/>
-              <a:t>hashích</a:t>
-            </a:r>
-            <a:endParaRPr lang="cs-CZ" dirty="0"/>
+              <a:t>Kódování</a:t>
+            </a:r>
           </a:p>
         </p:txBody>
       </p:sp>
@@ -7286,7 +7355,7 @@
           <p:cNvPr id="3" name="Zástupný obsah 2">
             <a:extLst>
               <a:ext uri="{FF2B5EF4-FFF2-40B4-BE49-F238E27FC236}">
-                <a16:creationId xmlns:a16="http://schemas.microsoft.com/office/drawing/2014/main" id="{4B0C9779-47D6-3980-F0EB-649DB0284224}"/>
+                <a16:creationId xmlns:a16="http://schemas.microsoft.com/office/drawing/2014/main" id="{0322B938-EFD4-F97D-1AD3-91279D346641}"/>
               </a:ext>
             </a:extLst>
           </p:cNvPr>
@@ -7297,12 +7366,7 @@
             <p:ph idx="1"/>
           </p:nvPr>
         </p:nvSpPr>
-        <p:spPr>
-          <a:xfrm>
-            <a:off x="838200" y="1825624"/>
-            <a:ext cx="10515600" cy="5032375"/>
-          </a:xfrm>
-        </p:spPr>
+        <p:spPr/>
         <p:txBody>
           <a:bodyPr/>
           <a:lstStyle/>
@@ -7312,9 +7376,10 @@
               <a:buChar char="v"/>
             </a:pPr>
             <a:r>
-              <a:rPr lang="cs-CZ" dirty="0"/>
-              <a:t>Charakteristika:</a:t>
-            </a:r>
+              <a:rPr lang="cs-CZ" u="sng" dirty="0"/>
+              <a:t>Počítačová kódování</a:t>
+            </a:r>
+            <a:endParaRPr lang="cs-CZ" dirty="0"/>
           </a:p>
           <a:p>
             <a:pPr>
@@ -7323,7 +7388,14 @@
             </a:pPr>
             <a:r>
               <a:rPr lang="cs-CZ" dirty="0"/>
-              <a:t>Pevná délka</a:t>
+              <a:t>ASCII	– Jedno z prvotních</a:t>
+            </a:r>
+            <a:br>
+              <a:rPr lang="cs-CZ" dirty="0"/>
+            </a:br>
+            <a:r>
+              <a:rPr lang="cs-CZ" dirty="0"/>
+              <a:t>		– Znaky kódovány 7b</a:t>
             </a:r>
           </a:p>
           <a:p>
@@ -7331,18 +7403,7 @@
               <a:buFont typeface="Wingdings" panose="05000000000000000000" pitchFamily="2" charset="2"/>
               <a:buChar char="v"/>
             </a:pPr>
-            <a:r>
-              <a:rPr lang="cs-CZ" dirty="0"/>
-              <a:t>Malá změna ve vstupu -</a:t>
-            </a:r>
-            <a:r>
-              <a:rPr lang="en-US" dirty="0"/>
-              <a:t>&gt;</a:t>
-            </a:r>
-            <a:r>
-              <a:rPr lang="cs-CZ" dirty="0"/>
-              <a:t> Velká změna ve výstupu</a:t>
-            </a:r>
+            <a:endParaRPr lang="cs-CZ" dirty="0"/>
           </a:p>
           <a:p>
             <a:pPr>
@@ -7351,65 +7412,14 @@
             </a:pPr>
             <a:r>
               <a:rPr lang="cs-CZ" dirty="0"/>
-              <a:t>Každý vstup má jedinečnou </a:t>
-            </a:r>
-            <a:r>
-              <a:rPr lang="cs-CZ" dirty="0" err="1"/>
-              <a:t>hash</a:t>
-            </a:r>
-            <a:endParaRPr lang="cs-CZ" dirty="0"/>
-          </a:p>
-          <a:p>
-            <a:pPr>
-              <a:buFont typeface="Wingdings" panose="05000000000000000000" pitchFamily="2" charset="2"/>
-              <a:buChar char="v"/>
-            </a:pPr>
-            <a:r>
-              <a:rPr lang="cs-CZ" dirty="0"/>
-              <a:t>Jednosměrná funkce = z </a:t>
-            </a:r>
-            <a:r>
-              <a:rPr lang="cs-CZ" dirty="0" err="1"/>
-              <a:t>hashe</a:t>
-            </a:r>
-            <a:r>
-              <a:rPr lang="cs-CZ" dirty="0"/>
-              <a:t> nemůžu získat původní vstup</a:t>
-            </a:r>
-          </a:p>
-          <a:p>
-            <a:pPr>
-              <a:buFont typeface="Wingdings" panose="05000000000000000000" pitchFamily="2" charset="2"/>
-              <a:buChar char="v"/>
-            </a:pPr>
-            <a:r>
-              <a:rPr lang="cs-CZ" dirty="0"/>
-              <a:t>Příklad </a:t>
-            </a:r>
-            <a:r>
-              <a:rPr lang="cs-CZ" dirty="0" err="1"/>
-              <a:t>hashe</a:t>
-            </a:r>
-            <a:r>
-              <a:rPr lang="cs-CZ" dirty="0"/>
-              <a:t>: 2241be2e7652451c1b00634e03c68dc3</a:t>
-            </a:r>
-          </a:p>
-          <a:p>
-            <a:pPr>
-              <a:buFont typeface="Wingdings" panose="05000000000000000000" pitchFamily="2" charset="2"/>
-              <a:buChar char="v"/>
-            </a:pPr>
-            <a:r>
-              <a:rPr lang="cs-CZ" dirty="0"/>
-              <a:t>Příklady hashovacích algoritmů: </a:t>
+              <a:t>UTF-8	– Dnes dost využívané</a:t>
             </a:r>
             <a:br>
               <a:rPr lang="cs-CZ" dirty="0"/>
             </a:br>
             <a:r>
               <a:rPr lang="cs-CZ" dirty="0"/>
-              <a:t>MD5, NTLM, SHA1/256/512</a:t>
+              <a:t>		– UTF-16, UTF-32</a:t>
             </a:r>
           </a:p>
         </p:txBody>
@@ -7417,14 +7427,14 @@
     </p:spTree>
     <p:extLst>
       <p:ext uri="{BB962C8B-B14F-4D97-AF65-F5344CB8AC3E}">
-        <p14:creationId xmlns:p14="http://schemas.microsoft.com/office/powerpoint/2010/main" val="1955086012"/>
+        <p14:creationId xmlns:p14="http://schemas.microsoft.com/office/powerpoint/2010/main" val="2510211707"/>
       </p:ext>
     </p:extLst>
   </p:cSld>
   <p:clrMapOvr>
     <a:masterClrMapping/>
   </p:clrMapOvr>
-  <p:transition spd="slow">
+  <p:transition spd="slow" advTm="33392">
     <p:push dir="u"/>
   </p:transition>
   <p:timing>
@@ -7698,7 +7708,7 @@
                                         <p:tgtEl>
                                           <p:spTgt spid="3">
                                             <p:txEl>
-                                              <p:pRg st="2" end="2"/>
+                                              <p:pRg st="3" end="3"/>
                                             </p:txEl>
                                           </p:spTgt>
                                         </p:tgtEl>
@@ -7716,7 +7726,7 @@
                                         <p:tgtEl>
                                           <p:spTgt spid="3">
                                             <p:txEl>
-                                              <p:pRg st="2" end="2"/>
+                                              <p:pRg st="3" end="3"/>
                                             </p:txEl>
                                           </p:spTgt>
                                         </p:tgtEl>
@@ -7743,383 +7753,7 @@
                                         <p:tgtEl>
                                           <p:spTgt spid="3">
                                             <p:txEl>
-                                              <p:pRg st="2" end="2"/>
-                                            </p:txEl>
-                                          </p:spTgt>
-                                        </p:tgtEl>
-                                        <p:attrNameLst>
-                                          <p:attrName>ppt_y</p:attrName>
-                                        </p:attrNameLst>
-                                      </p:cBhvr>
-                                      <p:tavLst>
-                                        <p:tav tm="0">
-                                          <p:val>
-                                            <p:strVal val="1+#ppt_h/2"/>
-                                          </p:val>
-                                        </p:tav>
-                                        <p:tav tm="100000">
-                                          <p:val>
-                                            <p:strVal val="#ppt_y"/>
-                                          </p:val>
-                                        </p:tav>
-                                      </p:tavLst>
-                                    </p:anim>
-                                  </p:childTnLst>
-                                </p:cTn>
-                              </p:par>
-                            </p:childTnLst>
-                          </p:cTn>
-                        </p:par>
-                        <p:par>
-                          <p:cTn id="23" fill="hold">
-                            <p:stCondLst>
-                              <p:cond delay="3500"/>
-                            </p:stCondLst>
-                            <p:childTnLst>
-                              <p:par>
-                                <p:cTn id="24" presetID="2" presetClass="entr" presetSubtype="4" fill="hold" grpId="0" nodeType="afterEffect">
-                                  <p:stCondLst>
-                                    <p:cond delay="0"/>
-                                  </p:stCondLst>
-                                  <p:childTnLst>
-                                    <p:set>
-                                      <p:cBhvr>
-                                        <p:cTn id="25" dur="1" fill="hold">
-                                          <p:stCondLst>
-                                            <p:cond delay="0"/>
-                                          </p:stCondLst>
-                                        </p:cTn>
-                                        <p:tgtEl>
-                                          <p:spTgt spid="3">
-                                            <p:txEl>
                                               <p:pRg st="3" end="3"/>
-                                            </p:txEl>
-                                          </p:spTgt>
-                                        </p:tgtEl>
-                                        <p:attrNameLst>
-                                          <p:attrName>style.visibility</p:attrName>
-                                        </p:attrNameLst>
-                                      </p:cBhvr>
-                                      <p:to>
-                                        <p:strVal val="visible"/>
-                                      </p:to>
-                                    </p:set>
-                                    <p:anim calcmode="lin" valueType="num">
-                                      <p:cBhvr additive="base">
-                                        <p:cTn id="26" dur="500" fill="hold"/>
-                                        <p:tgtEl>
-                                          <p:spTgt spid="3">
-                                            <p:txEl>
-                                              <p:pRg st="3" end="3"/>
-                                            </p:txEl>
-                                          </p:spTgt>
-                                        </p:tgtEl>
-                                        <p:attrNameLst>
-                                          <p:attrName>ppt_x</p:attrName>
-                                        </p:attrNameLst>
-                                      </p:cBhvr>
-                                      <p:tavLst>
-                                        <p:tav tm="0">
-                                          <p:val>
-                                            <p:strVal val="#ppt_x"/>
-                                          </p:val>
-                                        </p:tav>
-                                        <p:tav tm="100000">
-                                          <p:val>
-                                            <p:strVal val="#ppt_x"/>
-                                          </p:val>
-                                        </p:tav>
-                                      </p:tavLst>
-                                    </p:anim>
-                                    <p:anim calcmode="lin" valueType="num">
-                                      <p:cBhvr additive="base">
-                                        <p:cTn id="27" dur="500" fill="hold"/>
-                                        <p:tgtEl>
-                                          <p:spTgt spid="3">
-                                            <p:txEl>
-                                              <p:pRg st="3" end="3"/>
-                                            </p:txEl>
-                                          </p:spTgt>
-                                        </p:tgtEl>
-                                        <p:attrNameLst>
-                                          <p:attrName>ppt_y</p:attrName>
-                                        </p:attrNameLst>
-                                      </p:cBhvr>
-                                      <p:tavLst>
-                                        <p:tav tm="0">
-                                          <p:val>
-                                            <p:strVal val="1+#ppt_h/2"/>
-                                          </p:val>
-                                        </p:tav>
-                                        <p:tav tm="100000">
-                                          <p:val>
-                                            <p:strVal val="#ppt_y"/>
-                                          </p:val>
-                                        </p:tav>
-                                      </p:tavLst>
-                                    </p:anim>
-                                  </p:childTnLst>
-                                </p:cTn>
-                              </p:par>
-                            </p:childTnLst>
-                          </p:cTn>
-                        </p:par>
-                        <p:par>
-                          <p:cTn id="28" fill="hold">
-                            <p:stCondLst>
-                              <p:cond delay="4000"/>
-                            </p:stCondLst>
-                            <p:childTnLst>
-                              <p:par>
-                                <p:cTn id="29" presetID="2" presetClass="entr" presetSubtype="4" fill="hold" grpId="0" nodeType="afterEffect">
-                                  <p:stCondLst>
-                                    <p:cond delay="0"/>
-                                  </p:stCondLst>
-                                  <p:childTnLst>
-                                    <p:set>
-                                      <p:cBhvr>
-                                        <p:cTn id="30" dur="1" fill="hold">
-                                          <p:stCondLst>
-                                            <p:cond delay="0"/>
-                                          </p:stCondLst>
-                                        </p:cTn>
-                                        <p:tgtEl>
-                                          <p:spTgt spid="3">
-                                            <p:txEl>
-                                              <p:pRg st="4" end="4"/>
-                                            </p:txEl>
-                                          </p:spTgt>
-                                        </p:tgtEl>
-                                        <p:attrNameLst>
-                                          <p:attrName>style.visibility</p:attrName>
-                                        </p:attrNameLst>
-                                      </p:cBhvr>
-                                      <p:to>
-                                        <p:strVal val="visible"/>
-                                      </p:to>
-                                    </p:set>
-                                    <p:anim calcmode="lin" valueType="num">
-                                      <p:cBhvr additive="base">
-                                        <p:cTn id="31" dur="500" fill="hold"/>
-                                        <p:tgtEl>
-                                          <p:spTgt spid="3">
-                                            <p:txEl>
-                                              <p:pRg st="4" end="4"/>
-                                            </p:txEl>
-                                          </p:spTgt>
-                                        </p:tgtEl>
-                                        <p:attrNameLst>
-                                          <p:attrName>ppt_x</p:attrName>
-                                        </p:attrNameLst>
-                                      </p:cBhvr>
-                                      <p:tavLst>
-                                        <p:tav tm="0">
-                                          <p:val>
-                                            <p:strVal val="#ppt_x"/>
-                                          </p:val>
-                                        </p:tav>
-                                        <p:tav tm="100000">
-                                          <p:val>
-                                            <p:strVal val="#ppt_x"/>
-                                          </p:val>
-                                        </p:tav>
-                                      </p:tavLst>
-                                    </p:anim>
-                                    <p:anim calcmode="lin" valueType="num">
-                                      <p:cBhvr additive="base">
-                                        <p:cTn id="32" dur="500" fill="hold"/>
-                                        <p:tgtEl>
-                                          <p:spTgt spid="3">
-                                            <p:txEl>
-                                              <p:pRg st="4" end="4"/>
-                                            </p:txEl>
-                                          </p:spTgt>
-                                        </p:tgtEl>
-                                        <p:attrNameLst>
-                                          <p:attrName>ppt_y</p:attrName>
-                                        </p:attrNameLst>
-                                      </p:cBhvr>
-                                      <p:tavLst>
-                                        <p:tav tm="0">
-                                          <p:val>
-                                            <p:strVal val="1+#ppt_h/2"/>
-                                          </p:val>
-                                        </p:tav>
-                                        <p:tav tm="100000">
-                                          <p:val>
-                                            <p:strVal val="#ppt_y"/>
-                                          </p:val>
-                                        </p:tav>
-                                      </p:tavLst>
-                                    </p:anim>
-                                  </p:childTnLst>
-                                </p:cTn>
-                              </p:par>
-                            </p:childTnLst>
-                          </p:cTn>
-                        </p:par>
-                        <p:par>
-                          <p:cTn id="33" fill="hold">
-                            <p:stCondLst>
-                              <p:cond delay="4500"/>
-                            </p:stCondLst>
-                            <p:childTnLst>
-                              <p:par>
-                                <p:cTn id="34" presetID="2" presetClass="entr" presetSubtype="4" fill="hold" grpId="0" nodeType="afterEffect">
-                                  <p:stCondLst>
-                                    <p:cond delay="0"/>
-                                  </p:stCondLst>
-                                  <p:childTnLst>
-                                    <p:set>
-                                      <p:cBhvr>
-                                        <p:cTn id="35" dur="1" fill="hold">
-                                          <p:stCondLst>
-                                            <p:cond delay="0"/>
-                                          </p:stCondLst>
-                                        </p:cTn>
-                                        <p:tgtEl>
-                                          <p:spTgt spid="3">
-                                            <p:txEl>
-                                              <p:pRg st="5" end="5"/>
-                                            </p:txEl>
-                                          </p:spTgt>
-                                        </p:tgtEl>
-                                        <p:attrNameLst>
-                                          <p:attrName>style.visibility</p:attrName>
-                                        </p:attrNameLst>
-                                      </p:cBhvr>
-                                      <p:to>
-                                        <p:strVal val="visible"/>
-                                      </p:to>
-                                    </p:set>
-                                    <p:anim calcmode="lin" valueType="num">
-                                      <p:cBhvr additive="base">
-                                        <p:cTn id="36" dur="500" fill="hold"/>
-                                        <p:tgtEl>
-                                          <p:spTgt spid="3">
-                                            <p:txEl>
-                                              <p:pRg st="5" end="5"/>
-                                            </p:txEl>
-                                          </p:spTgt>
-                                        </p:tgtEl>
-                                        <p:attrNameLst>
-                                          <p:attrName>ppt_x</p:attrName>
-                                        </p:attrNameLst>
-                                      </p:cBhvr>
-                                      <p:tavLst>
-                                        <p:tav tm="0">
-                                          <p:val>
-                                            <p:strVal val="#ppt_x"/>
-                                          </p:val>
-                                        </p:tav>
-                                        <p:tav tm="100000">
-                                          <p:val>
-                                            <p:strVal val="#ppt_x"/>
-                                          </p:val>
-                                        </p:tav>
-                                      </p:tavLst>
-                                    </p:anim>
-                                    <p:anim calcmode="lin" valueType="num">
-                                      <p:cBhvr additive="base">
-                                        <p:cTn id="37" dur="500" fill="hold"/>
-                                        <p:tgtEl>
-                                          <p:spTgt spid="3">
-                                            <p:txEl>
-                                              <p:pRg st="5" end="5"/>
-                                            </p:txEl>
-                                          </p:spTgt>
-                                        </p:tgtEl>
-                                        <p:attrNameLst>
-                                          <p:attrName>ppt_y</p:attrName>
-                                        </p:attrNameLst>
-                                      </p:cBhvr>
-                                      <p:tavLst>
-                                        <p:tav tm="0">
-                                          <p:val>
-                                            <p:strVal val="1+#ppt_h/2"/>
-                                          </p:val>
-                                        </p:tav>
-                                        <p:tav tm="100000">
-                                          <p:val>
-                                            <p:strVal val="#ppt_y"/>
-                                          </p:val>
-                                        </p:tav>
-                                      </p:tavLst>
-                                    </p:anim>
-                                  </p:childTnLst>
-                                </p:cTn>
-                              </p:par>
-                            </p:childTnLst>
-                          </p:cTn>
-                        </p:par>
-                        <p:par>
-                          <p:cTn id="38" fill="hold">
-                            <p:stCondLst>
-                              <p:cond delay="5000"/>
-                            </p:stCondLst>
-                            <p:childTnLst>
-                              <p:par>
-                                <p:cTn id="39" presetID="2" presetClass="entr" presetSubtype="4" fill="hold" grpId="0" nodeType="afterEffect">
-                                  <p:stCondLst>
-                                    <p:cond delay="0"/>
-                                  </p:stCondLst>
-                                  <p:childTnLst>
-                                    <p:set>
-                                      <p:cBhvr>
-                                        <p:cTn id="40" dur="1" fill="hold">
-                                          <p:stCondLst>
-                                            <p:cond delay="0"/>
-                                          </p:stCondLst>
-                                        </p:cTn>
-                                        <p:tgtEl>
-                                          <p:spTgt spid="3">
-                                            <p:txEl>
-                                              <p:pRg st="6" end="6"/>
-                                            </p:txEl>
-                                          </p:spTgt>
-                                        </p:tgtEl>
-                                        <p:attrNameLst>
-                                          <p:attrName>style.visibility</p:attrName>
-                                        </p:attrNameLst>
-                                      </p:cBhvr>
-                                      <p:to>
-                                        <p:strVal val="visible"/>
-                                      </p:to>
-                                    </p:set>
-                                    <p:anim calcmode="lin" valueType="num">
-                                      <p:cBhvr additive="base">
-                                        <p:cTn id="41" dur="500" fill="hold"/>
-                                        <p:tgtEl>
-                                          <p:spTgt spid="3">
-                                            <p:txEl>
-                                              <p:pRg st="6" end="6"/>
-                                            </p:txEl>
-                                          </p:spTgt>
-                                        </p:tgtEl>
-                                        <p:attrNameLst>
-                                          <p:attrName>ppt_x</p:attrName>
-                                        </p:attrNameLst>
-                                      </p:cBhvr>
-                                      <p:tavLst>
-                                        <p:tav tm="0">
-                                          <p:val>
-                                            <p:strVal val="#ppt_x"/>
-                                          </p:val>
-                                        </p:tav>
-                                        <p:tav tm="100000">
-                                          <p:val>
-                                            <p:strVal val="#ppt_x"/>
-                                          </p:val>
-                                        </p:tav>
-                                      </p:tavLst>
-                                    </p:anim>
-                                    <p:anim calcmode="lin" valueType="num">
-                                      <p:cBhvr additive="base">
-                                        <p:cTn id="42" dur="500" fill="hold"/>
-                                        <p:tgtEl>
-                                          <p:spTgt spid="3">
-                                            <p:txEl>
-                                              <p:pRg st="6" end="6"/>
                                             </p:txEl>
                                           </p:spTgt>
                                         </p:tgtEl>
@@ -8179,6 +7813,1625 @@
 </file>
 
 <file path=ppt/slides/slide15.xml><?xml version="1.0" encoding="utf-8"?>
+<p:sld xmlns:a="http://schemas.openxmlformats.org/drawingml/2006/main" xmlns:r="http://schemas.openxmlformats.org/officeDocument/2006/relationships" xmlns:p="http://schemas.openxmlformats.org/presentationml/2006/main">
+  <p:cSld>
+    <p:spTree>
+      <p:nvGrpSpPr>
+        <p:cNvPr id="1" name=""/>
+        <p:cNvGrpSpPr/>
+        <p:nvPr/>
+      </p:nvGrpSpPr>
+      <p:grpSpPr>
+        <a:xfrm>
+          <a:off x="0" y="0"/>
+          <a:ext cx="0" cy="0"/>
+          <a:chOff x="0" y="0"/>
+          <a:chExt cx="0" cy="0"/>
+        </a:xfrm>
+      </p:grpSpPr>
+      <p:sp>
+        <p:nvSpPr>
+          <p:cNvPr id="2" name="Nadpis 1">
+            <a:extLst>
+              <a:ext uri="{FF2B5EF4-FFF2-40B4-BE49-F238E27FC236}">
+                <a16:creationId xmlns:a16="http://schemas.microsoft.com/office/drawing/2014/main" id="{11DD08FF-7F34-F76B-5E0E-1F361616859E}"/>
+              </a:ext>
+            </a:extLst>
+          </p:cNvPr>
+          <p:cNvSpPr>
+            <a:spLocks noGrp="1"/>
+          </p:cNvSpPr>
+          <p:nvPr>
+            <p:ph type="title"/>
+          </p:nvPr>
+        </p:nvSpPr>
+        <p:spPr/>
+        <p:txBody>
+          <a:bodyPr/>
+          <a:lstStyle/>
+          <a:p>
+            <a:r>
+              <a:rPr lang="cs-CZ" dirty="0"/>
+              <a:t>Kódování – Base64</a:t>
+            </a:r>
+          </a:p>
+        </p:txBody>
+      </p:sp>
+      <p:sp>
+        <p:nvSpPr>
+          <p:cNvPr id="3" name="Zástupný obsah 2">
+            <a:extLst>
+              <a:ext uri="{FF2B5EF4-FFF2-40B4-BE49-F238E27FC236}">
+                <a16:creationId xmlns:a16="http://schemas.microsoft.com/office/drawing/2014/main" id="{54B17671-DEC5-6BF7-5723-7062EA58E752}"/>
+              </a:ext>
+            </a:extLst>
+          </p:cNvPr>
+          <p:cNvSpPr>
+            <a:spLocks noGrp="1"/>
+          </p:cNvSpPr>
+          <p:nvPr>
+            <p:ph idx="1"/>
+          </p:nvPr>
+        </p:nvSpPr>
+        <p:spPr>
+          <a:xfrm>
+            <a:off x="838200" y="1825625"/>
+            <a:ext cx="10515600" cy="2293702"/>
+          </a:xfrm>
+        </p:spPr>
+        <p:txBody>
+          <a:bodyPr/>
+          <a:lstStyle/>
+          <a:p>
+            <a:pPr>
+              <a:buFont typeface="Wingdings" panose="05000000000000000000" pitchFamily="2" charset="2"/>
+              <a:buChar char="v"/>
+            </a:pPr>
+            <a:r>
+              <a:rPr lang="cs-CZ" dirty="0"/>
+              <a:t>Písmena ve zprávě se zakódují 8b kódováním</a:t>
+            </a:r>
+          </a:p>
+          <a:p>
+            <a:pPr>
+              <a:buFont typeface="Wingdings" panose="05000000000000000000" pitchFamily="2" charset="2"/>
+              <a:buChar char="v"/>
+            </a:pPr>
+            <a:r>
+              <a:rPr lang="cs-CZ" dirty="0"/>
+              <a:t>A následně se dekódují 6b kódováním, vždy do čtveřic</a:t>
+            </a:r>
+          </a:p>
+          <a:p>
+            <a:pPr>
+              <a:buFont typeface="Wingdings" panose="05000000000000000000" pitchFamily="2" charset="2"/>
+              <a:buChar char="v"/>
+            </a:pPr>
+            <a:r>
+              <a:rPr lang="cs-CZ" dirty="0"/>
+              <a:t>Případné mezery ve čtveřicích na konci jsou vyplněny =</a:t>
+            </a:r>
+          </a:p>
+          <a:p>
+            <a:pPr>
+              <a:buFont typeface="Wingdings" panose="05000000000000000000" pitchFamily="2" charset="2"/>
+              <a:buChar char="v"/>
+            </a:pPr>
+            <a:r>
+              <a:rPr lang="cs-CZ" dirty="0" err="1"/>
+              <a:t>Ma</a:t>
+            </a:r>
+            <a:r>
+              <a:rPr lang="cs-CZ" dirty="0"/>
+              <a:t> =&gt; TWE=</a:t>
+            </a:r>
+          </a:p>
+        </p:txBody>
+      </p:sp>
+      <p:pic>
+        <p:nvPicPr>
+          <p:cNvPr id="5" name="Obrázek 4">
+            <a:extLst>
+              <a:ext uri="{FF2B5EF4-FFF2-40B4-BE49-F238E27FC236}">
+                <a16:creationId xmlns:a16="http://schemas.microsoft.com/office/drawing/2014/main" id="{7764A035-D16D-9925-EA46-8CB5804A8875}"/>
+              </a:ext>
+            </a:extLst>
+          </p:cNvPr>
+          <p:cNvPicPr>
+            <a:picLocks noChangeAspect="1"/>
+          </p:cNvPicPr>
+          <p:nvPr/>
+        </p:nvPicPr>
+        <p:blipFill>
+          <a:blip r:embed="rId3"/>
+          <a:stretch>
+            <a:fillRect/>
+          </a:stretch>
+        </p:blipFill>
+        <p:spPr>
+          <a:xfrm>
+            <a:off x="1866900" y="4254216"/>
+            <a:ext cx="4229100" cy="1190625"/>
+          </a:xfrm>
+          <a:prstGeom prst="rect">
+            <a:avLst/>
+          </a:prstGeom>
+        </p:spPr>
+      </p:pic>
+    </p:spTree>
+    <p:extLst>
+      <p:ext uri="{BB962C8B-B14F-4D97-AF65-F5344CB8AC3E}">
+        <p14:creationId xmlns:p14="http://schemas.microsoft.com/office/powerpoint/2010/main" val="599014043"/>
+      </p:ext>
+    </p:extLst>
+  </p:cSld>
+  <p:clrMapOvr>
+    <a:masterClrMapping/>
+  </p:clrMapOvr>
+  <p:transition spd="slow" advTm="99421">
+    <p:push dir="u"/>
+  </p:transition>
+  <p:timing>
+    <p:tnLst>
+      <p:par>
+        <p:cTn id="1" dur="indefinite" restart="never" nodeType="tmRoot">
+          <p:childTnLst>
+            <p:seq concurrent="1" nextAc="seek">
+              <p:cTn id="2" dur="indefinite" nodeType="mainSeq">
+                <p:childTnLst>
+                  <p:par>
+                    <p:cTn id="3" fill="hold">
+                      <p:stCondLst>
+                        <p:cond delay="indefinite"/>
+                        <p:cond evt="onBegin" delay="0">
+                          <p:tn val="2"/>
+                        </p:cond>
+                      </p:stCondLst>
+                      <p:childTnLst>
+                        <p:par>
+                          <p:cTn id="4" fill="hold">
+                            <p:stCondLst>
+                              <p:cond delay="0"/>
+                            </p:stCondLst>
+                            <p:childTnLst>
+                              <p:par>
+                                <p:cTn id="5" presetID="6" presetClass="entr" presetSubtype="16" fill="hold" grpId="0" nodeType="withEffect">
+                                  <p:stCondLst>
+                                    <p:cond delay="0"/>
+                                  </p:stCondLst>
+                                  <p:childTnLst>
+                                    <p:set>
+                                      <p:cBhvr>
+                                        <p:cTn id="6" dur="1" fill="hold">
+                                          <p:stCondLst>
+                                            <p:cond delay="0"/>
+                                          </p:stCondLst>
+                                        </p:cTn>
+                                        <p:tgtEl>
+                                          <p:spTgt spid="2"/>
+                                        </p:tgtEl>
+                                        <p:attrNameLst>
+                                          <p:attrName>style.visibility</p:attrName>
+                                        </p:attrNameLst>
+                                      </p:cBhvr>
+                                      <p:to>
+                                        <p:strVal val="visible"/>
+                                      </p:to>
+                                    </p:set>
+                                    <p:animEffect transition="in" filter="circle(in)">
+                                      <p:cBhvr>
+                                        <p:cTn id="7" dur="2000"/>
+                                        <p:tgtEl>
+                                          <p:spTgt spid="2"/>
+                                        </p:tgtEl>
+                                      </p:cBhvr>
+                                    </p:animEffect>
+                                  </p:childTnLst>
+                                </p:cTn>
+                              </p:par>
+                            </p:childTnLst>
+                          </p:cTn>
+                        </p:par>
+                        <p:par>
+                          <p:cTn id="8" fill="hold">
+                            <p:stCondLst>
+                              <p:cond delay="2000"/>
+                            </p:stCondLst>
+                            <p:childTnLst>
+                              <p:par>
+                                <p:cTn id="9" presetID="2" presetClass="entr" presetSubtype="4" fill="hold" grpId="0" nodeType="afterEffect">
+                                  <p:stCondLst>
+                                    <p:cond delay="0"/>
+                                  </p:stCondLst>
+                                  <p:childTnLst>
+                                    <p:set>
+                                      <p:cBhvr>
+                                        <p:cTn id="10" dur="1" fill="hold">
+                                          <p:stCondLst>
+                                            <p:cond delay="0"/>
+                                          </p:stCondLst>
+                                        </p:cTn>
+                                        <p:tgtEl>
+                                          <p:spTgt spid="3">
+                                            <p:txEl>
+                                              <p:pRg st="0" end="0"/>
+                                            </p:txEl>
+                                          </p:spTgt>
+                                        </p:tgtEl>
+                                        <p:attrNameLst>
+                                          <p:attrName>style.visibility</p:attrName>
+                                        </p:attrNameLst>
+                                      </p:cBhvr>
+                                      <p:to>
+                                        <p:strVal val="visible"/>
+                                      </p:to>
+                                    </p:set>
+                                    <p:anim calcmode="lin" valueType="num">
+                                      <p:cBhvr additive="base">
+                                        <p:cTn id="11" dur="500" fill="hold"/>
+                                        <p:tgtEl>
+                                          <p:spTgt spid="3">
+                                            <p:txEl>
+                                              <p:pRg st="0" end="0"/>
+                                            </p:txEl>
+                                          </p:spTgt>
+                                        </p:tgtEl>
+                                        <p:attrNameLst>
+                                          <p:attrName>ppt_x</p:attrName>
+                                        </p:attrNameLst>
+                                      </p:cBhvr>
+                                      <p:tavLst>
+                                        <p:tav tm="0">
+                                          <p:val>
+                                            <p:strVal val="#ppt_x"/>
+                                          </p:val>
+                                        </p:tav>
+                                        <p:tav tm="100000">
+                                          <p:val>
+                                            <p:strVal val="#ppt_x"/>
+                                          </p:val>
+                                        </p:tav>
+                                      </p:tavLst>
+                                    </p:anim>
+                                    <p:anim calcmode="lin" valueType="num">
+                                      <p:cBhvr additive="base">
+                                        <p:cTn id="12" dur="500" fill="hold"/>
+                                        <p:tgtEl>
+                                          <p:spTgt spid="3">
+                                            <p:txEl>
+                                              <p:pRg st="0" end="0"/>
+                                            </p:txEl>
+                                          </p:spTgt>
+                                        </p:tgtEl>
+                                        <p:attrNameLst>
+                                          <p:attrName>ppt_y</p:attrName>
+                                        </p:attrNameLst>
+                                      </p:cBhvr>
+                                      <p:tavLst>
+                                        <p:tav tm="0">
+                                          <p:val>
+                                            <p:strVal val="1+#ppt_h/2"/>
+                                          </p:val>
+                                        </p:tav>
+                                        <p:tav tm="100000">
+                                          <p:val>
+                                            <p:strVal val="#ppt_y"/>
+                                          </p:val>
+                                        </p:tav>
+                                      </p:tavLst>
+                                    </p:anim>
+                                  </p:childTnLst>
+                                </p:cTn>
+                              </p:par>
+                            </p:childTnLst>
+                          </p:cTn>
+                        </p:par>
+                        <p:par>
+                          <p:cTn id="13" fill="hold">
+                            <p:stCondLst>
+                              <p:cond delay="2500"/>
+                            </p:stCondLst>
+                            <p:childTnLst>
+                              <p:par>
+                                <p:cTn id="14" presetID="2" presetClass="entr" presetSubtype="4" fill="hold" grpId="0" nodeType="afterEffect">
+                                  <p:stCondLst>
+                                    <p:cond delay="0"/>
+                                  </p:stCondLst>
+                                  <p:childTnLst>
+                                    <p:set>
+                                      <p:cBhvr>
+                                        <p:cTn id="15" dur="1" fill="hold">
+                                          <p:stCondLst>
+                                            <p:cond delay="0"/>
+                                          </p:stCondLst>
+                                        </p:cTn>
+                                        <p:tgtEl>
+                                          <p:spTgt spid="3">
+                                            <p:txEl>
+                                              <p:pRg st="1" end="1"/>
+                                            </p:txEl>
+                                          </p:spTgt>
+                                        </p:tgtEl>
+                                        <p:attrNameLst>
+                                          <p:attrName>style.visibility</p:attrName>
+                                        </p:attrNameLst>
+                                      </p:cBhvr>
+                                      <p:to>
+                                        <p:strVal val="visible"/>
+                                      </p:to>
+                                    </p:set>
+                                    <p:anim calcmode="lin" valueType="num">
+                                      <p:cBhvr additive="base">
+                                        <p:cTn id="16" dur="500" fill="hold"/>
+                                        <p:tgtEl>
+                                          <p:spTgt spid="3">
+                                            <p:txEl>
+                                              <p:pRg st="1" end="1"/>
+                                            </p:txEl>
+                                          </p:spTgt>
+                                        </p:tgtEl>
+                                        <p:attrNameLst>
+                                          <p:attrName>ppt_x</p:attrName>
+                                        </p:attrNameLst>
+                                      </p:cBhvr>
+                                      <p:tavLst>
+                                        <p:tav tm="0">
+                                          <p:val>
+                                            <p:strVal val="#ppt_x"/>
+                                          </p:val>
+                                        </p:tav>
+                                        <p:tav tm="100000">
+                                          <p:val>
+                                            <p:strVal val="#ppt_x"/>
+                                          </p:val>
+                                        </p:tav>
+                                      </p:tavLst>
+                                    </p:anim>
+                                    <p:anim calcmode="lin" valueType="num">
+                                      <p:cBhvr additive="base">
+                                        <p:cTn id="17" dur="500" fill="hold"/>
+                                        <p:tgtEl>
+                                          <p:spTgt spid="3">
+                                            <p:txEl>
+                                              <p:pRg st="1" end="1"/>
+                                            </p:txEl>
+                                          </p:spTgt>
+                                        </p:tgtEl>
+                                        <p:attrNameLst>
+                                          <p:attrName>ppt_y</p:attrName>
+                                        </p:attrNameLst>
+                                      </p:cBhvr>
+                                      <p:tavLst>
+                                        <p:tav tm="0">
+                                          <p:val>
+                                            <p:strVal val="1+#ppt_h/2"/>
+                                          </p:val>
+                                        </p:tav>
+                                        <p:tav tm="100000">
+                                          <p:val>
+                                            <p:strVal val="#ppt_y"/>
+                                          </p:val>
+                                        </p:tav>
+                                      </p:tavLst>
+                                    </p:anim>
+                                  </p:childTnLst>
+                                </p:cTn>
+                              </p:par>
+                            </p:childTnLst>
+                          </p:cTn>
+                        </p:par>
+                        <p:par>
+                          <p:cTn id="18" fill="hold">
+                            <p:stCondLst>
+                              <p:cond delay="3000"/>
+                            </p:stCondLst>
+                            <p:childTnLst>
+                              <p:par>
+                                <p:cTn id="19" presetID="2" presetClass="entr" presetSubtype="4" fill="hold" grpId="0" nodeType="afterEffect">
+                                  <p:stCondLst>
+                                    <p:cond delay="0"/>
+                                  </p:stCondLst>
+                                  <p:childTnLst>
+                                    <p:set>
+                                      <p:cBhvr>
+                                        <p:cTn id="20" dur="1" fill="hold">
+                                          <p:stCondLst>
+                                            <p:cond delay="0"/>
+                                          </p:stCondLst>
+                                        </p:cTn>
+                                        <p:tgtEl>
+                                          <p:spTgt spid="3">
+                                            <p:txEl>
+                                              <p:pRg st="2" end="2"/>
+                                            </p:txEl>
+                                          </p:spTgt>
+                                        </p:tgtEl>
+                                        <p:attrNameLst>
+                                          <p:attrName>style.visibility</p:attrName>
+                                        </p:attrNameLst>
+                                      </p:cBhvr>
+                                      <p:to>
+                                        <p:strVal val="visible"/>
+                                      </p:to>
+                                    </p:set>
+                                    <p:anim calcmode="lin" valueType="num">
+                                      <p:cBhvr additive="base">
+                                        <p:cTn id="21" dur="500" fill="hold"/>
+                                        <p:tgtEl>
+                                          <p:spTgt spid="3">
+                                            <p:txEl>
+                                              <p:pRg st="2" end="2"/>
+                                            </p:txEl>
+                                          </p:spTgt>
+                                        </p:tgtEl>
+                                        <p:attrNameLst>
+                                          <p:attrName>ppt_x</p:attrName>
+                                        </p:attrNameLst>
+                                      </p:cBhvr>
+                                      <p:tavLst>
+                                        <p:tav tm="0">
+                                          <p:val>
+                                            <p:strVal val="#ppt_x"/>
+                                          </p:val>
+                                        </p:tav>
+                                        <p:tav tm="100000">
+                                          <p:val>
+                                            <p:strVal val="#ppt_x"/>
+                                          </p:val>
+                                        </p:tav>
+                                      </p:tavLst>
+                                    </p:anim>
+                                    <p:anim calcmode="lin" valueType="num">
+                                      <p:cBhvr additive="base">
+                                        <p:cTn id="22" dur="500" fill="hold"/>
+                                        <p:tgtEl>
+                                          <p:spTgt spid="3">
+                                            <p:txEl>
+                                              <p:pRg st="2" end="2"/>
+                                            </p:txEl>
+                                          </p:spTgt>
+                                        </p:tgtEl>
+                                        <p:attrNameLst>
+                                          <p:attrName>ppt_y</p:attrName>
+                                        </p:attrNameLst>
+                                      </p:cBhvr>
+                                      <p:tavLst>
+                                        <p:tav tm="0">
+                                          <p:val>
+                                            <p:strVal val="1+#ppt_h/2"/>
+                                          </p:val>
+                                        </p:tav>
+                                        <p:tav tm="100000">
+                                          <p:val>
+                                            <p:strVal val="#ppt_y"/>
+                                          </p:val>
+                                        </p:tav>
+                                      </p:tavLst>
+                                    </p:anim>
+                                  </p:childTnLst>
+                                </p:cTn>
+                              </p:par>
+                            </p:childTnLst>
+                          </p:cTn>
+                        </p:par>
+                        <p:par>
+                          <p:cTn id="23" fill="hold">
+                            <p:stCondLst>
+                              <p:cond delay="3500"/>
+                            </p:stCondLst>
+                            <p:childTnLst>
+                              <p:par>
+                                <p:cTn id="24" presetID="2" presetClass="entr" presetSubtype="4" fill="hold" grpId="0" nodeType="afterEffect">
+                                  <p:stCondLst>
+                                    <p:cond delay="0"/>
+                                  </p:stCondLst>
+                                  <p:childTnLst>
+                                    <p:set>
+                                      <p:cBhvr>
+                                        <p:cTn id="25" dur="1" fill="hold">
+                                          <p:stCondLst>
+                                            <p:cond delay="0"/>
+                                          </p:stCondLst>
+                                        </p:cTn>
+                                        <p:tgtEl>
+                                          <p:spTgt spid="3">
+                                            <p:txEl>
+                                              <p:pRg st="3" end="3"/>
+                                            </p:txEl>
+                                          </p:spTgt>
+                                        </p:tgtEl>
+                                        <p:attrNameLst>
+                                          <p:attrName>style.visibility</p:attrName>
+                                        </p:attrNameLst>
+                                      </p:cBhvr>
+                                      <p:to>
+                                        <p:strVal val="visible"/>
+                                      </p:to>
+                                    </p:set>
+                                    <p:anim calcmode="lin" valueType="num">
+                                      <p:cBhvr additive="base">
+                                        <p:cTn id="26" dur="500" fill="hold"/>
+                                        <p:tgtEl>
+                                          <p:spTgt spid="3">
+                                            <p:txEl>
+                                              <p:pRg st="3" end="3"/>
+                                            </p:txEl>
+                                          </p:spTgt>
+                                        </p:tgtEl>
+                                        <p:attrNameLst>
+                                          <p:attrName>ppt_x</p:attrName>
+                                        </p:attrNameLst>
+                                      </p:cBhvr>
+                                      <p:tavLst>
+                                        <p:tav tm="0">
+                                          <p:val>
+                                            <p:strVal val="#ppt_x"/>
+                                          </p:val>
+                                        </p:tav>
+                                        <p:tav tm="100000">
+                                          <p:val>
+                                            <p:strVal val="#ppt_x"/>
+                                          </p:val>
+                                        </p:tav>
+                                      </p:tavLst>
+                                    </p:anim>
+                                    <p:anim calcmode="lin" valueType="num">
+                                      <p:cBhvr additive="base">
+                                        <p:cTn id="27" dur="500" fill="hold"/>
+                                        <p:tgtEl>
+                                          <p:spTgt spid="3">
+                                            <p:txEl>
+                                              <p:pRg st="3" end="3"/>
+                                            </p:txEl>
+                                          </p:spTgt>
+                                        </p:tgtEl>
+                                        <p:attrNameLst>
+                                          <p:attrName>ppt_y</p:attrName>
+                                        </p:attrNameLst>
+                                      </p:cBhvr>
+                                      <p:tavLst>
+                                        <p:tav tm="0">
+                                          <p:val>
+                                            <p:strVal val="1+#ppt_h/2"/>
+                                          </p:val>
+                                        </p:tav>
+                                        <p:tav tm="100000">
+                                          <p:val>
+                                            <p:strVal val="#ppt_y"/>
+                                          </p:val>
+                                        </p:tav>
+                                      </p:tavLst>
+                                    </p:anim>
+                                  </p:childTnLst>
+                                </p:cTn>
+                              </p:par>
+                            </p:childTnLst>
+                          </p:cTn>
+                        </p:par>
+                        <p:par>
+                          <p:cTn id="28" fill="hold">
+                            <p:stCondLst>
+                              <p:cond delay="4000"/>
+                            </p:stCondLst>
+                            <p:childTnLst>
+                              <p:par>
+                                <p:cTn id="29" presetID="6" presetClass="entr" presetSubtype="16" fill="hold" nodeType="afterEffect">
+                                  <p:stCondLst>
+                                    <p:cond delay="0"/>
+                                  </p:stCondLst>
+                                  <p:childTnLst>
+                                    <p:set>
+                                      <p:cBhvr>
+                                        <p:cTn id="30" dur="1" fill="hold">
+                                          <p:stCondLst>
+                                            <p:cond delay="0"/>
+                                          </p:stCondLst>
+                                        </p:cTn>
+                                        <p:tgtEl>
+                                          <p:spTgt spid="5"/>
+                                        </p:tgtEl>
+                                        <p:attrNameLst>
+                                          <p:attrName>style.visibility</p:attrName>
+                                        </p:attrNameLst>
+                                      </p:cBhvr>
+                                      <p:to>
+                                        <p:strVal val="visible"/>
+                                      </p:to>
+                                    </p:set>
+                                    <p:animEffect transition="in" filter="circle(in)">
+                                      <p:cBhvr>
+                                        <p:cTn id="31" dur="2000"/>
+                                        <p:tgtEl>
+                                          <p:spTgt spid="5"/>
+                                        </p:tgtEl>
+                                      </p:cBhvr>
+                                    </p:animEffect>
+                                  </p:childTnLst>
+                                </p:cTn>
+                              </p:par>
+                            </p:childTnLst>
+                          </p:cTn>
+                        </p:par>
+                      </p:childTnLst>
+                    </p:cTn>
+                  </p:par>
+                </p:childTnLst>
+              </p:cTn>
+              <p:prevCondLst>
+                <p:cond evt="onPrev" delay="0">
+                  <p:tgtEl>
+                    <p:sldTgt/>
+                  </p:tgtEl>
+                </p:cond>
+              </p:prevCondLst>
+              <p:nextCondLst>
+                <p:cond evt="onNext" delay="0">
+                  <p:tgtEl>
+                    <p:sldTgt/>
+                  </p:tgtEl>
+                </p:cond>
+              </p:nextCondLst>
+            </p:seq>
+          </p:childTnLst>
+        </p:cTn>
+      </p:par>
+    </p:tnLst>
+    <p:bldLst>
+      <p:bldP spid="2" grpId="0"/>
+      <p:bldP spid="3" grpId="0" build="p"/>
+    </p:bldLst>
+  </p:timing>
+</p:sld>
+</file>
+
+<file path=ppt/slides/slide16.xml><?xml version="1.0" encoding="utf-8"?>
+<p:sld xmlns:a="http://schemas.openxmlformats.org/drawingml/2006/main" xmlns:r="http://schemas.openxmlformats.org/officeDocument/2006/relationships" xmlns:p="http://schemas.openxmlformats.org/presentationml/2006/main">
+  <p:cSld>
+    <p:spTree>
+      <p:nvGrpSpPr>
+        <p:cNvPr id="1" name=""/>
+        <p:cNvGrpSpPr/>
+        <p:nvPr/>
+      </p:nvGrpSpPr>
+      <p:grpSpPr>
+        <a:xfrm>
+          <a:off x="0" y="0"/>
+          <a:ext cx="0" cy="0"/>
+          <a:chOff x="0" y="0"/>
+          <a:chExt cx="0" cy="0"/>
+        </a:xfrm>
+      </p:grpSpPr>
+      <p:sp>
+        <p:nvSpPr>
+          <p:cNvPr id="2" name="Nadpis 1">
+            <a:extLst>
+              <a:ext uri="{FF2B5EF4-FFF2-40B4-BE49-F238E27FC236}">
+                <a16:creationId xmlns:a16="http://schemas.microsoft.com/office/drawing/2014/main" id="{85E75097-1820-F4F0-8023-F486555D13FF}"/>
+              </a:ext>
+            </a:extLst>
+          </p:cNvPr>
+          <p:cNvSpPr>
+            <a:spLocks noGrp="1"/>
+          </p:cNvSpPr>
+          <p:nvPr>
+            <p:ph type="title"/>
+          </p:nvPr>
+        </p:nvSpPr>
+        <p:spPr/>
+        <p:txBody>
+          <a:bodyPr/>
+          <a:lstStyle/>
+          <a:p>
+            <a:r>
+              <a:rPr lang="cs-CZ" dirty="0"/>
+              <a:t>Pár slov o </a:t>
+            </a:r>
+            <a:r>
+              <a:rPr lang="cs-CZ" dirty="0" err="1"/>
+              <a:t>hashích</a:t>
+            </a:r>
+            <a:endParaRPr lang="cs-CZ" dirty="0"/>
+          </a:p>
+        </p:txBody>
+      </p:sp>
+      <p:sp>
+        <p:nvSpPr>
+          <p:cNvPr id="3" name="Zástupný obsah 2">
+            <a:extLst>
+              <a:ext uri="{FF2B5EF4-FFF2-40B4-BE49-F238E27FC236}">
+                <a16:creationId xmlns:a16="http://schemas.microsoft.com/office/drawing/2014/main" id="{4B0C9779-47D6-3980-F0EB-649DB0284224}"/>
+              </a:ext>
+            </a:extLst>
+          </p:cNvPr>
+          <p:cNvSpPr>
+            <a:spLocks noGrp="1"/>
+          </p:cNvSpPr>
+          <p:nvPr>
+            <p:ph idx="1"/>
+          </p:nvPr>
+        </p:nvSpPr>
+        <p:spPr>
+          <a:xfrm>
+            <a:off x="838200" y="1825624"/>
+            <a:ext cx="10515600" cy="5032375"/>
+          </a:xfrm>
+        </p:spPr>
+        <p:txBody>
+          <a:bodyPr/>
+          <a:lstStyle/>
+          <a:p>
+            <a:pPr>
+              <a:buFont typeface="Wingdings" panose="05000000000000000000" pitchFamily="2" charset="2"/>
+              <a:buChar char="v"/>
+            </a:pPr>
+            <a:r>
+              <a:rPr lang="cs-CZ" dirty="0"/>
+              <a:t>Charakteristika:</a:t>
+            </a:r>
+          </a:p>
+          <a:p>
+            <a:pPr>
+              <a:buFont typeface="Wingdings" panose="05000000000000000000" pitchFamily="2" charset="2"/>
+              <a:buChar char="v"/>
+            </a:pPr>
+            <a:r>
+              <a:rPr lang="cs-CZ" dirty="0"/>
+              <a:t>Pevná délka</a:t>
+            </a:r>
+          </a:p>
+          <a:p>
+            <a:pPr>
+              <a:buFont typeface="Wingdings" panose="05000000000000000000" pitchFamily="2" charset="2"/>
+              <a:buChar char="v"/>
+            </a:pPr>
+            <a:r>
+              <a:rPr lang="cs-CZ" dirty="0"/>
+              <a:t>Malá změna ve vstupu -</a:t>
+            </a:r>
+            <a:r>
+              <a:rPr lang="en-US" dirty="0"/>
+              <a:t>&gt;</a:t>
+            </a:r>
+            <a:r>
+              <a:rPr lang="cs-CZ" dirty="0"/>
+              <a:t> Velká změna ve výstupu</a:t>
+            </a:r>
+          </a:p>
+          <a:p>
+            <a:pPr>
+              <a:buFont typeface="Wingdings" panose="05000000000000000000" pitchFamily="2" charset="2"/>
+              <a:buChar char="v"/>
+            </a:pPr>
+            <a:r>
+              <a:rPr lang="cs-CZ" dirty="0"/>
+              <a:t>Každý vstup má jedinečnou </a:t>
+            </a:r>
+            <a:r>
+              <a:rPr lang="cs-CZ" dirty="0" err="1"/>
+              <a:t>hash</a:t>
+            </a:r>
+            <a:endParaRPr lang="cs-CZ" dirty="0"/>
+          </a:p>
+          <a:p>
+            <a:pPr>
+              <a:buFont typeface="Wingdings" panose="05000000000000000000" pitchFamily="2" charset="2"/>
+              <a:buChar char="v"/>
+            </a:pPr>
+            <a:r>
+              <a:rPr lang="cs-CZ" dirty="0"/>
+              <a:t>Jednosměrná funkce = z </a:t>
+            </a:r>
+            <a:r>
+              <a:rPr lang="cs-CZ" dirty="0" err="1"/>
+              <a:t>hashe</a:t>
+            </a:r>
+            <a:r>
+              <a:rPr lang="cs-CZ" dirty="0"/>
+              <a:t> nemůžu získat původní vstup</a:t>
+            </a:r>
+          </a:p>
+          <a:p>
+            <a:pPr>
+              <a:buFont typeface="Wingdings" panose="05000000000000000000" pitchFamily="2" charset="2"/>
+              <a:buChar char="v"/>
+            </a:pPr>
+            <a:r>
+              <a:rPr lang="cs-CZ" dirty="0"/>
+              <a:t>Příklad </a:t>
+            </a:r>
+            <a:r>
+              <a:rPr lang="cs-CZ" dirty="0" err="1"/>
+              <a:t>hashe</a:t>
+            </a:r>
+            <a:r>
+              <a:rPr lang="cs-CZ" dirty="0"/>
+              <a:t>: 2241be2e7652451c1b00634e03c68dc3</a:t>
+            </a:r>
+          </a:p>
+          <a:p>
+            <a:pPr>
+              <a:buFont typeface="Wingdings" panose="05000000000000000000" pitchFamily="2" charset="2"/>
+              <a:buChar char="v"/>
+            </a:pPr>
+            <a:r>
+              <a:rPr lang="cs-CZ" dirty="0"/>
+              <a:t>Příklady hashovacích algoritmů: </a:t>
+            </a:r>
+            <a:br>
+              <a:rPr lang="cs-CZ" dirty="0"/>
+            </a:br>
+            <a:r>
+              <a:rPr lang="cs-CZ" dirty="0"/>
+              <a:t>MD5, NTLM, SHA1/256/512</a:t>
+            </a:r>
+          </a:p>
+        </p:txBody>
+      </p:sp>
+    </p:spTree>
+    <p:extLst>
+      <p:ext uri="{BB962C8B-B14F-4D97-AF65-F5344CB8AC3E}">
+        <p14:creationId xmlns:p14="http://schemas.microsoft.com/office/powerpoint/2010/main" val="1955086012"/>
+      </p:ext>
+    </p:extLst>
+  </p:cSld>
+  <p:clrMapOvr>
+    <a:masterClrMapping/>
+  </p:clrMapOvr>
+  <p:transition spd="slow" advTm="133580">
+    <p:push dir="u"/>
+  </p:transition>
+  <p:timing>
+    <p:tnLst>
+      <p:par>
+        <p:cTn id="1" dur="indefinite" restart="never" nodeType="tmRoot">
+          <p:childTnLst>
+            <p:seq concurrent="1" nextAc="seek">
+              <p:cTn id="2" dur="indefinite" nodeType="mainSeq">
+                <p:childTnLst>
+                  <p:par>
+                    <p:cTn id="3" fill="hold">
+                      <p:stCondLst>
+                        <p:cond delay="indefinite"/>
+                        <p:cond evt="onBegin" delay="0">
+                          <p:tn val="2"/>
+                        </p:cond>
+                      </p:stCondLst>
+                      <p:childTnLst>
+                        <p:par>
+                          <p:cTn id="4" fill="hold">
+                            <p:stCondLst>
+                              <p:cond delay="0"/>
+                            </p:stCondLst>
+                            <p:childTnLst>
+                              <p:par>
+                                <p:cTn id="5" presetID="6" presetClass="entr" presetSubtype="16" fill="hold" grpId="0" nodeType="withEffect">
+                                  <p:stCondLst>
+                                    <p:cond delay="0"/>
+                                  </p:stCondLst>
+                                  <p:childTnLst>
+                                    <p:set>
+                                      <p:cBhvr>
+                                        <p:cTn id="6" dur="1" fill="hold">
+                                          <p:stCondLst>
+                                            <p:cond delay="0"/>
+                                          </p:stCondLst>
+                                        </p:cTn>
+                                        <p:tgtEl>
+                                          <p:spTgt spid="2"/>
+                                        </p:tgtEl>
+                                        <p:attrNameLst>
+                                          <p:attrName>style.visibility</p:attrName>
+                                        </p:attrNameLst>
+                                      </p:cBhvr>
+                                      <p:to>
+                                        <p:strVal val="visible"/>
+                                      </p:to>
+                                    </p:set>
+                                    <p:animEffect transition="in" filter="circle(in)">
+                                      <p:cBhvr>
+                                        <p:cTn id="7" dur="2000"/>
+                                        <p:tgtEl>
+                                          <p:spTgt spid="2"/>
+                                        </p:tgtEl>
+                                      </p:cBhvr>
+                                    </p:animEffect>
+                                  </p:childTnLst>
+                                </p:cTn>
+                              </p:par>
+                            </p:childTnLst>
+                          </p:cTn>
+                        </p:par>
+                        <p:par>
+                          <p:cTn id="8" fill="hold">
+                            <p:stCondLst>
+                              <p:cond delay="2000"/>
+                            </p:stCondLst>
+                            <p:childTnLst>
+                              <p:par>
+                                <p:cTn id="9" presetID="2" presetClass="entr" presetSubtype="4" fill="hold" grpId="0" nodeType="afterEffect">
+                                  <p:stCondLst>
+                                    <p:cond delay="0"/>
+                                  </p:stCondLst>
+                                  <p:childTnLst>
+                                    <p:set>
+                                      <p:cBhvr>
+                                        <p:cTn id="10" dur="1" fill="hold">
+                                          <p:stCondLst>
+                                            <p:cond delay="0"/>
+                                          </p:stCondLst>
+                                        </p:cTn>
+                                        <p:tgtEl>
+                                          <p:spTgt spid="3">
+                                            <p:txEl>
+                                              <p:pRg st="0" end="0"/>
+                                            </p:txEl>
+                                          </p:spTgt>
+                                        </p:tgtEl>
+                                        <p:attrNameLst>
+                                          <p:attrName>style.visibility</p:attrName>
+                                        </p:attrNameLst>
+                                      </p:cBhvr>
+                                      <p:to>
+                                        <p:strVal val="visible"/>
+                                      </p:to>
+                                    </p:set>
+                                    <p:anim calcmode="lin" valueType="num">
+                                      <p:cBhvr additive="base">
+                                        <p:cTn id="11" dur="500" fill="hold"/>
+                                        <p:tgtEl>
+                                          <p:spTgt spid="3">
+                                            <p:txEl>
+                                              <p:pRg st="0" end="0"/>
+                                            </p:txEl>
+                                          </p:spTgt>
+                                        </p:tgtEl>
+                                        <p:attrNameLst>
+                                          <p:attrName>ppt_x</p:attrName>
+                                        </p:attrNameLst>
+                                      </p:cBhvr>
+                                      <p:tavLst>
+                                        <p:tav tm="0">
+                                          <p:val>
+                                            <p:strVal val="#ppt_x"/>
+                                          </p:val>
+                                        </p:tav>
+                                        <p:tav tm="100000">
+                                          <p:val>
+                                            <p:strVal val="#ppt_x"/>
+                                          </p:val>
+                                        </p:tav>
+                                      </p:tavLst>
+                                    </p:anim>
+                                    <p:anim calcmode="lin" valueType="num">
+                                      <p:cBhvr additive="base">
+                                        <p:cTn id="12" dur="500" fill="hold"/>
+                                        <p:tgtEl>
+                                          <p:spTgt spid="3">
+                                            <p:txEl>
+                                              <p:pRg st="0" end="0"/>
+                                            </p:txEl>
+                                          </p:spTgt>
+                                        </p:tgtEl>
+                                        <p:attrNameLst>
+                                          <p:attrName>ppt_y</p:attrName>
+                                        </p:attrNameLst>
+                                      </p:cBhvr>
+                                      <p:tavLst>
+                                        <p:tav tm="0">
+                                          <p:val>
+                                            <p:strVal val="1+#ppt_h/2"/>
+                                          </p:val>
+                                        </p:tav>
+                                        <p:tav tm="100000">
+                                          <p:val>
+                                            <p:strVal val="#ppt_y"/>
+                                          </p:val>
+                                        </p:tav>
+                                      </p:tavLst>
+                                    </p:anim>
+                                  </p:childTnLst>
+                                </p:cTn>
+                              </p:par>
+                            </p:childTnLst>
+                          </p:cTn>
+                        </p:par>
+                        <p:par>
+                          <p:cTn id="13" fill="hold">
+                            <p:stCondLst>
+                              <p:cond delay="2500"/>
+                            </p:stCondLst>
+                            <p:childTnLst>
+                              <p:par>
+                                <p:cTn id="14" presetID="2" presetClass="entr" presetSubtype="4" fill="hold" grpId="0" nodeType="afterEffect">
+                                  <p:stCondLst>
+                                    <p:cond delay="0"/>
+                                  </p:stCondLst>
+                                  <p:childTnLst>
+                                    <p:set>
+                                      <p:cBhvr>
+                                        <p:cTn id="15" dur="1" fill="hold">
+                                          <p:stCondLst>
+                                            <p:cond delay="0"/>
+                                          </p:stCondLst>
+                                        </p:cTn>
+                                        <p:tgtEl>
+                                          <p:spTgt spid="3">
+                                            <p:txEl>
+                                              <p:pRg st="1" end="1"/>
+                                            </p:txEl>
+                                          </p:spTgt>
+                                        </p:tgtEl>
+                                        <p:attrNameLst>
+                                          <p:attrName>style.visibility</p:attrName>
+                                        </p:attrNameLst>
+                                      </p:cBhvr>
+                                      <p:to>
+                                        <p:strVal val="visible"/>
+                                      </p:to>
+                                    </p:set>
+                                    <p:anim calcmode="lin" valueType="num">
+                                      <p:cBhvr additive="base">
+                                        <p:cTn id="16" dur="500" fill="hold"/>
+                                        <p:tgtEl>
+                                          <p:spTgt spid="3">
+                                            <p:txEl>
+                                              <p:pRg st="1" end="1"/>
+                                            </p:txEl>
+                                          </p:spTgt>
+                                        </p:tgtEl>
+                                        <p:attrNameLst>
+                                          <p:attrName>ppt_x</p:attrName>
+                                        </p:attrNameLst>
+                                      </p:cBhvr>
+                                      <p:tavLst>
+                                        <p:tav tm="0">
+                                          <p:val>
+                                            <p:strVal val="#ppt_x"/>
+                                          </p:val>
+                                        </p:tav>
+                                        <p:tav tm="100000">
+                                          <p:val>
+                                            <p:strVal val="#ppt_x"/>
+                                          </p:val>
+                                        </p:tav>
+                                      </p:tavLst>
+                                    </p:anim>
+                                    <p:anim calcmode="lin" valueType="num">
+                                      <p:cBhvr additive="base">
+                                        <p:cTn id="17" dur="500" fill="hold"/>
+                                        <p:tgtEl>
+                                          <p:spTgt spid="3">
+                                            <p:txEl>
+                                              <p:pRg st="1" end="1"/>
+                                            </p:txEl>
+                                          </p:spTgt>
+                                        </p:tgtEl>
+                                        <p:attrNameLst>
+                                          <p:attrName>ppt_y</p:attrName>
+                                        </p:attrNameLst>
+                                      </p:cBhvr>
+                                      <p:tavLst>
+                                        <p:tav tm="0">
+                                          <p:val>
+                                            <p:strVal val="1+#ppt_h/2"/>
+                                          </p:val>
+                                        </p:tav>
+                                        <p:tav tm="100000">
+                                          <p:val>
+                                            <p:strVal val="#ppt_y"/>
+                                          </p:val>
+                                        </p:tav>
+                                      </p:tavLst>
+                                    </p:anim>
+                                  </p:childTnLst>
+                                </p:cTn>
+                              </p:par>
+                            </p:childTnLst>
+                          </p:cTn>
+                        </p:par>
+                        <p:par>
+                          <p:cTn id="18" fill="hold">
+                            <p:stCondLst>
+                              <p:cond delay="3000"/>
+                            </p:stCondLst>
+                            <p:childTnLst>
+                              <p:par>
+                                <p:cTn id="19" presetID="2" presetClass="entr" presetSubtype="4" fill="hold" grpId="0" nodeType="afterEffect">
+                                  <p:stCondLst>
+                                    <p:cond delay="0"/>
+                                  </p:stCondLst>
+                                  <p:childTnLst>
+                                    <p:set>
+                                      <p:cBhvr>
+                                        <p:cTn id="20" dur="1" fill="hold">
+                                          <p:stCondLst>
+                                            <p:cond delay="0"/>
+                                          </p:stCondLst>
+                                        </p:cTn>
+                                        <p:tgtEl>
+                                          <p:spTgt spid="3">
+                                            <p:txEl>
+                                              <p:pRg st="2" end="2"/>
+                                            </p:txEl>
+                                          </p:spTgt>
+                                        </p:tgtEl>
+                                        <p:attrNameLst>
+                                          <p:attrName>style.visibility</p:attrName>
+                                        </p:attrNameLst>
+                                      </p:cBhvr>
+                                      <p:to>
+                                        <p:strVal val="visible"/>
+                                      </p:to>
+                                    </p:set>
+                                    <p:anim calcmode="lin" valueType="num">
+                                      <p:cBhvr additive="base">
+                                        <p:cTn id="21" dur="500" fill="hold"/>
+                                        <p:tgtEl>
+                                          <p:spTgt spid="3">
+                                            <p:txEl>
+                                              <p:pRg st="2" end="2"/>
+                                            </p:txEl>
+                                          </p:spTgt>
+                                        </p:tgtEl>
+                                        <p:attrNameLst>
+                                          <p:attrName>ppt_x</p:attrName>
+                                        </p:attrNameLst>
+                                      </p:cBhvr>
+                                      <p:tavLst>
+                                        <p:tav tm="0">
+                                          <p:val>
+                                            <p:strVal val="#ppt_x"/>
+                                          </p:val>
+                                        </p:tav>
+                                        <p:tav tm="100000">
+                                          <p:val>
+                                            <p:strVal val="#ppt_x"/>
+                                          </p:val>
+                                        </p:tav>
+                                      </p:tavLst>
+                                    </p:anim>
+                                    <p:anim calcmode="lin" valueType="num">
+                                      <p:cBhvr additive="base">
+                                        <p:cTn id="22" dur="500" fill="hold"/>
+                                        <p:tgtEl>
+                                          <p:spTgt spid="3">
+                                            <p:txEl>
+                                              <p:pRg st="2" end="2"/>
+                                            </p:txEl>
+                                          </p:spTgt>
+                                        </p:tgtEl>
+                                        <p:attrNameLst>
+                                          <p:attrName>ppt_y</p:attrName>
+                                        </p:attrNameLst>
+                                      </p:cBhvr>
+                                      <p:tavLst>
+                                        <p:tav tm="0">
+                                          <p:val>
+                                            <p:strVal val="1+#ppt_h/2"/>
+                                          </p:val>
+                                        </p:tav>
+                                        <p:tav tm="100000">
+                                          <p:val>
+                                            <p:strVal val="#ppt_y"/>
+                                          </p:val>
+                                        </p:tav>
+                                      </p:tavLst>
+                                    </p:anim>
+                                  </p:childTnLst>
+                                </p:cTn>
+                              </p:par>
+                            </p:childTnLst>
+                          </p:cTn>
+                        </p:par>
+                        <p:par>
+                          <p:cTn id="23" fill="hold">
+                            <p:stCondLst>
+                              <p:cond delay="3500"/>
+                            </p:stCondLst>
+                            <p:childTnLst>
+                              <p:par>
+                                <p:cTn id="24" presetID="2" presetClass="entr" presetSubtype="4" fill="hold" grpId="0" nodeType="afterEffect">
+                                  <p:stCondLst>
+                                    <p:cond delay="0"/>
+                                  </p:stCondLst>
+                                  <p:childTnLst>
+                                    <p:set>
+                                      <p:cBhvr>
+                                        <p:cTn id="25" dur="1" fill="hold">
+                                          <p:stCondLst>
+                                            <p:cond delay="0"/>
+                                          </p:stCondLst>
+                                        </p:cTn>
+                                        <p:tgtEl>
+                                          <p:spTgt spid="3">
+                                            <p:txEl>
+                                              <p:pRg st="3" end="3"/>
+                                            </p:txEl>
+                                          </p:spTgt>
+                                        </p:tgtEl>
+                                        <p:attrNameLst>
+                                          <p:attrName>style.visibility</p:attrName>
+                                        </p:attrNameLst>
+                                      </p:cBhvr>
+                                      <p:to>
+                                        <p:strVal val="visible"/>
+                                      </p:to>
+                                    </p:set>
+                                    <p:anim calcmode="lin" valueType="num">
+                                      <p:cBhvr additive="base">
+                                        <p:cTn id="26" dur="500" fill="hold"/>
+                                        <p:tgtEl>
+                                          <p:spTgt spid="3">
+                                            <p:txEl>
+                                              <p:pRg st="3" end="3"/>
+                                            </p:txEl>
+                                          </p:spTgt>
+                                        </p:tgtEl>
+                                        <p:attrNameLst>
+                                          <p:attrName>ppt_x</p:attrName>
+                                        </p:attrNameLst>
+                                      </p:cBhvr>
+                                      <p:tavLst>
+                                        <p:tav tm="0">
+                                          <p:val>
+                                            <p:strVal val="#ppt_x"/>
+                                          </p:val>
+                                        </p:tav>
+                                        <p:tav tm="100000">
+                                          <p:val>
+                                            <p:strVal val="#ppt_x"/>
+                                          </p:val>
+                                        </p:tav>
+                                      </p:tavLst>
+                                    </p:anim>
+                                    <p:anim calcmode="lin" valueType="num">
+                                      <p:cBhvr additive="base">
+                                        <p:cTn id="27" dur="500" fill="hold"/>
+                                        <p:tgtEl>
+                                          <p:spTgt spid="3">
+                                            <p:txEl>
+                                              <p:pRg st="3" end="3"/>
+                                            </p:txEl>
+                                          </p:spTgt>
+                                        </p:tgtEl>
+                                        <p:attrNameLst>
+                                          <p:attrName>ppt_y</p:attrName>
+                                        </p:attrNameLst>
+                                      </p:cBhvr>
+                                      <p:tavLst>
+                                        <p:tav tm="0">
+                                          <p:val>
+                                            <p:strVal val="1+#ppt_h/2"/>
+                                          </p:val>
+                                        </p:tav>
+                                        <p:tav tm="100000">
+                                          <p:val>
+                                            <p:strVal val="#ppt_y"/>
+                                          </p:val>
+                                        </p:tav>
+                                      </p:tavLst>
+                                    </p:anim>
+                                  </p:childTnLst>
+                                </p:cTn>
+                              </p:par>
+                            </p:childTnLst>
+                          </p:cTn>
+                        </p:par>
+                        <p:par>
+                          <p:cTn id="28" fill="hold">
+                            <p:stCondLst>
+                              <p:cond delay="4000"/>
+                            </p:stCondLst>
+                            <p:childTnLst>
+                              <p:par>
+                                <p:cTn id="29" presetID="2" presetClass="entr" presetSubtype="4" fill="hold" grpId="0" nodeType="afterEffect">
+                                  <p:stCondLst>
+                                    <p:cond delay="0"/>
+                                  </p:stCondLst>
+                                  <p:childTnLst>
+                                    <p:set>
+                                      <p:cBhvr>
+                                        <p:cTn id="30" dur="1" fill="hold">
+                                          <p:stCondLst>
+                                            <p:cond delay="0"/>
+                                          </p:stCondLst>
+                                        </p:cTn>
+                                        <p:tgtEl>
+                                          <p:spTgt spid="3">
+                                            <p:txEl>
+                                              <p:pRg st="4" end="4"/>
+                                            </p:txEl>
+                                          </p:spTgt>
+                                        </p:tgtEl>
+                                        <p:attrNameLst>
+                                          <p:attrName>style.visibility</p:attrName>
+                                        </p:attrNameLst>
+                                      </p:cBhvr>
+                                      <p:to>
+                                        <p:strVal val="visible"/>
+                                      </p:to>
+                                    </p:set>
+                                    <p:anim calcmode="lin" valueType="num">
+                                      <p:cBhvr additive="base">
+                                        <p:cTn id="31" dur="500" fill="hold"/>
+                                        <p:tgtEl>
+                                          <p:spTgt spid="3">
+                                            <p:txEl>
+                                              <p:pRg st="4" end="4"/>
+                                            </p:txEl>
+                                          </p:spTgt>
+                                        </p:tgtEl>
+                                        <p:attrNameLst>
+                                          <p:attrName>ppt_x</p:attrName>
+                                        </p:attrNameLst>
+                                      </p:cBhvr>
+                                      <p:tavLst>
+                                        <p:tav tm="0">
+                                          <p:val>
+                                            <p:strVal val="#ppt_x"/>
+                                          </p:val>
+                                        </p:tav>
+                                        <p:tav tm="100000">
+                                          <p:val>
+                                            <p:strVal val="#ppt_x"/>
+                                          </p:val>
+                                        </p:tav>
+                                      </p:tavLst>
+                                    </p:anim>
+                                    <p:anim calcmode="lin" valueType="num">
+                                      <p:cBhvr additive="base">
+                                        <p:cTn id="32" dur="500" fill="hold"/>
+                                        <p:tgtEl>
+                                          <p:spTgt spid="3">
+                                            <p:txEl>
+                                              <p:pRg st="4" end="4"/>
+                                            </p:txEl>
+                                          </p:spTgt>
+                                        </p:tgtEl>
+                                        <p:attrNameLst>
+                                          <p:attrName>ppt_y</p:attrName>
+                                        </p:attrNameLst>
+                                      </p:cBhvr>
+                                      <p:tavLst>
+                                        <p:tav tm="0">
+                                          <p:val>
+                                            <p:strVal val="1+#ppt_h/2"/>
+                                          </p:val>
+                                        </p:tav>
+                                        <p:tav tm="100000">
+                                          <p:val>
+                                            <p:strVal val="#ppt_y"/>
+                                          </p:val>
+                                        </p:tav>
+                                      </p:tavLst>
+                                    </p:anim>
+                                  </p:childTnLst>
+                                </p:cTn>
+                              </p:par>
+                            </p:childTnLst>
+                          </p:cTn>
+                        </p:par>
+                        <p:par>
+                          <p:cTn id="33" fill="hold">
+                            <p:stCondLst>
+                              <p:cond delay="4500"/>
+                            </p:stCondLst>
+                            <p:childTnLst>
+                              <p:par>
+                                <p:cTn id="34" presetID="2" presetClass="entr" presetSubtype="4" fill="hold" grpId="0" nodeType="afterEffect">
+                                  <p:stCondLst>
+                                    <p:cond delay="0"/>
+                                  </p:stCondLst>
+                                  <p:childTnLst>
+                                    <p:set>
+                                      <p:cBhvr>
+                                        <p:cTn id="35" dur="1" fill="hold">
+                                          <p:stCondLst>
+                                            <p:cond delay="0"/>
+                                          </p:stCondLst>
+                                        </p:cTn>
+                                        <p:tgtEl>
+                                          <p:spTgt spid="3">
+                                            <p:txEl>
+                                              <p:pRg st="5" end="5"/>
+                                            </p:txEl>
+                                          </p:spTgt>
+                                        </p:tgtEl>
+                                        <p:attrNameLst>
+                                          <p:attrName>style.visibility</p:attrName>
+                                        </p:attrNameLst>
+                                      </p:cBhvr>
+                                      <p:to>
+                                        <p:strVal val="visible"/>
+                                      </p:to>
+                                    </p:set>
+                                    <p:anim calcmode="lin" valueType="num">
+                                      <p:cBhvr additive="base">
+                                        <p:cTn id="36" dur="500" fill="hold"/>
+                                        <p:tgtEl>
+                                          <p:spTgt spid="3">
+                                            <p:txEl>
+                                              <p:pRg st="5" end="5"/>
+                                            </p:txEl>
+                                          </p:spTgt>
+                                        </p:tgtEl>
+                                        <p:attrNameLst>
+                                          <p:attrName>ppt_x</p:attrName>
+                                        </p:attrNameLst>
+                                      </p:cBhvr>
+                                      <p:tavLst>
+                                        <p:tav tm="0">
+                                          <p:val>
+                                            <p:strVal val="#ppt_x"/>
+                                          </p:val>
+                                        </p:tav>
+                                        <p:tav tm="100000">
+                                          <p:val>
+                                            <p:strVal val="#ppt_x"/>
+                                          </p:val>
+                                        </p:tav>
+                                      </p:tavLst>
+                                    </p:anim>
+                                    <p:anim calcmode="lin" valueType="num">
+                                      <p:cBhvr additive="base">
+                                        <p:cTn id="37" dur="500" fill="hold"/>
+                                        <p:tgtEl>
+                                          <p:spTgt spid="3">
+                                            <p:txEl>
+                                              <p:pRg st="5" end="5"/>
+                                            </p:txEl>
+                                          </p:spTgt>
+                                        </p:tgtEl>
+                                        <p:attrNameLst>
+                                          <p:attrName>ppt_y</p:attrName>
+                                        </p:attrNameLst>
+                                      </p:cBhvr>
+                                      <p:tavLst>
+                                        <p:tav tm="0">
+                                          <p:val>
+                                            <p:strVal val="1+#ppt_h/2"/>
+                                          </p:val>
+                                        </p:tav>
+                                        <p:tav tm="100000">
+                                          <p:val>
+                                            <p:strVal val="#ppt_y"/>
+                                          </p:val>
+                                        </p:tav>
+                                      </p:tavLst>
+                                    </p:anim>
+                                  </p:childTnLst>
+                                </p:cTn>
+                              </p:par>
+                            </p:childTnLst>
+                          </p:cTn>
+                        </p:par>
+                        <p:par>
+                          <p:cTn id="38" fill="hold">
+                            <p:stCondLst>
+                              <p:cond delay="5000"/>
+                            </p:stCondLst>
+                            <p:childTnLst>
+                              <p:par>
+                                <p:cTn id="39" presetID="2" presetClass="entr" presetSubtype="4" fill="hold" grpId="0" nodeType="afterEffect">
+                                  <p:stCondLst>
+                                    <p:cond delay="0"/>
+                                  </p:stCondLst>
+                                  <p:childTnLst>
+                                    <p:set>
+                                      <p:cBhvr>
+                                        <p:cTn id="40" dur="1" fill="hold">
+                                          <p:stCondLst>
+                                            <p:cond delay="0"/>
+                                          </p:stCondLst>
+                                        </p:cTn>
+                                        <p:tgtEl>
+                                          <p:spTgt spid="3">
+                                            <p:txEl>
+                                              <p:pRg st="6" end="6"/>
+                                            </p:txEl>
+                                          </p:spTgt>
+                                        </p:tgtEl>
+                                        <p:attrNameLst>
+                                          <p:attrName>style.visibility</p:attrName>
+                                        </p:attrNameLst>
+                                      </p:cBhvr>
+                                      <p:to>
+                                        <p:strVal val="visible"/>
+                                      </p:to>
+                                    </p:set>
+                                    <p:anim calcmode="lin" valueType="num">
+                                      <p:cBhvr additive="base">
+                                        <p:cTn id="41" dur="500" fill="hold"/>
+                                        <p:tgtEl>
+                                          <p:spTgt spid="3">
+                                            <p:txEl>
+                                              <p:pRg st="6" end="6"/>
+                                            </p:txEl>
+                                          </p:spTgt>
+                                        </p:tgtEl>
+                                        <p:attrNameLst>
+                                          <p:attrName>ppt_x</p:attrName>
+                                        </p:attrNameLst>
+                                      </p:cBhvr>
+                                      <p:tavLst>
+                                        <p:tav tm="0">
+                                          <p:val>
+                                            <p:strVal val="#ppt_x"/>
+                                          </p:val>
+                                        </p:tav>
+                                        <p:tav tm="100000">
+                                          <p:val>
+                                            <p:strVal val="#ppt_x"/>
+                                          </p:val>
+                                        </p:tav>
+                                      </p:tavLst>
+                                    </p:anim>
+                                    <p:anim calcmode="lin" valueType="num">
+                                      <p:cBhvr additive="base">
+                                        <p:cTn id="42" dur="500" fill="hold"/>
+                                        <p:tgtEl>
+                                          <p:spTgt spid="3">
+                                            <p:txEl>
+                                              <p:pRg st="6" end="6"/>
+                                            </p:txEl>
+                                          </p:spTgt>
+                                        </p:tgtEl>
+                                        <p:attrNameLst>
+                                          <p:attrName>ppt_y</p:attrName>
+                                        </p:attrNameLst>
+                                      </p:cBhvr>
+                                      <p:tavLst>
+                                        <p:tav tm="0">
+                                          <p:val>
+                                            <p:strVal val="1+#ppt_h/2"/>
+                                          </p:val>
+                                        </p:tav>
+                                        <p:tav tm="100000">
+                                          <p:val>
+                                            <p:strVal val="#ppt_y"/>
+                                          </p:val>
+                                        </p:tav>
+                                      </p:tavLst>
+                                    </p:anim>
+                                  </p:childTnLst>
+                                </p:cTn>
+                              </p:par>
+                            </p:childTnLst>
+                          </p:cTn>
+                        </p:par>
+                      </p:childTnLst>
+                    </p:cTn>
+                  </p:par>
+                </p:childTnLst>
+              </p:cTn>
+              <p:prevCondLst>
+                <p:cond evt="onPrev" delay="0">
+                  <p:tgtEl>
+                    <p:sldTgt/>
+                  </p:tgtEl>
+                </p:cond>
+              </p:prevCondLst>
+              <p:nextCondLst>
+                <p:cond evt="onNext" delay="0">
+                  <p:tgtEl>
+                    <p:sldTgt/>
+                  </p:tgtEl>
+                </p:cond>
+              </p:nextCondLst>
+            </p:seq>
+          </p:childTnLst>
+        </p:cTn>
+      </p:par>
+    </p:tnLst>
+    <p:bldLst>
+      <p:bldP spid="2" grpId="0"/>
+      <p:bldP spid="3" grpId="0" build="p"/>
+    </p:bldLst>
+  </p:timing>
+</p:sld>
+</file>
+
+<file path=ppt/slides/slide17.xml><?xml version="1.0" encoding="utf-8"?>
 <p:sld xmlns:a="http://schemas.openxmlformats.org/drawingml/2006/main" xmlns:r="http://schemas.openxmlformats.org/officeDocument/2006/relationships" xmlns:p="http://schemas.openxmlformats.org/presentationml/2006/main">
   <p:cSld>
     <p:spTree>
@@ -9222,13 +10475,13 @@
   <p:clrMapOvr>
     <a:masterClrMapping/>
   </p:clrMapOvr>
-  <p:transition spd="slow">
+  <p:transition spd="slow" advTm="16770">
     <p:push dir="u"/>
   </p:transition>
 </p:sld>
 </file>
 
-<file path=ppt/slides/slide16.xml><?xml version="1.0" encoding="utf-8"?>
+<file path=ppt/slides/slide18.xml><?xml version="1.0" encoding="utf-8"?>
 <p:sld xmlns:a="http://schemas.openxmlformats.org/drawingml/2006/main" xmlns:r="http://schemas.openxmlformats.org/officeDocument/2006/relationships" xmlns:p="http://schemas.openxmlformats.org/presentationml/2006/main">
   <p:cSld>
     <p:spTree>
@@ -9354,7 +10607,7 @@
   <p:clrMapOvr>
     <a:masterClrMapping/>
   </p:clrMapOvr>
-  <p:transition spd="slow">
+  <p:transition spd="slow" advTm="16457">
     <p:push dir="u"/>
   </p:transition>
 </p:sld>
@@ -9590,7 +10843,7 @@
   <p:clrMapOvr>
     <a:masterClrMapping/>
   </p:clrMapOvr>
-  <p:transition spd="slow">
+  <p:transition spd="slow" advTm="67983">
     <p:push dir="u"/>
   </p:transition>
   <p:timing>
@@ -10482,7 +11735,7 @@
   <p:clrMapOvr>
     <a:masterClrMapping/>
   </p:clrMapOvr>
-  <p:transition spd="slow">
+  <p:transition spd="slow" advTm="63722">
     <p:push dir="u"/>
   </p:transition>
   <p:timing>
@@ -11070,6 +12323,945 @@
           <p:cNvPr id="2" name="Nadpis 1">
             <a:extLst>
               <a:ext uri="{FF2B5EF4-FFF2-40B4-BE49-F238E27FC236}">
+                <a16:creationId xmlns:a16="http://schemas.microsoft.com/office/drawing/2014/main" id="{B9EEAF38-DFA1-5C52-9A05-6EA9649A2A36}"/>
+              </a:ext>
+            </a:extLst>
+          </p:cNvPr>
+          <p:cNvSpPr>
+            <a:spLocks noGrp="1"/>
+          </p:cNvSpPr>
+          <p:nvPr>
+            <p:ph type="title"/>
+          </p:nvPr>
+        </p:nvSpPr>
+        <p:spPr>
+          <a:xfrm>
+            <a:off x="468595" y="194469"/>
+            <a:ext cx="10515600" cy="1325563"/>
+          </a:xfrm>
+        </p:spPr>
+        <p:txBody>
+          <a:bodyPr/>
+          <a:lstStyle/>
+          <a:p>
+            <a:r>
+              <a:rPr lang="cs-CZ" dirty="0"/>
+              <a:t>Rozdělení</a:t>
+            </a:r>
+          </a:p>
+        </p:txBody>
+      </p:sp>
+      <p:sp>
+        <p:nvSpPr>
+          <p:cNvPr id="6" name="Zástupný text 5">
+            <a:extLst>
+              <a:ext uri="{FF2B5EF4-FFF2-40B4-BE49-F238E27FC236}">
+                <a16:creationId xmlns:a16="http://schemas.microsoft.com/office/drawing/2014/main" id="{9E81DBB3-E123-8659-7476-E204808E7F3B}"/>
+              </a:ext>
+            </a:extLst>
+          </p:cNvPr>
+          <p:cNvSpPr>
+            <a:spLocks noGrp="1"/>
+          </p:cNvSpPr>
+          <p:nvPr>
+            <p:ph type="body" idx="1"/>
+          </p:nvPr>
+        </p:nvSpPr>
+        <p:spPr>
+          <a:xfrm>
+            <a:off x="468595" y="1269207"/>
+            <a:ext cx="5157787" cy="823912"/>
+          </a:xfrm>
+        </p:spPr>
+        <p:txBody>
+          <a:bodyPr/>
+          <a:lstStyle/>
+          <a:p>
+            <a:r>
+              <a:rPr lang="cs-CZ" dirty="0"/>
+              <a:t>Substituční x Transpoziční</a:t>
+            </a:r>
+          </a:p>
+        </p:txBody>
+      </p:sp>
+      <p:sp>
+        <p:nvSpPr>
+          <p:cNvPr id="7" name="Zástupný obsah 6">
+            <a:extLst>
+              <a:ext uri="{FF2B5EF4-FFF2-40B4-BE49-F238E27FC236}">
+                <a16:creationId xmlns:a16="http://schemas.microsoft.com/office/drawing/2014/main" id="{E3671E3C-00FA-E07B-E3AF-F515161AF33F}"/>
+              </a:ext>
+            </a:extLst>
+          </p:cNvPr>
+          <p:cNvSpPr>
+            <a:spLocks noGrp="1"/>
+          </p:cNvSpPr>
+          <p:nvPr>
+            <p:ph sz="half" idx="2"/>
+          </p:nvPr>
+        </p:nvSpPr>
+        <p:spPr>
+          <a:xfrm>
+            <a:off x="468595" y="2093119"/>
+            <a:ext cx="5157787" cy="3684588"/>
+          </a:xfrm>
+        </p:spPr>
+        <p:txBody>
+          <a:bodyPr/>
+          <a:lstStyle/>
+          <a:p>
+            <a:pPr>
+              <a:buFont typeface="Wingdings" panose="05000000000000000000" pitchFamily="2" charset="2"/>
+              <a:buChar char="v"/>
+            </a:pPr>
+            <a:r>
+              <a:rPr lang="cs-CZ" dirty="0"/>
+              <a:t>Substituční = Písmena se mění v jiná na základě algoritmu</a:t>
+            </a:r>
+            <a:br>
+              <a:rPr lang="cs-CZ" dirty="0"/>
+            </a:br>
+            <a:r>
+              <a:rPr lang="cs-CZ" dirty="0"/>
+              <a:t>-př. Caesarova šifra</a:t>
+            </a:r>
+          </a:p>
+          <a:p>
+            <a:pPr>
+              <a:buFont typeface="Wingdings" panose="05000000000000000000" pitchFamily="2" charset="2"/>
+              <a:buChar char="v"/>
+            </a:pPr>
+            <a:r>
+              <a:rPr lang="cs-CZ" dirty="0"/>
+              <a:t>Transpoziční = Písmena zůstávají stejná, ale mění se jejich pořadí</a:t>
+            </a:r>
+            <a:br>
+              <a:rPr lang="cs-CZ" dirty="0"/>
+            </a:br>
+            <a:r>
+              <a:rPr lang="cs-CZ" dirty="0"/>
+              <a:t>-př. ahoj -</a:t>
+            </a:r>
+            <a:r>
+              <a:rPr lang="en-US" dirty="0"/>
+              <a:t>&gt;</a:t>
+            </a:r>
+            <a:r>
+              <a:rPr lang="cs-CZ" dirty="0"/>
+              <a:t> </a:t>
+            </a:r>
+            <a:r>
+              <a:rPr lang="cs-CZ" dirty="0" err="1"/>
+              <a:t>joha</a:t>
+            </a:r>
+            <a:endParaRPr lang="cs-CZ" dirty="0"/>
+          </a:p>
+        </p:txBody>
+      </p:sp>
+      <p:sp>
+        <p:nvSpPr>
+          <p:cNvPr id="8" name="Zástupný text 7">
+            <a:extLst>
+              <a:ext uri="{FF2B5EF4-FFF2-40B4-BE49-F238E27FC236}">
+                <a16:creationId xmlns:a16="http://schemas.microsoft.com/office/drawing/2014/main" id="{6DFFC429-2FA4-DC24-8E75-19037E90F0E1}"/>
+              </a:ext>
+            </a:extLst>
+          </p:cNvPr>
+          <p:cNvSpPr>
+            <a:spLocks noGrp="1"/>
+          </p:cNvSpPr>
+          <p:nvPr>
+            <p:ph type="body" sz="quarter" idx="3"/>
+          </p:nvPr>
+        </p:nvSpPr>
+        <p:spPr>
+          <a:xfrm>
+            <a:off x="5626382" y="1269207"/>
+            <a:ext cx="5183188" cy="823912"/>
+          </a:xfrm>
+        </p:spPr>
+        <p:txBody>
+          <a:bodyPr/>
+          <a:lstStyle/>
+          <a:p>
+            <a:r>
+              <a:rPr lang="cs-CZ" dirty="0"/>
+              <a:t>Symetrická x Asymetrická</a:t>
+            </a:r>
+          </a:p>
+        </p:txBody>
+      </p:sp>
+      <p:sp>
+        <p:nvSpPr>
+          <p:cNvPr id="9" name="Zástupný obsah 8">
+            <a:extLst>
+              <a:ext uri="{FF2B5EF4-FFF2-40B4-BE49-F238E27FC236}">
+                <a16:creationId xmlns:a16="http://schemas.microsoft.com/office/drawing/2014/main" id="{19A495DF-54E7-8611-25CD-8821F3787AD1}"/>
+              </a:ext>
+            </a:extLst>
+          </p:cNvPr>
+          <p:cNvSpPr>
+            <a:spLocks noGrp="1"/>
+          </p:cNvSpPr>
+          <p:nvPr>
+            <p:ph sz="quarter" idx="4"/>
+          </p:nvPr>
+        </p:nvSpPr>
+        <p:spPr>
+          <a:xfrm>
+            <a:off x="5713695" y="2093119"/>
+            <a:ext cx="5183188" cy="3684588"/>
+          </a:xfrm>
+        </p:spPr>
+        <p:txBody>
+          <a:bodyPr/>
+          <a:lstStyle/>
+          <a:p>
+            <a:pPr>
+              <a:buFont typeface="Wingdings" panose="05000000000000000000" pitchFamily="2" charset="2"/>
+              <a:buChar char="v"/>
+            </a:pPr>
+            <a:r>
+              <a:rPr lang="cs-CZ" dirty="0"/>
+              <a:t>Symetrická = šifrování i dešifrování stejným klíčem</a:t>
+            </a:r>
+            <a:br>
+              <a:rPr lang="cs-CZ" dirty="0"/>
+            </a:br>
+            <a:r>
+              <a:rPr lang="cs-CZ" dirty="0"/>
+              <a:t>-př. Caesarova šifra</a:t>
+            </a:r>
+          </a:p>
+          <a:p>
+            <a:pPr>
+              <a:buFont typeface="Wingdings" panose="05000000000000000000" pitchFamily="2" charset="2"/>
+              <a:buChar char="v"/>
+            </a:pPr>
+            <a:r>
+              <a:rPr lang="cs-CZ" dirty="0"/>
+              <a:t>Asymetrická = šifrování jedním, dešifrování druhým klíčem</a:t>
+            </a:r>
+            <a:br>
+              <a:rPr lang="cs-CZ" dirty="0"/>
+            </a:br>
+            <a:r>
+              <a:rPr lang="cs-CZ" dirty="0"/>
+              <a:t>-nejde šifrovat a </a:t>
+            </a:r>
+            <a:r>
+              <a:rPr lang="cs-CZ" dirty="0" err="1"/>
+              <a:t>dešif</a:t>
+            </a:r>
+            <a:r>
+              <a:rPr lang="cs-CZ" dirty="0"/>
+              <a:t>.</a:t>
+            </a:r>
+            <a:br>
+              <a:rPr lang="cs-CZ" dirty="0"/>
+            </a:br>
+            <a:r>
+              <a:rPr lang="cs-CZ" dirty="0"/>
+              <a:t>stejným klíčem!</a:t>
+            </a:r>
+          </a:p>
+        </p:txBody>
+      </p:sp>
+    </p:spTree>
+    <p:extLst>
+      <p:ext uri="{BB962C8B-B14F-4D97-AF65-F5344CB8AC3E}">
+        <p14:creationId xmlns:p14="http://schemas.microsoft.com/office/powerpoint/2010/main" val="3517044954"/>
+      </p:ext>
+    </p:extLst>
+  </p:cSld>
+  <p:clrMapOvr>
+    <a:masterClrMapping/>
+  </p:clrMapOvr>
+  <p:transition spd="slow" advTm="94088">
+    <p:push dir="u"/>
+  </p:transition>
+  <p:timing>
+    <p:tnLst>
+      <p:par>
+        <p:cTn id="1" dur="indefinite" restart="never" nodeType="tmRoot">
+          <p:childTnLst>
+            <p:seq concurrent="1" nextAc="seek">
+              <p:cTn id="2" dur="indefinite" nodeType="mainSeq">
+                <p:childTnLst>
+                  <p:par>
+                    <p:cTn id="3" fill="hold">
+                      <p:stCondLst>
+                        <p:cond delay="indefinite"/>
+                        <p:cond evt="onBegin" delay="0">
+                          <p:tn val="2"/>
+                        </p:cond>
+                      </p:stCondLst>
+                      <p:childTnLst>
+                        <p:par>
+                          <p:cTn id="4" fill="hold">
+                            <p:stCondLst>
+                              <p:cond delay="0"/>
+                            </p:stCondLst>
+                            <p:childTnLst>
+                              <p:par>
+                                <p:cTn id="5" presetID="6" presetClass="entr" presetSubtype="16" fill="hold" grpId="0" nodeType="withEffect">
+                                  <p:stCondLst>
+                                    <p:cond delay="0"/>
+                                  </p:stCondLst>
+                                  <p:childTnLst>
+                                    <p:set>
+                                      <p:cBhvr>
+                                        <p:cTn id="6" dur="1" fill="hold">
+                                          <p:stCondLst>
+                                            <p:cond delay="0"/>
+                                          </p:stCondLst>
+                                        </p:cTn>
+                                        <p:tgtEl>
+                                          <p:spTgt spid="2"/>
+                                        </p:tgtEl>
+                                        <p:attrNameLst>
+                                          <p:attrName>style.visibility</p:attrName>
+                                        </p:attrNameLst>
+                                      </p:cBhvr>
+                                      <p:to>
+                                        <p:strVal val="visible"/>
+                                      </p:to>
+                                    </p:set>
+                                    <p:animEffect transition="in" filter="circle(in)">
+                                      <p:cBhvr>
+                                        <p:cTn id="7" dur="2000"/>
+                                        <p:tgtEl>
+                                          <p:spTgt spid="2"/>
+                                        </p:tgtEl>
+                                      </p:cBhvr>
+                                    </p:animEffect>
+                                  </p:childTnLst>
+                                </p:cTn>
+                              </p:par>
+                            </p:childTnLst>
+                          </p:cTn>
+                        </p:par>
+                        <p:par>
+                          <p:cTn id="8" fill="hold">
+                            <p:stCondLst>
+                              <p:cond delay="2000"/>
+                            </p:stCondLst>
+                            <p:childTnLst>
+                              <p:par>
+                                <p:cTn id="9" presetID="2" presetClass="entr" presetSubtype="4" fill="hold" grpId="0" nodeType="afterEffect">
+                                  <p:stCondLst>
+                                    <p:cond delay="0"/>
+                                  </p:stCondLst>
+                                  <p:childTnLst>
+                                    <p:set>
+                                      <p:cBhvr>
+                                        <p:cTn id="10" dur="1" fill="hold">
+                                          <p:stCondLst>
+                                            <p:cond delay="0"/>
+                                          </p:stCondLst>
+                                        </p:cTn>
+                                        <p:tgtEl>
+                                          <p:spTgt spid="6">
+                                            <p:txEl>
+                                              <p:pRg st="0" end="0"/>
+                                            </p:txEl>
+                                          </p:spTgt>
+                                        </p:tgtEl>
+                                        <p:attrNameLst>
+                                          <p:attrName>style.visibility</p:attrName>
+                                        </p:attrNameLst>
+                                      </p:cBhvr>
+                                      <p:to>
+                                        <p:strVal val="visible"/>
+                                      </p:to>
+                                    </p:set>
+                                    <p:anim calcmode="lin" valueType="num">
+                                      <p:cBhvr additive="base">
+                                        <p:cTn id="11" dur="500" fill="hold"/>
+                                        <p:tgtEl>
+                                          <p:spTgt spid="6">
+                                            <p:txEl>
+                                              <p:pRg st="0" end="0"/>
+                                            </p:txEl>
+                                          </p:spTgt>
+                                        </p:tgtEl>
+                                        <p:attrNameLst>
+                                          <p:attrName>ppt_x</p:attrName>
+                                        </p:attrNameLst>
+                                      </p:cBhvr>
+                                      <p:tavLst>
+                                        <p:tav tm="0">
+                                          <p:val>
+                                            <p:strVal val="#ppt_x"/>
+                                          </p:val>
+                                        </p:tav>
+                                        <p:tav tm="100000">
+                                          <p:val>
+                                            <p:strVal val="#ppt_x"/>
+                                          </p:val>
+                                        </p:tav>
+                                      </p:tavLst>
+                                    </p:anim>
+                                    <p:anim calcmode="lin" valueType="num">
+                                      <p:cBhvr additive="base">
+                                        <p:cTn id="12" dur="500" fill="hold"/>
+                                        <p:tgtEl>
+                                          <p:spTgt spid="6">
+                                            <p:txEl>
+                                              <p:pRg st="0" end="0"/>
+                                            </p:txEl>
+                                          </p:spTgt>
+                                        </p:tgtEl>
+                                        <p:attrNameLst>
+                                          <p:attrName>ppt_y</p:attrName>
+                                        </p:attrNameLst>
+                                      </p:cBhvr>
+                                      <p:tavLst>
+                                        <p:tav tm="0">
+                                          <p:val>
+                                            <p:strVal val="1+#ppt_h/2"/>
+                                          </p:val>
+                                        </p:tav>
+                                        <p:tav tm="100000">
+                                          <p:val>
+                                            <p:strVal val="#ppt_y"/>
+                                          </p:val>
+                                        </p:tav>
+                                      </p:tavLst>
+                                    </p:anim>
+                                  </p:childTnLst>
+                                </p:cTn>
+                              </p:par>
+                            </p:childTnLst>
+                          </p:cTn>
+                        </p:par>
+                        <p:par>
+                          <p:cTn id="13" fill="hold">
+                            <p:stCondLst>
+                              <p:cond delay="2500"/>
+                            </p:stCondLst>
+                            <p:childTnLst>
+                              <p:par>
+                                <p:cTn id="14" presetID="2" presetClass="entr" presetSubtype="4" fill="hold" grpId="0" nodeType="afterEffect">
+                                  <p:stCondLst>
+                                    <p:cond delay="0"/>
+                                  </p:stCondLst>
+                                  <p:childTnLst>
+                                    <p:set>
+                                      <p:cBhvr>
+                                        <p:cTn id="15" dur="1" fill="hold">
+                                          <p:stCondLst>
+                                            <p:cond delay="0"/>
+                                          </p:stCondLst>
+                                        </p:cTn>
+                                        <p:tgtEl>
+                                          <p:spTgt spid="7">
+                                            <p:txEl>
+                                              <p:pRg st="0" end="0"/>
+                                            </p:txEl>
+                                          </p:spTgt>
+                                        </p:tgtEl>
+                                        <p:attrNameLst>
+                                          <p:attrName>style.visibility</p:attrName>
+                                        </p:attrNameLst>
+                                      </p:cBhvr>
+                                      <p:to>
+                                        <p:strVal val="visible"/>
+                                      </p:to>
+                                    </p:set>
+                                    <p:anim calcmode="lin" valueType="num">
+                                      <p:cBhvr additive="base">
+                                        <p:cTn id="16" dur="500" fill="hold"/>
+                                        <p:tgtEl>
+                                          <p:spTgt spid="7">
+                                            <p:txEl>
+                                              <p:pRg st="0" end="0"/>
+                                            </p:txEl>
+                                          </p:spTgt>
+                                        </p:tgtEl>
+                                        <p:attrNameLst>
+                                          <p:attrName>ppt_x</p:attrName>
+                                        </p:attrNameLst>
+                                      </p:cBhvr>
+                                      <p:tavLst>
+                                        <p:tav tm="0">
+                                          <p:val>
+                                            <p:strVal val="#ppt_x"/>
+                                          </p:val>
+                                        </p:tav>
+                                        <p:tav tm="100000">
+                                          <p:val>
+                                            <p:strVal val="#ppt_x"/>
+                                          </p:val>
+                                        </p:tav>
+                                      </p:tavLst>
+                                    </p:anim>
+                                    <p:anim calcmode="lin" valueType="num">
+                                      <p:cBhvr additive="base">
+                                        <p:cTn id="17" dur="500" fill="hold"/>
+                                        <p:tgtEl>
+                                          <p:spTgt spid="7">
+                                            <p:txEl>
+                                              <p:pRg st="0" end="0"/>
+                                            </p:txEl>
+                                          </p:spTgt>
+                                        </p:tgtEl>
+                                        <p:attrNameLst>
+                                          <p:attrName>ppt_y</p:attrName>
+                                        </p:attrNameLst>
+                                      </p:cBhvr>
+                                      <p:tavLst>
+                                        <p:tav tm="0">
+                                          <p:val>
+                                            <p:strVal val="1+#ppt_h/2"/>
+                                          </p:val>
+                                        </p:tav>
+                                        <p:tav tm="100000">
+                                          <p:val>
+                                            <p:strVal val="#ppt_y"/>
+                                          </p:val>
+                                        </p:tav>
+                                      </p:tavLst>
+                                    </p:anim>
+                                  </p:childTnLst>
+                                </p:cTn>
+                              </p:par>
+                            </p:childTnLst>
+                          </p:cTn>
+                        </p:par>
+                        <p:par>
+                          <p:cTn id="18" fill="hold">
+                            <p:stCondLst>
+                              <p:cond delay="3000"/>
+                            </p:stCondLst>
+                            <p:childTnLst>
+                              <p:par>
+                                <p:cTn id="19" presetID="2" presetClass="entr" presetSubtype="4" fill="hold" grpId="0" nodeType="afterEffect">
+                                  <p:stCondLst>
+                                    <p:cond delay="0"/>
+                                  </p:stCondLst>
+                                  <p:childTnLst>
+                                    <p:set>
+                                      <p:cBhvr>
+                                        <p:cTn id="20" dur="1" fill="hold">
+                                          <p:stCondLst>
+                                            <p:cond delay="0"/>
+                                          </p:stCondLst>
+                                        </p:cTn>
+                                        <p:tgtEl>
+                                          <p:spTgt spid="7">
+                                            <p:txEl>
+                                              <p:pRg st="1" end="1"/>
+                                            </p:txEl>
+                                          </p:spTgt>
+                                        </p:tgtEl>
+                                        <p:attrNameLst>
+                                          <p:attrName>style.visibility</p:attrName>
+                                        </p:attrNameLst>
+                                      </p:cBhvr>
+                                      <p:to>
+                                        <p:strVal val="visible"/>
+                                      </p:to>
+                                    </p:set>
+                                    <p:anim calcmode="lin" valueType="num">
+                                      <p:cBhvr additive="base">
+                                        <p:cTn id="21" dur="500" fill="hold"/>
+                                        <p:tgtEl>
+                                          <p:spTgt spid="7">
+                                            <p:txEl>
+                                              <p:pRg st="1" end="1"/>
+                                            </p:txEl>
+                                          </p:spTgt>
+                                        </p:tgtEl>
+                                        <p:attrNameLst>
+                                          <p:attrName>ppt_x</p:attrName>
+                                        </p:attrNameLst>
+                                      </p:cBhvr>
+                                      <p:tavLst>
+                                        <p:tav tm="0">
+                                          <p:val>
+                                            <p:strVal val="#ppt_x"/>
+                                          </p:val>
+                                        </p:tav>
+                                        <p:tav tm="100000">
+                                          <p:val>
+                                            <p:strVal val="#ppt_x"/>
+                                          </p:val>
+                                        </p:tav>
+                                      </p:tavLst>
+                                    </p:anim>
+                                    <p:anim calcmode="lin" valueType="num">
+                                      <p:cBhvr additive="base">
+                                        <p:cTn id="22" dur="500" fill="hold"/>
+                                        <p:tgtEl>
+                                          <p:spTgt spid="7">
+                                            <p:txEl>
+                                              <p:pRg st="1" end="1"/>
+                                            </p:txEl>
+                                          </p:spTgt>
+                                        </p:tgtEl>
+                                        <p:attrNameLst>
+                                          <p:attrName>ppt_y</p:attrName>
+                                        </p:attrNameLst>
+                                      </p:cBhvr>
+                                      <p:tavLst>
+                                        <p:tav tm="0">
+                                          <p:val>
+                                            <p:strVal val="1+#ppt_h/2"/>
+                                          </p:val>
+                                        </p:tav>
+                                        <p:tav tm="100000">
+                                          <p:val>
+                                            <p:strVal val="#ppt_y"/>
+                                          </p:val>
+                                        </p:tav>
+                                      </p:tavLst>
+                                    </p:anim>
+                                  </p:childTnLst>
+                                </p:cTn>
+                              </p:par>
+                            </p:childTnLst>
+                          </p:cTn>
+                        </p:par>
+                        <p:par>
+                          <p:cTn id="23" fill="hold">
+                            <p:stCondLst>
+                              <p:cond delay="3500"/>
+                            </p:stCondLst>
+                            <p:childTnLst>
+                              <p:par>
+                                <p:cTn id="24" presetID="2" presetClass="entr" presetSubtype="4" fill="hold" grpId="0" nodeType="afterEffect">
+                                  <p:stCondLst>
+                                    <p:cond delay="0"/>
+                                  </p:stCondLst>
+                                  <p:childTnLst>
+                                    <p:set>
+                                      <p:cBhvr>
+                                        <p:cTn id="25" dur="1" fill="hold">
+                                          <p:stCondLst>
+                                            <p:cond delay="0"/>
+                                          </p:stCondLst>
+                                        </p:cTn>
+                                        <p:tgtEl>
+                                          <p:spTgt spid="8">
+                                            <p:txEl>
+                                              <p:pRg st="0" end="0"/>
+                                            </p:txEl>
+                                          </p:spTgt>
+                                        </p:tgtEl>
+                                        <p:attrNameLst>
+                                          <p:attrName>style.visibility</p:attrName>
+                                        </p:attrNameLst>
+                                      </p:cBhvr>
+                                      <p:to>
+                                        <p:strVal val="visible"/>
+                                      </p:to>
+                                    </p:set>
+                                    <p:anim calcmode="lin" valueType="num">
+                                      <p:cBhvr additive="base">
+                                        <p:cTn id="26" dur="500" fill="hold"/>
+                                        <p:tgtEl>
+                                          <p:spTgt spid="8">
+                                            <p:txEl>
+                                              <p:pRg st="0" end="0"/>
+                                            </p:txEl>
+                                          </p:spTgt>
+                                        </p:tgtEl>
+                                        <p:attrNameLst>
+                                          <p:attrName>ppt_x</p:attrName>
+                                        </p:attrNameLst>
+                                      </p:cBhvr>
+                                      <p:tavLst>
+                                        <p:tav tm="0">
+                                          <p:val>
+                                            <p:strVal val="#ppt_x"/>
+                                          </p:val>
+                                        </p:tav>
+                                        <p:tav tm="100000">
+                                          <p:val>
+                                            <p:strVal val="#ppt_x"/>
+                                          </p:val>
+                                        </p:tav>
+                                      </p:tavLst>
+                                    </p:anim>
+                                    <p:anim calcmode="lin" valueType="num">
+                                      <p:cBhvr additive="base">
+                                        <p:cTn id="27" dur="500" fill="hold"/>
+                                        <p:tgtEl>
+                                          <p:spTgt spid="8">
+                                            <p:txEl>
+                                              <p:pRg st="0" end="0"/>
+                                            </p:txEl>
+                                          </p:spTgt>
+                                        </p:tgtEl>
+                                        <p:attrNameLst>
+                                          <p:attrName>ppt_y</p:attrName>
+                                        </p:attrNameLst>
+                                      </p:cBhvr>
+                                      <p:tavLst>
+                                        <p:tav tm="0">
+                                          <p:val>
+                                            <p:strVal val="1+#ppt_h/2"/>
+                                          </p:val>
+                                        </p:tav>
+                                        <p:tav tm="100000">
+                                          <p:val>
+                                            <p:strVal val="#ppt_y"/>
+                                          </p:val>
+                                        </p:tav>
+                                      </p:tavLst>
+                                    </p:anim>
+                                  </p:childTnLst>
+                                </p:cTn>
+                              </p:par>
+                            </p:childTnLst>
+                          </p:cTn>
+                        </p:par>
+                        <p:par>
+                          <p:cTn id="28" fill="hold">
+                            <p:stCondLst>
+                              <p:cond delay="4000"/>
+                            </p:stCondLst>
+                            <p:childTnLst>
+                              <p:par>
+                                <p:cTn id="29" presetID="2" presetClass="entr" presetSubtype="4" fill="hold" grpId="0" nodeType="afterEffect">
+                                  <p:stCondLst>
+                                    <p:cond delay="0"/>
+                                  </p:stCondLst>
+                                  <p:childTnLst>
+                                    <p:set>
+                                      <p:cBhvr>
+                                        <p:cTn id="30" dur="1" fill="hold">
+                                          <p:stCondLst>
+                                            <p:cond delay="0"/>
+                                          </p:stCondLst>
+                                        </p:cTn>
+                                        <p:tgtEl>
+                                          <p:spTgt spid="9">
+                                            <p:txEl>
+                                              <p:pRg st="0" end="0"/>
+                                            </p:txEl>
+                                          </p:spTgt>
+                                        </p:tgtEl>
+                                        <p:attrNameLst>
+                                          <p:attrName>style.visibility</p:attrName>
+                                        </p:attrNameLst>
+                                      </p:cBhvr>
+                                      <p:to>
+                                        <p:strVal val="visible"/>
+                                      </p:to>
+                                    </p:set>
+                                    <p:anim calcmode="lin" valueType="num">
+                                      <p:cBhvr additive="base">
+                                        <p:cTn id="31" dur="500" fill="hold"/>
+                                        <p:tgtEl>
+                                          <p:spTgt spid="9">
+                                            <p:txEl>
+                                              <p:pRg st="0" end="0"/>
+                                            </p:txEl>
+                                          </p:spTgt>
+                                        </p:tgtEl>
+                                        <p:attrNameLst>
+                                          <p:attrName>ppt_x</p:attrName>
+                                        </p:attrNameLst>
+                                      </p:cBhvr>
+                                      <p:tavLst>
+                                        <p:tav tm="0">
+                                          <p:val>
+                                            <p:strVal val="#ppt_x"/>
+                                          </p:val>
+                                        </p:tav>
+                                        <p:tav tm="100000">
+                                          <p:val>
+                                            <p:strVal val="#ppt_x"/>
+                                          </p:val>
+                                        </p:tav>
+                                      </p:tavLst>
+                                    </p:anim>
+                                    <p:anim calcmode="lin" valueType="num">
+                                      <p:cBhvr additive="base">
+                                        <p:cTn id="32" dur="500" fill="hold"/>
+                                        <p:tgtEl>
+                                          <p:spTgt spid="9">
+                                            <p:txEl>
+                                              <p:pRg st="0" end="0"/>
+                                            </p:txEl>
+                                          </p:spTgt>
+                                        </p:tgtEl>
+                                        <p:attrNameLst>
+                                          <p:attrName>ppt_y</p:attrName>
+                                        </p:attrNameLst>
+                                      </p:cBhvr>
+                                      <p:tavLst>
+                                        <p:tav tm="0">
+                                          <p:val>
+                                            <p:strVal val="1+#ppt_h/2"/>
+                                          </p:val>
+                                        </p:tav>
+                                        <p:tav tm="100000">
+                                          <p:val>
+                                            <p:strVal val="#ppt_y"/>
+                                          </p:val>
+                                        </p:tav>
+                                      </p:tavLst>
+                                    </p:anim>
+                                  </p:childTnLst>
+                                </p:cTn>
+                              </p:par>
+                            </p:childTnLst>
+                          </p:cTn>
+                        </p:par>
+                        <p:par>
+                          <p:cTn id="33" fill="hold">
+                            <p:stCondLst>
+                              <p:cond delay="4500"/>
+                            </p:stCondLst>
+                            <p:childTnLst>
+                              <p:par>
+                                <p:cTn id="34" presetID="2" presetClass="entr" presetSubtype="4" fill="hold" grpId="0" nodeType="afterEffect">
+                                  <p:stCondLst>
+                                    <p:cond delay="0"/>
+                                  </p:stCondLst>
+                                  <p:childTnLst>
+                                    <p:set>
+                                      <p:cBhvr>
+                                        <p:cTn id="35" dur="1" fill="hold">
+                                          <p:stCondLst>
+                                            <p:cond delay="0"/>
+                                          </p:stCondLst>
+                                        </p:cTn>
+                                        <p:tgtEl>
+                                          <p:spTgt spid="9">
+                                            <p:txEl>
+                                              <p:pRg st="1" end="1"/>
+                                            </p:txEl>
+                                          </p:spTgt>
+                                        </p:tgtEl>
+                                        <p:attrNameLst>
+                                          <p:attrName>style.visibility</p:attrName>
+                                        </p:attrNameLst>
+                                      </p:cBhvr>
+                                      <p:to>
+                                        <p:strVal val="visible"/>
+                                      </p:to>
+                                    </p:set>
+                                    <p:anim calcmode="lin" valueType="num">
+                                      <p:cBhvr additive="base">
+                                        <p:cTn id="36" dur="500" fill="hold"/>
+                                        <p:tgtEl>
+                                          <p:spTgt spid="9">
+                                            <p:txEl>
+                                              <p:pRg st="1" end="1"/>
+                                            </p:txEl>
+                                          </p:spTgt>
+                                        </p:tgtEl>
+                                        <p:attrNameLst>
+                                          <p:attrName>ppt_x</p:attrName>
+                                        </p:attrNameLst>
+                                      </p:cBhvr>
+                                      <p:tavLst>
+                                        <p:tav tm="0">
+                                          <p:val>
+                                            <p:strVal val="#ppt_x"/>
+                                          </p:val>
+                                        </p:tav>
+                                        <p:tav tm="100000">
+                                          <p:val>
+                                            <p:strVal val="#ppt_x"/>
+                                          </p:val>
+                                        </p:tav>
+                                      </p:tavLst>
+                                    </p:anim>
+                                    <p:anim calcmode="lin" valueType="num">
+                                      <p:cBhvr additive="base">
+                                        <p:cTn id="37" dur="500" fill="hold"/>
+                                        <p:tgtEl>
+                                          <p:spTgt spid="9">
+                                            <p:txEl>
+                                              <p:pRg st="1" end="1"/>
+                                            </p:txEl>
+                                          </p:spTgt>
+                                        </p:tgtEl>
+                                        <p:attrNameLst>
+                                          <p:attrName>ppt_y</p:attrName>
+                                        </p:attrNameLst>
+                                      </p:cBhvr>
+                                      <p:tavLst>
+                                        <p:tav tm="0">
+                                          <p:val>
+                                            <p:strVal val="1+#ppt_h/2"/>
+                                          </p:val>
+                                        </p:tav>
+                                        <p:tav tm="100000">
+                                          <p:val>
+                                            <p:strVal val="#ppt_y"/>
+                                          </p:val>
+                                        </p:tav>
+                                      </p:tavLst>
+                                    </p:anim>
+                                  </p:childTnLst>
+                                </p:cTn>
+                              </p:par>
+                            </p:childTnLst>
+                          </p:cTn>
+                        </p:par>
+                      </p:childTnLst>
+                    </p:cTn>
+                  </p:par>
+                </p:childTnLst>
+              </p:cTn>
+              <p:prevCondLst>
+                <p:cond evt="onPrev" delay="0">
+                  <p:tgtEl>
+                    <p:sldTgt/>
+                  </p:tgtEl>
+                </p:cond>
+              </p:prevCondLst>
+              <p:nextCondLst>
+                <p:cond evt="onNext" delay="0">
+                  <p:tgtEl>
+                    <p:sldTgt/>
+                  </p:tgtEl>
+                </p:cond>
+              </p:nextCondLst>
+            </p:seq>
+          </p:childTnLst>
+        </p:cTn>
+      </p:par>
+    </p:tnLst>
+    <p:bldLst>
+      <p:bldP spid="2" grpId="0"/>
+      <p:bldP spid="6" grpId="0" build="p"/>
+      <p:bldP spid="7" grpId="0" build="p"/>
+      <p:bldP spid="8" grpId="0" build="p"/>
+      <p:bldP spid="9" grpId="0" build="p"/>
+    </p:bldLst>
+  </p:timing>
+</p:sld>
+</file>
+
+<file path=ppt/slides/slide5.xml><?xml version="1.0" encoding="utf-8"?>
+<p:sld xmlns:a="http://schemas.openxmlformats.org/drawingml/2006/main" xmlns:r="http://schemas.openxmlformats.org/officeDocument/2006/relationships" xmlns:p="http://schemas.openxmlformats.org/presentationml/2006/main">
+  <p:cSld>
+    <p:spTree>
+      <p:nvGrpSpPr>
+        <p:cNvPr id="1" name=""/>
+        <p:cNvGrpSpPr/>
+        <p:nvPr/>
+      </p:nvGrpSpPr>
+      <p:grpSpPr>
+        <a:xfrm>
+          <a:off x="0" y="0"/>
+          <a:ext cx="0" cy="0"/>
+          <a:chOff x="0" y="0"/>
+          <a:chExt cx="0" cy="0"/>
+        </a:xfrm>
+      </p:grpSpPr>
+      <p:sp>
+        <p:nvSpPr>
+          <p:cNvPr id="2" name="Nadpis 1">
+            <a:extLst>
+              <a:ext uri="{FF2B5EF4-FFF2-40B4-BE49-F238E27FC236}">
                 <a16:creationId xmlns:a16="http://schemas.microsoft.com/office/drawing/2014/main" id="{B2176213-C2CA-0CA9-49A7-5AF47117C078}"/>
               </a:ext>
             </a:extLst>
@@ -11234,7 +13426,7 @@
   <p:clrMapOvr>
     <a:masterClrMapping/>
   </p:clrMapOvr>
-  <p:transition spd="slow">
+  <p:transition spd="slow" advTm="97221">
     <p:push dir="u"/>
   </p:transition>
   <p:timing>
@@ -11553,7 +13745,7 @@
 </p:sld>
 </file>
 
-<file path=ppt/slides/slide5.xml><?xml version="1.0" encoding="utf-8"?>
+<file path=ppt/slides/slide6.xml><?xml version="1.0" encoding="utf-8"?>
 <p:sld xmlns:a="http://schemas.openxmlformats.org/drawingml/2006/main" xmlns:r="http://schemas.openxmlformats.org/officeDocument/2006/relationships" xmlns:p="http://schemas.openxmlformats.org/presentationml/2006/main">
   <p:cSld>
     <p:spTree>
@@ -11693,7 +13885,7 @@
           <p:nvPr/>
         </p:nvPicPr>
         <p:blipFill>
-          <a:blip r:embed="rId3"/>
+          <a:blip r:embed="rId4"/>
           <a:stretch>
             <a:fillRect/>
           </a:stretch>
@@ -11723,7 +13915,7 @@
           <p:nvPr/>
         </p:nvPicPr>
         <p:blipFill>
-          <a:blip r:embed="rId4"/>
+          <a:blip r:embed="rId5"/>
           <a:stretch>
             <a:fillRect/>
           </a:stretch>
@@ -11753,7 +13945,7 @@
           <p:nvPr/>
         </p:nvPicPr>
         <p:blipFill>
-          <a:blip r:embed="rId5"/>
+          <a:blip r:embed="rId6"/>
           <a:stretch>
             <a:fillRect/>
           </a:stretch>
@@ -11783,7 +13975,7 @@
           <p:nvPr/>
         </p:nvPicPr>
         <p:blipFill>
-          <a:blip r:embed="rId6"/>
+          <a:blip r:embed="rId7"/>
           <a:stretch>
             <a:fillRect/>
           </a:stretch>
@@ -11813,7 +14005,7 @@
           <p:nvPr/>
         </p:nvPicPr>
         <p:blipFill>
-          <a:blip r:embed="rId7"/>
+          <a:blip r:embed="rId8"/>
           <a:stretch>
             <a:fillRect/>
           </a:stretch>
@@ -11843,7 +14035,7 @@
           <p:nvPr/>
         </p:nvPicPr>
         <p:blipFill>
-          <a:blip r:embed="rId8"/>
+          <a:blip r:embed="rId9"/>
           <a:stretch>
             <a:fillRect/>
           </a:stretch>
@@ -11873,7 +14065,7 @@
           <p:nvPr/>
         </p:nvPicPr>
         <p:blipFill>
-          <a:blip r:embed="rId9"/>
+          <a:blip r:embed="rId10"/>
           <a:stretch>
             <a:fillRect/>
           </a:stretch>
@@ -11903,7 +14095,7 @@
           <p:nvPr/>
         </p:nvPicPr>
         <p:blipFill>
-          <a:blip r:embed="rId10"/>
+          <a:blip r:embed="rId11"/>
           <a:stretch>
             <a:fillRect/>
           </a:stretch>
@@ -11919,6 +14111,9 @@
         </p:spPr>
       </p:pic>
     </p:spTree>
+    <p:custDataLst>
+      <p:tags r:id="rId1"/>
+    </p:custDataLst>
     <p:extLst>
       <p:ext uri="{BB962C8B-B14F-4D97-AF65-F5344CB8AC3E}">
         <p14:creationId xmlns:p14="http://schemas.microsoft.com/office/powerpoint/2010/main" val="1189426864"/>
@@ -11928,7 +14123,7 @@
   <p:clrMapOvr>
     <a:masterClrMapping/>
   </p:clrMapOvr>
-  <p:transition spd="slow">
+  <p:transition spd="slow" advTm="137691">
     <p:push dir="u"/>
   </p:transition>
   <p:timing>
@@ -12685,7 +14880,7 @@
 </p:sld>
 </file>
 
-<file path=ppt/slides/slide6.xml><?xml version="1.0" encoding="utf-8"?>
+<file path=ppt/slides/slide7.xml><?xml version="1.0" encoding="utf-8"?>
 <p:sld xmlns:a="http://schemas.openxmlformats.org/drawingml/2006/main" xmlns:r="http://schemas.openxmlformats.org/officeDocument/2006/relationships" xmlns:p="http://schemas.openxmlformats.org/presentationml/2006/main">
   <p:cSld>
     <p:spTree>
@@ -12852,7 +15047,7 @@
   <p:clrMapOvr>
     <a:masterClrMapping/>
   </p:clrMapOvr>
-  <p:transition spd="slow">
+  <p:transition spd="slow" advTm="143084">
     <p:push dir="u"/>
   </p:transition>
   <p:timing>
@@ -13039,562 +15234,6 @@
                                         </p:tgtEl>
                                       </p:cBhvr>
                                     </p:animEffect>
-                                  </p:childTnLst>
-                                </p:cTn>
-                              </p:par>
-                            </p:childTnLst>
-                          </p:cTn>
-                        </p:par>
-                      </p:childTnLst>
-                    </p:cTn>
-                  </p:par>
-                </p:childTnLst>
-              </p:cTn>
-              <p:prevCondLst>
-                <p:cond evt="onPrev" delay="0">
-                  <p:tgtEl>
-                    <p:sldTgt/>
-                  </p:tgtEl>
-                </p:cond>
-              </p:prevCondLst>
-              <p:nextCondLst>
-                <p:cond evt="onNext" delay="0">
-                  <p:tgtEl>
-                    <p:sldTgt/>
-                  </p:tgtEl>
-                </p:cond>
-              </p:nextCondLst>
-            </p:seq>
-          </p:childTnLst>
-        </p:cTn>
-      </p:par>
-    </p:tnLst>
-    <p:bldLst>
-      <p:bldP spid="2" grpId="0"/>
-      <p:bldP spid="3" grpId="0" build="p"/>
-    </p:bldLst>
-  </p:timing>
-</p:sld>
-</file>
-
-<file path=ppt/slides/slide7.xml><?xml version="1.0" encoding="utf-8"?>
-<p:sld xmlns:a="http://schemas.openxmlformats.org/drawingml/2006/main" xmlns:r="http://schemas.openxmlformats.org/officeDocument/2006/relationships" xmlns:p="http://schemas.openxmlformats.org/presentationml/2006/main">
-  <p:cSld>
-    <p:spTree>
-      <p:nvGrpSpPr>
-        <p:cNvPr id="1" name=""/>
-        <p:cNvGrpSpPr/>
-        <p:nvPr/>
-      </p:nvGrpSpPr>
-      <p:grpSpPr>
-        <a:xfrm>
-          <a:off x="0" y="0"/>
-          <a:ext cx="0" cy="0"/>
-          <a:chOff x="0" y="0"/>
-          <a:chExt cx="0" cy="0"/>
-        </a:xfrm>
-      </p:grpSpPr>
-      <p:sp>
-        <p:nvSpPr>
-          <p:cNvPr id="2" name="Nadpis 1">
-            <a:extLst>
-              <a:ext uri="{FF2B5EF4-FFF2-40B4-BE49-F238E27FC236}">
-                <a16:creationId xmlns:a16="http://schemas.microsoft.com/office/drawing/2014/main" id="{AEFF5A2C-AC54-33D8-963B-A1800FF76439}"/>
-              </a:ext>
-            </a:extLst>
-          </p:cNvPr>
-          <p:cNvSpPr>
-            <a:spLocks noGrp="1"/>
-          </p:cNvSpPr>
-          <p:nvPr>
-            <p:ph type="title"/>
-          </p:nvPr>
-        </p:nvSpPr>
-        <p:spPr/>
-        <p:txBody>
-          <a:bodyPr/>
-          <a:lstStyle/>
-          <a:p>
-            <a:r>
-              <a:rPr lang="cs-CZ" dirty="0"/>
-              <a:t>Dnešní doba (2022)</a:t>
-            </a:r>
-          </a:p>
-        </p:txBody>
-      </p:sp>
-      <p:sp>
-        <p:nvSpPr>
-          <p:cNvPr id="3" name="Zástupný obsah 2">
-            <a:extLst>
-              <a:ext uri="{FF2B5EF4-FFF2-40B4-BE49-F238E27FC236}">
-                <a16:creationId xmlns:a16="http://schemas.microsoft.com/office/drawing/2014/main" id="{F005881E-188C-551A-488E-CE6DC8CD5350}"/>
-              </a:ext>
-            </a:extLst>
-          </p:cNvPr>
-          <p:cNvSpPr>
-            <a:spLocks noGrp="1"/>
-          </p:cNvSpPr>
-          <p:nvPr>
-            <p:ph idx="1"/>
-          </p:nvPr>
-        </p:nvSpPr>
-        <p:spPr/>
-        <p:txBody>
-          <a:bodyPr/>
-          <a:lstStyle/>
-          <a:p>
-            <a:pPr>
-              <a:buFont typeface="Wingdings" panose="05000000000000000000" pitchFamily="2" charset="2"/>
-              <a:buChar char="v"/>
-            </a:pPr>
-            <a:r>
-              <a:rPr lang="cs-CZ" dirty="0"/>
-              <a:t>AES – </a:t>
-            </a:r>
-            <a:r>
-              <a:rPr lang="cs-CZ" dirty="0" err="1"/>
-              <a:t>Advanced</a:t>
-            </a:r>
-            <a:r>
-              <a:rPr lang="cs-CZ" dirty="0"/>
-              <a:t> </a:t>
-            </a:r>
-            <a:r>
-              <a:rPr lang="cs-CZ" dirty="0" err="1"/>
-              <a:t>Encryption</a:t>
-            </a:r>
-            <a:r>
-              <a:rPr lang="cs-CZ" dirty="0"/>
-              <a:t> Standard</a:t>
-            </a:r>
-            <a:br>
-              <a:rPr lang="cs-CZ" dirty="0"/>
-            </a:br>
-            <a:r>
-              <a:rPr lang="cs-CZ" dirty="0"/>
-              <a:t>	– Bloková šifra</a:t>
-            </a:r>
-            <a:br>
-              <a:rPr lang="cs-CZ" dirty="0"/>
-            </a:br>
-            <a:r>
-              <a:rPr lang="cs-CZ" dirty="0"/>
-              <a:t>	– IV</a:t>
-            </a:r>
-          </a:p>
-          <a:p>
-            <a:pPr>
-              <a:buFont typeface="Wingdings" panose="05000000000000000000" pitchFamily="2" charset="2"/>
-              <a:buChar char="v"/>
-            </a:pPr>
-            <a:r>
-              <a:rPr lang="cs-CZ" dirty="0"/>
-              <a:t>RSA	– </a:t>
-            </a:r>
-            <a:r>
-              <a:rPr lang="cs-CZ" dirty="0" err="1"/>
-              <a:t>Rivest</a:t>
-            </a:r>
-            <a:r>
-              <a:rPr lang="cs-CZ" dirty="0"/>
-              <a:t>, </a:t>
-            </a:r>
-            <a:r>
-              <a:rPr lang="cs-CZ" dirty="0" err="1"/>
-              <a:t>Shamir</a:t>
-            </a:r>
-            <a:r>
-              <a:rPr lang="cs-CZ" dirty="0"/>
-              <a:t>, </a:t>
-            </a:r>
-            <a:r>
-              <a:rPr lang="cs-CZ" dirty="0" err="1"/>
-              <a:t>Adleman</a:t>
-            </a:r>
-            <a:br>
-              <a:rPr lang="cs-CZ" dirty="0"/>
-            </a:br>
-            <a:r>
-              <a:rPr lang="cs-CZ" dirty="0"/>
-              <a:t>	– Princip u asymetrické kryptografie</a:t>
-            </a:r>
-          </a:p>
-          <a:p>
-            <a:pPr>
-              <a:buFont typeface="Wingdings" panose="05000000000000000000" pitchFamily="2" charset="2"/>
-              <a:buChar char="v"/>
-            </a:pPr>
-            <a:endParaRPr lang="cs-CZ" dirty="0"/>
-          </a:p>
-          <a:p>
-            <a:pPr>
-              <a:buFont typeface="Wingdings" panose="05000000000000000000" pitchFamily="2" charset="2"/>
-              <a:buChar char="v"/>
-            </a:pPr>
-            <a:r>
-              <a:rPr lang="cs-CZ" dirty="0"/>
-              <a:t>Kvantové šifrování	– Experimentální</a:t>
-            </a:r>
-            <a:br>
-              <a:rPr lang="cs-CZ" dirty="0"/>
-            </a:br>
-            <a:r>
-              <a:rPr lang="cs-CZ" dirty="0"/>
-              <a:t>				– Kvantová fyzika :)</a:t>
-            </a:r>
-          </a:p>
-        </p:txBody>
-      </p:sp>
-    </p:spTree>
-    <p:extLst>
-      <p:ext uri="{BB962C8B-B14F-4D97-AF65-F5344CB8AC3E}">
-        <p14:creationId xmlns:p14="http://schemas.microsoft.com/office/powerpoint/2010/main" val="2965299323"/>
-      </p:ext>
-    </p:extLst>
-  </p:cSld>
-  <p:clrMapOvr>
-    <a:masterClrMapping/>
-  </p:clrMapOvr>
-  <p:transition spd="slow">
-    <p:push dir="u"/>
-  </p:transition>
-  <p:timing>
-    <p:tnLst>
-      <p:par>
-        <p:cTn id="1" dur="indefinite" restart="never" nodeType="tmRoot">
-          <p:childTnLst>
-            <p:seq concurrent="1" nextAc="seek">
-              <p:cTn id="2" dur="indefinite" nodeType="mainSeq">
-                <p:childTnLst>
-                  <p:par>
-                    <p:cTn id="3" fill="hold">
-                      <p:stCondLst>
-                        <p:cond delay="indefinite"/>
-                        <p:cond evt="onBegin" delay="0">
-                          <p:tn val="2"/>
-                        </p:cond>
-                      </p:stCondLst>
-                      <p:childTnLst>
-                        <p:par>
-                          <p:cTn id="4" fill="hold">
-                            <p:stCondLst>
-                              <p:cond delay="0"/>
-                            </p:stCondLst>
-                            <p:childTnLst>
-                              <p:par>
-                                <p:cTn id="5" presetID="6" presetClass="entr" presetSubtype="16" fill="hold" grpId="0" nodeType="withEffect">
-                                  <p:stCondLst>
-                                    <p:cond delay="0"/>
-                                  </p:stCondLst>
-                                  <p:childTnLst>
-                                    <p:set>
-                                      <p:cBhvr>
-                                        <p:cTn id="6" dur="1" fill="hold">
-                                          <p:stCondLst>
-                                            <p:cond delay="0"/>
-                                          </p:stCondLst>
-                                        </p:cTn>
-                                        <p:tgtEl>
-                                          <p:spTgt spid="2"/>
-                                        </p:tgtEl>
-                                        <p:attrNameLst>
-                                          <p:attrName>style.visibility</p:attrName>
-                                        </p:attrNameLst>
-                                      </p:cBhvr>
-                                      <p:to>
-                                        <p:strVal val="visible"/>
-                                      </p:to>
-                                    </p:set>
-                                    <p:animEffect transition="in" filter="circle(in)">
-                                      <p:cBhvr>
-                                        <p:cTn id="7" dur="2000"/>
-                                        <p:tgtEl>
-                                          <p:spTgt spid="2"/>
-                                        </p:tgtEl>
-                                      </p:cBhvr>
-                                    </p:animEffect>
-                                  </p:childTnLst>
-                                </p:cTn>
-                              </p:par>
-                            </p:childTnLst>
-                          </p:cTn>
-                        </p:par>
-                        <p:par>
-                          <p:cTn id="8" fill="hold">
-                            <p:stCondLst>
-                              <p:cond delay="2000"/>
-                            </p:stCondLst>
-                            <p:childTnLst>
-                              <p:par>
-                                <p:cTn id="9" presetID="2" presetClass="entr" presetSubtype="4" fill="hold" grpId="0" nodeType="afterEffect">
-                                  <p:stCondLst>
-                                    <p:cond delay="0"/>
-                                  </p:stCondLst>
-                                  <p:childTnLst>
-                                    <p:set>
-                                      <p:cBhvr>
-                                        <p:cTn id="10" dur="1" fill="hold">
-                                          <p:stCondLst>
-                                            <p:cond delay="0"/>
-                                          </p:stCondLst>
-                                        </p:cTn>
-                                        <p:tgtEl>
-                                          <p:spTgt spid="3">
-                                            <p:txEl>
-                                              <p:pRg st="0" end="0"/>
-                                            </p:txEl>
-                                          </p:spTgt>
-                                        </p:tgtEl>
-                                        <p:attrNameLst>
-                                          <p:attrName>style.visibility</p:attrName>
-                                        </p:attrNameLst>
-                                      </p:cBhvr>
-                                      <p:to>
-                                        <p:strVal val="visible"/>
-                                      </p:to>
-                                    </p:set>
-                                    <p:anim calcmode="lin" valueType="num">
-                                      <p:cBhvr additive="base">
-                                        <p:cTn id="11" dur="500" fill="hold"/>
-                                        <p:tgtEl>
-                                          <p:spTgt spid="3">
-                                            <p:txEl>
-                                              <p:pRg st="0" end="0"/>
-                                            </p:txEl>
-                                          </p:spTgt>
-                                        </p:tgtEl>
-                                        <p:attrNameLst>
-                                          <p:attrName>ppt_x</p:attrName>
-                                        </p:attrNameLst>
-                                      </p:cBhvr>
-                                      <p:tavLst>
-                                        <p:tav tm="0">
-                                          <p:val>
-                                            <p:strVal val="#ppt_x"/>
-                                          </p:val>
-                                        </p:tav>
-                                        <p:tav tm="100000">
-                                          <p:val>
-                                            <p:strVal val="#ppt_x"/>
-                                          </p:val>
-                                        </p:tav>
-                                      </p:tavLst>
-                                    </p:anim>
-                                    <p:anim calcmode="lin" valueType="num">
-                                      <p:cBhvr additive="base">
-                                        <p:cTn id="12" dur="500" fill="hold"/>
-                                        <p:tgtEl>
-                                          <p:spTgt spid="3">
-                                            <p:txEl>
-                                              <p:pRg st="0" end="0"/>
-                                            </p:txEl>
-                                          </p:spTgt>
-                                        </p:tgtEl>
-                                        <p:attrNameLst>
-                                          <p:attrName>ppt_y</p:attrName>
-                                        </p:attrNameLst>
-                                      </p:cBhvr>
-                                      <p:tavLst>
-                                        <p:tav tm="0">
-                                          <p:val>
-                                            <p:strVal val="1+#ppt_h/2"/>
-                                          </p:val>
-                                        </p:tav>
-                                        <p:tav tm="100000">
-                                          <p:val>
-                                            <p:strVal val="#ppt_y"/>
-                                          </p:val>
-                                        </p:tav>
-                                      </p:tavLst>
-                                    </p:anim>
-                                  </p:childTnLst>
-                                </p:cTn>
-                              </p:par>
-                            </p:childTnLst>
-                          </p:cTn>
-                        </p:par>
-                        <p:par>
-                          <p:cTn id="13" fill="hold">
-                            <p:stCondLst>
-                              <p:cond delay="2500"/>
-                            </p:stCondLst>
-                            <p:childTnLst>
-                              <p:par>
-                                <p:cTn id="14" presetID="2" presetClass="entr" presetSubtype="4" fill="hold" grpId="0" nodeType="afterEffect">
-                                  <p:stCondLst>
-                                    <p:cond delay="0"/>
-                                  </p:stCondLst>
-                                  <p:childTnLst>
-                                    <p:set>
-                                      <p:cBhvr>
-                                        <p:cTn id="15" dur="1" fill="hold">
-                                          <p:stCondLst>
-                                            <p:cond delay="0"/>
-                                          </p:stCondLst>
-                                        </p:cTn>
-                                        <p:tgtEl>
-                                          <p:spTgt spid="3">
-                                            <p:txEl>
-                                              <p:pRg st="1" end="1"/>
-                                            </p:txEl>
-                                          </p:spTgt>
-                                        </p:tgtEl>
-                                        <p:attrNameLst>
-                                          <p:attrName>style.visibility</p:attrName>
-                                        </p:attrNameLst>
-                                      </p:cBhvr>
-                                      <p:to>
-                                        <p:strVal val="visible"/>
-                                      </p:to>
-                                    </p:set>
-                                    <p:anim calcmode="lin" valueType="num">
-                                      <p:cBhvr additive="base">
-                                        <p:cTn id="16" dur="500" fill="hold"/>
-                                        <p:tgtEl>
-                                          <p:spTgt spid="3">
-                                            <p:txEl>
-                                              <p:pRg st="1" end="1"/>
-                                            </p:txEl>
-                                          </p:spTgt>
-                                        </p:tgtEl>
-                                        <p:attrNameLst>
-                                          <p:attrName>ppt_x</p:attrName>
-                                        </p:attrNameLst>
-                                      </p:cBhvr>
-                                      <p:tavLst>
-                                        <p:tav tm="0">
-                                          <p:val>
-                                            <p:strVal val="#ppt_x"/>
-                                          </p:val>
-                                        </p:tav>
-                                        <p:tav tm="100000">
-                                          <p:val>
-                                            <p:strVal val="#ppt_x"/>
-                                          </p:val>
-                                        </p:tav>
-                                      </p:tavLst>
-                                    </p:anim>
-                                    <p:anim calcmode="lin" valueType="num">
-                                      <p:cBhvr additive="base">
-                                        <p:cTn id="17" dur="500" fill="hold"/>
-                                        <p:tgtEl>
-                                          <p:spTgt spid="3">
-                                            <p:txEl>
-                                              <p:pRg st="1" end="1"/>
-                                            </p:txEl>
-                                          </p:spTgt>
-                                        </p:tgtEl>
-                                        <p:attrNameLst>
-                                          <p:attrName>ppt_y</p:attrName>
-                                        </p:attrNameLst>
-                                      </p:cBhvr>
-                                      <p:tavLst>
-                                        <p:tav tm="0">
-                                          <p:val>
-                                            <p:strVal val="1+#ppt_h/2"/>
-                                          </p:val>
-                                        </p:tav>
-                                        <p:tav tm="100000">
-                                          <p:val>
-                                            <p:strVal val="#ppt_y"/>
-                                          </p:val>
-                                        </p:tav>
-                                      </p:tavLst>
-                                    </p:anim>
-                                  </p:childTnLst>
-                                </p:cTn>
-                              </p:par>
-                            </p:childTnLst>
-                          </p:cTn>
-                        </p:par>
-                        <p:par>
-                          <p:cTn id="18" fill="hold">
-                            <p:stCondLst>
-                              <p:cond delay="3000"/>
-                            </p:stCondLst>
-                            <p:childTnLst>
-                              <p:par>
-                                <p:cTn id="19" presetID="2" presetClass="entr" presetSubtype="4" fill="hold" grpId="0" nodeType="afterEffect">
-                                  <p:stCondLst>
-                                    <p:cond delay="0"/>
-                                  </p:stCondLst>
-                                  <p:childTnLst>
-                                    <p:set>
-                                      <p:cBhvr>
-                                        <p:cTn id="20" dur="1" fill="hold">
-                                          <p:stCondLst>
-                                            <p:cond delay="0"/>
-                                          </p:stCondLst>
-                                        </p:cTn>
-                                        <p:tgtEl>
-                                          <p:spTgt spid="3">
-                                            <p:txEl>
-                                              <p:pRg st="3" end="3"/>
-                                            </p:txEl>
-                                          </p:spTgt>
-                                        </p:tgtEl>
-                                        <p:attrNameLst>
-                                          <p:attrName>style.visibility</p:attrName>
-                                        </p:attrNameLst>
-                                      </p:cBhvr>
-                                      <p:to>
-                                        <p:strVal val="visible"/>
-                                      </p:to>
-                                    </p:set>
-                                    <p:anim calcmode="lin" valueType="num">
-                                      <p:cBhvr additive="base">
-                                        <p:cTn id="21" dur="500" fill="hold"/>
-                                        <p:tgtEl>
-                                          <p:spTgt spid="3">
-                                            <p:txEl>
-                                              <p:pRg st="3" end="3"/>
-                                            </p:txEl>
-                                          </p:spTgt>
-                                        </p:tgtEl>
-                                        <p:attrNameLst>
-                                          <p:attrName>ppt_x</p:attrName>
-                                        </p:attrNameLst>
-                                      </p:cBhvr>
-                                      <p:tavLst>
-                                        <p:tav tm="0">
-                                          <p:val>
-                                            <p:strVal val="#ppt_x"/>
-                                          </p:val>
-                                        </p:tav>
-                                        <p:tav tm="100000">
-                                          <p:val>
-                                            <p:strVal val="#ppt_x"/>
-                                          </p:val>
-                                        </p:tav>
-                                      </p:tavLst>
-                                    </p:anim>
-                                    <p:anim calcmode="lin" valueType="num">
-                                      <p:cBhvr additive="base">
-                                        <p:cTn id="22" dur="500" fill="hold"/>
-                                        <p:tgtEl>
-                                          <p:spTgt spid="3">
-                                            <p:txEl>
-                                              <p:pRg st="3" end="3"/>
-                                            </p:txEl>
-                                          </p:spTgt>
-                                        </p:tgtEl>
-                                        <p:attrNameLst>
-                                          <p:attrName>ppt_y</p:attrName>
-                                        </p:attrNameLst>
-                                      </p:cBhvr>
-                                      <p:tavLst>
-                                        <p:tav tm="0">
-                                          <p:val>
-                                            <p:strVal val="1+#ppt_h/2"/>
-                                          </p:val>
-                                        </p:tav>
-                                        <p:tav tm="100000">
-                                          <p:val>
-                                            <p:strVal val="#ppt_y"/>
-                                          </p:val>
-                                        </p:tav>
-                                      </p:tavLst>
-                                    </p:anim>
                                   </p:childTnLst>
                                 </p:cTn>
                               </p:par>
@@ -13655,7 +15294,7 @@
           <p:cNvPr id="2" name="Nadpis 1">
             <a:extLst>
               <a:ext uri="{FF2B5EF4-FFF2-40B4-BE49-F238E27FC236}">
-                <a16:creationId xmlns:a16="http://schemas.microsoft.com/office/drawing/2014/main" id="{B9EEAF38-DFA1-5C52-9A05-6EA9649A2A36}"/>
+                <a16:creationId xmlns:a16="http://schemas.microsoft.com/office/drawing/2014/main" id="{AEFF5A2C-AC54-33D8-963B-A1800FF76439}"/>
               </a:ext>
             </a:extLst>
           </p:cNvPr>
@@ -13668,7 +15307,7 @@
         </p:nvSpPr>
         <p:spPr>
           <a:xfrm>
-            <a:off x="468595" y="194469"/>
+            <a:off x="838200" y="229323"/>
             <a:ext cx="10515600" cy="1325563"/>
           </a:xfrm>
         </p:spPr>
@@ -13678,17 +15317,21 @@
           <a:p>
             <a:r>
               <a:rPr lang="cs-CZ" dirty="0"/>
-              <a:t>Rozdělení</a:t>
+              <a:t>Dnešní doba (2022) - </a:t>
+            </a:r>
+            <a:r>
+              <a:rPr lang="cs-CZ" b="1" dirty="0"/>
+              <a:t>AES</a:t>
             </a:r>
           </a:p>
         </p:txBody>
       </p:sp>
       <p:sp>
         <p:nvSpPr>
-          <p:cNvPr id="6" name="Zástupný text 5">
+          <p:cNvPr id="3" name="Zástupný obsah 2">
             <a:extLst>
               <a:ext uri="{FF2B5EF4-FFF2-40B4-BE49-F238E27FC236}">
-                <a16:creationId xmlns:a16="http://schemas.microsoft.com/office/drawing/2014/main" id="{9E81DBB3-E123-8659-7476-E204808E7F3B}"/>
+                <a16:creationId xmlns:a16="http://schemas.microsoft.com/office/drawing/2014/main" id="{F005881E-188C-551A-488E-CE6DC8CD5350}"/>
               </a:ext>
             </a:extLst>
           </p:cNvPr>
@@ -13696,66 +15339,81 @@
             <a:spLocks noGrp="1"/>
           </p:cNvSpPr>
           <p:nvPr>
-            <p:ph type="body" idx="1"/>
+            <p:ph idx="1"/>
           </p:nvPr>
         </p:nvSpPr>
         <p:spPr>
           <a:xfrm>
-            <a:off x="468595" y="1269207"/>
-            <a:ext cx="5157787" cy="823912"/>
+            <a:off x="838200" y="1554885"/>
+            <a:ext cx="10515600" cy="4755379"/>
           </a:xfrm>
         </p:spPr>
         <p:txBody>
           <a:bodyPr/>
           <a:lstStyle/>
           <a:p>
-            <a:r>
-              <a:rPr lang="cs-CZ" dirty="0"/>
-              <a:t>Substituční x Transpoziční</a:t>
-            </a:r>
-          </a:p>
-        </p:txBody>
-      </p:sp>
-      <p:sp>
-        <p:nvSpPr>
-          <p:cNvPr id="7" name="Zástupný obsah 6">
-            <a:extLst>
-              <a:ext uri="{FF2B5EF4-FFF2-40B4-BE49-F238E27FC236}">
-                <a16:creationId xmlns:a16="http://schemas.microsoft.com/office/drawing/2014/main" id="{E3671E3C-00FA-E07B-E3AF-F515161AF33F}"/>
-              </a:ext>
-            </a:extLst>
-          </p:cNvPr>
-          <p:cNvSpPr>
-            <a:spLocks noGrp="1"/>
-          </p:cNvSpPr>
-          <p:nvPr>
-            <p:ph sz="half" idx="2"/>
-          </p:nvPr>
-        </p:nvSpPr>
-        <p:spPr>
-          <a:xfrm>
-            <a:off x="468595" y="2093119"/>
-            <a:ext cx="5157787" cy="3684588"/>
-          </a:xfrm>
-        </p:spPr>
-        <p:txBody>
-          <a:bodyPr/>
-          <a:lstStyle/>
-          <a:p>
             <a:pPr>
               <a:buFont typeface="Wingdings" panose="05000000000000000000" pitchFamily="2" charset="2"/>
               <a:buChar char="v"/>
             </a:pPr>
             <a:r>
-              <a:rPr lang="cs-CZ" dirty="0"/>
-              <a:t>Substituční = Písmena se mění v jiná na základě algoritmu</a:t>
+              <a:rPr lang="cs-CZ" b="1" dirty="0"/>
+              <a:t>AES</a:t>
+            </a:r>
+            <a:r>
+              <a:rPr lang="cs-CZ" dirty="0"/>
+              <a:t> – </a:t>
+            </a:r>
+            <a:r>
+              <a:rPr lang="cs-CZ" b="1" dirty="0" err="1"/>
+              <a:t>Advanced</a:t>
+            </a:r>
+            <a:r>
+              <a:rPr lang="cs-CZ" b="1" dirty="0"/>
+              <a:t> </a:t>
+            </a:r>
+            <a:r>
+              <a:rPr lang="cs-CZ" b="1" dirty="0" err="1"/>
+              <a:t>Encryption</a:t>
+            </a:r>
+            <a:r>
+              <a:rPr lang="cs-CZ" b="1" dirty="0"/>
+              <a:t> Standard</a:t>
             </a:r>
             <a:br>
               <a:rPr lang="cs-CZ" dirty="0"/>
             </a:br>
             <a:r>
               <a:rPr lang="cs-CZ" dirty="0"/>
-              <a:t>-př. Caesarova šifra</a:t>
+              <a:t>	– Dodnes neprolomena</a:t>
+            </a:r>
+            <a:br>
+              <a:rPr lang="cs-CZ" dirty="0"/>
+            </a:br>
+            <a:r>
+              <a:rPr lang="cs-CZ" dirty="0"/>
+              <a:t>	– Široce využívána</a:t>
+            </a:r>
+            <a:br>
+              <a:rPr lang="cs-CZ" dirty="0"/>
+            </a:br>
+            <a:r>
+              <a:rPr lang="cs-CZ" dirty="0"/>
+              <a:t>	– Bloková šifra</a:t>
+            </a:r>
+            <a:br>
+              <a:rPr lang="cs-CZ" dirty="0"/>
+            </a:br>
+            <a:r>
+              <a:rPr lang="cs-CZ" dirty="0"/>
+              <a:t>	– IV</a:t>
+            </a:r>
+            <a:br>
+              <a:rPr lang="cs-CZ" dirty="0"/>
+            </a:br>
+            <a:r>
+              <a:rPr lang="cs-CZ" dirty="0"/>
+              <a:t>	– Klíč 128/192/256 bit</a:t>
             </a:r>
           </a:p>
           <a:p>
@@ -13765,136 +15423,35 @@
             </a:pPr>
             <a:r>
               <a:rPr lang="cs-CZ" dirty="0"/>
-              <a:t>Transpoziční = Písmena zůstávají stejná, ale mění se jejich pořadí</a:t>
+              <a:t>Princip:</a:t>
             </a:r>
             <a:br>
               <a:rPr lang="cs-CZ" dirty="0"/>
             </a:br>
             <a:r>
               <a:rPr lang="cs-CZ" dirty="0"/>
-              <a:t>-př. ahoj -</a:t>
-            </a:r>
-            <a:r>
-              <a:rPr lang="en-US" dirty="0"/>
-              <a:t>&gt;</a:t>
-            </a:r>
-            <a:r>
-              <a:rPr lang="cs-CZ" dirty="0"/>
-              <a:t> </a:t>
-            </a:r>
-            <a:r>
-              <a:rPr lang="cs-CZ" dirty="0" err="1"/>
-              <a:t>joha</a:t>
-            </a:r>
-            <a:endParaRPr lang="cs-CZ" dirty="0"/>
-          </a:p>
-        </p:txBody>
-      </p:sp>
-      <p:sp>
-        <p:nvSpPr>
-          <p:cNvPr id="8" name="Zástupný text 7">
-            <a:extLst>
-              <a:ext uri="{FF2B5EF4-FFF2-40B4-BE49-F238E27FC236}">
-                <a16:creationId xmlns:a16="http://schemas.microsoft.com/office/drawing/2014/main" id="{6DFFC429-2FA4-DC24-8E75-19037E90F0E1}"/>
-              </a:ext>
-            </a:extLst>
-          </p:cNvPr>
-          <p:cNvSpPr>
-            <a:spLocks noGrp="1"/>
-          </p:cNvSpPr>
-          <p:nvPr>
-            <p:ph type="body" sz="quarter" idx="3"/>
-          </p:nvPr>
-        </p:nvSpPr>
-        <p:spPr>
-          <a:xfrm>
-            <a:off x="5626382" y="1269207"/>
-            <a:ext cx="5183188" cy="823912"/>
-          </a:xfrm>
-        </p:spPr>
-        <p:txBody>
-          <a:bodyPr/>
-          <a:lstStyle/>
-          <a:p>
-            <a:r>
-              <a:rPr lang="cs-CZ" dirty="0"/>
-              <a:t>Symetrická x Asymetrická</a:t>
-            </a:r>
-          </a:p>
-        </p:txBody>
-      </p:sp>
-      <p:sp>
-        <p:nvSpPr>
-          <p:cNvPr id="9" name="Zástupný obsah 8">
-            <a:extLst>
-              <a:ext uri="{FF2B5EF4-FFF2-40B4-BE49-F238E27FC236}">
-                <a16:creationId xmlns:a16="http://schemas.microsoft.com/office/drawing/2014/main" id="{19A495DF-54E7-8611-25CD-8821F3787AD1}"/>
-              </a:ext>
-            </a:extLst>
-          </p:cNvPr>
-          <p:cNvSpPr>
-            <a:spLocks noGrp="1"/>
-          </p:cNvSpPr>
-          <p:nvPr>
-            <p:ph sz="quarter" idx="4"/>
-          </p:nvPr>
-        </p:nvSpPr>
-        <p:spPr>
-          <a:xfrm>
-            <a:off x="5713695" y="2093119"/>
-            <a:ext cx="5183188" cy="3684588"/>
-          </a:xfrm>
-        </p:spPr>
-        <p:txBody>
-          <a:bodyPr/>
-          <a:lstStyle/>
-          <a:p>
-            <a:pPr>
-              <a:buFont typeface="Wingdings" panose="05000000000000000000" pitchFamily="2" charset="2"/>
-              <a:buChar char="v"/>
-            </a:pPr>
-            <a:r>
-              <a:rPr lang="cs-CZ" dirty="0"/>
-              <a:t>Symetrická = šifrování i dešifrování stejným klíčem</a:t>
+              <a:t>1. Data jsou rozdělena do X-bit bloků</a:t>
             </a:r>
             <a:br>
               <a:rPr lang="cs-CZ" dirty="0"/>
             </a:br>
             <a:r>
               <a:rPr lang="cs-CZ" dirty="0"/>
-              <a:t>-př. Caesarova šifra</a:t>
-            </a:r>
-          </a:p>
-          <a:p>
-            <a:pPr>
-              <a:buFont typeface="Wingdings" panose="05000000000000000000" pitchFamily="2" charset="2"/>
-              <a:buChar char="v"/>
-            </a:pPr>
-            <a:r>
-              <a:rPr lang="cs-CZ" dirty="0"/>
-              <a:t>Asymetrická = šifrování jedním, dešifrování druhým klíčem</a:t>
+              <a:t>2. Proveden bitový XOR s klíčem</a:t>
             </a:r>
             <a:br>
               <a:rPr lang="cs-CZ" dirty="0"/>
             </a:br>
             <a:r>
               <a:rPr lang="cs-CZ" dirty="0"/>
-              <a:t>-nejde šifrovat a </a:t>
-            </a:r>
-            <a:r>
-              <a:rPr lang="cs-CZ" dirty="0" err="1"/>
-              <a:t>dešif</a:t>
-            </a:r>
-            <a:r>
-              <a:rPr lang="cs-CZ" dirty="0"/>
-              <a:t>.</a:t>
+              <a:t>3. Substituce pomocí tabulky</a:t>
             </a:r>
             <a:br>
               <a:rPr lang="cs-CZ" dirty="0"/>
             </a:br>
             <a:r>
               <a:rPr lang="cs-CZ" dirty="0"/>
-              <a:t>stejným klíčem!</a:t>
+              <a:t>4. Transpozice řádků i sloupců</a:t>
             </a:r>
           </a:p>
         </p:txBody>
@@ -13902,14 +15459,14 @@
     </p:spTree>
     <p:extLst>
       <p:ext uri="{BB962C8B-B14F-4D97-AF65-F5344CB8AC3E}">
-        <p14:creationId xmlns:p14="http://schemas.microsoft.com/office/powerpoint/2010/main" val="3517044954"/>
+        <p14:creationId xmlns:p14="http://schemas.microsoft.com/office/powerpoint/2010/main" val="2965299323"/>
       </p:ext>
     </p:extLst>
   </p:cSld>
   <p:clrMapOvr>
     <a:masterClrMapping/>
   </p:clrMapOvr>
-  <p:transition spd="slow">
+  <p:transition spd="slow" advTm="125679">
     <p:push dir="u"/>
   </p:transition>
   <p:timing>
@@ -13970,21 +15527,30 @@
                                   </p:childTnLst>
                                 </p:cTn>
                               </p:par>
+                            </p:childTnLst>
+                          </p:cTn>
+                        </p:par>
+                        <p:par>
+                          <p:cTn id="8" fill="hold">
+                            <p:stCondLst>
+                              <p:cond delay="2000"/>
+                            </p:stCondLst>
+                            <p:childTnLst>
                               <p:par>
-                                <p:cTn id="8" presetID="2" presetClass="entr" presetSubtype="4" fill="hold" grpId="0" nodeType="withEffect">
+                                <p:cTn id="9" presetID="2" presetClass="entr" presetSubtype="4" fill="hold" grpId="0" nodeType="afterEffect">
                                   <p:stCondLst>
                                     <p:cond delay="0"/>
                                   </p:stCondLst>
                                   <p:childTnLst>
                                     <p:set>
                                       <p:cBhvr>
-                                        <p:cTn id="9" dur="1" fill="hold">
+                                        <p:cTn id="10" dur="1" fill="hold">
                                           <p:stCondLst>
                                             <p:cond delay="0"/>
                                           </p:stCondLst>
                                         </p:cTn>
                                         <p:tgtEl>
-                                          <p:spTgt spid="6">
+                                          <p:spTgt spid="3">
                                             <p:txEl>
                                               <p:pRg st="0" end="0"/>
                                             </p:txEl>
@@ -14000,9 +15566,9 @@
                                     </p:set>
                                     <p:anim calcmode="lin" valueType="num">
                                       <p:cBhvr additive="base">
-                                        <p:cTn id="10" dur="500" fill="hold"/>
-                                        <p:tgtEl>
-                                          <p:spTgt spid="6">
+                                        <p:cTn id="11" dur="500" fill="hold"/>
+                                        <p:tgtEl>
+                                          <p:spTgt spid="3">
                                             <p:txEl>
                                               <p:pRg st="0" end="0"/>
                                             </p:txEl>
@@ -14027,9 +15593,9 @@
                                     </p:anim>
                                     <p:anim calcmode="lin" valueType="num">
                                       <p:cBhvr additive="base">
-                                        <p:cTn id="11" dur="500" fill="hold"/>
-                                        <p:tgtEl>
-                                          <p:spTgt spid="6">
+                                        <p:cTn id="12" dur="500" fill="hold"/>
+                                        <p:tgtEl>
+                                          <p:spTgt spid="3">
                                             <p:txEl>
                                               <p:pRg st="0" end="0"/>
                                             </p:txEl>
@@ -14059,28 +15625,28 @@
                           </p:cTn>
                         </p:par>
                         <p:par>
-                          <p:cTn id="12" fill="hold">
+                          <p:cTn id="13" fill="hold">
                             <p:stCondLst>
-                              <p:cond delay="2000"/>
+                              <p:cond delay="2500"/>
                             </p:stCondLst>
                             <p:childTnLst>
                               <p:par>
-                                <p:cTn id="13" presetID="2" presetClass="entr" presetSubtype="4" fill="hold" grpId="0" nodeType="afterEffect">
+                                <p:cTn id="14" presetID="2" presetClass="entr" presetSubtype="4" fill="hold" grpId="0" nodeType="afterEffect">
                                   <p:stCondLst>
                                     <p:cond delay="0"/>
                                   </p:stCondLst>
                                   <p:childTnLst>
                                     <p:set>
                                       <p:cBhvr>
-                                        <p:cTn id="14" dur="1" fill="hold">
+                                        <p:cTn id="15" dur="1" fill="hold">
                                           <p:stCondLst>
                                             <p:cond delay="0"/>
                                           </p:stCondLst>
                                         </p:cTn>
                                         <p:tgtEl>
-                                          <p:spTgt spid="7">
+                                          <p:spTgt spid="3">
                                             <p:txEl>
-                                              <p:pRg st="0" end="0"/>
+                                              <p:pRg st="1" end="1"/>
                                             </p:txEl>
                                           </p:spTgt>
                                         </p:tgtEl>
@@ -14094,11 +15660,11 @@
                                     </p:set>
                                     <p:anim calcmode="lin" valueType="num">
                                       <p:cBhvr additive="base">
-                                        <p:cTn id="15" dur="500" fill="hold"/>
-                                        <p:tgtEl>
-                                          <p:spTgt spid="7">
+                                        <p:cTn id="16" dur="500" fill="hold"/>
+                                        <p:tgtEl>
+                                          <p:spTgt spid="3">
                                             <p:txEl>
-                                              <p:pRg st="0" end="0"/>
+                                              <p:pRg st="1" end="1"/>
                                             </p:txEl>
                                           </p:spTgt>
                                         </p:tgtEl>
@@ -14121,385 +15687,9 @@
                                     </p:anim>
                                     <p:anim calcmode="lin" valueType="num">
                                       <p:cBhvr additive="base">
-                                        <p:cTn id="16" dur="500" fill="hold"/>
-                                        <p:tgtEl>
-                                          <p:spTgt spid="7">
-                                            <p:txEl>
-                                              <p:pRg st="0" end="0"/>
-                                            </p:txEl>
-                                          </p:spTgt>
-                                        </p:tgtEl>
-                                        <p:attrNameLst>
-                                          <p:attrName>ppt_y</p:attrName>
-                                        </p:attrNameLst>
-                                      </p:cBhvr>
-                                      <p:tavLst>
-                                        <p:tav tm="0">
-                                          <p:val>
-                                            <p:strVal val="1+#ppt_h/2"/>
-                                          </p:val>
-                                        </p:tav>
-                                        <p:tav tm="100000">
-                                          <p:val>
-                                            <p:strVal val="#ppt_y"/>
-                                          </p:val>
-                                        </p:tav>
-                                      </p:tavLst>
-                                    </p:anim>
-                                  </p:childTnLst>
-                                </p:cTn>
-                              </p:par>
-                            </p:childTnLst>
-                          </p:cTn>
-                        </p:par>
-                        <p:par>
-                          <p:cTn id="17" fill="hold">
-                            <p:stCondLst>
-                              <p:cond delay="2500"/>
-                            </p:stCondLst>
-                            <p:childTnLst>
-                              <p:par>
-                                <p:cTn id="18" presetID="2" presetClass="entr" presetSubtype="4" fill="hold" grpId="0" nodeType="afterEffect">
-                                  <p:stCondLst>
-                                    <p:cond delay="0"/>
-                                  </p:stCondLst>
-                                  <p:childTnLst>
-                                    <p:set>
-                                      <p:cBhvr>
-                                        <p:cTn id="19" dur="1" fill="hold">
-                                          <p:stCondLst>
-                                            <p:cond delay="0"/>
-                                          </p:stCondLst>
-                                        </p:cTn>
-                                        <p:tgtEl>
-                                          <p:spTgt spid="7">
-                                            <p:txEl>
-                                              <p:pRg st="1" end="1"/>
-                                            </p:txEl>
-                                          </p:spTgt>
-                                        </p:tgtEl>
-                                        <p:attrNameLst>
-                                          <p:attrName>style.visibility</p:attrName>
-                                        </p:attrNameLst>
-                                      </p:cBhvr>
-                                      <p:to>
-                                        <p:strVal val="visible"/>
-                                      </p:to>
-                                    </p:set>
-                                    <p:anim calcmode="lin" valueType="num">
-                                      <p:cBhvr additive="base">
-                                        <p:cTn id="20" dur="500" fill="hold"/>
-                                        <p:tgtEl>
-                                          <p:spTgt spid="7">
-                                            <p:txEl>
-                                              <p:pRg st="1" end="1"/>
-                                            </p:txEl>
-                                          </p:spTgt>
-                                        </p:tgtEl>
-                                        <p:attrNameLst>
-                                          <p:attrName>ppt_x</p:attrName>
-                                        </p:attrNameLst>
-                                      </p:cBhvr>
-                                      <p:tavLst>
-                                        <p:tav tm="0">
-                                          <p:val>
-                                            <p:strVal val="#ppt_x"/>
-                                          </p:val>
-                                        </p:tav>
-                                        <p:tav tm="100000">
-                                          <p:val>
-                                            <p:strVal val="#ppt_x"/>
-                                          </p:val>
-                                        </p:tav>
-                                      </p:tavLst>
-                                    </p:anim>
-                                    <p:anim calcmode="lin" valueType="num">
-                                      <p:cBhvr additive="base">
-                                        <p:cTn id="21" dur="500" fill="hold"/>
-                                        <p:tgtEl>
-                                          <p:spTgt spid="7">
-                                            <p:txEl>
-                                              <p:pRg st="1" end="1"/>
-                                            </p:txEl>
-                                          </p:spTgt>
-                                        </p:tgtEl>
-                                        <p:attrNameLst>
-                                          <p:attrName>ppt_y</p:attrName>
-                                        </p:attrNameLst>
-                                      </p:cBhvr>
-                                      <p:tavLst>
-                                        <p:tav tm="0">
-                                          <p:val>
-                                            <p:strVal val="1+#ppt_h/2"/>
-                                          </p:val>
-                                        </p:tav>
-                                        <p:tav tm="100000">
-                                          <p:val>
-                                            <p:strVal val="#ppt_y"/>
-                                          </p:val>
-                                        </p:tav>
-                                      </p:tavLst>
-                                    </p:anim>
-                                  </p:childTnLst>
-                                </p:cTn>
-                              </p:par>
-                            </p:childTnLst>
-                          </p:cTn>
-                        </p:par>
-                        <p:par>
-                          <p:cTn id="22" fill="hold">
-                            <p:stCondLst>
-                              <p:cond delay="3000"/>
-                            </p:stCondLst>
-                            <p:childTnLst>
-                              <p:par>
-                                <p:cTn id="23" presetID="2" presetClass="entr" presetSubtype="4" fill="hold" grpId="0" nodeType="afterEffect">
-                                  <p:stCondLst>
-                                    <p:cond delay="0"/>
-                                  </p:stCondLst>
-                                  <p:childTnLst>
-                                    <p:set>
-                                      <p:cBhvr>
-                                        <p:cTn id="24" dur="1" fill="hold">
-                                          <p:stCondLst>
-                                            <p:cond delay="0"/>
-                                          </p:stCondLst>
-                                        </p:cTn>
-                                        <p:tgtEl>
-                                          <p:spTgt spid="8">
-                                            <p:txEl>
-                                              <p:pRg st="0" end="0"/>
-                                            </p:txEl>
-                                          </p:spTgt>
-                                        </p:tgtEl>
-                                        <p:attrNameLst>
-                                          <p:attrName>style.visibility</p:attrName>
-                                        </p:attrNameLst>
-                                      </p:cBhvr>
-                                      <p:to>
-                                        <p:strVal val="visible"/>
-                                      </p:to>
-                                    </p:set>
-                                    <p:anim calcmode="lin" valueType="num">
-                                      <p:cBhvr additive="base">
-                                        <p:cTn id="25" dur="500" fill="hold"/>
-                                        <p:tgtEl>
-                                          <p:spTgt spid="8">
-                                            <p:txEl>
-                                              <p:pRg st="0" end="0"/>
-                                            </p:txEl>
-                                          </p:spTgt>
-                                        </p:tgtEl>
-                                        <p:attrNameLst>
-                                          <p:attrName>ppt_x</p:attrName>
-                                        </p:attrNameLst>
-                                      </p:cBhvr>
-                                      <p:tavLst>
-                                        <p:tav tm="0">
-                                          <p:val>
-                                            <p:strVal val="#ppt_x"/>
-                                          </p:val>
-                                        </p:tav>
-                                        <p:tav tm="100000">
-                                          <p:val>
-                                            <p:strVal val="#ppt_x"/>
-                                          </p:val>
-                                        </p:tav>
-                                      </p:tavLst>
-                                    </p:anim>
-                                    <p:anim calcmode="lin" valueType="num">
-                                      <p:cBhvr additive="base">
-                                        <p:cTn id="26" dur="500" fill="hold"/>
-                                        <p:tgtEl>
-                                          <p:spTgt spid="8">
-                                            <p:txEl>
-                                              <p:pRg st="0" end="0"/>
-                                            </p:txEl>
-                                          </p:spTgt>
-                                        </p:tgtEl>
-                                        <p:attrNameLst>
-                                          <p:attrName>ppt_y</p:attrName>
-                                        </p:attrNameLst>
-                                      </p:cBhvr>
-                                      <p:tavLst>
-                                        <p:tav tm="0">
-                                          <p:val>
-                                            <p:strVal val="1+#ppt_h/2"/>
-                                          </p:val>
-                                        </p:tav>
-                                        <p:tav tm="100000">
-                                          <p:val>
-                                            <p:strVal val="#ppt_y"/>
-                                          </p:val>
-                                        </p:tav>
-                                      </p:tavLst>
-                                    </p:anim>
-                                  </p:childTnLst>
-                                </p:cTn>
-                              </p:par>
-                            </p:childTnLst>
-                          </p:cTn>
-                        </p:par>
-                        <p:par>
-                          <p:cTn id="27" fill="hold">
-                            <p:stCondLst>
-                              <p:cond delay="3500"/>
-                            </p:stCondLst>
-                            <p:childTnLst>
-                              <p:par>
-                                <p:cTn id="28" presetID="2" presetClass="entr" presetSubtype="4" fill="hold" grpId="0" nodeType="afterEffect">
-                                  <p:stCondLst>
-                                    <p:cond delay="0"/>
-                                  </p:stCondLst>
-                                  <p:childTnLst>
-                                    <p:set>
-                                      <p:cBhvr>
-                                        <p:cTn id="29" dur="1" fill="hold">
-                                          <p:stCondLst>
-                                            <p:cond delay="0"/>
-                                          </p:stCondLst>
-                                        </p:cTn>
-                                        <p:tgtEl>
-                                          <p:spTgt spid="9">
-                                            <p:txEl>
-                                              <p:pRg st="0" end="0"/>
-                                            </p:txEl>
-                                          </p:spTgt>
-                                        </p:tgtEl>
-                                        <p:attrNameLst>
-                                          <p:attrName>style.visibility</p:attrName>
-                                        </p:attrNameLst>
-                                      </p:cBhvr>
-                                      <p:to>
-                                        <p:strVal val="visible"/>
-                                      </p:to>
-                                    </p:set>
-                                    <p:anim calcmode="lin" valueType="num">
-                                      <p:cBhvr additive="base">
-                                        <p:cTn id="30" dur="500" fill="hold"/>
-                                        <p:tgtEl>
-                                          <p:spTgt spid="9">
-                                            <p:txEl>
-                                              <p:pRg st="0" end="0"/>
-                                            </p:txEl>
-                                          </p:spTgt>
-                                        </p:tgtEl>
-                                        <p:attrNameLst>
-                                          <p:attrName>ppt_x</p:attrName>
-                                        </p:attrNameLst>
-                                      </p:cBhvr>
-                                      <p:tavLst>
-                                        <p:tav tm="0">
-                                          <p:val>
-                                            <p:strVal val="#ppt_x"/>
-                                          </p:val>
-                                        </p:tav>
-                                        <p:tav tm="100000">
-                                          <p:val>
-                                            <p:strVal val="#ppt_x"/>
-                                          </p:val>
-                                        </p:tav>
-                                      </p:tavLst>
-                                    </p:anim>
-                                    <p:anim calcmode="lin" valueType="num">
-                                      <p:cBhvr additive="base">
-                                        <p:cTn id="31" dur="500" fill="hold"/>
-                                        <p:tgtEl>
-                                          <p:spTgt spid="9">
-                                            <p:txEl>
-                                              <p:pRg st="0" end="0"/>
-                                            </p:txEl>
-                                          </p:spTgt>
-                                        </p:tgtEl>
-                                        <p:attrNameLst>
-                                          <p:attrName>ppt_y</p:attrName>
-                                        </p:attrNameLst>
-                                      </p:cBhvr>
-                                      <p:tavLst>
-                                        <p:tav tm="0">
-                                          <p:val>
-                                            <p:strVal val="1+#ppt_h/2"/>
-                                          </p:val>
-                                        </p:tav>
-                                        <p:tav tm="100000">
-                                          <p:val>
-                                            <p:strVal val="#ppt_y"/>
-                                          </p:val>
-                                        </p:tav>
-                                      </p:tavLst>
-                                    </p:anim>
-                                  </p:childTnLst>
-                                </p:cTn>
-                              </p:par>
-                            </p:childTnLst>
-                          </p:cTn>
-                        </p:par>
-                        <p:par>
-                          <p:cTn id="32" fill="hold">
-                            <p:stCondLst>
-                              <p:cond delay="4000"/>
-                            </p:stCondLst>
-                            <p:childTnLst>
-                              <p:par>
-                                <p:cTn id="33" presetID="2" presetClass="entr" presetSubtype="4" fill="hold" grpId="0" nodeType="afterEffect">
-                                  <p:stCondLst>
-                                    <p:cond delay="0"/>
-                                  </p:stCondLst>
-                                  <p:childTnLst>
-                                    <p:set>
-                                      <p:cBhvr>
-                                        <p:cTn id="34" dur="1" fill="hold">
-                                          <p:stCondLst>
-                                            <p:cond delay="0"/>
-                                          </p:stCondLst>
-                                        </p:cTn>
-                                        <p:tgtEl>
-                                          <p:spTgt spid="9">
-                                            <p:txEl>
-                                              <p:pRg st="1" end="1"/>
-                                            </p:txEl>
-                                          </p:spTgt>
-                                        </p:tgtEl>
-                                        <p:attrNameLst>
-                                          <p:attrName>style.visibility</p:attrName>
-                                        </p:attrNameLst>
-                                      </p:cBhvr>
-                                      <p:to>
-                                        <p:strVal val="visible"/>
-                                      </p:to>
-                                    </p:set>
-                                    <p:anim calcmode="lin" valueType="num">
-                                      <p:cBhvr additive="base">
-                                        <p:cTn id="35" dur="500" fill="hold"/>
-                                        <p:tgtEl>
-                                          <p:spTgt spid="9">
-                                            <p:txEl>
-                                              <p:pRg st="1" end="1"/>
-                                            </p:txEl>
-                                          </p:spTgt>
-                                        </p:tgtEl>
-                                        <p:attrNameLst>
-                                          <p:attrName>ppt_x</p:attrName>
-                                        </p:attrNameLst>
-                                      </p:cBhvr>
-                                      <p:tavLst>
-                                        <p:tav tm="0">
-                                          <p:val>
-                                            <p:strVal val="#ppt_x"/>
-                                          </p:val>
-                                        </p:tav>
-                                        <p:tav tm="100000">
-                                          <p:val>
-                                            <p:strVal val="#ppt_x"/>
-                                          </p:val>
-                                        </p:tav>
-                                      </p:tavLst>
-                                    </p:anim>
-                                    <p:anim calcmode="lin" valueType="num">
-                                      <p:cBhvr additive="base">
-                                        <p:cTn id="36" dur="500" fill="hold"/>
-                                        <p:tgtEl>
-                                          <p:spTgt spid="9">
+                                        <p:cTn id="17" dur="500" fill="hold"/>
+                                        <p:tgtEl>
+                                          <p:spTgt spid="3">
                                             <p:txEl>
                                               <p:pRg st="1" end="1"/>
                                             </p:txEl>
@@ -14554,10 +15744,7 @@
     </p:tnLst>
     <p:bldLst>
       <p:bldP spid="2" grpId="0"/>
-      <p:bldP spid="6" grpId="0" build="p"/>
-      <p:bldP spid="7" grpId="0" build="p"/>
-      <p:bldP spid="8" grpId="0" build="p"/>
-      <p:bldP spid="9" grpId="0" build="p"/>
+      <p:bldP spid="3" grpId="0" build="p"/>
     </p:bldLst>
   </p:timing>
 </p:sld>
@@ -14582,10 +15769,10 @@
       </p:grpSpPr>
       <p:sp>
         <p:nvSpPr>
-          <p:cNvPr id="7" name="Nadpis 6">
+          <p:cNvPr id="2" name="Nadpis 1">
             <a:extLst>
               <a:ext uri="{FF2B5EF4-FFF2-40B4-BE49-F238E27FC236}">
-                <a16:creationId xmlns:a16="http://schemas.microsoft.com/office/drawing/2014/main" id="{2A38BE0A-51F9-EA52-E2A8-99722D5502C4}"/>
+                <a16:creationId xmlns:a16="http://schemas.microsoft.com/office/drawing/2014/main" id="{4D0EFACC-F524-7F89-596C-E2B1FA9D75A9}"/>
               </a:ext>
             </a:extLst>
           </p:cNvPr>
@@ -14603,171 +15790,132 @@
           <a:p>
             <a:r>
               <a:rPr lang="cs-CZ" dirty="0"/>
-              <a:t>Asymetrická kryptografie - princip</a:t>
+              <a:t>Dnešní doba (2022)</a:t>
             </a:r>
           </a:p>
         </p:txBody>
       </p:sp>
-      <p:pic>
-        <p:nvPicPr>
-          <p:cNvPr id="3" name="Obrázek 2">
+      <p:sp>
+        <p:nvSpPr>
+          <p:cNvPr id="3" name="Zástupný obsah 2">
             <a:extLst>
               <a:ext uri="{FF2B5EF4-FFF2-40B4-BE49-F238E27FC236}">
-                <a16:creationId xmlns:a16="http://schemas.microsoft.com/office/drawing/2014/main" id="{C0CE5307-E369-74CB-2171-5ECEA97D3C74}"/>
+                <a16:creationId xmlns:a16="http://schemas.microsoft.com/office/drawing/2014/main" id="{5194E24F-7568-EDCC-D584-B279F9FFB022}"/>
               </a:ext>
             </a:extLst>
           </p:cNvPr>
-          <p:cNvPicPr>
-            <a:picLocks noChangeAspect="1"/>
-          </p:cNvPicPr>
-          <p:nvPr/>
-        </p:nvPicPr>
-        <p:blipFill>
-          <a:blip r:embed="rId3"/>
-          <a:stretch>
-            <a:fillRect/>
-          </a:stretch>
-        </p:blipFill>
-        <p:spPr>
-          <a:xfrm>
-            <a:off x="114370" y="1851434"/>
-            <a:ext cx="942975" cy="2286000"/>
-          </a:xfrm>
-          <a:prstGeom prst="rect">
-            <a:avLst/>
-          </a:prstGeom>
-        </p:spPr>
-      </p:pic>
-      <p:pic>
-        <p:nvPicPr>
-          <p:cNvPr id="5" name="Obrázek 4">
-            <a:extLst>
-              <a:ext uri="{FF2B5EF4-FFF2-40B4-BE49-F238E27FC236}">
-                <a16:creationId xmlns:a16="http://schemas.microsoft.com/office/drawing/2014/main" id="{C01BC24B-9BCD-BE15-BF80-E467FE3D264E}"/>
-              </a:ext>
-            </a:extLst>
-          </p:cNvPr>
-          <p:cNvPicPr>
-            <a:picLocks noChangeAspect="1"/>
-          </p:cNvPicPr>
-          <p:nvPr/>
-        </p:nvPicPr>
-        <p:blipFill>
-          <a:blip r:embed="rId4"/>
-          <a:stretch>
-            <a:fillRect/>
-          </a:stretch>
-        </p:blipFill>
-        <p:spPr>
-          <a:xfrm>
-            <a:off x="1362264" y="1632359"/>
-            <a:ext cx="2876550" cy="438150"/>
-          </a:xfrm>
-          <a:prstGeom prst="rect">
-            <a:avLst/>
-          </a:prstGeom>
-        </p:spPr>
-      </p:pic>
-      <p:pic>
-        <p:nvPicPr>
-          <p:cNvPr id="11" name="Obrázek 10">
-            <a:extLst>
-              <a:ext uri="{FF2B5EF4-FFF2-40B4-BE49-F238E27FC236}">
-                <a16:creationId xmlns:a16="http://schemas.microsoft.com/office/drawing/2014/main" id="{E1AA99B0-1BC1-2473-35E3-BE7583AFC487}"/>
-              </a:ext>
-            </a:extLst>
-          </p:cNvPr>
-          <p:cNvPicPr>
-            <a:picLocks noChangeAspect="1"/>
-          </p:cNvPicPr>
-          <p:nvPr/>
-        </p:nvPicPr>
-        <p:blipFill>
-          <a:blip r:embed="rId5"/>
-          <a:stretch>
-            <a:fillRect/>
-          </a:stretch>
-        </p:blipFill>
-        <p:spPr>
-          <a:xfrm>
-            <a:off x="1186051" y="2000659"/>
-            <a:ext cx="3228975" cy="1914525"/>
-          </a:xfrm>
-          <a:prstGeom prst="rect">
-            <a:avLst/>
-          </a:prstGeom>
-        </p:spPr>
-      </p:pic>
-      <p:pic>
-        <p:nvPicPr>
-          <p:cNvPr id="13" name="Obrázek 12">
-            <a:extLst>
-              <a:ext uri="{FF2B5EF4-FFF2-40B4-BE49-F238E27FC236}">
-                <a16:creationId xmlns:a16="http://schemas.microsoft.com/office/drawing/2014/main" id="{D91391A9-335B-1F13-053C-8859486513F4}"/>
-              </a:ext>
-            </a:extLst>
-          </p:cNvPr>
-          <p:cNvPicPr>
-            <a:picLocks noChangeAspect="1"/>
-          </p:cNvPicPr>
-          <p:nvPr/>
-        </p:nvPicPr>
-        <p:blipFill>
-          <a:blip r:embed="rId6"/>
-          <a:stretch>
-            <a:fillRect/>
-          </a:stretch>
-        </p:blipFill>
-        <p:spPr>
-          <a:xfrm>
-            <a:off x="3874506" y="3054256"/>
-            <a:ext cx="1600200" cy="885825"/>
-          </a:xfrm>
-          <a:prstGeom prst="rect">
-            <a:avLst/>
-          </a:prstGeom>
-        </p:spPr>
-      </p:pic>
-      <p:pic>
-        <p:nvPicPr>
-          <p:cNvPr id="15" name="Obrázek 14">
-            <a:extLst>
-              <a:ext uri="{FF2B5EF4-FFF2-40B4-BE49-F238E27FC236}">
-                <a16:creationId xmlns:a16="http://schemas.microsoft.com/office/drawing/2014/main" id="{78D10F18-993A-6F8A-E228-4734C871AC33}"/>
-              </a:ext>
-            </a:extLst>
-          </p:cNvPr>
-          <p:cNvPicPr>
-            <a:picLocks noChangeAspect="1"/>
-          </p:cNvPicPr>
-          <p:nvPr/>
-        </p:nvPicPr>
-        <p:blipFill rotWithShape="1">
-          <a:blip r:embed="rId7"/>
-          <a:srcRect l="1904"/>
-          <a:stretch/>
-        </p:blipFill>
-        <p:spPr>
-          <a:xfrm>
-            <a:off x="5658417" y="1781223"/>
-            <a:ext cx="3401085" cy="2914650"/>
-          </a:xfrm>
-          <a:prstGeom prst="rect">
-            <a:avLst/>
-          </a:prstGeom>
-        </p:spPr>
-      </p:pic>
+          <p:cNvSpPr>
+            <a:spLocks noGrp="1"/>
+          </p:cNvSpPr>
+          <p:nvPr>
+            <p:ph idx="1"/>
+          </p:nvPr>
+        </p:nvSpPr>
+        <p:spPr/>
+        <p:txBody>
+          <a:bodyPr/>
+          <a:lstStyle/>
+          <a:p>
+            <a:pPr>
+              <a:buFont typeface="Wingdings" panose="05000000000000000000" pitchFamily="2" charset="2"/>
+              <a:buChar char="v"/>
+            </a:pPr>
+            <a:r>
+              <a:rPr lang="cs-CZ" dirty="0"/>
+              <a:t>RSA	– </a:t>
+            </a:r>
+            <a:r>
+              <a:rPr lang="cs-CZ" dirty="0" err="1"/>
+              <a:t>Rivest</a:t>
+            </a:r>
+            <a:r>
+              <a:rPr lang="cs-CZ" dirty="0"/>
+              <a:t>, </a:t>
+            </a:r>
+            <a:r>
+              <a:rPr lang="cs-CZ" dirty="0" err="1"/>
+              <a:t>Shamir</a:t>
+            </a:r>
+            <a:r>
+              <a:rPr lang="cs-CZ" dirty="0"/>
+              <a:t>, </a:t>
+            </a:r>
+            <a:r>
+              <a:rPr lang="cs-CZ" dirty="0" err="1"/>
+              <a:t>Adleman</a:t>
+            </a:r>
+            <a:br>
+              <a:rPr lang="cs-CZ" dirty="0"/>
+            </a:br>
+            <a:r>
+              <a:rPr lang="cs-CZ" dirty="0"/>
+              <a:t>	– Dnes </a:t>
+            </a:r>
+            <a:r>
+              <a:rPr lang="cs-CZ" b="1" dirty="0"/>
+              <a:t>hodně</a:t>
+            </a:r>
+            <a:r>
+              <a:rPr lang="cs-CZ" dirty="0"/>
+              <a:t> používaná</a:t>
+            </a:r>
+            <a:br>
+              <a:rPr lang="cs-CZ" dirty="0"/>
+            </a:br>
+            <a:r>
+              <a:rPr lang="cs-CZ" dirty="0"/>
+              <a:t>	</a:t>
+            </a:r>
+            <a:r>
+              <a:rPr lang="cs-CZ"/>
+              <a:t>– Asymetrická</a:t>
+            </a:r>
+            <a:endParaRPr lang="cs-CZ" dirty="0"/>
+          </a:p>
+          <a:p>
+            <a:pPr>
+              <a:buFont typeface="Wingdings" panose="05000000000000000000" pitchFamily="2" charset="2"/>
+              <a:buChar char="v"/>
+            </a:pPr>
+            <a:endParaRPr lang="cs-CZ" dirty="0"/>
+          </a:p>
+          <a:p>
+            <a:pPr>
+              <a:buFont typeface="Wingdings" panose="05000000000000000000" pitchFamily="2" charset="2"/>
+              <a:buChar char="v"/>
+            </a:pPr>
+            <a:r>
+              <a:rPr lang="cs-CZ" dirty="0"/>
+              <a:t>Kvantové šifrování	– Experimentální</a:t>
+            </a:r>
+            <a:br>
+              <a:rPr lang="cs-CZ" dirty="0"/>
+            </a:br>
+            <a:r>
+              <a:rPr lang="cs-CZ" dirty="0"/>
+              <a:t>				– Kvantová fyzika :)</a:t>
+            </a:r>
+          </a:p>
+          <a:p>
+            <a:pPr>
+              <a:buFont typeface="Wingdings" panose="05000000000000000000" pitchFamily="2" charset="2"/>
+              <a:buChar char="v"/>
+            </a:pPr>
+            <a:endParaRPr lang="cs-CZ" dirty="0"/>
+          </a:p>
+        </p:txBody>
+      </p:sp>
     </p:spTree>
     <p:extLst>
       <p:ext uri="{BB962C8B-B14F-4D97-AF65-F5344CB8AC3E}">
-        <p14:creationId xmlns:p14="http://schemas.microsoft.com/office/powerpoint/2010/main" val="380319652"/>
+        <p14:creationId xmlns:p14="http://schemas.microsoft.com/office/powerpoint/2010/main" val="3123492543"/>
       </p:ext>
     </p:extLst>
   </p:cSld>
   <p:clrMapOvr>
     <a:masterClrMapping/>
   </p:clrMapOvr>
-  <p:transition spd="slow">
+  <p:transition spd="slow" advTm="55665">
     <p:push dir="u"/>
   </p:transition>
   <p:timing>
@@ -14807,7 +15955,7 @@
                                           </p:stCondLst>
                                         </p:cTn>
                                         <p:tgtEl>
-                                          <p:spTgt spid="7"/>
+                                          <p:spTgt spid="2"/>
                                         </p:tgtEl>
                                         <p:attrNameLst>
                                           <p:attrName>style.visibility</p:attrName>
@@ -14821,7 +15969,7 @@
                                       <p:cBhvr>
                                         <p:cTn id="7" dur="2000"/>
                                         <p:tgtEl>
-                                          <p:spTgt spid="7"/>
+                                          <p:spTgt spid="2"/>
                                         </p:tgtEl>
                                       </p:cBhvr>
                                     </p:animEffect>
@@ -14831,36 +15979,31 @@
                             </p:childTnLst>
                           </p:cTn>
                         </p:par>
-                      </p:childTnLst>
-                    </p:cTn>
-                  </p:par>
-                  <p:par>
-                    <p:cTn id="8" fill="hold">
-                      <p:stCondLst>
-                        <p:cond delay="indefinite"/>
-                      </p:stCondLst>
-                      <p:childTnLst>
                         <p:par>
-                          <p:cTn id="9" fill="hold">
+                          <p:cTn id="8" fill="hold">
                             <p:stCondLst>
-                              <p:cond delay="0"/>
+                              <p:cond delay="2000"/>
                             </p:stCondLst>
                             <p:childTnLst>
                               <p:par>
-                                <p:cTn id="10" presetID="22" presetClass="entr" presetSubtype="4" fill="hold" nodeType="clickEffect">
+                                <p:cTn id="9" presetID="2" presetClass="entr" presetSubtype="4" fill="hold" grpId="0" nodeType="afterEffect">
                                   <p:stCondLst>
                                     <p:cond delay="0"/>
                                   </p:stCondLst>
                                   <p:childTnLst>
                                     <p:set>
                                       <p:cBhvr>
-                                        <p:cTn id="11" dur="1" fill="hold">
+                                        <p:cTn id="10" dur="1" fill="hold">
                                           <p:stCondLst>
                                             <p:cond delay="0"/>
                                           </p:stCondLst>
                                         </p:cTn>
                                         <p:tgtEl>
-                                          <p:spTgt spid="3"/>
+                                          <p:spTgt spid="3">
+                                            <p:txEl>
+                                              <p:pRg st="0" end="0"/>
+                                            </p:txEl>
+                                          </p:spTgt>
                                         </p:tgtEl>
                                         <p:attrNameLst>
                                           <p:attrName>style.visibility</p:attrName>
@@ -14870,50 +16013,91 @@
                                         <p:strVal val="visible"/>
                                       </p:to>
                                     </p:set>
-                                    <p:animEffect transition="in" filter="wipe(down)">
-                                      <p:cBhvr>
-                                        <p:cTn id="12" dur="500"/>
-                                        <p:tgtEl>
-                                          <p:spTgt spid="3"/>
-                                        </p:tgtEl>
-                                      </p:cBhvr>
-                                    </p:animEffect>
+                                    <p:anim calcmode="lin" valueType="num">
+                                      <p:cBhvr additive="base">
+                                        <p:cTn id="11" dur="500" fill="hold"/>
+                                        <p:tgtEl>
+                                          <p:spTgt spid="3">
+                                            <p:txEl>
+                                              <p:pRg st="0" end="0"/>
+                                            </p:txEl>
+                                          </p:spTgt>
+                                        </p:tgtEl>
+                                        <p:attrNameLst>
+                                          <p:attrName>ppt_x</p:attrName>
+                                        </p:attrNameLst>
+                                      </p:cBhvr>
+                                      <p:tavLst>
+                                        <p:tav tm="0">
+                                          <p:val>
+                                            <p:strVal val="#ppt_x"/>
+                                          </p:val>
+                                        </p:tav>
+                                        <p:tav tm="100000">
+                                          <p:val>
+                                            <p:strVal val="#ppt_x"/>
+                                          </p:val>
+                                        </p:tav>
+                                      </p:tavLst>
+                                    </p:anim>
+                                    <p:anim calcmode="lin" valueType="num">
+                                      <p:cBhvr additive="base">
+                                        <p:cTn id="12" dur="500" fill="hold"/>
+                                        <p:tgtEl>
+                                          <p:spTgt spid="3">
+                                            <p:txEl>
+                                              <p:pRg st="0" end="0"/>
+                                            </p:txEl>
+                                          </p:spTgt>
+                                        </p:tgtEl>
+                                        <p:attrNameLst>
+                                          <p:attrName>ppt_y</p:attrName>
+                                        </p:attrNameLst>
+                                      </p:cBhvr>
+                                      <p:tavLst>
+                                        <p:tav tm="0">
+                                          <p:val>
+                                            <p:strVal val="1+#ppt_h/2"/>
+                                          </p:val>
+                                        </p:tav>
+                                        <p:tav tm="100000">
+                                          <p:val>
+                                            <p:strVal val="#ppt_y"/>
+                                          </p:val>
+                                        </p:tav>
+                                      </p:tavLst>
+                                    </p:anim>
                                   </p:childTnLst>
                                 </p:cTn>
                               </p:par>
                             </p:childTnLst>
                           </p:cTn>
                         </p:par>
-                      </p:childTnLst>
-                    </p:cTn>
-                  </p:par>
-                  <p:par>
-                    <p:cTn id="13" fill="hold">
-                      <p:stCondLst>
-                        <p:cond delay="indefinite"/>
-                      </p:stCondLst>
-                      <p:childTnLst>
                         <p:par>
-                          <p:cTn id="14" fill="hold">
+                          <p:cTn id="13" fill="hold">
                             <p:stCondLst>
-                              <p:cond delay="0"/>
+                              <p:cond delay="2500"/>
                             </p:stCondLst>
                             <p:childTnLst>
                               <p:par>
-                                <p:cTn id="15" presetID="22" presetClass="entr" presetSubtype="4" fill="hold" nodeType="clickEffect">
+                                <p:cTn id="14" presetID="2" presetClass="entr" presetSubtype="4" fill="hold" grpId="0" nodeType="afterEffect">
                                   <p:stCondLst>
                                     <p:cond delay="0"/>
                                   </p:stCondLst>
                                   <p:childTnLst>
                                     <p:set>
                                       <p:cBhvr>
-                                        <p:cTn id="16" dur="1" fill="hold">
+                                        <p:cTn id="15" dur="1" fill="hold">
                                           <p:stCondLst>
                                             <p:cond delay="0"/>
                                           </p:stCondLst>
                                         </p:cTn>
                                         <p:tgtEl>
-                                          <p:spTgt spid="5"/>
+                                          <p:spTgt spid="3">
+                                            <p:txEl>
+                                              <p:pRg st="2" end="2"/>
+                                            </p:txEl>
+                                          </p:spTgt>
                                         </p:tgtEl>
                                         <p:attrNameLst>
                                           <p:attrName>style.visibility</p:attrName>
@@ -14923,173 +16107,60 @@
                                         <p:strVal val="visible"/>
                                       </p:to>
                                     </p:set>
-                                    <p:animEffect transition="in" filter="wipe(down)">
-                                      <p:cBhvr>
-                                        <p:cTn id="17" dur="500"/>
-                                        <p:tgtEl>
-                                          <p:spTgt spid="5"/>
-                                        </p:tgtEl>
-                                      </p:cBhvr>
-                                    </p:animEffect>
-                                  </p:childTnLst>
-                                </p:cTn>
-                              </p:par>
-                            </p:childTnLst>
-                          </p:cTn>
-                        </p:par>
-                      </p:childTnLst>
-                    </p:cTn>
-                  </p:par>
-                  <p:par>
-                    <p:cTn id="18" fill="hold">
-                      <p:stCondLst>
-                        <p:cond delay="indefinite"/>
-                      </p:stCondLst>
-                      <p:childTnLst>
-                        <p:par>
-                          <p:cTn id="19" fill="hold">
-                            <p:stCondLst>
-                              <p:cond delay="0"/>
-                            </p:stCondLst>
-                            <p:childTnLst>
-                              <p:par>
-                                <p:cTn id="20" presetID="22" presetClass="entr" presetSubtype="4" fill="hold" nodeType="clickEffect">
-                                  <p:stCondLst>
-                                    <p:cond delay="0"/>
-                                  </p:stCondLst>
-                                  <p:childTnLst>
-                                    <p:set>
-                                      <p:cBhvr>
-                                        <p:cTn id="21" dur="1" fill="hold">
-                                          <p:stCondLst>
-                                            <p:cond delay="0"/>
-                                          </p:stCondLst>
-                                        </p:cTn>
-                                        <p:tgtEl>
-                                          <p:spTgt spid="11"/>
-                                        </p:tgtEl>
-                                        <p:attrNameLst>
-                                          <p:attrName>style.visibility</p:attrName>
-                                        </p:attrNameLst>
-                                      </p:cBhvr>
-                                      <p:to>
-                                        <p:strVal val="visible"/>
-                                      </p:to>
-                                    </p:set>
-                                    <p:animEffect transition="in" filter="wipe(down)">
-                                      <p:cBhvr>
-                                        <p:cTn id="22" dur="500"/>
-                                        <p:tgtEl>
-                                          <p:spTgt spid="11"/>
-                                        </p:tgtEl>
-                                      </p:cBhvr>
-                                    </p:animEffect>
-                                  </p:childTnLst>
-                                </p:cTn>
-                              </p:par>
-                            </p:childTnLst>
-                          </p:cTn>
-                        </p:par>
-                      </p:childTnLst>
-                    </p:cTn>
-                  </p:par>
-                  <p:par>
-                    <p:cTn id="23" fill="hold">
-                      <p:stCondLst>
-                        <p:cond delay="indefinite"/>
-                      </p:stCondLst>
-                      <p:childTnLst>
-                        <p:par>
-                          <p:cTn id="24" fill="hold">
-                            <p:stCondLst>
-                              <p:cond delay="0"/>
-                            </p:stCondLst>
-                            <p:childTnLst>
-                              <p:par>
-                                <p:cTn id="25" presetID="22" presetClass="entr" presetSubtype="4" fill="hold" nodeType="clickEffect">
-                                  <p:stCondLst>
-                                    <p:cond delay="0"/>
-                                  </p:stCondLst>
-                                  <p:childTnLst>
-                                    <p:set>
-                                      <p:cBhvr>
-                                        <p:cTn id="26" dur="1" fill="hold">
-                                          <p:stCondLst>
-                                            <p:cond delay="0"/>
-                                          </p:stCondLst>
-                                        </p:cTn>
-                                        <p:tgtEl>
-                                          <p:spTgt spid="13"/>
-                                        </p:tgtEl>
-                                        <p:attrNameLst>
-                                          <p:attrName>style.visibility</p:attrName>
-                                        </p:attrNameLst>
-                                      </p:cBhvr>
-                                      <p:to>
-                                        <p:strVal val="visible"/>
-                                      </p:to>
-                                    </p:set>
-                                    <p:animEffect transition="in" filter="wipe(down)">
-                                      <p:cBhvr>
-                                        <p:cTn id="27" dur="500"/>
-                                        <p:tgtEl>
-                                          <p:spTgt spid="13"/>
-                                        </p:tgtEl>
-                                      </p:cBhvr>
-                                    </p:animEffect>
-                                  </p:childTnLst>
-                                </p:cTn>
-                              </p:par>
-                            </p:childTnLst>
-                          </p:cTn>
-                        </p:par>
-                      </p:childTnLst>
-                    </p:cTn>
-                  </p:par>
-                  <p:par>
-                    <p:cTn id="28" fill="hold">
-                      <p:stCondLst>
-                        <p:cond delay="indefinite"/>
-                      </p:stCondLst>
-                      <p:childTnLst>
-                        <p:par>
-                          <p:cTn id="29" fill="hold">
-                            <p:stCondLst>
-                              <p:cond delay="0"/>
-                            </p:stCondLst>
-                            <p:childTnLst>
-                              <p:par>
-                                <p:cTn id="30" presetID="22" presetClass="entr" presetSubtype="4" fill="hold" nodeType="clickEffect">
-                                  <p:stCondLst>
-                                    <p:cond delay="0"/>
-                                  </p:stCondLst>
-                                  <p:childTnLst>
-                                    <p:set>
-                                      <p:cBhvr>
-                                        <p:cTn id="31" dur="1" fill="hold">
-                                          <p:stCondLst>
-                                            <p:cond delay="0"/>
-                                          </p:stCondLst>
-                                        </p:cTn>
-                                        <p:tgtEl>
-                                          <p:spTgt spid="15"/>
-                                        </p:tgtEl>
-                                        <p:attrNameLst>
-                                          <p:attrName>style.visibility</p:attrName>
-                                        </p:attrNameLst>
-                                      </p:cBhvr>
-                                      <p:to>
-                                        <p:strVal val="visible"/>
-                                      </p:to>
-                                    </p:set>
-                                    <p:animEffect transition="in" filter="wipe(down)">
-                                      <p:cBhvr>
-                                        <p:cTn id="32" dur="500"/>
-                                        <p:tgtEl>
-                                          <p:spTgt spid="15"/>
-                                        </p:tgtEl>
-                                      </p:cBhvr>
-                                    </p:animEffect>
+                                    <p:anim calcmode="lin" valueType="num">
+                                      <p:cBhvr additive="base">
+                                        <p:cTn id="16" dur="500" fill="hold"/>
+                                        <p:tgtEl>
+                                          <p:spTgt spid="3">
+                                            <p:txEl>
+                                              <p:pRg st="2" end="2"/>
+                                            </p:txEl>
+                                          </p:spTgt>
+                                        </p:tgtEl>
+                                        <p:attrNameLst>
+                                          <p:attrName>ppt_x</p:attrName>
+                                        </p:attrNameLst>
+                                      </p:cBhvr>
+                                      <p:tavLst>
+                                        <p:tav tm="0">
+                                          <p:val>
+                                            <p:strVal val="#ppt_x"/>
+                                          </p:val>
+                                        </p:tav>
+                                        <p:tav tm="100000">
+                                          <p:val>
+                                            <p:strVal val="#ppt_x"/>
+                                          </p:val>
+                                        </p:tav>
+                                      </p:tavLst>
+                                    </p:anim>
+                                    <p:anim calcmode="lin" valueType="num">
+                                      <p:cBhvr additive="base">
+                                        <p:cTn id="17" dur="500" fill="hold"/>
+                                        <p:tgtEl>
+                                          <p:spTgt spid="3">
+                                            <p:txEl>
+                                              <p:pRg st="2" end="2"/>
+                                            </p:txEl>
+                                          </p:spTgt>
+                                        </p:tgtEl>
+                                        <p:attrNameLst>
+                                          <p:attrName>ppt_y</p:attrName>
+                                        </p:attrNameLst>
+                                      </p:cBhvr>
+                                      <p:tavLst>
+                                        <p:tav tm="0">
+                                          <p:val>
+                                            <p:strVal val="1+#ppt_h/2"/>
+                                          </p:val>
+                                        </p:tav>
+                                        <p:tav tm="100000">
+                                          <p:val>
+                                            <p:strVal val="#ppt_y"/>
+                                          </p:val>
+                                        </p:tav>
+                                      </p:tavLst>
+                                    </p:anim>
                                   </p:childTnLst>
                                 </p:cTn>
                               </p:par>
@@ -15121,10 +16192,29 @@
       </p:par>
     </p:tnLst>
     <p:bldLst>
-      <p:bldP spid="7" grpId="0"/>
+      <p:bldP spid="2" grpId="0"/>
+      <p:bldP spid="3" grpId="0" build="p"/>
     </p:bldLst>
   </p:timing>
 </p:sld>
+</file>
+
+<file path=ppt/tags/tag1.xml><?xml version="1.0" encoding="utf-8"?>
+<p:tagLst xmlns:a="http://schemas.openxmlformats.org/drawingml/2006/main" xmlns:r="http://schemas.openxmlformats.org/officeDocument/2006/relationships" xmlns:p="http://schemas.openxmlformats.org/presentationml/2006/main">
+  <p:tag name="TIMING" val="|5.9|20.1|11.3|17.5|9.2|7.2|26.1"/>
+</p:tagLst>
+</file>
+
+<file path=ppt/tags/tag2.xml><?xml version="1.0" encoding="utf-8"?>
+<p:tagLst xmlns:a="http://schemas.openxmlformats.org/drawingml/2006/main" xmlns:r="http://schemas.openxmlformats.org/officeDocument/2006/relationships" xmlns:p="http://schemas.openxmlformats.org/presentationml/2006/main">
+  <p:tag name="TIMING" val="|5|7.1|35.4|9.7|13"/>
+</p:tagLst>
+</file>
+
+<file path=ppt/tags/tag3.xml><?xml version="1.0" encoding="utf-8"?>
+<p:tagLst xmlns:a="http://schemas.openxmlformats.org/drawingml/2006/main" xmlns:r="http://schemas.openxmlformats.org/officeDocument/2006/relationships" xmlns:p="http://schemas.openxmlformats.org/presentationml/2006/main">
+  <p:tag name="TIMING" val="|29.8|30.7"/>
+</p:tagLst>
 </file>
 
 <file path=ppt/theme/theme1.xml><?xml version="1.0" encoding="utf-8"?>
